--- a/images/image.pptx
+++ b/images/image.pptx
@@ -14,6 +14,7 @@
     <p:sldId id="261" r:id="rId8"/>
     <p:sldId id="262" r:id="rId9"/>
     <p:sldId id="263" r:id="rId10"/>
+    <p:sldId id="265" r:id="rId11"/>
   </p:sldIdLst>
   <p:sldSz cx="9144000" cy="6858000" type="screen4x3"/>
   <p:notesSz cx="6858000" cy="9144000"/>
@@ -314,7 +315,7 @@
           <a:p>
             <a:fld id="{773E3A52-2DD2-6749-B427-C9A1D0BB55DF}" type="datetimeFigureOut">
               <a:rPr kumimoji="1" lang="zh-CN" altLang="en-US" smtClean="0"/>
-              <a:t>2017/11/29</a:t>
+              <a:t>2018/1/31</a:t>
             </a:fld>
             <a:endParaRPr kumimoji="1" lang="zh-CN" altLang="en-US"/>
           </a:p>
@@ -482,7 +483,7 @@
           <a:p>
             <a:fld id="{773E3A52-2DD2-6749-B427-C9A1D0BB55DF}" type="datetimeFigureOut">
               <a:rPr kumimoji="1" lang="zh-CN" altLang="en-US" smtClean="0"/>
-              <a:t>2017/11/29</a:t>
+              <a:t>2018/1/31</a:t>
             </a:fld>
             <a:endParaRPr kumimoji="1" lang="zh-CN" altLang="en-US"/>
           </a:p>
@@ -660,7 +661,7 @@
           <a:p>
             <a:fld id="{773E3A52-2DD2-6749-B427-C9A1D0BB55DF}" type="datetimeFigureOut">
               <a:rPr kumimoji="1" lang="zh-CN" altLang="en-US" smtClean="0"/>
-              <a:t>2017/11/29</a:t>
+              <a:t>2018/1/31</a:t>
             </a:fld>
             <a:endParaRPr kumimoji="1" lang="zh-CN" altLang="en-US"/>
           </a:p>
@@ -828,7 +829,7 @@
           <a:p>
             <a:fld id="{773E3A52-2DD2-6749-B427-C9A1D0BB55DF}" type="datetimeFigureOut">
               <a:rPr kumimoji="1" lang="zh-CN" altLang="en-US" smtClean="0"/>
-              <a:t>2017/11/29</a:t>
+              <a:t>2018/1/31</a:t>
             </a:fld>
             <a:endParaRPr kumimoji="1" lang="zh-CN" altLang="en-US"/>
           </a:p>
@@ -1073,7 +1074,7 @@
           <a:p>
             <a:fld id="{773E3A52-2DD2-6749-B427-C9A1D0BB55DF}" type="datetimeFigureOut">
               <a:rPr kumimoji="1" lang="zh-CN" altLang="en-US" smtClean="0"/>
-              <a:t>2017/11/29</a:t>
+              <a:t>2018/1/31</a:t>
             </a:fld>
             <a:endParaRPr kumimoji="1" lang="zh-CN" altLang="en-US"/>
           </a:p>
@@ -1358,7 +1359,7 @@
           <a:p>
             <a:fld id="{773E3A52-2DD2-6749-B427-C9A1D0BB55DF}" type="datetimeFigureOut">
               <a:rPr kumimoji="1" lang="zh-CN" altLang="en-US" smtClean="0"/>
-              <a:t>2017/11/29</a:t>
+              <a:t>2018/1/31</a:t>
             </a:fld>
             <a:endParaRPr kumimoji="1" lang="zh-CN" altLang="en-US"/>
           </a:p>
@@ -1777,7 +1778,7 @@
           <a:p>
             <a:fld id="{773E3A52-2DD2-6749-B427-C9A1D0BB55DF}" type="datetimeFigureOut">
               <a:rPr kumimoji="1" lang="zh-CN" altLang="en-US" smtClean="0"/>
-              <a:t>2017/11/29</a:t>
+              <a:t>2018/1/31</a:t>
             </a:fld>
             <a:endParaRPr kumimoji="1" lang="zh-CN" altLang="en-US"/>
           </a:p>
@@ -1894,7 +1895,7 @@
           <a:p>
             <a:fld id="{773E3A52-2DD2-6749-B427-C9A1D0BB55DF}" type="datetimeFigureOut">
               <a:rPr kumimoji="1" lang="zh-CN" altLang="en-US" smtClean="0"/>
-              <a:t>2017/11/29</a:t>
+              <a:t>2018/1/31</a:t>
             </a:fld>
             <a:endParaRPr kumimoji="1" lang="zh-CN" altLang="en-US"/>
           </a:p>
@@ -1989,7 +1990,7 @@
           <a:p>
             <a:fld id="{773E3A52-2DD2-6749-B427-C9A1D0BB55DF}" type="datetimeFigureOut">
               <a:rPr kumimoji="1" lang="zh-CN" altLang="en-US" smtClean="0"/>
-              <a:t>2017/11/29</a:t>
+              <a:t>2018/1/31</a:t>
             </a:fld>
             <a:endParaRPr kumimoji="1" lang="zh-CN" altLang="en-US"/>
           </a:p>
@@ -2264,7 +2265,7 @@
           <a:p>
             <a:fld id="{773E3A52-2DD2-6749-B427-C9A1D0BB55DF}" type="datetimeFigureOut">
               <a:rPr kumimoji="1" lang="zh-CN" altLang="en-US" smtClean="0"/>
-              <a:t>2017/11/29</a:t>
+              <a:t>2018/1/31</a:t>
             </a:fld>
             <a:endParaRPr kumimoji="1" lang="zh-CN" altLang="en-US"/>
           </a:p>
@@ -2516,7 +2517,7 @@
           <a:p>
             <a:fld id="{773E3A52-2DD2-6749-B427-C9A1D0BB55DF}" type="datetimeFigureOut">
               <a:rPr kumimoji="1" lang="zh-CN" altLang="en-US" smtClean="0"/>
-              <a:t>2017/11/29</a:t>
+              <a:t>2018/1/31</a:t>
             </a:fld>
             <a:endParaRPr kumimoji="1" lang="zh-CN" altLang="en-US"/>
           </a:p>
@@ -2727,7 +2728,7 @@
           <a:p>
             <a:fld id="{773E3A52-2DD2-6749-B427-C9A1D0BB55DF}" type="datetimeFigureOut">
               <a:rPr kumimoji="1" lang="zh-CN" altLang="en-US" smtClean="0"/>
-              <a:t>2017/11/29</a:t>
+              <a:t>2018/1/31</a:t>
             </a:fld>
             <a:endParaRPr kumimoji="1" lang="zh-CN" altLang="en-US"/>
           </a:p>
@@ -3153,6 +3154,1361 @@
 </p:sld>
 </file>
 
+<file path=ppt/slides/slide10.xml><?xml version="1.0" encoding="utf-8"?>
+<p:sld xmlns:a="http://schemas.openxmlformats.org/drawingml/2006/main" xmlns:r="http://schemas.openxmlformats.org/officeDocument/2006/relationships" xmlns:p="http://schemas.openxmlformats.org/presentationml/2006/main">
+  <p:cSld>
+    <p:spTree>
+      <p:nvGrpSpPr>
+        <p:cNvPr id="1" name=""/>
+        <p:cNvGrpSpPr/>
+        <p:nvPr/>
+      </p:nvGrpSpPr>
+      <p:grpSpPr>
+        <a:xfrm>
+          <a:off x="0" y="0"/>
+          <a:ext cx="0" cy="0"/>
+          <a:chOff x="0" y="0"/>
+          <a:chExt cx="0" cy="0"/>
+        </a:xfrm>
+      </p:grpSpPr>
+      <p:cxnSp>
+        <p:nvCxnSpPr>
+          <p:cNvPr id="5" name="直接连接符 4">
+            <a:extLst>
+              <a:ext uri="{FF2B5EF4-FFF2-40B4-BE49-F238E27FC236}">
+                <a16:creationId xmlns:a16="http://schemas.microsoft.com/office/drawing/2014/main" id="{3AEF261E-7B2D-4B02-8DFD-5202A566274E}"/>
+              </a:ext>
+            </a:extLst>
+          </p:cNvPr>
+          <p:cNvCxnSpPr>
+            <a:cxnSpLocks/>
+          </p:cNvCxnSpPr>
+          <p:nvPr/>
+        </p:nvCxnSpPr>
+        <p:spPr>
+          <a:xfrm>
+            <a:off x="1096265" y="1550894"/>
+            <a:ext cx="0" cy="3801035"/>
+          </a:xfrm>
+          <a:prstGeom prst="line">
+            <a:avLst/>
+          </a:prstGeom>
+          <a:ln w="57150">
+            <a:solidFill>
+              <a:schemeClr val="tx1"/>
+            </a:solidFill>
+          </a:ln>
+        </p:spPr>
+        <p:style>
+          <a:lnRef idx="2">
+            <a:schemeClr val="accent1"/>
+          </a:lnRef>
+          <a:fillRef idx="0">
+            <a:schemeClr val="accent1"/>
+          </a:fillRef>
+          <a:effectRef idx="1">
+            <a:schemeClr val="accent1"/>
+          </a:effectRef>
+          <a:fontRef idx="minor">
+            <a:schemeClr val="tx1"/>
+          </a:fontRef>
+        </p:style>
+      </p:cxnSp>
+      <p:cxnSp>
+        <p:nvCxnSpPr>
+          <p:cNvPr id="14" name="直接连接符 13">
+            <a:extLst>
+              <a:ext uri="{FF2B5EF4-FFF2-40B4-BE49-F238E27FC236}">
+                <a16:creationId xmlns:a16="http://schemas.microsoft.com/office/drawing/2014/main" id="{869E2321-F6CE-4985-AAA5-7D670FFD9CEE}"/>
+              </a:ext>
+            </a:extLst>
+          </p:cNvPr>
+          <p:cNvCxnSpPr>
+            <a:cxnSpLocks/>
+          </p:cNvCxnSpPr>
+          <p:nvPr/>
+        </p:nvCxnSpPr>
+        <p:spPr>
+          <a:xfrm>
+            <a:off x="3030070" y="1524000"/>
+            <a:ext cx="0" cy="3827929"/>
+          </a:xfrm>
+          <a:prstGeom prst="line">
+            <a:avLst/>
+          </a:prstGeom>
+          <a:ln w="57150">
+            <a:solidFill>
+              <a:schemeClr val="tx1"/>
+            </a:solidFill>
+          </a:ln>
+        </p:spPr>
+        <p:style>
+          <a:lnRef idx="2">
+            <a:schemeClr val="accent1"/>
+          </a:lnRef>
+          <a:fillRef idx="0">
+            <a:schemeClr val="accent1"/>
+          </a:fillRef>
+          <a:effectRef idx="1">
+            <a:schemeClr val="accent1"/>
+          </a:effectRef>
+          <a:fontRef idx="minor">
+            <a:schemeClr val="tx1"/>
+          </a:fontRef>
+        </p:style>
+      </p:cxnSp>
+      <p:cxnSp>
+        <p:nvCxnSpPr>
+          <p:cNvPr id="15" name="直接连接符 14">
+            <a:extLst>
+              <a:ext uri="{FF2B5EF4-FFF2-40B4-BE49-F238E27FC236}">
+                <a16:creationId xmlns:a16="http://schemas.microsoft.com/office/drawing/2014/main" id="{FDE66195-E9C6-45BB-8BDE-9DE41AF5AC76}"/>
+              </a:ext>
+            </a:extLst>
+          </p:cNvPr>
+          <p:cNvCxnSpPr>
+            <a:cxnSpLocks/>
+          </p:cNvCxnSpPr>
+          <p:nvPr/>
+        </p:nvCxnSpPr>
+        <p:spPr>
+          <a:xfrm>
+            <a:off x="5012656" y="1524000"/>
+            <a:ext cx="0" cy="3827929"/>
+          </a:xfrm>
+          <a:prstGeom prst="line">
+            <a:avLst/>
+          </a:prstGeom>
+          <a:ln w="57150">
+            <a:solidFill>
+              <a:schemeClr val="tx1"/>
+            </a:solidFill>
+          </a:ln>
+        </p:spPr>
+        <p:style>
+          <a:lnRef idx="2">
+            <a:schemeClr val="accent1"/>
+          </a:lnRef>
+          <a:fillRef idx="0">
+            <a:schemeClr val="accent1"/>
+          </a:fillRef>
+          <a:effectRef idx="1">
+            <a:schemeClr val="accent1"/>
+          </a:effectRef>
+          <a:fontRef idx="minor">
+            <a:schemeClr val="tx1"/>
+          </a:fontRef>
+        </p:style>
+      </p:cxnSp>
+      <p:cxnSp>
+        <p:nvCxnSpPr>
+          <p:cNvPr id="16" name="直接连接符 15">
+            <a:extLst>
+              <a:ext uri="{FF2B5EF4-FFF2-40B4-BE49-F238E27FC236}">
+                <a16:creationId xmlns:a16="http://schemas.microsoft.com/office/drawing/2014/main" id="{A1CD1053-CB2F-4067-8CAF-F89A2E2F5D4A}"/>
+              </a:ext>
+            </a:extLst>
+          </p:cNvPr>
+          <p:cNvCxnSpPr>
+            <a:cxnSpLocks/>
+          </p:cNvCxnSpPr>
+          <p:nvPr/>
+        </p:nvCxnSpPr>
+        <p:spPr>
+          <a:xfrm flipH="1">
+            <a:off x="6948814" y="1524000"/>
+            <a:ext cx="1" cy="3827929"/>
+          </a:xfrm>
+          <a:prstGeom prst="line">
+            <a:avLst/>
+          </a:prstGeom>
+          <a:ln w="57150">
+            <a:solidFill>
+              <a:schemeClr val="tx1"/>
+            </a:solidFill>
+          </a:ln>
+        </p:spPr>
+        <p:style>
+          <a:lnRef idx="2">
+            <a:schemeClr val="accent1"/>
+          </a:lnRef>
+          <a:fillRef idx="0">
+            <a:schemeClr val="accent1"/>
+          </a:fillRef>
+          <a:effectRef idx="1">
+            <a:schemeClr val="accent1"/>
+          </a:effectRef>
+          <a:fontRef idx="minor">
+            <a:schemeClr val="tx1"/>
+          </a:fontRef>
+        </p:style>
+      </p:cxnSp>
+      <p:sp>
+        <p:nvSpPr>
+          <p:cNvPr id="17" name="文本框 16">
+            <a:extLst>
+              <a:ext uri="{FF2B5EF4-FFF2-40B4-BE49-F238E27FC236}">
+                <a16:creationId xmlns:a16="http://schemas.microsoft.com/office/drawing/2014/main" id="{18AAA456-F305-4EFE-B4C2-395FA32A20A3}"/>
+              </a:ext>
+            </a:extLst>
+          </p:cNvPr>
+          <p:cNvSpPr txBox="1"/>
+          <p:nvPr/>
+        </p:nvSpPr>
+        <p:spPr>
+          <a:xfrm>
+            <a:off x="2448693" y="679592"/>
+            <a:ext cx="1162755" cy="400110"/>
+          </a:xfrm>
+          <a:prstGeom prst="rect">
+            <a:avLst/>
+          </a:prstGeom>
+          <a:noFill/>
+        </p:spPr>
+        <p:txBody>
+          <a:bodyPr wrap="none" rtlCol="0">
+            <a:spAutoFit/>
+          </a:bodyPr>
+          <a:lstStyle/>
+          <a:p>
+            <a:pPr algn="ctr"/>
+            <a:r>
+              <a:rPr lang="en-US" altLang="zh-CN" sz="2000" b="1" dirty="0">
+                <a:latin typeface="Times New Roman" panose="02020603050405020304" pitchFamily="18" charset="0"/>
+                <a:cs typeface="Times New Roman" panose="02020603050405020304" pitchFamily="18" charset="0"/>
+              </a:rPr>
+              <a:t>BCI App</a:t>
+            </a:r>
+            <a:endParaRPr lang="zh-CN" altLang="en-US" sz="2000" b="1" dirty="0">
+              <a:latin typeface="Times New Roman" panose="02020603050405020304" pitchFamily="18" charset="0"/>
+              <a:cs typeface="Times New Roman" panose="02020603050405020304" pitchFamily="18" charset="0"/>
+            </a:endParaRPr>
+          </a:p>
+        </p:txBody>
+      </p:sp>
+      <p:sp>
+        <p:nvSpPr>
+          <p:cNvPr id="18" name="文本框 17">
+            <a:extLst>
+              <a:ext uri="{FF2B5EF4-FFF2-40B4-BE49-F238E27FC236}">
+                <a16:creationId xmlns:a16="http://schemas.microsoft.com/office/drawing/2014/main" id="{4A8E12EA-EF1C-4539-A2DC-C5F3E74DD626}"/>
+              </a:ext>
+            </a:extLst>
+          </p:cNvPr>
+          <p:cNvSpPr txBox="1"/>
+          <p:nvPr/>
+        </p:nvSpPr>
+        <p:spPr>
+          <a:xfrm>
+            <a:off x="747451" y="704397"/>
+            <a:ext cx="697628" cy="400110"/>
+          </a:xfrm>
+          <a:prstGeom prst="rect">
+            <a:avLst/>
+          </a:prstGeom>
+          <a:noFill/>
+        </p:spPr>
+        <p:txBody>
+          <a:bodyPr wrap="none" rtlCol="0">
+            <a:spAutoFit/>
+          </a:bodyPr>
+          <a:lstStyle/>
+          <a:p>
+            <a:pPr algn="ctr"/>
+            <a:r>
+              <a:rPr lang="en-US" altLang="zh-CN" sz="2000" b="1" dirty="0">
+                <a:latin typeface="Times New Roman" panose="02020603050405020304" pitchFamily="18" charset="0"/>
+                <a:cs typeface="Times New Roman" panose="02020603050405020304" pitchFamily="18" charset="0"/>
+              </a:rPr>
+              <a:t>User</a:t>
+            </a:r>
+            <a:endParaRPr lang="zh-CN" altLang="en-US" sz="2000" b="1" dirty="0">
+              <a:latin typeface="Times New Roman" panose="02020603050405020304" pitchFamily="18" charset="0"/>
+              <a:cs typeface="Times New Roman" panose="02020603050405020304" pitchFamily="18" charset="0"/>
+            </a:endParaRPr>
+          </a:p>
+        </p:txBody>
+      </p:sp>
+      <p:sp>
+        <p:nvSpPr>
+          <p:cNvPr id="19" name="文本框 18">
+            <a:extLst>
+              <a:ext uri="{FF2B5EF4-FFF2-40B4-BE49-F238E27FC236}">
+                <a16:creationId xmlns:a16="http://schemas.microsoft.com/office/drawing/2014/main" id="{E20864C0-B8D6-4CD4-AA48-E980FC19215B}"/>
+              </a:ext>
+            </a:extLst>
+          </p:cNvPr>
+          <p:cNvSpPr txBox="1"/>
+          <p:nvPr/>
+        </p:nvSpPr>
+        <p:spPr>
+          <a:xfrm>
+            <a:off x="4159567" y="595556"/>
+            <a:ext cx="1659750" cy="707886"/>
+          </a:xfrm>
+          <a:prstGeom prst="rect">
+            <a:avLst/>
+          </a:prstGeom>
+          <a:noFill/>
+        </p:spPr>
+        <p:txBody>
+          <a:bodyPr wrap="none" rtlCol="0">
+            <a:spAutoFit/>
+          </a:bodyPr>
+          <a:lstStyle/>
+          <a:p>
+            <a:pPr algn="ctr"/>
+            <a:r>
+              <a:rPr lang="en-US" altLang="zh-CN" sz="2000" b="1" dirty="0"/>
+              <a:t>Thinkgear.dll/</a:t>
+            </a:r>
+          </a:p>
+          <a:p>
+            <a:pPr algn="ctr"/>
+            <a:r>
+              <a:rPr lang="en-US" altLang="zh-CN" sz="2000" b="1" dirty="0"/>
+              <a:t>TGSP Server</a:t>
+            </a:r>
+            <a:endParaRPr lang="zh-CN" altLang="en-US" sz="2000" b="1" dirty="0"/>
+          </a:p>
+        </p:txBody>
+      </p:sp>
+      <p:sp>
+        <p:nvSpPr>
+          <p:cNvPr id="20" name="文本框 19">
+            <a:extLst>
+              <a:ext uri="{FF2B5EF4-FFF2-40B4-BE49-F238E27FC236}">
+                <a16:creationId xmlns:a16="http://schemas.microsoft.com/office/drawing/2014/main" id="{82BBC26A-E7F6-43F1-81ED-8EC056E01721}"/>
+              </a:ext>
+            </a:extLst>
+          </p:cNvPr>
+          <p:cNvSpPr txBox="1"/>
+          <p:nvPr/>
+        </p:nvSpPr>
+        <p:spPr>
+          <a:xfrm>
+            <a:off x="5884164" y="441668"/>
+            <a:ext cx="2129302" cy="1015663"/>
+          </a:xfrm>
+          <a:prstGeom prst="rect">
+            <a:avLst/>
+          </a:prstGeom>
+          <a:noFill/>
+        </p:spPr>
+        <p:txBody>
+          <a:bodyPr wrap="none" rtlCol="0">
+            <a:spAutoFit/>
+          </a:bodyPr>
+          <a:lstStyle/>
+          <a:p>
+            <a:pPr algn="ctr"/>
+            <a:r>
+              <a:rPr lang="en-US" altLang="zh-CN" sz="2000" b="1" dirty="0" err="1">
+                <a:latin typeface="Times New Roman" panose="02020603050405020304" pitchFamily="18" charset="0"/>
+                <a:cs typeface="Times New Roman" panose="02020603050405020304" pitchFamily="18" charset="0"/>
+              </a:rPr>
+              <a:t>NeuroSky</a:t>
+            </a:r>
+            <a:endParaRPr lang="en-US" altLang="zh-CN" sz="2000" b="1" dirty="0">
+              <a:latin typeface="Times New Roman" panose="02020603050405020304" pitchFamily="18" charset="0"/>
+              <a:cs typeface="Times New Roman" panose="02020603050405020304" pitchFamily="18" charset="0"/>
+            </a:endParaRPr>
+          </a:p>
+          <a:p>
+            <a:pPr algn="ctr"/>
+            <a:r>
+              <a:rPr lang="en-US" altLang="zh-CN" sz="2000" b="1" dirty="0">
+                <a:latin typeface="Times New Roman" panose="02020603050405020304" pitchFamily="18" charset="0"/>
+                <a:cs typeface="Times New Roman" panose="02020603050405020304" pitchFamily="18" charset="0"/>
+              </a:rPr>
+              <a:t>Service-providing</a:t>
+            </a:r>
+          </a:p>
+          <a:p>
+            <a:pPr algn="ctr"/>
+            <a:r>
+              <a:rPr lang="en-US" altLang="zh-CN" sz="2000" b="1" dirty="0">
+                <a:latin typeface="Times New Roman" panose="02020603050405020304" pitchFamily="18" charset="0"/>
+                <a:cs typeface="Times New Roman" panose="02020603050405020304" pitchFamily="18" charset="0"/>
+              </a:rPr>
+              <a:t>Server</a:t>
+            </a:r>
+          </a:p>
+        </p:txBody>
+      </p:sp>
+      <p:cxnSp>
+        <p:nvCxnSpPr>
+          <p:cNvPr id="22" name="直接箭头连接符 21">
+            <a:extLst>
+              <a:ext uri="{FF2B5EF4-FFF2-40B4-BE49-F238E27FC236}">
+                <a16:creationId xmlns:a16="http://schemas.microsoft.com/office/drawing/2014/main" id="{B4D6398D-3FE0-4B38-B210-72EAAF62FC3E}"/>
+              </a:ext>
+            </a:extLst>
+          </p:cNvPr>
+          <p:cNvCxnSpPr>
+            <a:cxnSpLocks/>
+          </p:cNvCxnSpPr>
+          <p:nvPr/>
+        </p:nvCxnSpPr>
+        <p:spPr>
+          <a:xfrm flipV="1">
+            <a:off x="3030070" y="1531263"/>
+            <a:ext cx="3918744" cy="19631"/>
+          </a:xfrm>
+          <a:prstGeom prst="straightConnector1">
+            <a:avLst/>
+          </a:prstGeom>
+          <a:ln>
+            <a:solidFill>
+              <a:schemeClr val="tx1"/>
+            </a:solidFill>
+            <a:prstDash val="dash"/>
+            <a:tailEnd type="triangle"/>
+          </a:ln>
+        </p:spPr>
+        <p:style>
+          <a:lnRef idx="2">
+            <a:schemeClr val="accent1"/>
+          </a:lnRef>
+          <a:fillRef idx="0">
+            <a:schemeClr val="accent1"/>
+          </a:fillRef>
+          <a:effectRef idx="1">
+            <a:schemeClr val="accent1"/>
+          </a:effectRef>
+          <a:fontRef idx="minor">
+            <a:schemeClr val="tx1"/>
+          </a:fontRef>
+        </p:style>
+      </p:cxnSp>
+      <p:sp>
+        <p:nvSpPr>
+          <p:cNvPr id="24" name="文本框 23">
+            <a:extLst>
+              <a:ext uri="{FF2B5EF4-FFF2-40B4-BE49-F238E27FC236}">
+                <a16:creationId xmlns:a16="http://schemas.microsoft.com/office/drawing/2014/main" id="{FF5EAE29-E9B3-47EA-AFD7-68928983B8F5}"/>
+              </a:ext>
+            </a:extLst>
+          </p:cNvPr>
+          <p:cNvSpPr txBox="1"/>
+          <p:nvPr/>
+        </p:nvSpPr>
+        <p:spPr>
+          <a:xfrm>
+            <a:off x="3297414" y="1206532"/>
+            <a:ext cx="1075936" cy="338554"/>
+          </a:xfrm>
+          <a:prstGeom prst="rect">
+            <a:avLst/>
+          </a:prstGeom>
+          <a:noFill/>
+          <a:ln>
+            <a:noFill/>
+          </a:ln>
+        </p:spPr>
+        <p:txBody>
+          <a:bodyPr wrap="none" rtlCol="0">
+            <a:spAutoFit/>
+          </a:bodyPr>
+          <a:lstStyle/>
+          <a:p>
+            <a:r>
+              <a:rPr lang="en-US" altLang="zh-CN" sz="1600" dirty="0">
+                <a:latin typeface="Times New Roman" panose="02020603050405020304" pitchFamily="18" charset="0"/>
+                <a:cs typeface="Times New Roman" panose="02020603050405020304" pitchFamily="18" charset="0"/>
+              </a:rPr>
+              <a:t>1. Register</a:t>
+            </a:r>
+            <a:endParaRPr lang="zh-CN" altLang="en-US" sz="1600" dirty="0">
+              <a:latin typeface="Times New Roman" panose="02020603050405020304" pitchFamily="18" charset="0"/>
+              <a:cs typeface="Times New Roman" panose="02020603050405020304" pitchFamily="18" charset="0"/>
+            </a:endParaRPr>
+          </a:p>
+        </p:txBody>
+      </p:sp>
+      <p:cxnSp>
+        <p:nvCxnSpPr>
+          <p:cNvPr id="25" name="直接箭头连接符 24">
+            <a:extLst>
+              <a:ext uri="{FF2B5EF4-FFF2-40B4-BE49-F238E27FC236}">
+                <a16:creationId xmlns:a16="http://schemas.microsoft.com/office/drawing/2014/main" id="{ABCC85F2-0B1A-4606-AB97-E7456E5F6D49}"/>
+              </a:ext>
+            </a:extLst>
+          </p:cNvPr>
+          <p:cNvCxnSpPr>
+            <a:cxnSpLocks/>
+          </p:cNvCxnSpPr>
+          <p:nvPr/>
+        </p:nvCxnSpPr>
+        <p:spPr>
+          <a:xfrm flipH="1">
+            <a:off x="3030070" y="1610772"/>
+            <a:ext cx="3918744" cy="556768"/>
+          </a:xfrm>
+          <a:prstGeom prst="straightConnector1">
+            <a:avLst/>
+          </a:prstGeom>
+          <a:ln>
+            <a:solidFill>
+              <a:schemeClr val="tx1"/>
+            </a:solidFill>
+            <a:prstDash val="dash"/>
+            <a:tailEnd type="triangle"/>
+          </a:ln>
+        </p:spPr>
+        <p:style>
+          <a:lnRef idx="2">
+            <a:schemeClr val="accent1"/>
+          </a:lnRef>
+          <a:fillRef idx="0">
+            <a:schemeClr val="accent1"/>
+          </a:fillRef>
+          <a:effectRef idx="1">
+            <a:schemeClr val="accent1"/>
+          </a:effectRef>
+          <a:fontRef idx="minor">
+            <a:schemeClr val="tx1"/>
+          </a:fontRef>
+        </p:style>
+      </p:cxnSp>
+      <p:sp>
+        <p:nvSpPr>
+          <p:cNvPr id="28" name="文本框 27">
+            <a:extLst>
+              <a:ext uri="{FF2B5EF4-FFF2-40B4-BE49-F238E27FC236}">
+                <a16:creationId xmlns:a16="http://schemas.microsoft.com/office/drawing/2014/main" id="{2C670646-4427-4FBF-9629-B3E67C874D03}"/>
+              </a:ext>
+            </a:extLst>
+          </p:cNvPr>
+          <p:cNvSpPr txBox="1"/>
+          <p:nvPr/>
+        </p:nvSpPr>
+        <p:spPr>
+          <a:xfrm rot="21167791">
+            <a:off x="3044202" y="1715021"/>
+            <a:ext cx="2008627" cy="338554"/>
+          </a:xfrm>
+          <a:prstGeom prst="rect">
+            <a:avLst/>
+          </a:prstGeom>
+          <a:noFill/>
+          <a:ln>
+            <a:noFill/>
+          </a:ln>
+        </p:spPr>
+        <p:txBody>
+          <a:bodyPr wrap="none" rtlCol="0">
+            <a:spAutoFit/>
+          </a:bodyPr>
+          <a:lstStyle/>
+          <a:p>
+            <a:r>
+              <a:rPr lang="en-US" altLang="zh-CN" sz="1600" dirty="0">
+                <a:latin typeface="Times New Roman" panose="02020603050405020304" pitchFamily="18" charset="0"/>
+                <a:cs typeface="Times New Roman" panose="02020603050405020304" pitchFamily="18" charset="0"/>
+              </a:rPr>
+              <a:t>2. App ID, App Secret</a:t>
+            </a:r>
+            <a:endParaRPr lang="zh-CN" altLang="en-US" sz="1600" dirty="0">
+              <a:latin typeface="Times New Roman" panose="02020603050405020304" pitchFamily="18" charset="0"/>
+              <a:cs typeface="Times New Roman" panose="02020603050405020304" pitchFamily="18" charset="0"/>
+            </a:endParaRPr>
+          </a:p>
+        </p:txBody>
+      </p:sp>
+      <p:cxnSp>
+        <p:nvCxnSpPr>
+          <p:cNvPr id="34" name="直接箭头连接符 33">
+            <a:extLst>
+              <a:ext uri="{FF2B5EF4-FFF2-40B4-BE49-F238E27FC236}">
+                <a16:creationId xmlns:a16="http://schemas.microsoft.com/office/drawing/2014/main" id="{65793119-C874-41C6-A5AB-D8C32525FC0A}"/>
+              </a:ext>
+            </a:extLst>
+          </p:cNvPr>
+          <p:cNvCxnSpPr>
+            <a:cxnSpLocks/>
+          </p:cNvCxnSpPr>
+          <p:nvPr/>
+        </p:nvCxnSpPr>
+        <p:spPr>
+          <a:xfrm>
+            <a:off x="3041007" y="2473570"/>
+            <a:ext cx="1958539" cy="265275"/>
+          </a:xfrm>
+          <a:prstGeom prst="straightConnector1">
+            <a:avLst/>
+          </a:prstGeom>
+          <a:ln>
+            <a:solidFill>
+              <a:schemeClr val="tx1"/>
+            </a:solidFill>
+            <a:prstDash val="dash"/>
+            <a:tailEnd type="triangle"/>
+          </a:ln>
+        </p:spPr>
+        <p:style>
+          <a:lnRef idx="2">
+            <a:schemeClr val="accent1"/>
+          </a:lnRef>
+          <a:fillRef idx="0">
+            <a:schemeClr val="accent1"/>
+          </a:fillRef>
+          <a:effectRef idx="1">
+            <a:schemeClr val="accent1"/>
+          </a:effectRef>
+          <a:fontRef idx="minor">
+            <a:schemeClr val="tx1"/>
+          </a:fontRef>
+        </p:style>
+      </p:cxnSp>
+      <p:sp>
+        <p:nvSpPr>
+          <p:cNvPr id="37" name="文本框 36">
+            <a:extLst>
+              <a:ext uri="{FF2B5EF4-FFF2-40B4-BE49-F238E27FC236}">
+                <a16:creationId xmlns:a16="http://schemas.microsoft.com/office/drawing/2014/main" id="{65E4D3EB-EFF7-4B9E-8C6A-6B90A9A754D1}"/>
+              </a:ext>
+            </a:extLst>
+          </p:cNvPr>
+          <p:cNvSpPr txBox="1"/>
+          <p:nvPr/>
+        </p:nvSpPr>
+        <p:spPr>
+          <a:xfrm rot="414648">
+            <a:off x="3044431" y="2287153"/>
+            <a:ext cx="2008627" cy="338554"/>
+          </a:xfrm>
+          <a:prstGeom prst="rect">
+            <a:avLst/>
+          </a:prstGeom>
+          <a:noFill/>
+          <a:ln>
+            <a:noFill/>
+          </a:ln>
+        </p:spPr>
+        <p:txBody>
+          <a:bodyPr wrap="none" rtlCol="0">
+            <a:spAutoFit/>
+          </a:bodyPr>
+          <a:lstStyle/>
+          <a:p>
+            <a:r>
+              <a:rPr lang="en-US" altLang="zh-CN" sz="1600" dirty="0">
+                <a:latin typeface="Times New Roman" panose="02020603050405020304" pitchFamily="18" charset="0"/>
+                <a:cs typeface="Times New Roman" panose="02020603050405020304" pitchFamily="18" charset="0"/>
+              </a:rPr>
+              <a:t>3. App ID, App Secret</a:t>
+            </a:r>
+            <a:endParaRPr lang="zh-CN" altLang="en-US" sz="1600" dirty="0">
+              <a:latin typeface="Times New Roman" panose="02020603050405020304" pitchFamily="18" charset="0"/>
+              <a:cs typeface="Times New Roman" panose="02020603050405020304" pitchFamily="18" charset="0"/>
+            </a:endParaRPr>
+          </a:p>
+        </p:txBody>
+      </p:sp>
+      <p:cxnSp>
+        <p:nvCxnSpPr>
+          <p:cNvPr id="38" name="直接箭头连接符 37">
+            <a:extLst>
+              <a:ext uri="{FF2B5EF4-FFF2-40B4-BE49-F238E27FC236}">
+                <a16:creationId xmlns:a16="http://schemas.microsoft.com/office/drawing/2014/main" id="{5F7B6C69-561A-4F28-BB01-B1F2BC10CE98}"/>
+              </a:ext>
+            </a:extLst>
+          </p:cNvPr>
+          <p:cNvCxnSpPr>
+            <a:cxnSpLocks/>
+          </p:cNvCxnSpPr>
+          <p:nvPr/>
+        </p:nvCxnSpPr>
+        <p:spPr>
+          <a:xfrm>
+            <a:off x="4973522" y="2728435"/>
+            <a:ext cx="1958539" cy="265275"/>
+          </a:xfrm>
+          <a:prstGeom prst="straightConnector1">
+            <a:avLst/>
+          </a:prstGeom>
+          <a:ln>
+            <a:solidFill>
+              <a:schemeClr val="tx1"/>
+            </a:solidFill>
+            <a:prstDash val="dash"/>
+            <a:tailEnd type="triangle"/>
+          </a:ln>
+        </p:spPr>
+        <p:style>
+          <a:lnRef idx="2">
+            <a:schemeClr val="accent1"/>
+          </a:lnRef>
+          <a:fillRef idx="0">
+            <a:schemeClr val="accent1"/>
+          </a:fillRef>
+          <a:effectRef idx="1">
+            <a:schemeClr val="accent1"/>
+          </a:effectRef>
+          <a:fontRef idx="minor">
+            <a:schemeClr val="tx1"/>
+          </a:fontRef>
+        </p:style>
+      </p:cxnSp>
+      <p:sp>
+        <p:nvSpPr>
+          <p:cNvPr id="39" name="文本框 38">
+            <a:extLst>
+              <a:ext uri="{FF2B5EF4-FFF2-40B4-BE49-F238E27FC236}">
+                <a16:creationId xmlns:a16="http://schemas.microsoft.com/office/drawing/2014/main" id="{D963AD81-F58A-46AA-B2AC-5C0E6FD0CE4B}"/>
+              </a:ext>
+            </a:extLst>
+          </p:cNvPr>
+          <p:cNvSpPr txBox="1"/>
+          <p:nvPr/>
+        </p:nvSpPr>
+        <p:spPr>
+          <a:xfrm rot="414648">
+            <a:off x="4976946" y="2542018"/>
+            <a:ext cx="2008627" cy="338554"/>
+          </a:xfrm>
+          <a:prstGeom prst="rect">
+            <a:avLst/>
+          </a:prstGeom>
+          <a:noFill/>
+          <a:ln>
+            <a:noFill/>
+          </a:ln>
+        </p:spPr>
+        <p:txBody>
+          <a:bodyPr wrap="none" rtlCol="0">
+            <a:spAutoFit/>
+          </a:bodyPr>
+          <a:lstStyle/>
+          <a:p>
+            <a:r>
+              <a:rPr lang="en-US" altLang="zh-CN" sz="1600" dirty="0">
+                <a:latin typeface="Times New Roman" panose="02020603050405020304" pitchFamily="18" charset="0"/>
+                <a:cs typeface="Times New Roman" panose="02020603050405020304" pitchFamily="18" charset="0"/>
+              </a:rPr>
+              <a:t>4. App ID, App Secret</a:t>
+            </a:r>
+            <a:endParaRPr lang="zh-CN" altLang="en-US" sz="1600" dirty="0">
+              <a:latin typeface="Times New Roman" panose="02020603050405020304" pitchFamily="18" charset="0"/>
+              <a:cs typeface="Times New Roman" panose="02020603050405020304" pitchFamily="18" charset="0"/>
+            </a:endParaRPr>
+          </a:p>
+        </p:txBody>
+      </p:sp>
+      <p:cxnSp>
+        <p:nvCxnSpPr>
+          <p:cNvPr id="40" name="直接箭头连接符 39">
+            <a:extLst>
+              <a:ext uri="{FF2B5EF4-FFF2-40B4-BE49-F238E27FC236}">
+                <a16:creationId xmlns:a16="http://schemas.microsoft.com/office/drawing/2014/main" id="{4DCDBDBB-5769-4A2D-AE70-F7BF9C14E92D}"/>
+              </a:ext>
+            </a:extLst>
+          </p:cNvPr>
+          <p:cNvCxnSpPr>
+            <a:cxnSpLocks/>
+          </p:cNvCxnSpPr>
+          <p:nvPr/>
+        </p:nvCxnSpPr>
+        <p:spPr>
+          <a:xfrm flipH="1">
+            <a:off x="1096266" y="3014511"/>
+            <a:ext cx="5802720" cy="177197"/>
+          </a:xfrm>
+          <a:prstGeom prst="straightConnector1">
+            <a:avLst/>
+          </a:prstGeom>
+          <a:ln>
+            <a:solidFill>
+              <a:schemeClr val="tx1"/>
+            </a:solidFill>
+            <a:prstDash val="dash"/>
+            <a:tailEnd type="triangle"/>
+          </a:ln>
+        </p:spPr>
+        <p:style>
+          <a:lnRef idx="2">
+            <a:schemeClr val="accent1"/>
+          </a:lnRef>
+          <a:fillRef idx="0">
+            <a:schemeClr val="accent1"/>
+          </a:fillRef>
+          <a:effectRef idx="1">
+            <a:schemeClr val="accent1"/>
+          </a:effectRef>
+          <a:fontRef idx="minor">
+            <a:schemeClr val="tx1"/>
+          </a:fontRef>
+        </p:style>
+      </p:cxnSp>
+      <p:sp>
+        <p:nvSpPr>
+          <p:cNvPr id="47" name="文本框 46">
+            <a:extLst>
+              <a:ext uri="{FF2B5EF4-FFF2-40B4-BE49-F238E27FC236}">
+                <a16:creationId xmlns:a16="http://schemas.microsoft.com/office/drawing/2014/main" id="{FE30FA7F-6AEF-4485-8BFD-48335D21BC2C}"/>
+              </a:ext>
+            </a:extLst>
+          </p:cNvPr>
+          <p:cNvSpPr txBox="1"/>
+          <p:nvPr/>
+        </p:nvSpPr>
+        <p:spPr>
+          <a:xfrm rot="21404970">
+            <a:off x="1441036" y="2830909"/>
+            <a:ext cx="998863" cy="338554"/>
+          </a:xfrm>
+          <a:prstGeom prst="rect">
+            <a:avLst/>
+          </a:prstGeom>
+          <a:noFill/>
+          <a:ln>
+            <a:noFill/>
+          </a:ln>
+        </p:spPr>
+        <p:txBody>
+          <a:bodyPr wrap="none" rtlCol="0">
+            <a:spAutoFit/>
+          </a:bodyPr>
+          <a:lstStyle/>
+          <a:p>
+            <a:r>
+              <a:rPr lang="en-US" altLang="zh-CN" sz="1600" dirty="0">
+                <a:latin typeface="Times New Roman" panose="02020603050405020304" pitchFamily="18" charset="0"/>
+                <a:cs typeface="Times New Roman" panose="02020603050405020304" pitchFamily="18" charset="0"/>
+              </a:rPr>
+              <a:t>5. App ID</a:t>
+            </a:r>
+            <a:endParaRPr lang="zh-CN" altLang="en-US" sz="1600" dirty="0">
+              <a:latin typeface="Times New Roman" panose="02020603050405020304" pitchFamily="18" charset="0"/>
+              <a:cs typeface="Times New Roman" panose="02020603050405020304" pitchFamily="18" charset="0"/>
+            </a:endParaRPr>
+          </a:p>
+        </p:txBody>
+      </p:sp>
+      <p:cxnSp>
+        <p:nvCxnSpPr>
+          <p:cNvPr id="48" name="直接箭头连接符 47">
+            <a:extLst>
+              <a:ext uri="{FF2B5EF4-FFF2-40B4-BE49-F238E27FC236}">
+                <a16:creationId xmlns:a16="http://schemas.microsoft.com/office/drawing/2014/main" id="{E06C17D5-E157-4743-85BA-C510E56906A3}"/>
+              </a:ext>
+            </a:extLst>
+          </p:cNvPr>
+          <p:cNvCxnSpPr>
+            <a:cxnSpLocks/>
+          </p:cNvCxnSpPr>
+          <p:nvPr/>
+        </p:nvCxnSpPr>
+        <p:spPr>
+          <a:xfrm>
+            <a:off x="1121180" y="3220744"/>
+            <a:ext cx="5827635" cy="0"/>
+          </a:xfrm>
+          <a:prstGeom prst="straightConnector1">
+            <a:avLst/>
+          </a:prstGeom>
+          <a:ln>
+            <a:solidFill>
+              <a:schemeClr val="tx1"/>
+            </a:solidFill>
+            <a:prstDash val="dash"/>
+            <a:tailEnd type="triangle"/>
+          </a:ln>
+        </p:spPr>
+        <p:style>
+          <a:lnRef idx="2">
+            <a:schemeClr val="accent1"/>
+          </a:lnRef>
+          <a:fillRef idx="0">
+            <a:schemeClr val="accent1"/>
+          </a:fillRef>
+          <a:effectRef idx="1">
+            <a:schemeClr val="accent1"/>
+          </a:effectRef>
+          <a:fontRef idx="minor">
+            <a:schemeClr val="tx1"/>
+          </a:fontRef>
+        </p:style>
+      </p:cxnSp>
+      <p:sp>
+        <p:nvSpPr>
+          <p:cNvPr id="51" name="右大括号 50">
+            <a:extLst>
+              <a:ext uri="{FF2B5EF4-FFF2-40B4-BE49-F238E27FC236}">
+                <a16:creationId xmlns:a16="http://schemas.microsoft.com/office/drawing/2014/main" id="{8B2ACF3E-41BF-40FE-B713-1C27FB49BBA6}"/>
+              </a:ext>
+            </a:extLst>
+          </p:cNvPr>
+          <p:cNvSpPr/>
+          <p:nvPr/>
+        </p:nvSpPr>
+        <p:spPr>
+          <a:xfrm>
+            <a:off x="6998645" y="3220744"/>
+            <a:ext cx="235860" cy="650952"/>
+          </a:xfrm>
+          <a:prstGeom prst="rightBrace">
+            <a:avLst/>
+          </a:prstGeom>
+          <a:ln>
+            <a:solidFill>
+              <a:schemeClr val="tx1"/>
+            </a:solidFill>
+          </a:ln>
+        </p:spPr>
+        <p:style>
+          <a:lnRef idx="2">
+            <a:schemeClr val="accent1"/>
+          </a:lnRef>
+          <a:fillRef idx="0">
+            <a:schemeClr val="accent1"/>
+          </a:fillRef>
+          <a:effectRef idx="1">
+            <a:schemeClr val="accent1"/>
+          </a:effectRef>
+          <a:fontRef idx="minor">
+            <a:schemeClr val="tx1"/>
+          </a:fontRef>
+        </p:style>
+        <p:txBody>
+          <a:bodyPr rtlCol="0" anchor="ctr"/>
+          <a:lstStyle/>
+          <a:p>
+            <a:pPr algn="ctr"/>
+            <a:endParaRPr lang="zh-CN" altLang="en-US"/>
+          </a:p>
+        </p:txBody>
+      </p:sp>
+      <p:sp>
+        <p:nvSpPr>
+          <p:cNvPr id="52" name="文本框 51">
+            <a:extLst>
+              <a:ext uri="{FF2B5EF4-FFF2-40B4-BE49-F238E27FC236}">
+                <a16:creationId xmlns:a16="http://schemas.microsoft.com/office/drawing/2014/main" id="{ED178877-C89A-473E-8A70-2291E9B2000E}"/>
+              </a:ext>
+            </a:extLst>
+          </p:cNvPr>
+          <p:cNvSpPr txBox="1"/>
+          <p:nvPr/>
+        </p:nvSpPr>
+        <p:spPr>
+          <a:xfrm>
+            <a:off x="7116575" y="3220744"/>
+            <a:ext cx="1383713" cy="584775"/>
+          </a:xfrm>
+          <a:prstGeom prst="rect">
+            <a:avLst/>
+          </a:prstGeom>
+          <a:noFill/>
+          <a:ln>
+            <a:noFill/>
+          </a:ln>
+        </p:spPr>
+        <p:txBody>
+          <a:bodyPr wrap="none" rtlCol="0">
+            <a:spAutoFit/>
+          </a:bodyPr>
+          <a:lstStyle/>
+          <a:p>
+            <a:pPr algn="ctr"/>
+            <a:r>
+              <a:rPr lang="en-US" altLang="zh-CN" sz="1600" dirty="0">
+                <a:latin typeface="Times New Roman" panose="02020603050405020304" pitchFamily="18" charset="0"/>
+                <a:cs typeface="Times New Roman" panose="02020603050405020304" pitchFamily="18" charset="0"/>
+              </a:rPr>
+              <a:t>6. User grants </a:t>
+            </a:r>
+          </a:p>
+          <a:p>
+            <a:pPr algn="ctr"/>
+            <a:r>
+              <a:rPr lang="en-US" altLang="zh-CN" sz="1600" dirty="0">
+                <a:latin typeface="Times New Roman" panose="02020603050405020304" pitchFamily="18" charset="0"/>
+                <a:cs typeface="Times New Roman" panose="02020603050405020304" pitchFamily="18" charset="0"/>
+              </a:rPr>
+              <a:t>permission</a:t>
+            </a:r>
+            <a:endParaRPr lang="zh-CN" altLang="en-US" sz="1600" dirty="0">
+              <a:latin typeface="Times New Roman" panose="02020603050405020304" pitchFamily="18" charset="0"/>
+              <a:cs typeface="Times New Roman" panose="02020603050405020304" pitchFamily="18" charset="0"/>
+            </a:endParaRPr>
+          </a:p>
+        </p:txBody>
+      </p:sp>
+      <p:cxnSp>
+        <p:nvCxnSpPr>
+          <p:cNvPr id="57" name="直接箭头连接符 56">
+            <a:extLst>
+              <a:ext uri="{FF2B5EF4-FFF2-40B4-BE49-F238E27FC236}">
+                <a16:creationId xmlns:a16="http://schemas.microsoft.com/office/drawing/2014/main" id="{FB638C16-1131-40A8-A383-11B858623DA8}"/>
+              </a:ext>
+            </a:extLst>
+          </p:cNvPr>
+          <p:cNvCxnSpPr>
+            <a:cxnSpLocks/>
+          </p:cNvCxnSpPr>
+          <p:nvPr/>
+        </p:nvCxnSpPr>
+        <p:spPr>
+          <a:xfrm flipH="1">
+            <a:off x="5066130" y="3898590"/>
+            <a:ext cx="1832856" cy="140089"/>
+          </a:xfrm>
+          <a:prstGeom prst="straightConnector1">
+            <a:avLst/>
+          </a:prstGeom>
+          <a:ln>
+            <a:solidFill>
+              <a:schemeClr val="tx1"/>
+            </a:solidFill>
+            <a:prstDash val="dash"/>
+            <a:tailEnd type="triangle"/>
+          </a:ln>
+        </p:spPr>
+        <p:style>
+          <a:lnRef idx="2">
+            <a:schemeClr val="accent1"/>
+          </a:lnRef>
+          <a:fillRef idx="0">
+            <a:schemeClr val="accent1"/>
+          </a:fillRef>
+          <a:effectRef idx="1">
+            <a:schemeClr val="accent1"/>
+          </a:effectRef>
+          <a:fontRef idx="minor">
+            <a:schemeClr val="tx1"/>
+          </a:fontRef>
+        </p:style>
+      </p:cxnSp>
+      <p:sp>
+        <p:nvSpPr>
+          <p:cNvPr id="63" name="文本框 62">
+            <a:extLst>
+              <a:ext uri="{FF2B5EF4-FFF2-40B4-BE49-F238E27FC236}">
+                <a16:creationId xmlns:a16="http://schemas.microsoft.com/office/drawing/2014/main" id="{475D00AA-C475-471A-9230-29361280119E}"/>
+              </a:ext>
+            </a:extLst>
+          </p:cNvPr>
+          <p:cNvSpPr txBox="1"/>
+          <p:nvPr/>
+        </p:nvSpPr>
+        <p:spPr>
+          <a:xfrm rot="21404970">
+            <a:off x="5238074" y="3657366"/>
+            <a:ext cx="1517851" cy="338554"/>
+          </a:xfrm>
+          <a:prstGeom prst="rect">
+            <a:avLst/>
+          </a:prstGeom>
+          <a:noFill/>
+          <a:ln>
+            <a:noFill/>
+          </a:ln>
+        </p:spPr>
+        <p:txBody>
+          <a:bodyPr wrap="none" rtlCol="0">
+            <a:spAutoFit/>
+          </a:bodyPr>
+          <a:lstStyle/>
+          <a:p>
+            <a:r>
+              <a:rPr lang="en-US" altLang="zh-CN" sz="1600" dirty="0">
+                <a:latin typeface="Times New Roman" panose="02020603050405020304" pitchFamily="18" charset="0"/>
+                <a:cs typeface="Times New Roman" panose="02020603050405020304" pitchFamily="18" charset="0"/>
+              </a:rPr>
+              <a:t>7. Access Token</a:t>
+            </a:r>
+            <a:endParaRPr lang="zh-CN" altLang="en-US" sz="1600" dirty="0">
+              <a:latin typeface="Times New Roman" panose="02020603050405020304" pitchFamily="18" charset="0"/>
+              <a:cs typeface="Times New Roman" panose="02020603050405020304" pitchFamily="18" charset="0"/>
+            </a:endParaRPr>
+          </a:p>
+        </p:txBody>
+      </p:sp>
+      <p:cxnSp>
+        <p:nvCxnSpPr>
+          <p:cNvPr id="64" name="直接箭头连接符 63">
+            <a:extLst>
+              <a:ext uri="{FF2B5EF4-FFF2-40B4-BE49-F238E27FC236}">
+                <a16:creationId xmlns:a16="http://schemas.microsoft.com/office/drawing/2014/main" id="{1ADDCC98-DD8B-422C-B056-C55F2F75E257}"/>
+              </a:ext>
+            </a:extLst>
+          </p:cNvPr>
+          <p:cNvCxnSpPr>
+            <a:cxnSpLocks/>
+          </p:cNvCxnSpPr>
+          <p:nvPr/>
+        </p:nvCxnSpPr>
+        <p:spPr>
+          <a:xfrm flipH="1">
+            <a:off x="3102661" y="4050990"/>
+            <a:ext cx="1832856" cy="140089"/>
+          </a:xfrm>
+          <a:prstGeom prst="straightConnector1">
+            <a:avLst/>
+          </a:prstGeom>
+          <a:ln>
+            <a:solidFill>
+              <a:schemeClr val="tx1"/>
+            </a:solidFill>
+            <a:prstDash val="dash"/>
+            <a:tailEnd type="triangle"/>
+          </a:ln>
+        </p:spPr>
+        <p:style>
+          <a:lnRef idx="2">
+            <a:schemeClr val="accent1"/>
+          </a:lnRef>
+          <a:fillRef idx="0">
+            <a:schemeClr val="accent1"/>
+          </a:fillRef>
+          <a:effectRef idx="1">
+            <a:schemeClr val="accent1"/>
+          </a:effectRef>
+          <a:fontRef idx="minor">
+            <a:schemeClr val="tx1"/>
+          </a:fontRef>
+        </p:style>
+      </p:cxnSp>
+      <p:sp>
+        <p:nvSpPr>
+          <p:cNvPr id="65" name="文本框 64">
+            <a:extLst>
+              <a:ext uri="{FF2B5EF4-FFF2-40B4-BE49-F238E27FC236}">
+                <a16:creationId xmlns:a16="http://schemas.microsoft.com/office/drawing/2014/main" id="{B2DA09F5-E16F-47FD-B12F-3C2FB26EE84A}"/>
+              </a:ext>
+            </a:extLst>
+          </p:cNvPr>
+          <p:cNvSpPr txBox="1"/>
+          <p:nvPr/>
+        </p:nvSpPr>
+        <p:spPr>
+          <a:xfrm rot="21404970">
+            <a:off x="3274605" y="3809766"/>
+            <a:ext cx="1517851" cy="338554"/>
+          </a:xfrm>
+          <a:prstGeom prst="rect">
+            <a:avLst/>
+          </a:prstGeom>
+          <a:noFill/>
+          <a:ln>
+            <a:noFill/>
+          </a:ln>
+        </p:spPr>
+        <p:txBody>
+          <a:bodyPr wrap="none" rtlCol="0">
+            <a:spAutoFit/>
+          </a:bodyPr>
+          <a:lstStyle/>
+          <a:p>
+            <a:r>
+              <a:rPr lang="en-US" altLang="zh-CN" sz="1600" dirty="0">
+                <a:latin typeface="Times New Roman" panose="02020603050405020304" pitchFamily="18" charset="0"/>
+                <a:cs typeface="Times New Roman" panose="02020603050405020304" pitchFamily="18" charset="0"/>
+              </a:rPr>
+              <a:t>8. Access Token</a:t>
+            </a:r>
+            <a:endParaRPr lang="zh-CN" altLang="en-US" sz="1600" dirty="0">
+              <a:latin typeface="Times New Roman" panose="02020603050405020304" pitchFamily="18" charset="0"/>
+              <a:cs typeface="Times New Roman" panose="02020603050405020304" pitchFamily="18" charset="0"/>
+            </a:endParaRPr>
+          </a:p>
+        </p:txBody>
+      </p:sp>
+      <p:cxnSp>
+        <p:nvCxnSpPr>
+          <p:cNvPr id="68" name="直接箭头连接符 67">
+            <a:extLst>
+              <a:ext uri="{FF2B5EF4-FFF2-40B4-BE49-F238E27FC236}">
+                <a16:creationId xmlns:a16="http://schemas.microsoft.com/office/drawing/2014/main" id="{3601BEAD-934F-4647-BF77-E19A592C3F7C}"/>
+              </a:ext>
+            </a:extLst>
+          </p:cNvPr>
+          <p:cNvCxnSpPr>
+            <a:cxnSpLocks/>
+          </p:cNvCxnSpPr>
+          <p:nvPr/>
+        </p:nvCxnSpPr>
+        <p:spPr>
+          <a:xfrm>
+            <a:off x="3131544" y="4508734"/>
+            <a:ext cx="1868002" cy="249339"/>
+          </a:xfrm>
+          <a:prstGeom prst="straightConnector1">
+            <a:avLst/>
+          </a:prstGeom>
+          <a:ln>
+            <a:solidFill>
+              <a:schemeClr val="tx1"/>
+            </a:solidFill>
+            <a:prstDash val="dash"/>
+            <a:tailEnd type="triangle"/>
+          </a:ln>
+        </p:spPr>
+        <p:style>
+          <a:lnRef idx="2">
+            <a:schemeClr val="accent1"/>
+          </a:lnRef>
+          <a:fillRef idx="0">
+            <a:schemeClr val="accent1"/>
+          </a:fillRef>
+          <a:effectRef idx="1">
+            <a:schemeClr val="accent1"/>
+          </a:effectRef>
+          <a:fontRef idx="minor">
+            <a:schemeClr val="tx1"/>
+          </a:fontRef>
+        </p:style>
+      </p:cxnSp>
+      <p:sp>
+        <p:nvSpPr>
+          <p:cNvPr id="69" name="文本框 68">
+            <a:extLst>
+              <a:ext uri="{FF2B5EF4-FFF2-40B4-BE49-F238E27FC236}">
+                <a16:creationId xmlns:a16="http://schemas.microsoft.com/office/drawing/2014/main" id="{F90B46A3-51EB-4ECE-B525-3569C60E73EE}"/>
+              </a:ext>
+            </a:extLst>
+          </p:cNvPr>
+          <p:cNvSpPr txBox="1"/>
+          <p:nvPr/>
+        </p:nvSpPr>
+        <p:spPr>
+          <a:xfrm rot="425566">
+            <a:off x="3281320" y="4339457"/>
+            <a:ext cx="1517851" cy="338554"/>
+          </a:xfrm>
+          <a:prstGeom prst="rect">
+            <a:avLst/>
+          </a:prstGeom>
+          <a:noFill/>
+          <a:ln>
+            <a:noFill/>
+          </a:ln>
+        </p:spPr>
+        <p:txBody>
+          <a:bodyPr wrap="square" rtlCol="0">
+            <a:spAutoFit/>
+          </a:bodyPr>
+          <a:lstStyle/>
+          <a:p>
+            <a:r>
+              <a:rPr lang="en-US" altLang="zh-CN" sz="1600" dirty="0">
+                <a:latin typeface="Times New Roman" panose="02020603050405020304" pitchFamily="18" charset="0"/>
+                <a:cs typeface="Times New Roman" panose="02020603050405020304" pitchFamily="18" charset="0"/>
+              </a:rPr>
+              <a:t>9. Access Token</a:t>
+            </a:r>
+            <a:endParaRPr lang="zh-CN" altLang="en-US" sz="1600" dirty="0">
+              <a:latin typeface="Times New Roman" panose="02020603050405020304" pitchFamily="18" charset="0"/>
+              <a:cs typeface="Times New Roman" panose="02020603050405020304" pitchFamily="18" charset="0"/>
+            </a:endParaRPr>
+          </a:p>
+        </p:txBody>
+      </p:sp>
+      <p:cxnSp>
+        <p:nvCxnSpPr>
+          <p:cNvPr id="77" name="直接箭头连接符 76">
+            <a:extLst>
+              <a:ext uri="{FF2B5EF4-FFF2-40B4-BE49-F238E27FC236}">
+                <a16:creationId xmlns:a16="http://schemas.microsoft.com/office/drawing/2014/main" id="{F176D16B-ABBE-41F8-BAAC-137C5673E22E}"/>
+              </a:ext>
+            </a:extLst>
+          </p:cNvPr>
+          <p:cNvCxnSpPr>
+            <a:cxnSpLocks/>
+          </p:cNvCxnSpPr>
+          <p:nvPr/>
+        </p:nvCxnSpPr>
+        <p:spPr>
+          <a:xfrm flipH="1">
+            <a:off x="3079900" y="4826388"/>
+            <a:ext cx="1879283" cy="249339"/>
+          </a:xfrm>
+          <a:prstGeom prst="straightConnector1">
+            <a:avLst/>
+          </a:prstGeom>
+          <a:ln>
+            <a:solidFill>
+              <a:schemeClr val="tx1"/>
+            </a:solidFill>
+            <a:prstDash val="dash"/>
+            <a:tailEnd type="triangle"/>
+          </a:ln>
+        </p:spPr>
+        <p:style>
+          <a:lnRef idx="2">
+            <a:schemeClr val="accent1"/>
+          </a:lnRef>
+          <a:fillRef idx="0">
+            <a:schemeClr val="accent1"/>
+          </a:fillRef>
+          <a:effectRef idx="1">
+            <a:schemeClr val="accent1"/>
+          </a:effectRef>
+          <a:fontRef idx="minor">
+            <a:schemeClr val="tx1"/>
+          </a:fontRef>
+        </p:style>
+      </p:cxnSp>
+      <p:sp>
+        <p:nvSpPr>
+          <p:cNvPr id="81" name="文本框 80">
+            <a:extLst>
+              <a:ext uri="{FF2B5EF4-FFF2-40B4-BE49-F238E27FC236}">
+                <a16:creationId xmlns:a16="http://schemas.microsoft.com/office/drawing/2014/main" id="{DE13F999-73C5-437B-ABD9-E93D204CF295}"/>
+              </a:ext>
+            </a:extLst>
+          </p:cNvPr>
+          <p:cNvSpPr txBox="1"/>
+          <p:nvPr/>
+        </p:nvSpPr>
+        <p:spPr>
+          <a:xfrm rot="21119689">
+            <a:off x="3122956" y="4678756"/>
+            <a:ext cx="1517851" cy="338554"/>
+          </a:xfrm>
+          <a:prstGeom prst="rect">
+            <a:avLst/>
+          </a:prstGeom>
+          <a:noFill/>
+          <a:ln>
+            <a:noFill/>
+          </a:ln>
+        </p:spPr>
+        <p:txBody>
+          <a:bodyPr wrap="square" rtlCol="0">
+            <a:spAutoFit/>
+          </a:bodyPr>
+          <a:lstStyle/>
+          <a:p>
+            <a:r>
+              <a:rPr lang="en-US" altLang="zh-CN" sz="1600" dirty="0">
+                <a:latin typeface="Times New Roman" panose="02020603050405020304" pitchFamily="18" charset="0"/>
+                <a:cs typeface="Times New Roman" panose="02020603050405020304" pitchFamily="18" charset="0"/>
+              </a:rPr>
+              <a:t>10. EEG Data</a:t>
+            </a:r>
+            <a:endParaRPr lang="zh-CN" altLang="en-US" sz="1600" dirty="0">
+              <a:latin typeface="Times New Roman" panose="02020603050405020304" pitchFamily="18" charset="0"/>
+              <a:cs typeface="Times New Roman" panose="02020603050405020304" pitchFamily="18" charset="0"/>
+            </a:endParaRPr>
+          </a:p>
+        </p:txBody>
+      </p:sp>
+    </p:spTree>
+    <p:extLst>
+      <p:ext uri="{BB962C8B-B14F-4D97-AF65-F5344CB8AC3E}">
+        <p14:creationId xmlns:p14="http://schemas.microsoft.com/office/powerpoint/2010/main" val="3320340209"/>
+      </p:ext>
+    </p:extLst>
+  </p:cSld>
+  <p:clrMapOvr>
+    <a:masterClrMapping/>
+  </p:clrMapOvr>
+</p:sld>
+</file>
+
 <file path=ppt/slides/slide2.xml><?xml version="1.0" encoding="utf-8"?>
 <p:sld xmlns:a="http://schemas.openxmlformats.org/drawingml/2006/main" xmlns:r="http://schemas.openxmlformats.org/officeDocument/2006/relationships" xmlns:p="http://schemas.openxmlformats.org/presentationml/2006/main">
   <p:cSld>
@@ -9560,7 +10916,7 @@
           <a:graphicData uri="http://schemas.openxmlformats.org/presentationml/2006/ole">
             <mc:AlternateContent xmlns:mc="http://schemas.openxmlformats.org/markup-compatibility/2006">
               <mc:Choice xmlns:v="urn:schemas-microsoft-com:vml" Requires="v">
-                <p:oleObj spid="_x0000_s1736" name="公式" r:id="rId3" imgW="609600" imgH="431800" progId="Equation.3">
+                <p:oleObj spid="_x0000_s2156" name="公式" r:id="rId3" imgW="609600" imgH="431800" progId="Equation.3">
                   <p:embed/>
                 </p:oleObj>
               </mc:Choice>
@@ -9812,7 +11168,7 @@
           <a:graphicData uri="http://schemas.openxmlformats.org/presentationml/2006/ole">
             <mc:AlternateContent xmlns:mc="http://schemas.openxmlformats.org/markup-compatibility/2006">
               <mc:Choice xmlns:v="urn:schemas-microsoft-com:vml" Requires="v">
-                <p:oleObj spid="_x0000_s1737" name="公式" r:id="rId5" imgW="609600" imgH="431800" progId="Equation.3">
+                <p:oleObj spid="_x0000_s2157" name="公式" r:id="rId5" imgW="609600" imgH="431800" progId="Equation.3">
                   <p:embed/>
                 </p:oleObj>
               </mc:Choice>
@@ -9869,7 +11225,7 @@
           <a:graphicData uri="http://schemas.openxmlformats.org/presentationml/2006/ole">
             <mc:AlternateContent xmlns:mc="http://schemas.openxmlformats.org/markup-compatibility/2006">
               <mc:Choice xmlns:v="urn:schemas-microsoft-com:vml" Requires="v">
-                <p:oleObj spid="_x0000_s1738" name="公式" r:id="rId7" imgW="482600" imgH="177800" progId="Equation.3">
+                <p:oleObj spid="_x0000_s2158" name="公式" r:id="rId7" imgW="482600" imgH="177800" progId="Equation.3">
                   <p:embed/>
                 </p:oleObj>
               </mc:Choice>
@@ -9926,7 +11282,7 @@
           <a:graphicData uri="http://schemas.openxmlformats.org/presentationml/2006/ole">
             <mc:AlternateContent xmlns:mc="http://schemas.openxmlformats.org/markup-compatibility/2006">
               <mc:Choice xmlns:v="urn:schemas-microsoft-com:vml" Requires="v">
-                <p:oleObj spid="_x0000_s1739" name="公式" r:id="rId9" imgW="292100" imgH="177800" progId="Equation.3">
+                <p:oleObj spid="_x0000_s2159" name="公式" r:id="rId9" imgW="292100" imgH="177800" progId="Equation.3">
                   <p:embed/>
                 </p:oleObj>
               </mc:Choice>
@@ -9983,7 +11339,7 @@
           <a:graphicData uri="http://schemas.openxmlformats.org/presentationml/2006/ole">
             <mc:AlternateContent xmlns:mc="http://schemas.openxmlformats.org/markup-compatibility/2006">
               <mc:Choice xmlns:v="urn:schemas-microsoft-com:vml" Requires="v">
-                <p:oleObj spid="_x0000_s1740" name="公式" r:id="rId11" imgW="368300" imgH="177800" progId="Equation.3">
+                <p:oleObj spid="_x0000_s2160" name="公式" r:id="rId11" imgW="368300" imgH="177800" progId="Equation.3">
                   <p:embed/>
                 </p:oleObj>
               </mc:Choice>
@@ -10122,7 +11478,7 @@
           <a:graphicData uri="http://schemas.openxmlformats.org/presentationml/2006/ole">
             <mc:AlternateContent xmlns:mc="http://schemas.openxmlformats.org/markup-compatibility/2006">
               <mc:Choice xmlns:v="urn:schemas-microsoft-com:vml" Requires="v">
-                <p:oleObj spid="_x0000_s1741" name="公式" r:id="rId13" imgW="292100" imgH="177800" progId="Equation.3">
+                <p:oleObj spid="_x0000_s2161" name="公式" r:id="rId13" imgW="292100" imgH="177800" progId="Equation.3">
                   <p:embed/>
                 </p:oleObj>
               </mc:Choice>
@@ -10179,7 +11535,7 @@
           <a:graphicData uri="http://schemas.openxmlformats.org/presentationml/2006/ole">
             <mc:AlternateContent xmlns:mc="http://schemas.openxmlformats.org/markup-compatibility/2006">
               <mc:Choice xmlns:v="urn:schemas-microsoft-com:vml" Requires="v">
-                <p:oleObj spid="_x0000_s1742" name="公式" r:id="rId14" imgW="292100" imgH="177800" progId="Equation.3">
+                <p:oleObj spid="_x0000_s2162" name="公式" r:id="rId14" imgW="292100" imgH="177800" progId="Equation.3">
                   <p:embed/>
                 </p:oleObj>
               </mc:Choice>
@@ -10236,7 +11592,7 @@
           <a:graphicData uri="http://schemas.openxmlformats.org/presentationml/2006/ole">
             <mc:AlternateContent xmlns:mc="http://schemas.openxmlformats.org/markup-compatibility/2006">
               <mc:Choice xmlns:v="urn:schemas-microsoft-com:vml" Requires="v">
-                <p:oleObj spid="_x0000_s1743" name="公式" r:id="rId16" imgW="292100" imgH="177800" progId="Equation.3">
+                <p:oleObj spid="_x0000_s2163" name="公式" r:id="rId16" imgW="292100" imgH="177800" progId="Equation.3">
                   <p:embed/>
                 </p:oleObj>
               </mc:Choice>
@@ -10293,7 +11649,7 @@
           <a:graphicData uri="http://schemas.openxmlformats.org/presentationml/2006/ole">
             <mc:AlternateContent xmlns:mc="http://schemas.openxmlformats.org/markup-compatibility/2006">
               <mc:Choice xmlns:v="urn:schemas-microsoft-com:vml" Requires="v">
-                <p:oleObj spid="_x0000_s1744" name="公式" r:id="rId17" imgW="292100" imgH="177800" progId="Equation.3">
+                <p:oleObj spid="_x0000_s2164" name="公式" r:id="rId17" imgW="292100" imgH="177800" progId="Equation.3">
                   <p:embed/>
                 </p:oleObj>
               </mc:Choice>
@@ -10350,7 +11706,7 @@
           <a:graphicData uri="http://schemas.openxmlformats.org/presentationml/2006/ole">
             <mc:AlternateContent xmlns:mc="http://schemas.openxmlformats.org/markup-compatibility/2006">
               <mc:Choice xmlns:v="urn:schemas-microsoft-com:vml" Requires="v">
-                <p:oleObj spid="_x0000_s1745" name="公式" r:id="rId18" imgW="292100" imgH="177800" progId="Equation.3">
+                <p:oleObj spid="_x0000_s2165" name="公式" r:id="rId18" imgW="292100" imgH="177800" progId="Equation.3">
                   <p:embed/>
                 </p:oleObj>
               </mc:Choice>
@@ -10407,7 +11763,7 @@
           <a:graphicData uri="http://schemas.openxmlformats.org/presentationml/2006/ole">
             <mc:AlternateContent xmlns:mc="http://schemas.openxmlformats.org/markup-compatibility/2006">
               <mc:Choice xmlns:v="urn:schemas-microsoft-com:vml" Requires="v">
-                <p:oleObj spid="_x0000_s1746" name="公式" r:id="rId19" imgW="292100" imgH="177800" progId="Equation.3">
+                <p:oleObj spid="_x0000_s2166" name="公式" r:id="rId19" imgW="292100" imgH="177800" progId="Equation.3">
                   <p:embed/>
                 </p:oleObj>
               </mc:Choice>
@@ -11088,7 +12444,7 @@
           <a:graphicData uri="http://schemas.openxmlformats.org/presentationml/2006/ole">
             <mc:AlternateContent xmlns:mc="http://schemas.openxmlformats.org/markup-compatibility/2006">
               <mc:Choice xmlns:v="urn:schemas-microsoft-com:vml" Requires="v">
-                <p:oleObj spid="_x0000_s1747" name="公式" r:id="rId20" imgW="673100" imgH="241300" progId="Equation.3">
+                <p:oleObj spid="_x0000_s2167" name="公式" r:id="rId20" imgW="673100" imgH="241300" progId="Equation.3">
                   <p:embed/>
                 </p:oleObj>
               </mc:Choice>
@@ -11145,7 +12501,7 @@
           <a:graphicData uri="http://schemas.openxmlformats.org/presentationml/2006/ole">
             <mc:AlternateContent xmlns:mc="http://schemas.openxmlformats.org/markup-compatibility/2006">
               <mc:Choice xmlns:v="urn:schemas-microsoft-com:vml" Requires="v">
-                <p:oleObj spid="_x0000_s1748" name="公式" r:id="rId22" imgW="673100" imgH="241300" progId="Equation.3">
+                <p:oleObj spid="_x0000_s2168" name="公式" r:id="rId22" imgW="673100" imgH="241300" progId="Equation.3">
                   <p:embed/>
                 </p:oleObj>
               </mc:Choice>
@@ -14131,7 +15487,7 @@
           <a:graphicData uri="http://schemas.openxmlformats.org/presentationml/2006/ole">
             <mc:AlternateContent xmlns:mc="http://schemas.openxmlformats.org/markup-compatibility/2006">
               <mc:Choice xmlns:v="urn:schemas-microsoft-com:vml" Requires="v">
-                <p:oleObj spid="_x0000_s1749" name="公式" r:id="rId24" imgW="711200" imgH="241300" progId="Equation.3">
+                <p:oleObj spid="_x0000_s2169" name="公式" r:id="rId24" imgW="711200" imgH="241300" progId="Equation.3">
                   <p:embed/>
                 </p:oleObj>
               </mc:Choice>
@@ -14336,7 +15692,7 @@
           <a:noFill/>
           <a:extLst>
             <a:ext uri="{909E8E84-426E-40dd-AFC4-6F175D3DCCD1}">
-              <a14:hiddenFill xmlns:a14="http://schemas.microsoft.com/office/drawing/2010/main" xmlns="">
+              <a14:hiddenFill xmlns="" xmlns:a14="http://schemas.microsoft.com/office/drawing/2010/main">
                 <a:solidFill>
                   <a:srgbClr val="FFFFFF"/>
                 </a:solidFill>
@@ -15236,7 +16592,7 @@
           <a:noFill/>
           <a:extLst>
             <a:ext uri="{909E8E84-426E-40dd-AFC4-6F175D3DCCD1}">
-              <a14:hiddenFill xmlns:a14="http://schemas.microsoft.com/office/drawing/2010/main" xmlns="">
+              <a14:hiddenFill xmlns="" xmlns:a14="http://schemas.microsoft.com/office/drawing/2010/main">
                 <a:solidFill>
                   <a:srgbClr val="FFFFFF"/>
                 </a:solidFill>
@@ -15468,7 +16824,7 @@
           <a:noFill/>
           <a:extLst>
             <a:ext uri="{909E8E84-426E-40dd-AFC4-6F175D3DCCD1}">
-              <a14:hiddenFill xmlns:a14="http://schemas.microsoft.com/office/drawing/2010/main" xmlns="">
+              <a14:hiddenFill xmlns="" xmlns:a14="http://schemas.microsoft.com/office/drawing/2010/main">
                 <a:solidFill>
                   <a:srgbClr val="FFFFFF"/>
                 </a:solidFill>
@@ -16416,7 +17772,7 @@
           <a:noFill/>
           <a:extLst>
             <a:ext uri="{909E8E84-426E-40dd-AFC4-6F175D3DCCD1}">
-              <a14:hiddenFill xmlns:a14="http://schemas.microsoft.com/office/drawing/2010/main" xmlns="">
+              <a14:hiddenFill xmlns="" xmlns:a14="http://schemas.microsoft.com/office/drawing/2010/main">
                 <a:solidFill>
                   <a:srgbClr val="FFFFFF"/>
                 </a:solidFill>

--- a/images/image.pptx
+++ b/images/image.pptx
@@ -132,10 +132,6 @@
 </p:presentation>
 </file>
 
-<file path=ppt/revisionInfo.xml><?xml version="1.0" encoding="utf-8"?>
-<p1510:revInfo xmlns:a="http://schemas.openxmlformats.org/drawingml/2006/main" xmlns:r="http://schemas.openxmlformats.org/officeDocument/2006/relationships" xmlns:p1510="http://schemas.microsoft.com/office/powerpoint/2015/10/main"/>
-</file>
-
 <file path=ppt/slideLayouts/slideLayout1.xml><?xml version="1.0" encoding="utf-8"?>
 <p:sldLayout xmlns:a="http://schemas.openxmlformats.org/drawingml/2006/main" xmlns:r="http://schemas.openxmlformats.org/officeDocument/2006/relationships" xmlns:p="http://schemas.openxmlformats.org/presentationml/2006/main" type="title" preserve="1">
   <p:cSld name="标题幻灯片">
@@ -315,7 +311,7 @@
           <a:p>
             <a:fld id="{773E3A52-2DD2-6749-B427-C9A1D0BB55DF}" type="datetimeFigureOut">
               <a:rPr kumimoji="1" lang="zh-CN" altLang="en-US" smtClean="0"/>
-              <a:t>2018/1/31</a:t>
+              <a:t>2018/2/6</a:t>
             </a:fld>
             <a:endParaRPr kumimoji="1" lang="zh-CN" altLang="en-US"/>
           </a:p>
@@ -483,7 +479,7 @@
           <a:p>
             <a:fld id="{773E3A52-2DD2-6749-B427-C9A1D0BB55DF}" type="datetimeFigureOut">
               <a:rPr kumimoji="1" lang="zh-CN" altLang="en-US" smtClean="0"/>
-              <a:t>2018/1/31</a:t>
+              <a:t>2018/2/6</a:t>
             </a:fld>
             <a:endParaRPr kumimoji="1" lang="zh-CN" altLang="en-US"/>
           </a:p>
@@ -661,7 +657,7 @@
           <a:p>
             <a:fld id="{773E3A52-2DD2-6749-B427-C9A1D0BB55DF}" type="datetimeFigureOut">
               <a:rPr kumimoji="1" lang="zh-CN" altLang="en-US" smtClean="0"/>
-              <a:t>2018/1/31</a:t>
+              <a:t>2018/2/6</a:t>
             </a:fld>
             <a:endParaRPr kumimoji="1" lang="zh-CN" altLang="en-US"/>
           </a:p>
@@ -829,7 +825,7 @@
           <a:p>
             <a:fld id="{773E3A52-2DD2-6749-B427-C9A1D0BB55DF}" type="datetimeFigureOut">
               <a:rPr kumimoji="1" lang="zh-CN" altLang="en-US" smtClean="0"/>
-              <a:t>2018/1/31</a:t>
+              <a:t>2018/2/6</a:t>
             </a:fld>
             <a:endParaRPr kumimoji="1" lang="zh-CN" altLang="en-US"/>
           </a:p>
@@ -1074,7 +1070,7 @@
           <a:p>
             <a:fld id="{773E3A52-2DD2-6749-B427-C9A1D0BB55DF}" type="datetimeFigureOut">
               <a:rPr kumimoji="1" lang="zh-CN" altLang="en-US" smtClean="0"/>
-              <a:t>2018/1/31</a:t>
+              <a:t>2018/2/6</a:t>
             </a:fld>
             <a:endParaRPr kumimoji="1" lang="zh-CN" altLang="en-US"/>
           </a:p>
@@ -1359,7 +1355,7 @@
           <a:p>
             <a:fld id="{773E3A52-2DD2-6749-B427-C9A1D0BB55DF}" type="datetimeFigureOut">
               <a:rPr kumimoji="1" lang="zh-CN" altLang="en-US" smtClean="0"/>
-              <a:t>2018/1/31</a:t>
+              <a:t>2018/2/6</a:t>
             </a:fld>
             <a:endParaRPr kumimoji="1" lang="zh-CN" altLang="en-US"/>
           </a:p>
@@ -1778,7 +1774,7 @@
           <a:p>
             <a:fld id="{773E3A52-2DD2-6749-B427-C9A1D0BB55DF}" type="datetimeFigureOut">
               <a:rPr kumimoji="1" lang="zh-CN" altLang="en-US" smtClean="0"/>
-              <a:t>2018/1/31</a:t>
+              <a:t>2018/2/6</a:t>
             </a:fld>
             <a:endParaRPr kumimoji="1" lang="zh-CN" altLang="en-US"/>
           </a:p>
@@ -1895,7 +1891,7 @@
           <a:p>
             <a:fld id="{773E3A52-2DD2-6749-B427-C9A1D0BB55DF}" type="datetimeFigureOut">
               <a:rPr kumimoji="1" lang="zh-CN" altLang="en-US" smtClean="0"/>
-              <a:t>2018/1/31</a:t>
+              <a:t>2018/2/6</a:t>
             </a:fld>
             <a:endParaRPr kumimoji="1" lang="zh-CN" altLang="en-US"/>
           </a:p>
@@ -1990,7 +1986,7 @@
           <a:p>
             <a:fld id="{773E3A52-2DD2-6749-B427-C9A1D0BB55DF}" type="datetimeFigureOut">
               <a:rPr kumimoji="1" lang="zh-CN" altLang="en-US" smtClean="0"/>
-              <a:t>2018/1/31</a:t>
+              <a:t>2018/2/6</a:t>
             </a:fld>
             <a:endParaRPr kumimoji="1" lang="zh-CN" altLang="en-US"/>
           </a:p>
@@ -2265,7 +2261,7 @@
           <a:p>
             <a:fld id="{773E3A52-2DD2-6749-B427-C9A1D0BB55DF}" type="datetimeFigureOut">
               <a:rPr kumimoji="1" lang="zh-CN" altLang="en-US" smtClean="0"/>
-              <a:t>2018/1/31</a:t>
+              <a:t>2018/2/6</a:t>
             </a:fld>
             <a:endParaRPr kumimoji="1" lang="zh-CN" altLang="en-US"/>
           </a:p>
@@ -2517,7 +2513,7 @@
           <a:p>
             <a:fld id="{773E3A52-2DD2-6749-B427-C9A1D0BB55DF}" type="datetimeFigureOut">
               <a:rPr kumimoji="1" lang="zh-CN" altLang="en-US" smtClean="0"/>
-              <a:t>2018/1/31</a:t>
+              <a:t>2018/2/6</a:t>
             </a:fld>
             <a:endParaRPr kumimoji="1" lang="zh-CN" altLang="en-US"/>
           </a:p>
@@ -2728,7 +2724,7 @@
           <a:p>
             <a:fld id="{773E3A52-2DD2-6749-B427-C9A1D0BB55DF}" type="datetimeFigureOut">
               <a:rPr kumimoji="1" lang="zh-CN" altLang="en-US" smtClean="0"/>
-              <a:t>2018/1/31</a:t>
+              <a:t>2018/2/6</a:t>
             </a:fld>
             <a:endParaRPr kumimoji="1" lang="zh-CN" altLang="en-US"/>
           </a:p>
@@ -10916,7 +10912,7 @@
           <a:graphicData uri="http://schemas.openxmlformats.org/presentationml/2006/ole">
             <mc:AlternateContent xmlns:mc="http://schemas.openxmlformats.org/markup-compatibility/2006">
               <mc:Choice xmlns:v="urn:schemas-microsoft-com:vml" Requires="v">
-                <p:oleObj spid="_x0000_s2156" name="公式" r:id="rId3" imgW="609600" imgH="431800" progId="Equation.3">
+                <p:oleObj spid="_x0000_s2184" name="公式" r:id="rId3" imgW="609600" imgH="431800" progId="Equation.3">
                   <p:embed/>
                 </p:oleObj>
               </mc:Choice>
@@ -11168,7 +11164,7 @@
           <a:graphicData uri="http://schemas.openxmlformats.org/presentationml/2006/ole">
             <mc:AlternateContent xmlns:mc="http://schemas.openxmlformats.org/markup-compatibility/2006">
               <mc:Choice xmlns:v="urn:schemas-microsoft-com:vml" Requires="v">
-                <p:oleObj spid="_x0000_s2157" name="公式" r:id="rId5" imgW="609600" imgH="431800" progId="Equation.3">
+                <p:oleObj spid="_x0000_s2185" name="公式" r:id="rId5" imgW="609600" imgH="431800" progId="Equation.3">
                   <p:embed/>
                 </p:oleObj>
               </mc:Choice>
@@ -11225,7 +11221,7 @@
           <a:graphicData uri="http://schemas.openxmlformats.org/presentationml/2006/ole">
             <mc:AlternateContent xmlns:mc="http://schemas.openxmlformats.org/markup-compatibility/2006">
               <mc:Choice xmlns:v="urn:schemas-microsoft-com:vml" Requires="v">
-                <p:oleObj spid="_x0000_s2158" name="公式" r:id="rId7" imgW="482600" imgH="177800" progId="Equation.3">
+                <p:oleObj spid="_x0000_s2186" name="公式" r:id="rId7" imgW="482600" imgH="177800" progId="Equation.3">
                   <p:embed/>
                 </p:oleObj>
               </mc:Choice>
@@ -11282,7 +11278,7 @@
           <a:graphicData uri="http://schemas.openxmlformats.org/presentationml/2006/ole">
             <mc:AlternateContent xmlns:mc="http://schemas.openxmlformats.org/markup-compatibility/2006">
               <mc:Choice xmlns:v="urn:schemas-microsoft-com:vml" Requires="v">
-                <p:oleObj spid="_x0000_s2159" name="公式" r:id="rId9" imgW="292100" imgH="177800" progId="Equation.3">
+                <p:oleObj spid="_x0000_s2187" name="公式" r:id="rId9" imgW="292100" imgH="177800" progId="Equation.3">
                   <p:embed/>
                 </p:oleObj>
               </mc:Choice>
@@ -11339,7 +11335,7 @@
           <a:graphicData uri="http://schemas.openxmlformats.org/presentationml/2006/ole">
             <mc:AlternateContent xmlns:mc="http://schemas.openxmlformats.org/markup-compatibility/2006">
               <mc:Choice xmlns:v="urn:schemas-microsoft-com:vml" Requires="v">
-                <p:oleObj spid="_x0000_s2160" name="公式" r:id="rId11" imgW="368300" imgH="177800" progId="Equation.3">
+                <p:oleObj spid="_x0000_s2188" name="公式" r:id="rId11" imgW="368300" imgH="177800" progId="Equation.3">
                   <p:embed/>
                 </p:oleObj>
               </mc:Choice>
@@ -11478,7 +11474,7 @@
           <a:graphicData uri="http://schemas.openxmlformats.org/presentationml/2006/ole">
             <mc:AlternateContent xmlns:mc="http://schemas.openxmlformats.org/markup-compatibility/2006">
               <mc:Choice xmlns:v="urn:schemas-microsoft-com:vml" Requires="v">
-                <p:oleObj spid="_x0000_s2161" name="公式" r:id="rId13" imgW="292100" imgH="177800" progId="Equation.3">
+                <p:oleObj spid="_x0000_s2189" name="公式" r:id="rId13" imgW="292100" imgH="177800" progId="Equation.3">
                   <p:embed/>
                 </p:oleObj>
               </mc:Choice>
@@ -11535,7 +11531,7 @@
           <a:graphicData uri="http://schemas.openxmlformats.org/presentationml/2006/ole">
             <mc:AlternateContent xmlns:mc="http://schemas.openxmlformats.org/markup-compatibility/2006">
               <mc:Choice xmlns:v="urn:schemas-microsoft-com:vml" Requires="v">
-                <p:oleObj spid="_x0000_s2162" name="公式" r:id="rId14" imgW="292100" imgH="177800" progId="Equation.3">
+                <p:oleObj spid="_x0000_s2190" name="公式" r:id="rId14" imgW="292100" imgH="177800" progId="Equation.3">
                   <p:embed/>
                 </p:oleObj>
               </mc:Choice>
@@ -11592,7 +11588,7 @@
           <a:graphicData uri="http://schemas.openxmlformats.org/presentationml/2006/ole">
             <mc:AlternateContent xmlns:mc="http://schemas.openxmlformats.org/markup-compatibility/2006">
               <mc:Choice xmlns:v="urn:schemas-microsoft-com:vml" Requires="v">
-                <p:oleObj spid="_x0000_s2163" name="公式" r:id="rId16" imgW="292100" imgH="177800" progId="Equation.3">
+                <p:oleObj spid="_x0000_s2191" name="公式" r:id="rId16" imgW="292100" imgH="177800" progId="Equation.3">
                   <p:embed/>
                 </p:oleObj>
               </mc:Choice>
@@ -11649,7 +11645,7 @@
           <a:graphicData uri="http://schemas.openxmlformats.org/presentationml/2006/ole">
             <mc:AlternateContent xmlns:mc="http://schemas.openxmlformats.org/markup-compatibility/2006">
               <mc:Choice xmlns:v="urn:schemas-microsoft-com:vml" Requires="v">
-                <p:oleObj spid="_x0000_s2164" name="公式" r:id="rId17" imgW="292100" imgH="177800" progId="Equation.3">
+                <p:oleObj spid="_x0000_s2192" name="公式" r:id="rId17" imgW="292100" imgH="177800" progId="Equation.3">
                   <p:embed/>
                 </p:oleObj>
               </mc:Choice>
@@ -11706,7 +11702,7 @@
           <a:graphicData uri="http://schemas.openxmlformats.org/presentationml/2006/ole">
             <mc:AlternateContent xmlns:mc="http://schemas.openxmlformats.org/markup-compatibility/2006">
               <mc:Choice xmlns:v="urn:schemas-microsoft-com:vml" Requires="v">
-                <p:oleObj spid="_x0000_s2165" name="公式" r:id="rId18" imgW="292100" imgH="177800" progId="Equation.3">
+                <p:oleObj spid="_x0000_s2193" name="公式" r:id="rId18" imgW="292100" imgH="177800" progId="Equation.3">
                   <p:embed/>
                 </p:oleObj>
               </mc:Choice>
@@ -11763,7 +11759,7 @@
           <a:graphicData uri="http://schemas.openxmlformats.org/presentationml/2006/ole">
             <mc:AlternateContent xmlns:mc="http://schemas.openxmlformats.org/markup-compatibility/2006">
               <mc:Choice xmlns:v="urn:schemas-microsoft-com:vml" Requires="v">
-                <p:oleObj spid="_x0000_s2166" name="公式" r:id="rId19" imgW="292100" imgH="177800" progId="Equation.3">
+                <p:oleObj spid="_x0000_s2194" name="公式" r:id="rId19" imgW="292100" imgH="177800" progId="Equation.3">
                   <p:embed/>
                 </p:oleObj>
               </mc:Choice>
@@ -12444,7 +12440,7 @@
           <a:graphicData uri="http://schemas.openxmlformats.org/presentationml/2006/ole">
             <mc:AlternateContent xmlns:mc="http://schemas.openxmlformats.org/markup-compatibility/2006">
               <mc:Choice xmlns:v="urn:schemas-microsoft-com:vml" Requires="v">
-                <p:oleObj spid="_x0000_s2167" name="公式" r:id="rId20" imgW="673100" imgH="241300" progId="Equation.3">
+                <p:oleObj spid="_x0000_s2195" name="公式" r:id="rId20" imgW="673100" imgH="241300" progId="Equation.3">
                   <p:embed/>
                 </p:oleObj>
               </mc:Choice>
@@ -12501,7 +12497,7 @@
           <a:graphicData uri="http://schemas.openxmlformats.org/presentationml/2006/ole">
             <mc:AlternateContent xmlns:mc="http://schemas.openxmlformats.org/markup-compatibility/2006">
               <mc:Choice xmlns:v="urn:schemas-microsoft-com:vml" Requires="v">
-                <p:oleObj spid="_x0000_s2168" name="公式" r:id="rId22" imgW="673100" imgH="241300" progId="Equation.3">
+                <p:oleObj spid="_x0000_s2196" name="公式" r:id="rId22" imgW="673100" imgH="241300" progId="Equation.3">
                   <p:embed/>
                 </p:oleObj>
               </mc:Choice>
@@ -15487,7 +15483,7 @@
           <a:graphicData uri="http://schemas.openxmlformats.org/presentationml/2006/ole">
             <mc:AlternateContent xmlns:mc="http://schemas.openxmlformats.org/markup-compatibility/2006">
               <mc:Choice xmlns:v="urn:schemas-microsoft-com:vml" Requires="v">
-                <p:oleObj spid="_x0000_s2169" name="公式" r:id="rId24" imgW="711200" imgH="241300" progId="Equation.3">
+                <p:oleObj spid="_x0000_s2197" name="公式" r:id="rId24" imgW="711200" imgH="241300" progId="Equation.3">
                   <p:embed/>
                 </p:oleObj>
               </mc:Choice>
@@ -15692,7 +15688,7 @@
           <a:noFill/>
           <a:extLst>
             <a:ext uri="{909E8E84-426E-40dd-AFC4-6F175D3DCCD1}">
-              <a14:hiddenFill xmlns="" xmlns:a14="http://schemas.microsoft.com/office/drawing/2010/main">
+              <a14:hiddenFill xmlns:a14="http://schemas.microsoft.com/office/drawing/2010/main" xmlns="">
                 <a:solidFill>
                   <a:srgbClr val="FFFFFF"/>
                 </a:solidFill>
@@ -16592,7 +16588,7 @@
           <a:noFill/>
           <a:extLst>
             <a:ext uri="{909E8E84-426E-40dd-AFC4-6F175D3DCCD1}">
-              <a14:hiddenFill xmlns="" xmlns:a14="http://schemas.microsoft.com/office/drawing/2010/main">
+              <a14:hiddenFill xmlns:a14="http://schemas.microsoft.com/office/drawing/2010/main" xmlns="">
                 <a:solidFill>
                   <a:srgbClr val="FFFFFF"/>
                 </a:solidFill>
@@ -16824,7 +16820,7 @@
           <a:noFill/>
           <a:extLst>
             <a:ext uri="{909E8E84-426E-40dd-AFC4-6F175D3DCCD1}">
-              <a14:hiddenFill xmlns="" xmlns:a14="http://schemas.microsoft.com/office/drawing/2010/main">
+              <a14:hiddenFill xmlns:a14="http://schemas.microsoft.com/office/drawing/2010/main" xmlns="">
                 <a:solidFill>
                   <a:srgbClr val="FFFFFF"/>
                 </a:solidFill>
@@ -17772,7 +17768,7 @@
           <a:noFill/>
           <a:extLst>
             <a:ext uri="{909E8E84-426E-40dd-AFC4-6F175D3DCCD1}">
-              <a14:hiddenFill xmlns="" xmlns:a14="http://schemas.microsoft.com/office/drawing/2010/main">
+              <a14:hiddenFill xmlns:a14="http://schemas.microsoft.com/office/drawing/2010/main" xmlns="">
                 <a:solidFill>
                   <a:srgbClr val="FFFFFF"/>
                 </a:solidFill>
@@ -19786,7 +19782,7 @@
         </p:nvSpPr>
         <p:spPr>
           <a:xfrm>
-            <a:off x="528506" y="746620"/>
+            <a:off x="1601371" y="936181"/>
             <a:ext cx="947956" cy="629174"/>
           </a:xfrm>
           <a:prstGeom prst="rect">
@@ -19908,7 +19904,7 @@
         </p:nvSpPr>
         <p:spPr>
           <a:xfrm>
-            <a:off x="1628862" y="746620"/>
+            <a:off x="1513465" y="2290020"/>
             <a:ext cx="1105948" cy="629174"/>
           </a:xfrm>
           <a:prstGeom prst="rect">
@@ -20030,7 +20026,7 @@
         </p:nvSpPr>
         <p:spPr>
           <a:xfrm>
-            <a:off x="528506" y="1528194"/>
+            <a:off x="1590272" y="1608415"/>
             <a:ext cx="947956" cy="629174"/>
           </a:xfrm>
           <a:prstGeom prst="rect">
@@ -20152,7 +20148,7 @@
         </p:nvSpPr>
         <p:spPr>
           <a:xfrm>
-            <a:off x="1628861" y="1528194"/>
+            <a:off x="1503025" y="2985897"/>
             <a:ext cx="1105949" cy="629174"/>
           </a:xfrm>
           <a:prstGeom prst="rect">
@@ -20274,7 +20270,7 @@
         </p:nvSpPr>
         <p:spPr>
           <a:xfrm>
-            <a:off x="528506" y="2578216"/>
+            <a:off x="2462167" y="4630021"/>
             <a:ext cx="1677799" cy="629174"/>
           </a:xfrm>
           <a:prstGeom prst="rect">
@@ -20514,7 +20510,7 @@
         </p:nvSpPr>
         <p:spPr>
           <a:xfrm>
-            <a:off x="2206305" y="2787940"/>
+            <a:off x="4139966" y="4836589"/>
             <a:ext cx="109057" cy="209725"/>
           </a:xfrm>
           <a:prstGeom prst="rect">
@@ -20653,15 +20649,15 @@
           <p:nvPr/>
         </p:nvCxnSpPr>
         <p:spPr>
-          <a:xfrm flipH="1">
-            <a:off x="2056000" y="2892803"/>
-            <a:ext cx="259362" cy="1065401"/>
+          <a:xfrm flipH="1" flipV="1">
+            <a:off x="2056000" y="3958204"/>
+            <a:ext cx="2193023" cy="983248"/>
           </a:xfrm>
           <a:prstGeom prst="bentConnector5">
             <a:avLst>
-              <a:gd name="adj1" fmla="val -88139"/>
+              <a:gd name="adj1" fmla="val -10424"/>
               <a:gd name="adj2" fmla="val 50000"/>
-              <a:gd name="adj3" fmla="val 188139"/>
+              <a:gd name="adj3" fmla="val 110424"/>
             </a:avLst>
           </a:prstGeom>
           <a:ln w="9525">
@@ -21515,7 +21511,7 @@
         </p:nvSpPr>
         <p:spPr>
           <a:xfrm>
-            <a:off x="4806194" y="4521666"/>
+            <a:off x="4993056" y="4167929"/>
             <a:ext cx="1819714" cy="1771475"/>
           </a:xfrm>
           <a:prstGeom prst="rect">
@@ -22141,7 +22137,7 @@
         </p:nvSpPr>
         <p:spPr>
           <a:xfrm>
-            <a:off x="4687353" y="5302540"/>
+            <a:off x="4904058" y="4960777"/>
             <a:ext cx="109057" cy="209725"/>
           </a:xfrm>
           <a:prstGeom prst="rect">
@@ -22298,14 +22294,14 @@
         </p:nvCxnSpPr>
         <p:spPr>
           <a:xfrm flipH="1">
-            <a:off x="4687353" y="2886511"/>
-            <a:ext cx="245374" cy="2520892"/>
+            <a:off x="4904058" y="2886511"/>
+            <a:ext cx="28669" cy="2179129"/>
           </a:xfrm>
           <a:prstGeom prst="bentConnector5">
             <a:avLst>
-              <a:gd name="adj1" fmla="val -93164"/>
+              <a:gd name="adj1" fmla="val -797377"/>
               <a:gd name="adj2" fmla="val 50000"/>
-              <a:gd name="adj3" fmla="val 193164"/>
+              <a:gd name="adj3" fmla="val 897377"/>
             </a:avLst>
           </a:prstGeom>
           <a:ln w="6350">
@@ -22850,7 +22846,7 @@
         </p:nvSpPr>
         <p:spPr>
           <a:xfrm>
-            <a:off x="655742" y="2317456"/>
+            <a:off x="2455528" y="3293373"/>
             <a:ext cx="1105948" cy="629174"/>
           </a:xfrm>
           <a:prstGeom prst="rect">
@@ -22972,7 +22968,7 @@
         </p:nvSpPr>
         <p:spPr>
           <a:xfrm>
-            <a:off x="734738" y="1370197"/>
+            <a:off x="2560388" y="627076"/>
             <a:ext cx="947956" cy="629174"/>
           </a:xfrm>
           <a:prstGeom prst="rect">

--- a/images/image.pptx
+++ b/images/image.pptx
@@ -311,7 +311,7 @@
           <a:p>
             <a:fld id="{773E3A52-2DD2-6749-B427-C9A1D0BB55DF}" type="datetimeFigureOut">
               <a:rPr kumimoji="1" lang="zh-CN" altLang="en-US" smtClean="0"/>
-              <a:t>2018/2/6</a:t>
+              <a:t>2018/2/11</a:t>
             </a:fld>
             <a:endParaRPr kumimoji="1" lang="zh-CN" altLang="en-US"/>
           </a:p>
@@ -479,7 +479,7 @@
           <a:p>
             <a:fld id="{773E3A52-2DD2-6749-B427-C9A1D0BB55DF}" type="datetimeFigureOut">
               <a:rPr kumimoji="1" lang="zh-CN" altLang="en-US" smtClean="0"/>
-              <a:t>2018/2/6</a:t>
+              <a:t>2018/2/11</a:t>
             </a:fld>
             <a:endParaRPr kumimoji="1" lang="zh-CN" altLang="en-US"/>
           </a:p>
@@ -657,7 +657,7 @@
           <a:p>
             <a:fld id="{773E3A52-2DD2-6749-B427-C9A1D0BB55DF}" type="datetimeFigureOut">
               <a:rPr kumimoji="1" lang="zh-CN" altLang="en-US" smtClean="0"/>
-              <a:t>2018/2/6</a:t>
+              <a:t>2018/2/11</a:t>
             </a:fld>
             <a:endParaRPr kumimoji="1" lang="zh-CN" altLang="en-US"/>
           </a:p>
@@ -825,7 +825,7 @@
           <a:p>
             <a:fld id="{773E3A52-2DD2-6749-B427-C9A1D0BB55DF}" type="datetimeFigureOut">
               <a:rPr kumimoji="1" lang="zh-CN" altLang="en-US" smtClean="0"/>
-              <a:t>2018/2/6</a:t>
+              <a:t>2018/2/11</a:t>
             </a:fld>
             <a:endParaRPr kumimoji="1" lang="zh-CN" altLang="en-US"/>
           </a:p>
@@ -1070,7 +1070,7 @@
           <a:p>
             <a:fld id="{773E3A52-2DD2-6749-B427-C9A1D0BB55DF}" type="datetimeFigureOut">
               <a:rPr kumimoji="1" lang="zh-CN" altLang="en-US" smtClean="0"/>
-              <a:t>2018/2/6</a:t>
+              <a:t>2018/2/11</a:t>
             </a:fld>
             <a:endParaRPr kumimoji="1" lang="zh-CN" altLang="en-US"/>
           </a:p>
@@ -1355,7 +1355,7 @@
           <a:p>
             <a:fld id="{773E3A52-2DD2-6749-B427-C9A1D0BB55DF}" type="datetimeFigureOut">
               <a:rPr kumimoji="1" lang="zh-CN" altLang="en-US" smtClean="0"/>
-              <a:t>2018/2/6</a:t>
+              <a:t>2018/2/11</a:t>
             </a:fld>
             <a:endParaRPr kumimoji="1" lang="zh-CN" altLang="en-US"/>
           </a:p>
@@ -1774,7 +1774,7 @@
           <a:p>
             <a:fld id="{773E3A52-2DD2-6749-B427-C9A1D0BB55DF}" type="datetimeFigureOut">
               <a:rPr kumimoji="1" lang="zh-CN" altLang="en-US" smtClean="0"/>
-              <a:t>2018/2/6</a:t>
+              <a:t>2018/2/11</a:t>
             </a:fld>
             <a:endParaRPr kumimoji="1" lang="zh-CN" altLang="en-US"/>
           </a:p>
@@ -1891,7 +1891,7 @@
           <a:p>
             <a:fld id="{773E3A52-2DD2-6749-B427-C9A1D0BB55DF}" type="datetimeFigureOut">
               <a:rPr kumimoji="1" lang="zh-CN" altLang="en-US" smtClean="0"/>
-              <a:t>2018/2/6</a:t>
+              <a:t>2018/2/11</a:t>
             </a:fld>
             <a:endParaRPr kumimoji="1" lang="zh-CN" altLang="en-US"/>
           </a:p>
@@ -1986,7 +1986,7 @@
           <a:p>
             <a:fld id="{773E3A52-2DD2-6749-B427-C9A1D0BB55DF}" type="datetimeFigureOut">
               <a:rPr kumimoji="1" lang="zh-CN" altLang="en-US" smtClean="0"/>
-              <a:t>2018/2/6</a:t>
+              <a:t>2018/2/11</a:t>
             </a:fld>
             <a:endParaRPr kumimoji="1" lang="zh-CN" altLang="en-US"/>
           </a:p>
@@ -2261,7 +2261,7 @@
           <a:p>
             <a:fld id="{773E3A52-2DD2-6749-B427-C9A1D0BB55DF}" type="datetimeFigureOut">
               <a:rPr kumimoji="1" lang="zh-CN" altLang="en-US" smtClean="0"/>
-              <a:t>2018/2/6</a:t>
+              <a:t>2018/2/11</a:t>
             </a:fld>
             <a:endParaRPr kumimoji="1" lang="zh-CN" altLang="en-US"/>
           </a:p>
@@ -2513,7 +2513,7 @@
           <a:p>
             <a:fld id="{773E3A52-2DD2-6749-B427-C9A1D0BB55DF}" type="datetimeFigureOut">
               <a:rPr kumimoji="1" lang="zh-CN" altLang="en-US" smtClean="0"/>
-              <a:t>2018/2/6</a:t>
+              <a:t>2018/2/11</a:t>
             </a:fld>
             <a:endParaRPr kumimoji="1" lang="zh-CN" altLang="en-US"/>
           </a:p>
@@ -2724,7 +2724,7 @@
           <a:p>
             <a:fld id="{773E3A52-2DD2-6749-B427-C9A1D0BB55DF}" type="datetimeFigureOut">
               <a:rPr kumimoji="1" lang="zh-CN" altLang="en-US" smtClean="0"/>
-              <a:t>2018/2/6</a:t>
+              <a:t>2018/2/11</a:t>
             </a:fld>
             <a:endParaRPr kumimoji="1" lang="zh-CN" altLang="en-US"/>
           </a:p>
@@ -10912,7 +10912,7 @@
           <a:graphicData uri="http://schemas.openxmlformats.org/presentationml/2006/ole">
             <mc:AlternateContent xmlns:mc="http://schemas.openxmlformats.org/markup-compatibility/2006">
               <mc:Choice xmlns:v="urn:schemas-microsoft-com:vml" Requires="v">
-                <p:oleObj spid="_x0000_s2184" name="公式" r:id="rId3" imgW="609600" imgH="431800" progId="Equation.3">
+                <p:oleObj spid="_x0000_s2226" name="公式" r:id="rId3" imgW="609600" imgH="431800" progId="Equation.3">
                   <p:embed/>
                 </p:oleObj>
               </mc:Choice>
@@ -11164,7 +11164,7 @@
           <a:graphicData uri="http://schemas.openxmlformats.org/presentationml/2006/ole">
             <mc:AlternateContent xmlns:mc="http://schemas.openxmlformats.org/markup-compatibility/2006">
               <mc:Choice xmlns:v="urn:schemas-microsoft-com:vml" Requires="v">
-                <p:oleObj spid="_x0000_s2185" name="公式" r:id="rId5" imgW="609600" imgH="431800" progId="Equation.3">
+                <p:oleObj spid="_x0000_s2227" name="公式" r:id="rId5" imgW="609600" imgH="431800" progId="Equation.3">
                   <p:embed/>
                 </p:oleObj>
               </mc:Choice>
@@ -11221,7 +11221,7 @@
           <a:graphicData uri="http://schemas.openxmlformats.org/presentationml/2006/ole">
             <mc:AlternateContent xmlns:mc="http://schemas.openxmlformats.org/markup-compatibility/2006">
               <mc:Choice xmlns:v="urn:schemas-microsoft-com:vml" Requires="v">
-                <p:oleObj spid="_x0000_s2186" name="公式" r:id="rId7" imgW="482600" imgH="177800" progId="Equation.3">
+                <p:oleObj spid="_x0000_s2228" name="公式" r:id="rId7" imgW="482600" imgH="177800" progId="Equation.3">
                   <p:embed/>
                 </p:oleObj>
               </mc:Choice>
@@ -11278,7 +11278,7 @@
           <a:graphicData uri="http://schemas.openxmlformats.org/presentationml/2006/ole">
             <mc:AlternateContent xmlns:mc="http://schemas.openxmlformats.org/markup-compatibility/2006">
               <mc:Choice xmlns:v="urn:schemas-microsoft-com:vml" Requires="v">
-                <p:oleObj spid="_x0000_s2187" name="公式" r:id="rId9" imgW="292100" imgH="177800" progId="Equation.3">
+                <p:oleObj spid="_x0000_s2229" name="公式" r:id="rId9" imgW="292100" imgH="177800" progId="Equation.3">
                   <p:embed/>
                 </p:oleObj>
               </mc:Choice>
@@ -11335,7 +11335,7 @@
           <a:graphicData uri="http://schemas.openxmlformats.org/presentationml/2006/ole">
             <mc:AlternateContent xmlns:mc="http://schemas.openxmlformats.org/markup-compatibility/2006">
               <mc:Choice xmlns:v="urn:schemas-microsoft-com:vml" Requires="v">
-                <p:oleObj spid="_x0000_s2188" name="公式" r:id="rId11" imgW="368300" imgH="177800" progId="Equation.3">
+                <p:oleObj spid="_x0000_s2230" name="公式" r:id="rId11" imgW="368300" imgH="177800" progId="Equation.3">
                   <p:embed/>
                 </p:oleObj>
               </mc:Choice>
@@ -11474,7 +11474,7 @@
           <a:graphicData uri="http://schemas.openxmlformats.org/presentationml/2006/ole">
             <mc:AlternateContent xmlns:mc="http://schemas.openxmlformats.org/markup-compatibility/2006">
               <mc:Choice xmlns:v="urn:schemas-microsoft-com:vml" Requires="v">
-                <p:oleObj spid="_x0000_s2189" name="公式" r:id="rId13" imgW="292100" imgH="177800" progId="Equation.3">
+                <p:oleObj spid="_x0000_s2231" name="公式" r:id="rId13" imgW="292100" imgH="177800" progId="Equation.3">
                   <p:embed/>
                 </p:oleObj>
               </mc:Choice>
@@ -11531,7 +11531,7 @@
           <a:graphicData uri="http://schemas.openxmlformats.org/presentationml/2006/ole">
             <mc:AlternateContent xmlns:mc="http://schemas.openxmlformats.org/markup-compatibility/2006">
               <mc:Choice xmlns:v="urn:schemas-microsoft-com:vml" Requires="v">
-                <p:oleObj spid="_x0000_s2190" name="公式" r:id="rId14" imgW="292100" imgH="177800" progId="Equation.3">
+                <p:oleObj spid="_x0000_s2232" name="公式" r:id="rId14" imgW="292100" imgH="177800" progId="Equation.3">
                   <p:embed/>
                 </p:oleObj>
               </mc:Choice>
@@ -11588,7 +11588,7 @@
           <a:graphicData uri="http://schemas.openxmlformats.org/presentationml/2006/ole">
             <mc:AlternateContent xmlns:mc="http://schemas.openxmlformats.org/markup-compatibility/2006">
               <mc:Choice xmlns:v="urn:schemas-microsoft-com:vml" Requires="v">
-                <p:oleObj spid="_x0000_s2191" name="公式" r:id="rId16" imgW="292100" imgH="177800" progId="Equation.3">
+                <p:oleObj spid="_x0000_s2233" name="公式" r:id="rId16" imgW="292100" imgH="177800" progId="Equation.3">
                   <p:embed/>
                 </p:oleObj>
               </mc:Choice>
@@ -11645,7 +11645,7 @@
           <a:graphicData uri="http://schemas.openxmlformats.org/presentationml/2006/ole">
             <mc:AlternateContent xmlns:mc="http://schemas.openxmlformats.org/markup-compatibility/2006">
               <mc:Choice xmlns:v="urn:schemas-microsoft-com:vml" Requires="v">
-                <p:oleObj spid="_x0000_s2192" name="公式" r:id="rId17" imgW="292100" imgH="177800" progId="Equation.3">
+                <p:oleObj spid="_x0000_s2234" name="公式" r:id="rId17" imgW="292100" imgH="177800" progId="Equation.3">
                   <p:embed/>
                 </p:oleObj>
               </mc:Choice>
@@ -11702,7 +11702,7 @@
           <a:graphicData uri="http://schemas.openxmlformats.org/presentationml/2006/ole">
             <mc:AlternateContent xmlns:mc="http://schemas.openxmlformats.org/markup-compatibility/2006">
               <mc:Choice xmlns:v="urn:schemas-microsoft-com:vml" Requires="v">
-                <p:oleObj spid="_x0000_s2193" name="公式" r:id="rId18" imgW="292100" imgH="177800" progId="Equation.3">
+                <p:oleObj spid="_x0000_s2235" name="公式" r:id="rId18" imgW="292100" imgH="177800" progId="Equation.3">
                   <p:embed/>
                 </p:oleObj>
               </mc:Choice>
@@ -11759,7 +11759,7 @@
           <a:graphicData uri="http://schemas.openxmlformats.org/presentationml/2006/ole">
             <mc:AlternateContent xmlns:mc="http://schemas.openxmlformats.org/markup-compatibility/2006">
               <mc:Choice xmlns:v="urn:schemas-microsoft-com:vml" Requires="v">
-                <p:oleObj spid="_x0000_s2194" name="公式" r:id="rId19" imgW="292100" imgH="177800" progId="Equation.3">
+                <p:oleObj spid="_x0000_s2236" name="公式" r:id="rId19" imgW="292100" imgH="177800" progId="Equation.3">
                   <p:embed/>
                 </p:oleObj>
               </mc:Choice>
@@ -12440,7 +12440,7 @@
           <a:graphicData uri="http://schemas.openxmlformats.org/presentationml/2006/ole">
             <mc:AlternateContent xmlns:mc="http://schemas.openxmlformats.org/markup-compatibility/2006">
               <mc:Choice xmlns:v="urn:schemas-microsoft-com:vml" Requires="v">
-                <p:oleObj spid="_x0000_s2195" name="公式" r:id="rId20" imgW="673100" imgH="241300" progId="Equation.3">
+                <p:oleObj spid="_x0000_s2237" name="公式" r:id="rId20" imgW="673100" imgH="241300" progId="Equation.3">
                   <p:embed/>
                 </p:oleObj>
               </mc:Choice>
@@ -12497,7 +12497,7 @@
           <a:graphicData uri="http://schemas.openxmlformats.org/presentationml/2006/ole">
             <mc:AlternateContent xmlns:mc="http://schemas.openxmlformats.org/markup-compatibility/2006">
               <mc:Choice xmlns:v="urn:schemas-microsoft-com:vml" Requires="v">
-                <p:oleObj spid="_x0000_s2196" name="公式" r:id="rId22" imgW="673100" imgH="241300" progId="Equation.3">
+                <p:oleObj spid="_x0000_s2238" name="公式" r:id="rId22" imgW="673100" imgH="241300" progId="Equation.3">
                   <p:embed/>
                 </p:oleObj>
               </mc:Choice>
@@ -15483,7 +15483,7 @@
           <a:graphicData uri="http://schemas.openxmlformats.org/presentationml/2006/ole">
             <mc:AlternateContent xmlns:mc="http://schemas.openxmlformats.org/markup-compatibility/2006">
               <mc:Choice xmlns:v="urn:schemas-microsoft-com:vml" Requires="v">
-                <p:oleObj spid="_x0000_s2197" name="公式" r:id="rId24" imgW="711200" imgH="241300" progId="Equation.3">
+                <p:oleObj spid="_x0000_s2239" name="公式" r:id="rId24" imgW="711200" imgH="241300" progId="Equation.3">
                   <p:embed/>
                 </p:oleObj>
               </mc:Choice>
@@ -15688,7 +15688,7 @@
           <a:noFill/>
           <a:extLst>
             <a:ext uri="{909E8E84-426E-40dd-AFC4-6F175D3DCCD1}">
-              <a14:hiddenFill xmlns:a14="http://schemas.microsoft.com/office/drawing/2010/main" xmlns="">
+              <a14:hiddenFill xmlns="" xmlns:a14="http://schemas.microsoft.com/office/drawing/2010/main">
                 <a:solidFill>
                   <a:srgbClr val="FFFFFF"/>
                 </a:solidFill>
@@ -16588,7 +16588,7 @@
           <a:noFill/>
           <a:extLst>
             <a:ext uri="{909E8E84-426E-40dd-AFC4-6F175D3DCCD1}">
-              <a14:hiddenFill xmlns:a14="http://schemas.microsoft.com/office/drawing/2010/main" xmlns="">
+              <a14:hiddenFill xmlns="" xmlns:a14="http://schemas.microsoft.com/office/drawing/2010/main">
                 <a:solidFill>
                   <a:srgbClr val="FFFFFF"/>
                 </a:solidFill>
@@ -16820,7 +16820,7 @@
           <a:noFill/>
           <a:extLst>
             <a:ext uri="{909E8E84-426E-40dd-AFC4-6F175D3DCCD1}">
-              <a14:hiddenFill xmlns:a14="http://schemas.microsoft.com/office/drawing/2010/main" xmlns="">
+              <a14:hiddenFill xmlns="" xmlns:a14="http://schemas.microsoft.com/office/drawing/2010/main">
                 <a:solidFill>
                   <a:srgbClr val="FFFFFF"/>
                 </a:solidFill>
@@ -17321,7 +17321,7 @@
         <p:spPr>
           <a:xfrm>
             <a:off x="4720705" y="0"/>
-            <a:ext cx="3777344" cy="6056387"/>
+            <a:ext cx="3777344" cy="6258256"/>
           </a:xfrm>
           <a:prstGeom prst="rect">
             <a:avLst/>
@@ -17607,8 +17607,8 @@
         </p:nvSpPr>
         <p:spPr>
           <a:xfrm>
-            <a:off x="7217380" y="5656277"/>
-            <a:ext cx="1026691" cy="369332"/>
+            <a:off x="6829687" y="5632023"/>
+            <a:ext cx="1719573" cy="646331"/>
           </a:xfrm>
           <a:prstGeom prst="rect">
             <a:avLst/>
@@ -17624,7 +17624,14 @@
             <a:pPr algn="ctr"/>
             <a:r>
               <a:rPr lang="en-US" altLang="zh-CN" b="1" dirty="0"/>
-              <a:t>BCI Apps</a:t>
+              <a:t>BCI Apps in </a:t>
+            </a:r>
+          </a:p>
+          <a:p>
+            <a:pPr algn="ctr"/>
+            <a:r>
+              <a:rPr lang="en-US" altLang="zh-CN" b="1" dirty="0"/>
+              <a:t>Other Platforms</a:t>
             </a:r>
             <a:endParaRPr lang="zh-CN" altLang="en-US" b="1" dirty="0"/>
           </a:p>
@@ -17701,8 +17708,8 @@
         </p:nvCxnSpPr>
         <p:spPr>
           <a:xfrm flipV="1">
-            <a:off x="7692374" y="2326480"/>
-            <a:ext cx="1" cy="2403449"/>
+            <a:off x="7692375" y="2326480"/>
+            <a:ext cx="0" cy="2370713"/>
           </a:xfrm>
           <a:prstGeom prst="straightConnector1">
             <a:avLst/>
@@ -17759,7 +17766,7 @@
         </p:blipFill>
         <p:spPr bwMode="auto">
           <a:xfrm>
-            <a:off x="7229200" y="4729929"/>
+            <a:off x="7229201" y="4697193"/>
             <a:ext cx="926348" cy="926348"/>
           </a:xfrm>
           <a:prstGeom prst="rect">
@@ -17768,7 +17775,7 @@
           <a:noFill/>
           <a:extLst>
             <a:ext uri="{909E8E84-426E-40dd-AFC4-6F175D3DCCD1}">
-              <a14:hiddenFill xmlns:a14="http://schemas.microsoft.com/office/drawing/2010/main" xmlns="">
+              <a14:hiddenFill xmlns="" xmlns:a14="http://schemas.microsoft.com/office/drawing/2010/main">
                 <a:solidFill>
                   <a:srgbClr val="FFFFFF"/>
                 </a:solidFill>

--- a/images/image.pptx
+++ b/images/image.pptx
@@ -311,7 +311,7 @@
           <a:p>
             <a:fld id="{773E3A52-2DD2-6749-B427-C9A1D0BB55DF}" type="datetimeFigureOut">
               <a:rPr kumimoji="1" lang="zh-CN" altLang="en-US" smtClean="0"/>
-              <a:t>2018/2/11</a:t>
+              <a:t>2018/2/13</a:t>
             </a:fld>
             <a:endParaRPr kumimoji="1" lang="zh-CN" altLang="en-US"/>
           </a:p>
@@ -479,7 +479,7 @@
           <a:p>
             <a:fld id="{773E3A52-2DD2-6749-B427-C9A1D0BB55DF}" type="datetimeFigureOut">
               <a:rPr kumimoji="1" lang="zh-CN" altLang="en-US" smtClean="0"/>
-              <a:t>2018/2/11</a:t>
+              <a:t>2018/2/13</a:t>
             </a:fld>
             <a:endParaRPr kumimoji="1" lang="zh-CN" altLang="en-US"/>
           </a:p>
@@ -657,7 +657,7 @@
           <a:p>
             <a:fld id="{773E3A52-2DD2-6749-B427-C9A1D0BB55DF}" type="datetimeFigureOut">
               <a:rPr kumimoji="1" lang="zh-CN" altLang="en-US" smtClean="0"/>
-              <a:t>2018/2/11</a:t>
+              <a:t>2018/2/13</a:t>
             </a:fld>
             <a:endParaRPr kumimoji="1" lang="zh-CN" altLang="en-US"/>
           </a:p>
@@ -825,7 +825,7 @@
           <a:p>
             <a:fld id="{773E3A52-2DD2-6749-B427-C9A1D0BB55DF}" type="datetimeFigureOut">
               <a:rPr kumimoji="1" lang="zh-CN" altLang="en-US" smtClean="0"/>
-              <a:t>2018/2/11</a:t>
+              <a:t>2018/2/13</a:t>
             </a:fld>
             <a:endParaRPr kumimoji="1" lang="zh-CN" altLang="en-US"/>
           </a:p>
@@ -1070,7 +1070,7 @@
           <a:p>
             <a:fld id="{773E3A52-2DD2-6749-B427-C9A1D0BB55DF}" type="datetimeFigureOut">
               <a:rPr kumimoji="1" lang="zh-CN" altLang="en-US" smtClean="0"/>
-              <a:t>2018/2/11</a:t>
+              <a:t>2018/2/13</a:t>
             </a:fld>
             <a:endParaRPr kumimoji="1" lang="zh-CN" altLang="en-US"/>
           </a:p>
@@ -1355,7 +1355,7 @@
           <a:p>
             <a:fld id="{773E3A52-2DD2-6749-B427-C9A1D0BB55DF}" type="datetimeFigureOut">
               <a:rPr kumimoji="1" lang="zh-CN" altLang="en-US" smtClean="0"/>
-              <a:t>2018/2/11</a:t>
+              <a:t>2018/2/13</a:t>
             </a:fld>
             <a:endParaRPr kumimoji="1" lang="zh-CN" altLang="en-US"/>
           </a:p>
@@ -1774,7 +1774,7 @@
           <a:p>
             <a:fld id="{773E3A52-2DD2-6749-B427-C9A1D0BB55DF}" type="datetimeFigureOut">
               <a:rPr kumimoji="1" lang="zh-CN" altLang="en-US" smtClean="0"/>
-              <a:t>2018/2/11</a:t>
+              <a:t>2018/2/13</a:t>
             </a:fld>
             <a:endParaRPr kumimoji="1" lang="zh-CN" altLang="en-US"/>
           </a:p>
@@ -1891,7 +1891,7 @@
           <a:p>
             <a:fld id="{773E3A52-2DD2-6749-B427-C9A1D0BB55DF}" type="datetimeFigureOut">
               <a:rPr kumimoji="1" lang="zh-CN" altLang="en-US" smtClean="0"/>
-              <a:t>2018/2/11</a:t>
+              <a:t>2018/2/13</a:t>
             </a:fld>
             <a:endParaRPr kumimoji="1" lang="zh-CN" altLang="en-US"/>
           </a:p>
@@ -1986,7 +1986,7 @@
           <a:p>
             <a:fld id="{773E3A52-2DD2-6749-B427-C9A1D0BB55DF}" type="datetimeFigureOut">
               <a:rPr kumimoji="1" lang="zh-CN" altLang="en-US" smtClean="0"/>
-              <a:t>2018/2/11</a:t>
+              <a:t>2018/2/13</a:t>
             </a:fld>
             <a:endParaRPr kumimoji="1" lang="zh-CN" altLang="en-US"/>
           </a:p>
@@ -2261,7 +2261,7 @@
           <a:p>
             <a:fld id="{773E3A52-2DD2-6749-B427-C9A1D0BB55DF}" type="datetimeFigureOut">
               <a:rPr kumimoji="1" lang="zh-CN" altLang="en-US" smtClean="0"/>
-              <a:t>2018/2/11</a:t>
+              <a:t>2018/2/13</a:t>
             </a:fld>
             <a:endParaRPr kumimoji="1" lang="zh-CN" altLang="en-US"/>
           </a:p>
@@ -2513,7 +2513,7 @@
           <a:p>
             <a:fld id="{773E3A52-2DD2-6749-B427-C9A1D0BB55DF}" type="datetimeFigureOut">
               <a:rPr kumimoji="1" lang="zh-CN" altLang="en-US" smtClean="0"/>
-              <a:t>2018/2/11</a:t>
+              <a:t>2018/2/13</a:t>
             </a:fld>
             <a:endParaRPr kumimoji="1" lang="zh-CN" altLang="en-US"/>
           </a:p>
@@ -2724,7 +2724,7 @@
           <a:p>
             <a:fld id="{773E3A52-2DD2-6749-B427-C9A1D0BB55DF}" type="datetimeFigureOut">
               <a:rPr kumimoji="1" lang="zh-CN" altLang="en-US" smtClean="0"/>
-              <a:t>2018/2/11</a:t>
+              <a:t>2018/2/13</a:t>
             </a:fld>
             <a:endParaRPr kumimoji="1" lang="zh-CN" altLang="en-US"/>
           </a:p>
@@ -3183,8 +3183,8 @@
         </p:nvCxnSpPr>
         <p:spPr>
           <a:xfrm>
-            <a:off x="1096265" y="1550894"/>
-            <a:ext cx="0" cy="3801035"/>
+            <a:off x="1374006" y="2229654"/>
+            <a:ext cx="0" cy="3224573"/>
           </a:xfrm>
           <a:prstGeom prst="line">
             <a:avLst/>
@@ -3226,8 +3226,8 @@
         </p:nvCxnSpPr>
         <p:spPr>
           <a:xfrm>
-            <a:off x="3030070" y="1524000"/>
-            <a:ext cx="0" cy="3827929"/>
+            <a:off x="6969096" y="2167539"/>
+            <a:ext cx="0" cy="3184390"/>
           </a:xfrm>
           <a:prstGeom prst="line">
             <a:avLst/>
@@ -3269,8 +3269,8 @@
         </p:nvCxnSpPr>
         <p:spPr>
           <a:xfrm>
-            <a:off x="5012656" y="1524000"/>
-            <a:ext cx="0" cy="3827929"/>
+            <a:off x="3119443" y="2215912"/>
+            <a:ext cx="39134" cy="3184390"/>
           </a:xfrm>
           <a:prstGeom prst="line">
             <a:avLst/>
@@ -3311,9 +3311,9 @@
           <p:nvPr/>
         </p:nvCxnSpPr>
         <p:spPr>
-          <a:xfrm flipH="1">
-            <a:off x="6948814" y="1524000"/>
-            <a:ext cx="1" cy="3827929"/>
+          <a:xfrm>
+            <a:off x="4965145" y="2209563"/>
+            <a:ext cx="16754" cy="3184390"/>
           </a:xfrm>
           <a:prstGeom prst="line">
             <a:avLst/>
@@ -3353,7 +3353,7 @@
         </p:nvSpPr>
         <p:spPr>
           <a:xfrm>
-            <a:off x="2448693" y="679592"/>
+            <a:off x="6367437" y="1516010"/>
             <a:ext cx="1162755" cy="400110"/>
           </a:xfrm>
           <a:prstGeom prst="rect">
@@ -3396,7 +3396,7 @@
         </p:nvSpPr>
         <p:spPr>
           <a:xfrm>
-            <a:off x="747451" y="704397"/>
+            <a:off x="1025192" y="1528781"/>
             <a:ext cx="697628" cy="400110"/>
           </a:xfrm>
           <a:prstGeom prst="rect">
@@ -3439,8 +3439,8 @@
         </p:nvSpPr>
         <p:spPr>
           <a:xfrm>
-            <a:off x="4159567" y="595556"/>
-            <a:ext cx="1659750" cy="707886"/>
+            <a:off x="2083909" y="1364539"/>
+            <a:ext cx="1621278" cy="707886"/>
           </a:xfrm>
           <a:prstGeom prst="rect">
             <a:avLst/>
@@ -3456,7 +3456,7 @@
             <a:pPr algn="ctr"/>
             <a:r>
               <a:rPr lang="en-US" altLang="zh-CN" sz="2000" b="1" dirty="0"/>
-              <a:t>Thinkgear.dll/</a:t>
+              <a:t>thinkgear.dll/</a:t>
             </a:r>
           </a:p>
           <a:p>
@@ -3483,7 +3483,7 @@
         </p:nvSpPr>
         <p:spPr>
           <a:xfrm>
-            <a:off x="5884164" y="441668"/>
+            <a:off x="3908871" y="1177181"/>
             <a:ext cx="2129302" cy="1015663"/>
           </a:xfrm>
           <a:prstGeom prst="rect">
@@ -3532,231 +3532,6 @@
           </a:p>
         </p:txBody>
       </p:sp>
-      <p:cxnSp>
-        <p:nvCxnSpPr>
-          <p:cNvPr id="22" name="直接箭头连接符 21">
-            <a:extLst>
-              <a:ext uri="{FF2B5EF4-FFF2-40B4-BE49-F238E27FC236}">
-                <a16:creationId xmlns:a16="http://schemas.microsoft.com/office/drawing/2014/main" id="{B4D6398D-3FE0-4B38-B210-72EAAF62FC3E}"/>
-              </a:ext>
-            </a:extLst>
-          </p:cNvPr>
-          <p:cNvCxnSpPr>
-            <a:cxnSpLocks/>
-          </p:cNvCxnSpPr>
-          <p:nvPr/>
-        </p:nvCxnSpPr>
-        <p:spPr>
-          <a:xfrm flipV="1">
-            <a:off x="3030070" y="1531263"/>
-            <a:ext cx="3918744" cy="19631"/>
-          </a:xfrm>
-          <a:prstGeom prst="straightConnector1">
-            <a:avLst/>
-          </a:prstGeom>
-          <a:ln>
-            <a:solidFill>
-              <a:schemeClr val="tx1"/>
-            </a:solidFill>
-            <a:prstDash val="dash"/>
-            <a:tailEnd type="triangle"/>
-          </a:ln>
-        </p:spPr>
-        <p:style>
-          <a:lnRef idx="2">
-            <a:schemeClr val="accent1"/>
-          </a:lnRef>
-          <a:fillRef idx="0">
-            <a:schemeClr val="accent1"/>
-          </a:fillRef>
-          <a:effectRef idx="1">
-            <a:schemeClr val="accent1"/>
-          </a:effectRef>
-          <a:fontRef idx="minor">
-            <a:schemeClr val="tx1"/>
-          </a:fontRef>
-        </p:style>
-      </p:cxnSp>
-      <p:sp>
-        <p:nvSpPr>
-          <p:cNvPr id="24" name="文本框 23">
-            <a:extLst>
-              <a:ext uri="{FF2B5EF4-FFF2-40B4-BE49-F238E27FC236}">
-                <a16:creationId xmlns:a16="http://schemas.microsoft.com/office/drawing/2014/main" id="{FF5EAE29-E9B3-47EA-AFD7-68928983B8F5}"/>
-              </a:ext>
-            </a:extLst>
-          </p:cNvPr>
-          <p:cNvSpPr txBox="1"/>
-          <p:nvPr/>
-        </p:nvSpPr>
-        <p:spPr>
-          <a:xfrm>
-            <a:off x="3297414" y="1206532"/>
-            <a:ext cx="1075936" cy="338554"/>
-          </a:xfrm>
-          <a:prstGeom prst="rect">
-            <a:avLst/>
-          </a:prstGeom>
-          <a:noFill/>
-          <a:ln>
-            <a:noFill/>
-          </a:ln>
-        </p:spPr>
-        <p:txBody>
-          <a:bodyPr wrap="none" rtlCol="0">
-            <a:spAutoFit/>
-          </a:bodyPr>
-          <a:lstStyle/>
-          <a:p>
-            <a:r>
-              <a:rPr lang="en-US" altLang="zh-CN" sz="1600" dirty="0">
-                <a:latin typeface="Times New Roman" panose="02020603050405020304" pitchFamily="18" charset="0"/>
-                <a:cs typeface="Times New Roman" panose="02020603050405020304" pitchFamily="18" charset="0"/>
-              </a:rPr>
-              <a:t>1. Register</a:t>
-            </a:r>
-            <a:endParaRPr lang="zh-CN" altLang="en-US" sz="1600" dirty="0">
-              <a:latin typeface="Times New Roman" panose="02020603050405020304" pitchFamily="18" charset="0"/>
-              <a:cs typeface="Times New Roman" panose="02020603050405020304" pitchFamily="18" charset="0"/>
-            </a:endParaRPr>
-          </a:p>
-        </p:txBody>
-      </p:sp>
-      <p:cxnSp>
-        <p:nvCxnSpPr>
-          <p:cNvPr id="25" name="直接箭头连接符 24">
-            <a:extLst>
-              <a:ext uri="{FF2B5EF4-FFF2-40B4-BE49-F238E27FC236}">
-                <a16:creationId xmlns:a16="http://schemas.microsoft.com/office/drawing/2014/main" id="{ABCC85F2-0B1A-4606-AB97-E7456E5F6D49}"/>
-              </a:ext>
-            </a:extLst>
-          </p:cNvPr>
-          <p:cNvCxnSpPr>
-            <a:cxnSpLocks/>
-          </p:cNvCxnSpPr>
-          <p:nvPr/>
-        </p:nvCxnSpPr>
-        <p:spPr>
-          <a:xfrm flipH="1">
-            <a:off x="3030070" y="1610772"/>
-            <a:ext cx="3918744" cy="556768"/>
-          </a:xfrm>
-          <a:prstGeom prst="straightConnector1">
-            <a:avLst/>
-          </a:prstGeom>
-          <a:ln>
-            <a:solidFill>
-              <a:schemeClr val="tx1"/>
-            </a:solidFill>
-            <a:prstDash val="dash"/>
-            <a:tailEnd type="triangle"/>
-          </a:ln>
-        </p:spPr>
-        <p:style>
-          <a:lnRef idx="2">
-            <a:schemeClr val="accent1"/>
-          </a:lnRef>
-          <a:fillRef idx="0">
-            <a:schemeClr val="accent1"/>
-          </a:fillRef>
-          <a:effectRef idx="1">
-            <a:schemeClr val="accent1"/>
-          </a:effectRef>
-          <a:fontRef idx="minor">
-            <a:schemeClr val="tx1"/>
-          </a:fontRef>
-        </p:style>
-      </p:cxnSp>
-      <p:sp>
-        <p:nvSpPr>
-          <p:cNvPr id="28" name="文本框 27">
-            <a:extLst>
-              <a:ext uri="{FF2B5EF4-FFF2-40B4-BE49-F238E27FC236}">
-                <a16:creationId xmlns:a16="http://schemas.microsoft.com/office/drawing/2014/main" id="{2C670646-4427-4FBF-9629-B3E67C874D03}"/>
-              </a:ext>
-            </a:extLst>
-          </p:cNvPr>
-          <p:cNvSpPr txBox="1"/>
-          <p:nvPr/>
-        </p:nvSpPr>
-        <p:spPr>
-          <a:xfrm rot="21167791">
-            <a:off x="3044202" y="1715021"/>
-            <a:ext cx="2008627" cy="338554"/>
-          </a:xfrm>
-          <a:prstGeom prst="rect">
-            <a:avLst/>
-          </a:prstGeom>
-          <a:noFill/>
-          <a:ln>
-            <a:noFill/>
-          </a:ln>
-        </p:spPr>
-        <p:txBody>
-          <a:bodyPr wrap="none" rtlCol="0">
-            <a:spAutoFit/>
-          </a:bodyPr>
-          <a:lstStyle/>
-          <a:p>
-            <a:r>
-              <a:rPr lang="en-US" altLang="zh-CN" sz="1600" dirty="0">
-                <a:latin typeface="Times New Roman" panose="02020603050405020304" pitchFamily="18" charset="0"/>
-                <a:cs typeface="Times New Roman" panose="02020603050405020304" pitchFamily="18" charset="0"/>
-              </a:rPr>
-              <a:t>2. App ID, App Secret</a:t>
-            </a:r>
-            <a:endParaRPr lang="zh-CN" altLang="en-US" sz="1600" dirty="0">
-              <a:latin typeface="Times New Roman" panose="02020603050405020304" pitchFamily="18" charset="0"/>
-              <a:cs typeface="Times New Roman" panose="02020603050405020304" pitchFamily="18" charset="0"/>
-            </a:endParaRPr>
-          </a:p>
-        </p:txBody>
-      </p:sp>
-      <p:cxnSp>
-        <p:nvCxnSpPr>
-          <p:cNvPr id="34" name="直接箭头连接符 33">
-            <a:extLst>
-              <a:ext uri="{FF2B5EF4-FFF2-40B4-BE49-F238E27FC236}">
-                <a16:creationId xmlns:a16="http://schemas.microsoft.com/office/drawing/2014/main" id="{65793119-C874-41C6-A5AB-D8C32525FC0A}"/>
-              </a:ext>
-            </a:extLst>
-          </p:cNvPr>
-          <p:cNvCxnSpPr>
-            <a:cxnSpLocks/>
-          </p:cNvCxnSpPr>
-          <p:nvPr/>
-        </p:nvCxnSpPr>
-        <p:spPr>
-          <a:xfrm>
-            <a:off x="3041007" y="2473570"/>
-            <a:ext cx="1958539" cy="265275"/>
-          </a:xfrm>
-          <a:prstGeom prst="straightConnector1">
-            <a:avLst/>
-          </a:prstGeom>
-          <a:ln>
-            <a:solidFill>
-              <a:schemeClr val="tx1"/>
-            </a:solidFill>
-            <a:prstDash val="dash"/>
-            <a:tailEnd type="triangle"/>
-          </a:ln>
-        </p:spPr>
-        <p:style>
-          <a:lnRef idx="2">
-            <a:schemeClr val="accent1"/>
-          </a:lnRef>
-          <a:fillRef idx="0">
-            <a:schemeClr val="accent1"/>
-          </a:fillRef>
-          <a:effectRef idx="1">
-            <a:schemeClr val="accent1"/>
-          </a:effectRef>
-          <a:fontRef idx="minor">
-            <a:schemeClr val="tx1"/>
-          </a:fontRef>
-        </p:style>
-      </p:cxnSp>
       <p:sp>
         <p:nvSpPr>
           <p:cNvPr id="37" name="文本框 36">
@@ -3770,8 +3545,8 @@
           <p:nvPr/>
         </p:nvSpPr>
         <p:spPr>
-          <a:xfrm rot="414648">
-            <a:off x="3044431" y="2287153"/>
+          <a:xfrm rot="21059438">
+            <a:off x="4939110" y="2131856"/>
             <a:ext cx="2008627" cy="338554"/>
           </a:xfrm>
           <a:prstGeom prst="rect">
@@ -3793,7 +3568,7 @@
                 <a:latin typeface="Times New Roman" panose="02020603050405020304" pitchFamily="18" charset="0"/>
                 <a:cs typeface="Times New Roman" panose="02020603050405020304" pitchFamily="18" charset="0"/>
               </a:rPr>
-              <a:t>3. App ID, App Secret</a:t>
+              <a:t>1. App ID, App Secret</a:t>
             </a:r>
             <a:endParaRPr lang="zh-CN" altLang="en-US" sz="1600" dirty="0">
               <a:latin typeface="Times New Roman" panose="02020603050405020304" pitchFamily="18" charset="0"/>
@@ -3817,9 +3592,9 @@
           <p:nvPr/>
         </p:nvCxnSpPr>
         <p:spPr>
-          <a:xfrm>
-            <a:off x="4973522" y="2728435"/>
-            <a:ext cx="1958539" cy="265275"/>
+          <a:xfrm flipH="1">
+            <a:off x="4994129" y="2294916"/>
+            <a:ext cx="1904857" cy="324346"/>
           </a:xfrm>
           <a:prstGeom prst="straightConnector1">
             <a:avLst/>
@@ -3847,51 +3622,6 @@
           </a:fontRef>
         </p:style>
       </p:cxnSp>
-      <p:sp>
-        <p:nvSpPr>
-          <p:cNvPr id="39" name="文本框 38">
-            <a:extLst>
-              <a:ext uri="{FF2B5EF4-FFF2-40B4-BE49-F238E27FC236}">
-                <a16:creationId xmlns:a16="http://schemas.microsoft.com/office/drawing/2014/main" id="{D963AD81-F58A-46AA-B2AC-5C0E6FD0CE4B}"/>
-              </a:ext>
-            </a:extLst>
-          </p:cNvPr>
-          <p:cNvSpPr txBox="1"/>
-          <p:nvPr/>
-        </p:nvSpPr>
-        <p:spPr>
-          <a:xfrm rot="414648">
-            <a:off x="4976946" y="2542018"/>
-            <a:ext cx="2008627" cy="338554"/>
-          </a:xfrm>
-          <a:prstGeom prst="rect">
-            <a:avLst/>
-          </a:prstGeom>
-          <a:noFill/>
-          <a:ln>
-            <a:noFill/>
-          </a:ln>
-        </p:spPr>
-        <p:txBody>
-          <a:bodyPr wrap="none" rtlCol="0">
-            <a:spAutoFit/>
-          </a:bodyPr>
-          <a:lstStyle/>
-          <a:p>
-            <a:r>
-              <a:rPr lang="en-US" altLang="zh-CN" sz="1600" dirty="0">
-                <a:latin typeface="Times New Roman" panose="02020603050405020304" pitchFamily="18" charset="0"/>
-                <a:cs typeface="Times New Roman" panose="02020603050405020304" pitchFamily="18" charset="0"/>
-              </a:rPr>
-              <a:t>4. App ID, App Secret</a:t>
-            </a:r>
-            <a:endParaRPr lang="zh-CN" altLang="en-US" sz="1600" dirty="0">
-              <a:latin typeface="Times New Roman" panose="02020603050405020304" pitchFamily="18" charset="0"/>
-              <a:cs typeface="Times New Roman" panose="02020603050405020304" pitchFamily="18" charset="0"/>
-            </a:endParaRPr>
-          </a:p>
-        </p:txBody>
-      </p:sp>
       <p:cxnSp>
         <p:nvCxnSpPr>
           <p:cNvPr id="40" name="直接箭头连接符 39">
@@ -3907,9 +3637,9 @@
           <p:nvPr/>
         </p:nvCxnSpPr>
         <p:spPr>
-          <a:xfrm flipH="1">
-            <a:off x="1096266" y="3014511"/>
-            <a:ext cx="5802720" cy="177197"/>
+          <a:xfrm flipV="1">
+            <a:off x="1432241" y="3151922"/>
+            <a:ext cx="3486785" cy="98227"/>
           </a:xfrm>
           <a:prstGeom prst="straightConnector1">
             <a:avLst/>
@@ -3973,7 +3703,7 @@
                 <a:latin typeface="Times New Roman" panose="02020603050405020304" pitchFamily="18" charset="0"/>
                 <a:cs typeface="Times New Roman" panose="02020603050405020304" pitchFamily="18" charset="0"/>
               </a:rPr>
-              <a:t>5. App ID</a:t>
+              <a:t>2. App ID</a:t>
             </a:r>
             <a:endParaRPr lang="zh-CN" altLang="en-US" sz="1600" dirty="0">
               <a:latin typeface="Times New Roman" panose="02020603050405020304" pitchFamily="18" charset="0"/>
@@ -3997,9 +3727,9 @@
           <p:nvPr/>
         </p:nvCxnSpPr>
         <p:spPr>
-          <a:xfrm>
-            <a:off x="1121180" y="3220744"/>
-            <a:ext cx="5827635" cy="0"/>
+          <a:xfrm flipH="1">
+            <a:off x="1363945" y="2817439"/>
+            <a:ext cx="3609578" cy="386530"/>
           </a:xfrm>
           <a:prstGeom prst="straightConnector1">
             <a:avLst/>
@@ -4041,7 +3771,7 @@
         </p:nvSpPr>
         <p:spPr>
           <a:xfrm>
-            <a:off x="6998645" y="3220744"/>
+            <a:off x="5022299" y="3190989"/>
             <a:ext cx="235860" cy="650952"/>
           </a:xfrm>
           <a:prstGeom prst="rightBrace">
@@ -4090,8 +3820,8 @@
         </p:nvSpPr>
         <p:spPr>
           <a:xfrm>
-            <a:off x="7116575" y="3220744"/>
-            <a:ext cx="1383713" cy="584775"/>
+            <a:off x="5091187" y="3151922"/>
+            <a:ext cx="1635634" cy="584775"/>
           </a:xfrm>
           <a:prstGeom prst="rect">
             <a:avLst/>
@@ -4102,7 +3832,7 @@
           </a:ln>
         </p:spPr>
         <p:txBody>
-          <a:bodyPr wrap="none" rtlCol="0">
+          <a:bodyPr wrap="square" rtlCol="0">
             <a:spAutoFit/>
           </a:bodyPr>
           <a:lstStyle/>
@@ -4113,7 +3843,7 @@
                 <a:latin typeface="Times New Roman" panose="02020603050405020304" pitchFamily="18" charset="0"/>
                 <a:cs typeface="Times New Roman" panose="02020603050405020304" pitchFamily="18" charset="0"/>
               </a:rPr>
-              <a:t>6. User grants </a:t>
+              <a:t>3. User grants </a:t>
             </a:r>
           </a:p>
           <a:p>
@@ -4148,8 +3878,8 @@
         </p:nvCxnSpPr>
         <p:spPr>
           <a:xfrm flipH="1">
-            <a:off x="5066130" y="3898590"/>
-            <a:ext cx="1832856" cy="140089"/>
+            <a:off x="3182715" y="3886201"/>
+            <a:ext cx="1683927" cy="238441"/>
           </a:xfrm>
           <a:prstGeom prst="straightConnector1">
             <a:avLst/>
@@ -4190,8 +3920,8 @@
           <p:nvPr/>
         </p:nvSpPr>
         <p:spPr>
-          <a:xfrm rot="21404970">
-            <a:off x="5238074" y="3657366"/>
+          <a:xfrm rot="21299219">
+            <a:off x="3277000" y="3675580"/>
             <a:ext cx="1517851" cy="338554"/>
           </a:xfrm>
           <a:prstGeom prst="rect">
@@ -4213,7 +3943,7 @@
                 <a:latin typeface="Times New Roman" panose="02020603050405020304" pitchFamily="18" charset="0"/>
                 <a:cs typeface="Times New Roman" panose="02020603050405020304" pitchFamily="18" charset="0"/>
               </a:rPr>
-              <a:t>7. Access Token</a:t>
+              <a:t>4. Access Token</a:t>
             </a:r>
             <a:endParaRPr lang="zh-CN" altLang="en-US" sz="1600" dirty="0">
               <a:latin typeface="Times New Roman" panose="02020603050405020304" pitchFamily="18" charset="0"/>
@@ -4237,9 +3967,9 @@
           <p:nvPr/>
         </p:nvCxnSpPr>
         <p:spPr>
-          <a:xfrm flipH="1">
-            <a:off x="3102661" y="4050990"/>
-            <a:ext cx="1832856" cy="140089"/>
+          <a:xfrm>
+            <a:off x="4999546" y="3866632"/>
+            <a:ext cx="1949269" cy="240622"/>
           </a:xfrm>
           <a:prstGeom prst="straightConnector1">
             <a:avLst/>
@@ -4267,51 +3997,6 @@
           </a:fontRef>
         </p:style>
       </p:cxnSp>
-      <p:sp>
-        <p:nvSpPr>
-          <p:cNvPr id="65" name="文本框 64">
-            <a:extLst>
-              <a:ext uri="{FF2B5EF4-FFF2-40B4-BE49-F238E27FC236}">
-                <a16:creationId xmlns:a16="http://schemas.microsoft.com/office/drawing/2014/main" id="{B2DA09F5-E16F-47FD-B12F-3C2FB26EE84A}"/>
-              </a:ext>
-            </a:extLst>
-          </p:cNvPr>
-          <p:cNvSpPr txBox="1"/>
-          <p:nvPr/>
-        </p:nvSpPr>
-        <p:spPr>
-          <a:xfrm rot="21404970">
-            <a:off x="3274605" y="3809766"/>
-            <a:ext cx="1517851" cy="338554"/>
-          </a:xfrm>
-          <a:prstGeom prst="rect">
-            <a:avLst/>
-          </a:prstGeom>
-          <a:noFill/>
-          <a:ln>
-            <a:noFill/>
-          </a:ln>
-        </p:spPr>
-        <p:txBody>
-          <a:bodyPr wrap="none" rtlCol="0">
-            <a:spAutoFit/>
-          </a:bodyPr>
-          <a:lstStyle/>
-          <a:p>
-            <a:r>
-              <a:rPr lang="en-US" altLang="zh-CN" sz="1600" dirty="0">
-                <a:latin typeface="Times New Roman" panose="02020603050405020304" pitchFamily="18" charset="0"/>
-                <a:cs typeface="Times New Roman" panose="02020603050405020304" pitchFamily="18" charset="0"/>
-              </a:rPr>
-              <a:t>8. Access Token</a:t>
-            </a:r>
-            <a:endParaRPr lang="zh-CN" altLang="en-US" sz="1600" dirty="0">
-              <a:latin typeface="Times New Roman" panose="02020603050405020304" pitchFamily="18" charset="0"/>
-              <a:cs typeface="Times New Roman" panose="02020603050405020304" pitchFamily="18" charset="0"/>
-            </a:endParaRPr>
-          </a:p>
-        </p:txBody>
-      </p:sp>
       <p:cxnSp>
         <p:nvCxnSpPr>
           <p:cNvPr id="68" name="直接箭头连接符 67">
@@ -4327,9 +4012,9 @@
           <p:nvPr/>
         </p:nvCxnSpPr>
         <p:spPr>
-          <a:xfrm>
-            <a:off x="3131544" y="4508734"/>
-            <a:ext cx="1868002" cy="249339"/>
+          <a:xfrm flipH="1">
+            <a:off x="3175633" y="4394197"/>
+            <a:ext cx="3723355" cy="346815"/>
           </a:xfrm>
           <a:prstGeom prst="straightConnector1">
             <a:avLst/>
@@ -4357,51 +4042,6 @@
           </a:fontRef>
         </p:style>
       </p:cxnSp>
-      <p:sp>
-        <p:nvSpPr>
-          <p:cNvPr id="69" name="文本框 68">
-            <a:extLst>
-              <a:ext uri="{FF2B5EF4-FFF2-40B4-BE49-F238E27FC236}">
-                <a16:creationId xmlns:a16="http://schemas.microsoft.com/office/drawing/2014/main" id="{F90B46A3-51EB-4ECE-B525-3569C60E73EE}"/>
-              </a:ext>
-            </a:extLst>
-          </p:cNvPr>
-          <p:cNvSpPr txBox="1"/>
-          <p:nvPr/>
-        </p:nvSpPr>
-        <p:spPr>
-          <a:xfrm rot="425566">
-            <a:off x="3281320" y="4339457"/>
-            <a:ext cx="1517851" cy="338554"/>
-          </a:xfrm>
-          <a:prstGeom prst="rect">
-            <a:avLst/>
-          </a:prstGeom>
-          <a:noFill/>
-          <a:ln>
-            <a:noFill/>
-          </a:ln>
-        </p:spPr>
-        <p:txBody>
-          <a:bodyPr wrap="square" rtlCol="0">
-            <a:spAutoFit/>
-          </a:bodyPr>
-          <a:lstStyle/>
-          <a:p>
-            <a:r>
-              <a:rPr lang="en-US" altLang="zh-CN" sz="1600" dirty="0">
-                <a:latin typeface="Times New Roman" panose="02020603050405020304" pitchFamily="18" charset="0"/>
-                <a:cs typeface="Times New Roman" panose="02020603050405020304" pitchFamily="18" charset="0"/>
-              </a:rPr>
-              <a:t>9. Access Token</a:t>
-            </a:r>
-            <a:endParaRPr lang="zh-CN" altLang="en-US" sz="1600" dirty="0">
-              <a:latin typeface="Times New Roman" panose="02020603050405020304" pitchFamily="18" charset="0"/>
-              <a:cs typeface="Times New Roman" panose="02020603050405020304" pitchFamily="18" charset="0"/>
-            </a:endParaRPr>
-          </a:p>
-        </p:txBody>
-      </p:sp>
       <p:cxnSp>
         <p:nvCxnSpPr>
           <p:cNvPr id="77" name="直接箭头连接符 76">
@@ -4417,9 +4057,9 @@
           <p:nvPr/>
         </p:nvCxnSpPr>
         <p:spPr>
-          <a:xfrm flipH="1">
-            <a:off x="3079900" y="4826388"/>
-            <a:ext cx="1879283" cy="249339"/>
+          <a:xfrm>
+            <a:off x="3165818" y="4778546"/>
+            <a:ext cx="3769958" cy="212961"/>
           </a:xfrm>
           <a:prstGeom prst="straightConnector1">
             <a:avLst/>
@@ -4460,8 +4100,8 @@
           <p:nvPr/>
         </p:nvSpPr>
         <p:spPr>
-          <a:xfrm rot="21119689">
-            <a:off x="3122956" y="4678756"/>
+          <a:xfrm rot="277058">
+            <a:off x="5231167" y="4637246"/>
             <a:ext cx="1517851" cy="338554"/>
           </a:xfrm>
           <a:prstGeom prst="rect">
@@ -4483,7 +4123,97 @@
                 <a:latin typeface="Times New Roman" panose="02020603050405020304" pitchFamily="18" charset="0"/>
                 <a:cs typeface="Times New Roman" panose="02020603050405020304" pitchFamily="18" charset="0"/>
               </a:rPr>
-              <a:t>10. EEG Data</a:t>
+              <a:t>6. EEG Data</a:t>
+            </a:r>
+            <a:endParaRPr lang="zh-CN" altLang="en-US" sz="1600" dirty="0">
+              <a:latin typeface="Times New Roman" panose="02020603050405020304" pitchFamily="18" charset="0"/>
+              <a:cs typeface="Times New Roman" panose="02020603050405020304" pitchFamily="18" charset="0"/>
+            </a:endParaRPr>
+          </a:p>
+        </p:txBody>
+      </p:sp>
+      <p:sp>
+        <p:nvSpPr>
+          <p:cNvPr id="41" name="文本框 62">
+            <a:extLst>
+              <a:ext uri="{FF2B5EF4-FFF2-40B4-BE49-F238E27FC236}">
+                <a16:creationId xmlns:a16="http://schemas.microsoft.com/office/drawing/2014/main" id="{3676B3E7-E5F0-47CB-BC52-0430FF14376E}"/>
+              </a:ext>
+            </a:extLst>
+          </p:cNvPr>
+          <p:cNvSpPr txBox="1"/>
+          <p:nvPr/>
+        </p:nvSpPr>
+        <p:spPr>
+          <a:xfrm rot="400253">
+            <a:off x="5283123" y="3716924"/>
+            <a:ext cx="1517851" cy="338554"/>
+          </a:xfrm>
+          <a:prstGeom prst="rect">
+            <a:avLst/>
+          </a:prstGeom>
+          <a:noFill/>
+          <a:ln>
+            <a:noFill/>
+          </a:ln>
+        </p:spPr>
+        <p:txBody>
+          <a:bodyPr wrap="none" rtlCol="0">
+            <a:spAutoFit/>
+          </a:bodyPr>
+          <a:lstStyle/>
+          <a:p>
+            <a:r>
+              <a:rPr lang="en-US" altLang="zh-CN" sz="1600" dirty="0">
+                <a:latin typeface="Times New Roman" panose="02020603050405020304" pitchFamily="18" charset="0"/>
+                <a:cs typeface="Times New Roman" panose="02020603050405020304" pitchFamily="18" charset="0"/>
+              </a:rPr>
+              <a:t>4. Access Token</a:t>
+            </a:r>
+            <a:endParaRPr lang="zh-CN" altLang="en-US" sz="1600" dirty="0">
+              <a:latin typeface="Times New Roman" panose="02020603050405020304" pitchFamily="18" charset="0"/>
+              <a:cs typeface="Times New Roman" panose="02020603050405020304" pitchFamily="18" charset="0"/>
+            </a:endParaRPr>
+          </a:p>
+        </p:txBody>
+      </p:sp>
+      <p:sp>
+        <p:nvSpPr>
+          <p:cNvPr id="45" name="文本框 62">
+            <a:extLst>
+              <a:ext uri="{FF2B5EF4-FFF2-40B4-BE49-F238E27FC236}">
+                <a16:creationId xmlns:a16="http://schemas.microsoft.com/office/drawing/2014/main" id="{A6FE5908-9BD2-43E0-A49F-0CAC37837052}"/>
+              </a:ext>
+            </a:extLst>
+          </p:cNvPr>
+          <p:cNvSpPr txBox="1"/>
+          <p:nvPr/>
+        </p:nvSpPr>
+        <p:spPr>
+          <a:xfrm rot="21247029">
+            <a:off x="3363598" y="4300406"/>
+            <a:ext cx="1517851" cy="338554"/>
+          </a:xfrm>
+          <a:prstGeom prst="rect">
+            <a:avLst/>
+          </a:prstGeom>
+          <a:noFill/>
+          <a:ln>
+            <a:noFill/>
+          </a:ln>
+        </p:spPr>
+        <p:txBody>
+          <a:bodyPr wrap="none" rtlCol="0">
+            <a:spAutoFit/>
+          </a:bodyPr>
+          <a:lstStyle/>
+          <a:p>
+            <a:r>
+              <a:rPr lang="en-US" altLang="zh-CN" sz="1600" dirty="0">
+                <a:latin typeface="Times New Roman" panose="02020603050405020304" pitchFamily="18" charset="0"/>
+                <a:cs typeface="Times New Roman" panose="02020603050405020304" pitchFamily="18" charset="0"/>
+              </a:rPr>
+              <a:t>5. Access Token</a:t>
             </a:r>
             <a:endParaRPr lang="zh-CN" altLang="en-US" sz="1600" dirty="0">
               <a:latin typeface="Times New Roman" panose="02020603050405020304" pitchFamily="18" charset="0"/>
@@ -10912,7 +10642,7 @@
           <a:graphicData uri="http://schemas.openxmlformats.org/presentationml/2006/ole">
             <mc:AlternateContent xmlns:mc="http://schemas.openxmlformats.org/markup-compatibility/2006">
               <mc:Choice xmlns:v="urn:schemas-microsoft-com:vml" Requires="v">
-                <p:oleObj spid="_x0000_s2226" name="公式" r:id="rId3" imgW="609600" imgH="431800" progId="Equation.3">
+                <p:oleObj spid="_x0000_s2450" name="公式" r:id="rId3" imgW="609600" imgH="431800" progId="Equation.3">
                   <p:embed/>
                 </p:oleObj>
               </mc:Choice>
@@ -11164,7 +10894,7 @@
           <a:graphicData uri="http://schemas.openxmlformats.org/presentationml/2006/ole">
             <mc:AlternateContent xmlns:mc="http://schemas.openxmlformats.org/markup-compatibility/2006">
               <mc:Choice xmlns:v="urn:schemas-microsoft-com:vml" Requires="v">
-                <p:oleObj spid="_x0000_s2227" name="公式" r:id="rId5" imgW="609600" imgH="431800" progId="Equation.3">
+                <p:oleObj spid="_x0000_s2451" name="公式" r:id="rId5" imgW="609600" imgH="431800" progId="Equation.3">
                   <p:embed/>
                 </p:oleObj>
               </mc:Choice>
@@ -11221,7 +10951,7 @@
           <a:graphicData uri="http://schemas.openxmlformats.org/presentationml/2006/ole">
             <mc:AlternateContent xmlns:mc="http://schemas.openxmlformats.org/markup-compatibility/2006">
               <mc:Choice xmlns:v="urn:schemas-microsoft-com:vml" Requires="v">
-                <p:oleObj spid="_x0000_s2228" name="公式" r:id="rId7" imgW="482600" imgH="177800" progId="Equation.3">
+                <p:oleObj spid="_x0000_s2452" name="公式" r:id="rId7" imgW="482600" imgH="177800" progId="Equation.3">
                   <p:embed/>
                 </p:oleObj>
               </mc:Choice>
@@ -11278,7 +11008,7 @@
           <a:graphicData uri="http://schemas.openxmlformats.org/presentationml/2006/ole">
             <mc:AlternateContent xmlns:mc="http://schemas.openxmlformats.org/markup-compatibility/2006">
               <mc:Choice xmlns:v="urn:schemas-microsoft-com:vml" Requires="v">
-                <p:oleObj spid="_x0000_s2229" name="公式" r:id="rId9" imgW="292100" imgH="177800" progId="Equation.3">
+                <p:oleObj spid="_x0000_s2453" name="公式" r:id="rId9" imgW="292100" imgH="177800" progId="Equation.3">
                   <p:embed/>
                 </p:oleObj>
               </mc:Choice>
@@ -11335,7 +11065,7 @@
           <a:graphicData uri="http://schemas.openxmlformats.org/presentationml/2006/ole">
             <mc:AlternateContent xmlns:mc="http://schemas.openxmlformats.org/markup-compatibility/2006">
               <mc:Choice xmlns:v="urn:schemas-microsoft-com:vml" Requires="v">
-                <p:oleObj spid="_x0000_s2230" name="公式" r:id="rId11" imgW="368300" imgH="177800" progId="Equation.3">
+                <p:oleObj spid="_x0000_s2454" name="公式" r:id="rId11" imgW="368300" imgH="177800" progId="Equation.3">
                   <p:embed/>
                 </p:oleObj>
               </mc:Choice>
@@ -11474,7 +11204,7 @@
           <a:graphicData uri="http://schemas.openxmlformats.org/presentationml/2006/ole">
             <mc:AlternateContent xmlns:mc="http://schemas.openxmlformats.org/markup-compatibility/2006">
               <mc:Choice xmlns:v="urn:schemas-microsoft-com:vml" Requires="v">
-                <p:oleObj spid="_x0000_s2231" name="公式" r:id="rId13" imgW="292100" imgH="177800" progId="Equation.3">
+                <p:oleObj spid="_x0000_s2455" name="公式" r:id="rId13" imgW="292100" imgH="177800" progId="Equation.3">
                   <p:embed/>
                 </p:oleObj>
               </mc:Choice>
@@ -11531,7 +11261,7 @@
           <a:graphicData uri="http://schemas.openxmlformats.org/presentationml/2006/ole">
             <mc:AlternateContent xmlns:mc="http://schemas.openxmlformats.org/markup-compatibility/2006">
               <mc:Choice xmlns:v="urn:schemas-microsoft-com:vml" Requires="v">
-                <p:oleObj spid="_x0000_s2232" name="公式" r:id="rId14" imgW="292100" imgH="177800" progId="Equation.3">
+                <p:oleObj spid="_x0000_s2456" name="公式" r:id="rId14" imgW="292100" imgH="177800" progId="Equation.3">
                   <p:embed/>
                 </p:oleObj>
               </mc:Choice>
@@ -11588,7 +11318,7 @@
           <a:graphicData uri="http://schemas.openxmlformats.org/presentationml/2006/ole">
             <mc:AlternateContent xmlns:mc="http://schemas.openxmlformats.org/markup-compatibility/2006">
               <mc:Choice xmlns:v="urn:schemas-microsoft-com:vml" Requires="v">
-                <p:oleObj spid="_x0000_s2233" name="公式" r:id="rId16" imgW="292100" imgH="177800" progId="Equation.3">
+                <p:oleObj spid="_x0000_s2457" name="公式" r:id="rId16" imgW="292100" imgH="177800" progId="Equation.3">
                   <p:embed/>
                 </p:oleObj>
               </mc:Choice>
@@ -11645,7 +11375,7 @@
           <a:graphicData uri="http://schemas.openxmlformats.org/presentationml/2006/ole">
             <mc:AlternateContent xmlns:mc="http://schemas.openxmlformats.org/markup-compatibility/2006">
               <mc:Choice xmlns:v="urn:schemas-microsoft-com:vml" Requires="v">
-                <p:oleObj spid="_x0000_s2234" name="公式" r:id="rId17" imgW="292100" imgH="177800" progId="Equation.3">
+                <p:oleObj spid="_x0000_s2458" name="公式" r:id="rId17" imgW="292100" imgH="177800" progId="Equation.3">
                   <p:embed/>
                 </p:oleObj>
               </mc:Choice>
@@ -11702,7 +11432,7 @@
           <a:graphicData uri="http://schemas.openxmlformats.org/presentationml/2006/ole">
             <mc:AlternateContent xmlns:mc="http://schemas.openxmlformats.org/markup-compatibility/2006">
               <mc:Choice xmlns:v="urn:schemas-microsoft-com:vml" Requires="v">
-                <p:oleObj spid="_x0000_s2235" name="公式" r:id="rId18" imgW="292100" imgH="177800" progId="Equation.3">
+                <p:oleObj spid="_x0000_s2459" name="公式" r:id="rId18" imgW="292100" imgH="177800" progId="Equation.3">
                   <p:embed/>
                 </p:oleObj>
               </mc:Choice>
@@ -11759,7 +11489,7 @@
           <a:graphicData uri="http://schemas.openxmlformats.org/presentationml/2006/ole">
             <mc:AlternateContent xmlns:mc="http://schemas.openxmlformats.org/markup-compatibility/2006">
               <mc:Choice xmlns:v="urn:schemas-microsoft-com:vml" Requires="v">
-                <p:oleObj spid="_x0000_s2236" name="公式" r:id="rId19" imgW="292100" imgH="177800" progId="Equation.3">
+                <p:oleObj spid="_x0000_s2460" name="公式" r:id="rId19" imgW="292100" imgH="177800" progId="Equation.3">
                   <p:embed/>
                 </p:oleObj>
               </mc:Choice>
@@ -12440,7 +12170,7 @@
           <a:graphicData uri="http://schemas.openxmlformats.org/presentationml/2006/ole">
             <mc:AlternateContent xmlns:mc="http://schemas.openxmlformats.org/markup-compatibility/2006">
               <mc:Choice xmlns:v="urn:schemas-microsoft-com:vml" Requires="v">
-                <p:oleObj spid="_x0000_s2237" name="公式" r:id="rId20" imgW="673100" imgH="241300" progId="Equation.3">
+                <p:oleObj spid="_x0000_s2461" name="公式" r:id="rId20" imgW="673100" imgH="241300" progId="Equation.3">
                   <p:embed/>
                 </p:oleObj>
               </mc:Choice>
@@ -12497,7 +12227,7 @@
           <a:graphicData uri="http://schemas.openxmlformats.org/presentationml/2006/ole">
             <mc:AlternateContent xmlns:mc="http://schemas.openxmlformats.org/markup-compatibility/2006">
               <mc:Choice xmlns:v="urn:schemas-microsoft-com:vml" Requires="v">
-                <p:oleObj spid="_x0000_s2238" name="公式" r:id="rId22" imgW="673100" imgH="241300" progId="Equation.3">
+                <p:oleObj spid="_x0000_s2462" name="公式" r:id="rId22" imgW="673100" imgH="241300" progId="Equation.3">
                   <p:embed/>
                 </p:oleObj>
               </mc:Choice>
@@ -15483,7 +15213,7 @@
           <a:graphicData uri="http://schemas.openxmlformats.org/presentationml/2006/ole">
             <mc:AlternateContent xmlns:mc="http://schemas.openxmlformats.org/markup-compatibility/2006">
               <mc:Choice xmlns:v="urn:schemas-microsoft-com:vml" Requires="v">
-                <p:oleObj spid="_x0000_s2239" name="公式" r:id="rId24" imgW="711200" imgH="241300" progId="Equation.3">
+                <p:oleObj spid="_x0000_s2463" name="公式" r:id="rId24" imgW="711200" imgH="241300" progId="Equation.3">
                   <p:embed/>
                 </p:oleObj>
               </mc:Choice>
@@ -15688,7 +15418,7 @@
           <a:noFill/>
           <a:extLst>
             <a:ext uri="{909E8E84-426E-40dd-AFC4-6F175D3DCCD1}">
-              <a14:hiddenFill xmlns="" xmlns:a14="http://schemas.microsoft.com/office/drawing/2010/main">
+              <a14:hiddenFill xmlns:a14="http://schemas.microsoft.com/office/drawing/2010/main" xmlns="">
                 <a:solidFill>
                   <a:srgbClr val="FFFFFF"/>
                 </a:solidFill>
@@ -16588,7 +16318,7 @@
           <a:noFill/>
           <a:extLst>
             <a:ext uri="{909E8E84-426E-40dd-AFC4-6F175D3DCCD1}">
-              <a14:hiddenFill xmlns="" xmlns:a14="http://schemas.microsoft.com/office/drawing/2010/main">
+              <a14:hiddenFill xmlns:a14="http://schemas.microsoft.com/office/drawing/2010/main" xmlns="">
                 <a:solidFill>
                   <a:srgbClr val="FFFFFF"/>
                 </a:solidFill>
@@ -16820,7 +16550,7 @@
           <a:noFill/>
           <a:extLst>
             <a:ext uri="{909E8E84-426E-40dd-AFC4-6F175D3DCCD1}">
-              <a14:hiddenFill xmlns="" xmlns:a14="http://schemas.microsoft.com/office/drawing/2010/main">
+              <a14:hiddenFill xmlns:a14="http://schemas.microsoft.com/office/drawing/2010/main" xmlns="">
                 <a:solidFill>
                   <a:srgbClr val="FFFFFF"/>
                 </a:solidFill>
@@ -17775,7 +17505,7 @@
           <a:noFill/>
           <a:extLst>
             <a:ext uri="{909E8E84-426E-40dd-AFC4-6F175D3DCCD1}">
-              <a14:hiddenFill xmlns="" xmlns:a14="http://schemas.microsoft.com/office/drawing/2010/main">
+              <a14:hiddenFill xmlns:a14="http://schemas.microsoft.com/office/drawing/2010/main" xmlns="">
                 <a:solidFill>
                   <a:srgbClr val="FFFFFF"/>
                 </a:solidFill>

--- a/images/image.pptx
+++ b/images/image.pptx
@@ -311,7 +311,7 @@
           <a:p>
             <a:fld id="{773E3A52-2DD2-6749-B427-C9A1D0BB55DF}" type="datetimeFigureOut">
               <a:rPr kumimoji="1" lang="zh-CN" altLang="en-US" smtClean="0"/>
-              <a:t>2018/2/13</a:t>
+              <a:t>2018/2/11</a:t>
             </a:fld>
             <a:endParaRPr kumimoji="1" lang="zh-CN" altLang="en-US"/>
           </a:p>
@@ -479,7 +479,7 @@
           <a:p>
             <a:fld id="{773E3A52-2DD2-6749-B427-C9A1D0BB55DF}" type="datetimeFigureOut">
               <a:rPr kumimoji="1" lang="zh-CN" altLang="en-US" smtClean="0"/>
-              <a:t>2018/2/13</a:t>
+              <a:t>2018/2/11</a:t>
             </a:fld>
             <a:endParaRPr kumimoji="1" lang="zh-CN" altLang="en-US"/>
           </a:p>
@@ -657,7 +657,7 @@
           <a:p>
             <a:fld id="{773E3A52-2DD2-6749-B427-C9A1D0BB55DF}" type="datetimeFigureOut">
               <a:rPr kumimoji="1" lang="zh-CN" altLang="en-US" smtClean="0"/>
-              <a:t>2018/2/13</a:t>
+              <a:t>2018/2/11</a:t>
             </a:fld>
             <a:endParaRPr kumimoji="1" lang="zh-CN" altLang="en-US"/>
           </a:p>
@@ -825,7 +825,7 @@
           <a:p>
             <a:fld id="{773E3A52-2DD2-6749-B427-C9A1D0BB55DF}" type="datetimeFigureOut">
               <a:rPr kumimoji="1" lang="zh-CN" altLang="en-US" smtClean="0"/>
-              <a:t>2018/2/13</a:t>
+              <a:t>2018/2/11</a:t>
             </a:fld>
             <a:endParaRPr kumimoji="1" lang="zh-CN" altLang="en-US"/>
           </a:p>
@@ -1070,7 +1070,7 @@
           <a:p>
             <a:fld id="{773E3A52-2DD2-6749-B427-C9A1D0BB55DF}" type="datetimeFigureOut">
               <a:rPr kumimoji="1" lang="zh-CN" altLang="en-US" smtClean="0"/>
-              <a:t>2018/2/13</a:t>
+              <a:t>2018/2/11</a:t>
             </a:fld>
             <a:endParaRPr kumimoji="1" lang="zh-CN" altLang="en-US"/>
           </a:p>
@@ -1355,7 +1355,7 @@
           <a:p>
             <a:fld id="{773E3A52-2DD2-6749-B427-C9A1D0BB55DF}" type="datetimeFigureOut">
               <a:rPr kumimoji="1" lang="zh-CN" altLang="en-US" smtClean="0"/>
-              <a:t>2018/2/13</a:t>
+              <a:t>2018/2/11</a:t>
             </a:fld>
             <a:endParaRPr kumimoji="1" lang="zh-CN" altLang="en-US"/>
           </a:p>
@@ -1774,7 +1774,7 @@
           <a:p>
             <a:fld id="{773E3A52-2DD2-6749-B427-C9A1D0BB55DF}" type="datetimeFigureOut">
               <a:rPr kumimoji="1" lang="zh-CN" altLang="en-US" smtClean="0"/>
-              <a:t>2018/2/13</a:t>
+              <a:t>2018/2/11</a:t>
             </a:fld>
             <a:endParaRPr kumimoji="1" lang="zh-CN" altLang="en-US"/>
           </a:p>
@@ -1891,7 +1891,7 @@
           <a:p>
             <a:fld id="{773E3A52-2DD2-6749-B427-C9A1D0BB55DF}" type="datetimeFigureOut">
               <a:rPr kumimoji="1" lang="zh-CN" altLang="en-US" smtClean="0"/>
-              <a:t>2018/2/13</a:t>
+              <a:t>2018/2/11</a:t>
             </a:fld>
             <a:endParaRPr kumimoji="1" lang="zh-CN" altLang="en-US"/>
           </a:p>
@@ -1986,7 +1986,7 @@
           <a:p>
             <a:fld id="{773E3A52-2DD2-6749-B427-C9A1D0BB55DF}" type="datetimeFigureOut">
               <a:rPr kumimoji="1" lang="zh-CN" altLang="en-US" smtClean="0"/>
-              <a:t>2018/2/13</a:t>
+              <a:t>2018/2/11</a:t>
             </a:fld>
             <a:endParaRPr kumimoji="1" lang="zh-CN" altLang="en-US"/>
           </a:p>
@@ -2261,7 +2261,7 @@
           <a:p>
             <a:fld id="{773E3A52-2DD2-6749-B427-C9A1D0BB55DF}" type="datetimeFigureOut">
               <a:rPr kumimoji="1" lang="zh-CN" altLang="en-US" smtClean="0"/>
-              <a:t>2018/2/13</a:t>
+              <a:t>2018/2/11</a:t>
             </a:fld>
             <a:endParaRPr kumimoji="1" lang="zh-CN" altLang="en-US"/>
           </a:p>
@@ -2513,7 +2513,7 @@
           <a:p>
             <a:fld id="{773E3A52-2DD2-6749-B427-C9A1D0BB55DF}" type="datetimeFigureOut">
               <a:rPr kumimoji="1" lang="zh-CN" altLang="en-US" smtClean="0"/>
-              <a:t>2018/2/13</a:t>
+              <a:t>2018/2/11</a:t>
             </a:fld>
             <a:endParaRPr kumimoji="1" lang="zh-CN" altLang="en-US"/>
           </a:p>
@@ -2724,7 +2724,7 @@
           <a:p>
             <a:fld id="{773E3A52-2DD2-6749-B427-C9A1D0BB55DF}" type="datetimeFigureOut">
               <a:rPr kumimoji="1" lang="zh-CN" altLang="en-US" smtClean="0"/>
-              <a:t>2018/2/13</a:t>
+              <a:t>2018/2/11</a:t>
             </a:fld>
             <a:endParaRPr kumimoji="1" lang="zh-CN" altLang="en-US"/>
           </a:p>
@@ -3183,8 +3183,8 @@
         </p:nvCxnSpPr>
         <p:spPr>
           <a:xfrm>
-            <a:off x="1374006" y="2229654"/>
-            <a:ext cx="0" cy="3224573"/>
+            <a:off x="1096265" y="1550894"/>
+            <a:ext cx="0" cy="3801035"/>
           </a:xfrm>
           <a:prstGeom prst="line">
             <a:avLst/>
@@ -3226,8 +3226,8 @@
         </p:nvCxnSpPr>
         <p:spPr>
           <a:xfrm>
-            <a:off x="6969096" y="2167539"/>
-            <a:ext cx="0" cy="3184390"/>
+            <a:off x="3030070" y="1524000"/>
+            <a:ext cx="0" cy="3827929"/>
           </a:xfrm>
           <a:prstGeom prst="line">
             <a:avLst/>
@@ -3269,8 +3269,8 @@
         </p:nvCxnSpPr>
         <p:spPr>
           <a:xfrm>
-            <a:off x="3119443" y="2215912"/>
-            <a:ext cx="39134" cy="3184390"/>
+            <a:off x="5012656" y="1524000"/>
+            <a:ext cx="0" cy="3827929"/>
           </a:xfrm>
           <a:prstGeom prst="line">
             <a:avLst/>
@@ -3311,9 +3311,9 @@
           <p:nvPr/>
         </p:nvCxnSpPr>
         <p:spPr>
-          <a:xfrm>
-            <a:off x="4965145" y="2209563"/>
-            <a:ext cx="16754" cy="3184390"/>
+          <a:xfrm flipH="1">
+            <a:off x="6948814" y="1524000"/>
+            <a:ext cx="1" cy="3827929"/>
           </a:xfrm>
           <a:prstGeom prst="line">
             <a:avLst/>
@@ -3353,7 +3353,7 @@
         </p:nvSpPr>
         <p:spPr>
           <a:xfrm>
-            <a:off x="6367437" y="1516010"/>
+            <a:off x="2448693" y="679592"/>
             <a:ext cx="1162755" cy="400110"/>
           </a:xfrm>
           <a:prstGeom prst="rect">
@@ -3396,7 +3396,7 @@
         </p:nvSpPr>
         <p:spPr>
           <a:xfrm>
-            <a:off x="1025192" y="1528781"/>
+            <a:off x="747451" y="704397"/>
             <a:ext cx="697628" cy="400110"/>
           </a:xfrm>
           <a:prstGeom prst="rect">
@@ -3439,8 +3439,8 @@
         </p:nvSpPr>
         <p:spPr>
           <a:xfrm>
-            <a:off x="2083909" y="1364539"/>
-            <a:ext cx="1621278" cy="707886"/>
+            <a:off x="4159567" y="595556"/>
+            <a:ext cx="1659750" cy="707886"/>
           </a:xfrm>
           <a:prstGeom prst="rect">
             <a:avLst/>
@@ -3456,7 +3456,7 @@
             <a:pPr algn="ctr"/>
             <a:r>
               <a:rPr lang="en-US" altLang="zh-CN" sz="2000" b="1" dirty="0"/>
-              <a:t>thinkgear.dll/</a:t>
+              <a:t>Thinkgear.dll/</a:t>
             </a:r>
           </a:p>
           <a:p>
@@ -3483,7 +3483,7 @@
         </p:nvSpPr>
         <p:spPr>
           <a:xfrm>
-            <a:off x="3908871" y="1177181"/>
+            <a:off x="5884164" y="441668"/>
             <a:ext cx="2129302" cy="1015663"/>
           </a:xfrm>
           <a:prstGeom prst="rect">
@@ -3532,6 +3532,231 @@
           </a:p>
         </p:txBody>
       </p:sp>
+      <p:cxnSp>
+        <p:nvCxnSpPr>
+          <p:cNvPr id="22" name="直接箭头连接符 21">
+            <a:extLst>
+              <a:ext uri="{FF2B5EF4-FFF2-40B4-BE49-F238E27FC236}">
+                <a16:creationId xmlns:a16="http://schemas.microsoft.com/office/drawing/2014/main" id="{B4D6398D-3FE0-4B38-B210-72EAAF62FC3E}"/>
+              </a:ext>
+            </a:extLst>
+          </p:cNvPr>
+          <p:cNvCxnSpPr>
+            <a:cxnSpLocks/>
+          </p:cNvCxnSpPr>
+          <p:nvPr/>
+        </p:nvCxnSpPr>
+        <p:spPr>
+          <a:xfrm flipV="1">
+            <a:off x="3030070" y="1531263"/>
+            <a:ext cx="3918744" cy="19631"/>
+          </a:xfrm>
+          <a:prstGeom prst="straightConnector1">
+            <a:avLst/>
+          </a:prstGeom>
+          <a:ln>
+            <a:solidFill>
+              <a:schemeClr val="tx1"/>
+            </a:solidFill>
+            <a:prstDash val="dash"/>
+            <a:tailEnd type="triangle"/>
+          </a:ln>
+        </p:spPr>
+        <p:style>
+          <a:lnRef idx="2">
+            <a:schemeClr val="accent1"/>
+          </a:lnRef>
+          <a:fillRef idx="0">
+            <a:schemeClr val="accent1"/>
+          </a:fillRef>
+          <a:effectRef idx="1">
+            <a:schemeClr val="accent1"/>
+          </a:effectRef>
+          <a:fontRef idx="minor">
+            <a:schemeClr val="tx1"/>
+          </a:fontRef>
+        </p:style>
+      </p:cxnSp>
+      <p:sp>
+        <p:nvSpPr>
+          <p:cNvPr id="24" name="文本框 23">
+            <a:extLst>
+              <a:ext uri="{FF2B5EF4-FFF2-40B4-BE49-F238E27FC236}">
+                <a16:creationId xmlns:a16="http://schemas.microsoft.com/office/drawing/2014/main" id="{FF5EAE29-E9B3-47EA-AFD7-68928983B8F5}"/>
+              </a:ext>
+            </a:extLst>
+          </p:cNvPr>
+          <p:cNvSpPr txBox="1"/>
+          <p:nvPr/>
+        </p:nvSpPr>
+        <p:spPr>
+          <a:xfrm>
+            <a:off x="3297414" y="1206532"/>
+            <a:ext cx="1075936" cy="338554"/>
+          </a:xfrm>
+          <a:prstGeom prst="rect">
+            <a:avLst/>
+          </a:prstGeom>
+          <a:noFill/>
+          <a:ln>
+            <a:noFill/>
+          </a:ln>
+        </p:spPr>
+        <p:txBody>
+          <a:bodyPr wrap="none" rtlCol="0">
+            <a:spAutoFit/>
+          </a:bodyPr>
+          <a:lstStyle/>
+          <a:p>
+            <a:r>
+              <a:rPr lang="en-US" altLang="zh-CN" sz="1600" dirty="0">
+                <a:latin typeface="Times New Roman" panose="02020603050405020304" pitchFamily="18" charset="0"/>
+                <a:cs typeface="Times New Roman" panose="02020603050405020304" pitchFamily="18" charset="0"/>
+              </a:rPr>
+              <a:t>1. Register</a:t>
+            </a:r>
+            <a:endParaRPr lang="zh-CN" altLang="en-US" sz="1600" dirty="0">
+              <a:latin typeface="Times New Roman" panose="02020603050405020304" pitchFamily="18" charset="0"/>
+              <a:cs typeface="Times New Roman" panose="02020603050405020304" pitchFamily="18" charset="0"/>
+            </a:endParaRPr>
+          </a:p>
+        </p:txBody>
+      </p:sp>
+      <p:cxnSp>
+        <p:nvCxnSpPr>
+          <p:cNvPr id="25" name="直接箭头连接符 24">
+            <a:extLst>
+              <a:ext uri="{FF2B5EF4-FFF2-40B4-BE49-F238E27FC236}">
+                <a16:creationId xmlns:a16="http://schemas.microsoft.com/office/drawing/2014/main" id="{ABCC85F2-0B1A-4606-AB97-E7456E5F6D49}"/>
+              </a:ext>
+            </a:extLst>
+          </p:cNvPr>
+          <p:cNvCxnSpPr>
+            <a:cxnSpLocks/>
+          </p:cNvCxnSpPr>
+          <p:nvPr/>
+        </p:nvCxnSpPr>
+        <p:spPr>
+          <a:xfrm flipH="1">
+            <a:off x="3030070" y="1610772"/>
+            <a:ext cx="3918744" cy="556768"/>
+          </a:xfrm>
+          <a:prstGeom prst="straightConnector1">
+            <a:avLst/>
+          </a:prstGeom>
+          <a:ln>
+            <a:solidFill>
+              <a:schemeClr val="tx1"/>
+            </a:solidFill>
+            <a:prstDash val="dash"/>
+            <a:tailEnd type="triangle"/>
+          </a:ln>
+        </p:spPr>
+        <p:style>
+          <a:lnRef idx="2">
+            <a:schemeClr val="accent1"/>
+          </a:lnRef>
+          <a:fillRef idx="0">
+            <a:schemeClr val="accent1"/>
+          </a:fillRef>
+          <a:effectRef idx="1">
+            <a:schemeClr val="accent1"/>
+          </a:effectRef>
+          <a:fontRef idx="minor">
+            <a:schemeClr val="tx1"/>
+          </a:fontRef>
+        </p:style>
+      </p:cxnSp>
+      <p:sp>
+        <p:nvSpPr>
+          <p:cNvPr id="28" name="文本框 27">
+            <a:extLst>
+              <a:ext uri="{FF2B5EF4-FFF2-40B4-BE49-F238E27FC236}">
+                <a16:creationId xmlns:a16="http://schemas.microsoft.com/office/drawing/2014/main" id="{2C670646-4427-4FBF-9629-B3E67C874D03}"/>
+              </a:ext>
+            </a:extLst>
+          </p:cNvPr>
+          <p:cNvSpPr txBox="1"/>
+          <p:nvPr/>
+        </p:nvSpPr>
+        <p:spPr>
+          <a:xfrm rot="21167791">
+            <a:off x="3044202" y="1715021"/>
+            <a:ext cx="2008627" cy="338554"/>
+          </a:xfrm>
+          <a:prstGeom prst="rect">
+            <a:avLst/>
+          </a:prstGeom>
+          <a:noFill/>
+          <a:ln>
+            <a:noFill/>
+          </a:ln>
+        </p:spPr>
+        <p:txBody>
+          <a:bodyPr wrap="none" rtlCol="0">
+            <a:spAutoFit/>
+          </a:bodyPr>
+          <a:lstStyle/>
+          <a:p>
+            <a:r>
+              <a:rPr lang="en-US" altLang="zh-CN" sz="1600" dirty="0">
+                <a:latin typeface="Times New Roman" panose="02020603050405020304" pitchFamily="18" charset="0"/>
+                <a:cs typeface="Times New Roman" panose="02020603050405020304" pitchFamily="18" charset="0"/>
+              </a:rPr>
+              <a:t>2. App ID, App Secret</a:t>
+            </a:r>
+            <a:endParaRPr lang="zh-CN" altLang="en-US" sz="1600" dirty="0">
+              <a:latin typeface="Times New Roman" panose="02020603050405020304" pitchFamily="18" charset="0"/>
+              <a:cs typeface="Times New Roman" panose="02020603050405020304" pitchFamily="18" charset="0"/>
+            </a:endParaRPr>
+          </a:p>
+        </p:txBody>
+      </p:sp>
+      <p:cxnSp>
+        <p:nvCxnSpPr>
+          <p:cNvPr id="34" name="直接箭头连接符 33">
+            <a:extLst>
+              <a:ext uri="{FF2B5EF4-FFF2-40B4-BE49-F238E27FC236}">
+                <a16:creationId xmlns:a16="http://schemas.microsoft.com/office/drawing/2014/main" id="{65793119-C874-41C6-A5AB-D8C32525FC0A}"/>
+              </a:ext>
+            </a:extLst>
+          </p:cNvPr>
+          <p:cNvCxnSpPr>
+            <a:cxnSpLocks/>
+          </p:cNvCxnSpPr>
+          <p:nvPr/>
+        </p:nvCxnSpPr>
+        <p:spPr>
+          <a:xfrm>
+            <a:off x="3041007" y="2473570"/>
+            <a:ext cx="1958539" cy="265275"/>
+          </a:xfrm>
+          <a:prstGeom prst="straightConnector1">
+            <a:avLst/>
+          </a:prstGeom>
+          <a:ln>
+            <a:solidFill>
+              <a:schemeClr val="tx1"/>
+            </a:solidFill>
+            <a:prstDash val="dash"/>
+            <a:tailEnd type="triangle"/>
+          </a:ln>
+        </p:spPr>
+        <p:style>
+          <a:lnRef idx="2">
+            <a:schemeClr val="accent1"/>
+          </a:lnRef>
+          <a:fillRef idx="0">
+            <a:schemeClr val="accent1"/>
+          </a:fillRef>
+          <a:effectRef idx="1">
+            <a:schemeClr val="accent1"/>
+          </a:effectRef>
+          <a:fontRef idx="minor">
+            <a:schemeClr val="tx1"/>
+          </a:fontRef>
+        </p:style>
+      </p:cxnSp>
       <p:sp>
         <p:nvSpPr>
           <p:cNvPr id="37" name="文本框 36">
@@ -3545,8 +3770,8 @@
           <p:nvPr/>
         </p:nvSpPr>
         <p:spPr>
-          <a:xfrm rot="21059438">
-            <a:off x="4939110" y="2131856"/>
+          <a:xfrm rot="414648">
+            <a:off x="3044431" y="2287153"/>
             <a:ext cx="2008627" cy="338554"/>
           </a:xfrm>
           <a:prstGeom prst="rect">
@@ -3568,7 +3793,7 @@
                 <a:latin typeface="Times New Roman" panose="02020603050405020304" pitchFamily="18" charset="0"/>
                 <a:cs typeface="Times New Roman" panose="02020603050405020304" pitchFamily="18" charset="0"/>
               </a:rPr>
-              <a:t>1. App ID, App Secret</a:t>
+              <a:t>3. App ID, App Secret</a:t>
             </a:r>
             <a:endParaRPr lang="zh-CN" altLang="en-US" sz="1600" dirty="0">
               <a:latin typeface="Times New Roman" panose="02020603050405020304" pitchFamily="18" charset="0"/>
@@ -3592,9 +3817,9 @@
           <p:nvPr/>
         </p:nvCxnSpPr>
         <p:spPr>
-          <a:xfrm flipH="1">
-            <a:off x="4994129" y="2294916"/>
-            <a:ext cx="1904857" cy="324346"/>
+          <a:xfrm>
+            <a:off x="4973522" y="2728435"/>
+            <a:ext cx="1958539" cy="265275"/>
           </a:xfrm>
           <a:prstGeom prst="straightConnector1">
             <a:avLst/>
@@ -3622,6 +3847,51 @@
           </a:fontRef>
         </p:style>
       </p:cxnSp>
+      <p:sp>
+        <p:nvSpPr>
+          <p:cNvPr id="39" name="文本框 38">
+            <a:extLst>
+              <a:ext uri="{FF2B5EF4-FFF2-40B4-BE49-F238E27FC236}">
+                <a16:creationId xmlns:a16="http://schemas.microsoft.com/office/drawing/2014/main" id="{D963AD81-F58A-46AA-B2AC-5C0E6FD0CE4B}"/>
+              </a:ext>
+            </a:extLst>
+          </p:cNvPr>
+          <p:cNvSpPr txBox="1"/>
+          <p:nvPr/>
+        </p:nvSpPr>
+        <p:spPr>
+          <a:xfrm rot="414648">
+            <a:off x="4976946" y="2542018"/>
+            <a:ext cx="2008627" cy="338554"/>
+          </a:xfrm>
+          <a:prstGeom prst="rect">
+            <a:avLst/>
+          </a:prstGeom>
+          <a:noFill/>
+          <a:ln>
+            <a:noFill/>
+          </a:ln>
+        </p:spPr>
+        <p:txBody>
+          <a:bodyPr wrap="none" rtlCol="0">
+            <a:spAutoFit/>
+          </a:bodyPr>
+          <a:lstStyle/>
+          <a:p>
+            <a:r>
+              <a:rPr lang="en-US" altLang="zh-CN" sz="1600" dirty="0">
+                <a:latin typeface="Times New Roman" panose="02020603050405020304" pitchFamily="18" charset="0"/>
+                <a:cs typeface="Times New Roman" panose="02020603050405020304" pitchFamily="18" charset="0"/>
+              </a:rPr>
+              <a:t>4. App ID, App Secret</a:t>
+            </a:r>
+            <a:endParaRPr lang="zh-CN" altLang="en-US" sz="1600" dirty="0">
+              <a:latin typeface="Times New Roman" panose="02020603050405020304" pitchFamily="18" charset="0"/>
+              <a:cs typeface="Times New Roman" panose="02020603050405020304" pitchFamily="18" charset="0"/>
+            </a:endParaRPr>
+          </a:p>
+        </p:txBody>
+      </p:sp>
       <p:cxnSp>
         <p:nvCxnSpPr>
           <p:cNvPr id="40" name="直接箭头连接符 39">
@@ -3637,9 +3907,9 @@
           <p:nvPr/>
         </p:nvCxnSpPr>
         <p:spPr>
-          <a:xfrm flipV="1">
-            <a:off x="1432241" y="3151922"/>
-            <a:ext cx="3486785" cy="98227"/>
+          <a:xfrm flipH="1">
+            <a:off x="1096266" y="3014511"/>
+            <a:ext cx="5802720" cy="177197"/>
           </a:xfrm>
           <a:prstGeom prst="straightConnector1">
             <a:avLst/>
@@ -3703,7 +3973,7 @@
                 <a:latin typeface="Times New Roman" panose="02020603050405020304" pitchFamily="18" charset="0"/>
                 <a:cs typeface="Times New Roman" panose="02020603050405020304" pitchFamily="18" charset="0"/>
               </a:rPr>
-              <a:t>2. App ID</a:t>
+              <a:t>5. App ID</a:t>
             </a:r>
             <a:endParaRPr lang="zh-CN" altLang="en-US" sz="1600" dirty="0">
               <a:latin typeface="Times New Roman" panose="02020603050405020304" pitchFamily="18" charset="0"/>
@@ -3727,9 +3997,9 @@
           <p:nvPr/>
         </p:nvCxnSpPr>
         <p:spPr>
-          <a:xfrm flipH="1">
-            <a:off x="1363945" y="2817439"/>
-            <a:ext cx="3609578" cy="386530"/>
+          <a:xfrm>
+            <a:off x="1121180" y="3220744"/>
+            <a:ext cx="5827635" cy="0"/>
           </a:xfrm>
           <a:prstGeom prst="straightConnector1">
             <a:avLst/>
@@ -3771,7 +4041,7 @@
         </p:nvSpPr>
         <p:spPr>
           <a:xfrm>
-            <a:off x="5022299" y="3190989"/>
+            <a:off x="6998645" y="3220744"/>
             <a:ext cx="235860" cy="650952"/>
           </a:xfrm>
           <a:prstGeom prst="rightBrace">
@@ -3820,8 +4090,8 @@
         </p:nvSpPr>
         <p:spPr>
           <a:xfrm>
-            <a:off x="5091187" y="3151922"/>
-            <a:ext cx="1635634" cy="584775"/>
+            <a:off x="7116575" y="3220744"/>
+            <a:ext cx="1383713" cy="584775"/>
           </a:xfrm>
           <a:prstGeom prst="rect">
             <a:avLst/>
@@ -3832,7 +4102,7 @@
           </a:ln>
         </p:spPr>
         <p:txBody>
-          <a:bodyPr wrap="square" rtlCol="0">
+          <a:bodyPr wrap="none" rtlCol="0">
             <a:spAutoFit/>
           </a:bodyPr>
           <a:lstStyle/>
@@ -3843,7 +4113,7 @@
                 <a:latin typeface="Times New Roman" panose="02020603050405020304" pitchFamily="18" charset="0"/>
                 <a:cs typeface="Times New Roman" panose="02020603050405020304" pitchFamily="18" charset="0"/>
               </a:rPr>
-              <a:t>3. User grants </a:t>
+              <a:t>6. User grants </a:t>
             </a:r>
           </a:p>
           <a:p>
@@ -3878,8 +4148,8 @@
         </p:nvCxnSpPr>
         <p:spPr>
           <a:xfrm flipH="1">
-            <a:off x="3182715" y="3886201"/>
-            <a:ext cx="1683927" cy="238441"/>
+            <a:off x="5066130" y="3898590"/>
+            <a:ext cx="1832856" cy="140089"/>
           </a:xfrm>
           <a:prstGeom prst="straightConnector1">
             <a:avLst/>
@@ -3920,8 +4190,8 @@
           <p:nvPr/>
         </p:nvSpPr>
         <p:spPr>
-          <a:xfrm rot="21299219">
-            <a:off x="3277000" y="3675580"/>
+          <a:xfrm rot="21404970">
+            <a:off x="5238074" y="3657366"/>
             <a:ext cx="1517851" cy="338554"/>
           </a:xfrm>
           <a:prstGeom prst="rect">
@@ -3943,7 +4213,7 @@
                 <a:latin typeface="Times New Roman" panose="02020603050405020304" pitchFamily="18" charset="0"/>
                 <a:cs typeface="Times New Roman" panose="02020603050405020304" pitchFamily="18" charset="0"/>
               </a:rPr>
-              <a:t>4. Access Token</a:t>
+              <a:t>7. Access Token</a:t>
             </a:r>
             <a:endParaRPr lang="zh-CN" altLang="en-US" sz="1600" dirty="0">
               <a:latin typeface="Times New Roman" panose="02020603050405020304" pitchFamily="18" charset="0"/>
@@ -3967,9 +4237,9 @@
           <p:nvPr/>
         </p:nvCxnSpPr>
         <p:spPr>
-          <a:xfrm>
-            <a:off x="4999546" y="3866632"/>
-            <a:ext cx="1949269" cy="240622"/>
+          <a:xfrm flipH="1">
+            <a:off x="3102661" y="4050990"/>
+            <a:ext cx="1832856" cy="140089"/>
           </a:xfrm>
           <a:prstGeom prst="straightConnector1">
             <a:avLst/>
@@ -3997,6 +4267,51 @@
           </a:fontRef>
         </p:style>
       </p:cxnSp>
+      <p:sp>
+        <p:nvSpPr>
+          <p:cNvPr id="65" name="文本框 64">
+            <a:extLst>
+              <a:ext uri="{FF2B5EF4-FFF2-40B4-BE49-F238E27FC236}">
+                <a16:creationId xmlns:a16="http://schemas.microsoft.com/office/drawing/2014/main" id="{B2DA09F5-E16F-47FD-B12F-3C2FB26EE84A}"/>
+              </a:ext>
+            </a:extLst>
+          </p:cNvPr>
+          <p:cNvSpPr txBox="1"/>
+          <p:nvPr/>
+        </p:nvSpPr>
+        <p:spPr>
+          <a:xfrm rot="21404970">
+            <a:off x="3274605" y="3809766"/>
+            <a:ext cx="1517851" cy="338554"/>
+          </a:xfrm>
+          <a:prstGeom prst="rect">
+            <a:avLst/>
+          </a:prstGeom>
+          <a:noFill/>
+          <a:ln>
+            <a:noFill/>
+          </a:ln>
+        </p:spPr>
+        <p:txBody>
+          <a:bodyPr wrap="none" rtlCol="0">
+            <a:spAutoFit/>
+          </a:bodyPr>
+          <a:lstStyle/>
+          <a:p>
+            <a:r>
+              <a:rPr lang="en-US" altLang="zh-CN" sz="1600" dirty="0">
+                <a:latin typeface="Times New Roman" panose="02020603050405020304" pitchFamily="18" charset="0"/>
+                <a:cs typeface="Times New Roman" panose="02020603050405020304" pitchFamily="18" charset="0"/>
+              </a:rPr>
+              <a:t>8. Access Token</a:t>
+            </a:r>
+            <a:endParaRPr lang="zh-CN" altLang="en-US" sz="1600" dirty="0">
+              <a:latin typeface="Times New Roman" panose="02020603050405020304" pitchFamily="18" charset="0"/>
+              <a:cs typeface="Times New Roman" panose="02020603050405020304" pitchFamily="18" charset="0"/>
+            </a:endParaRPr>
+          </a:p>
+        </p:txBody>
+      </p:sp>
       <p:cxnSp>
         <p:nvCxnSpPr>
           <p:cNvPr id="68" name="直接箭头连接符 67">
@@ -4012,9 +4327,9 @@
           <p:nvPr/>
         </p:nvCxnSpPr>
         <p:spPr>
-          <a:xfrm flipH="1">
-            <a:off x="3175633" y="4394197"/>
-            <a:ext cx="3723355" cy="346815"/>
+          <a:xfrm>
+            <a:off x="3131544" y="4508734"/>
+            <a:ext cx="1868002" cy="249339"/>
           </a:xfrm>
           <a:prstGeom prst="straightConnector1">
             <a:avLst/>
@@ -4042,6 +4357,51 @@
           </a:fontRef>
         </p:style>
       </p:cxnSp>
+      <p:sp>
+        <p:nvSpPr>
+          <p:cNvPr id="69" name="文本框 68">
+            <a:extLst>
+              <a:ext uri="{FF2B5EF4-FFF2-40B4-BE49-F238E27FC236}">
+                <a16:creationId xmlns:a16="http://schemas.microsoft.com/office/drawing/2014/main" id="{F90B46A3-51EB-4ECE-B525-3569C60E73EE}"/>
+              </a:ext>
+            </a:extLst>
+          </p:cNvPr>
+          <p:cNvSpPr txBox="1"/>
+          <p:nvPr/>
+        </p:nvSpPr>
+        <p:spPr>
+          <a:xfrm rot="425566">
+            <a:off x="3281320" y="4339457"/>
+            <a:ext cx="1517851" cy="338554"/>
+          </a:xfrm>
+          <a:prstGeom prst="rect">
+            <a:avLst/>
+          </a:prstGeom>
+          <a:noFill/>
+          <a:ln>
+            <a:noFill/>
+          </a:ln>
+        </p:spPr>
+        <p:txBody>
+          <a:bodyPr wrap="square" rtlCol="0">
+            <a:spAutoFit/>
+          </a:bodyPr>
+          <a:lstStyle/>
+          <a:p>
+            <a:r>
+              <a:rPr lang="en-US" altLang="zh-CN" sz="1600" dirty="0">
+                <a:latin typeface="Times New Roman" panose="02020603050405020304" pitchFamily="18" charset="0"/>
+                <a:cs typeface="Times New Roman" panose="02020603050405020304" pitchFamily="18" charset="0"/>
+              </a:rPr>
+              <a:t>9. Access Token</a:t>
+            </a:r>
+            <a:endParaRPr lang="zh-CN" altLang="en-US" sz="1600" dirty="0">
+              <a:latin typeface="Times New Roman" panose="02020603050405020304" pitchFamily="18" charset="0"/>
+              <a:cs typeface="Times New Roman" panose="02020603050405020304" pitchFamily="18" charset="0"/>
+            </a:endParaRPr>
+          </a:p>
+        </p:txBody>
+      </p:sp>
       <p:cxnSp>
         <p:nvCxnSpPr>
           <p:cNvPr id="77" name="直接箭头连接符 76">
@@ -4057,9 +4417,9 @@
           <p:nvPr/>
         </p:nvCxnSpPr>
         <p:spPr>
-          <a:xfrm>
-            <a:off x="3165818" y="4778546"/>
-            <a:ext cx="3769958" cy="212961"/>
+          <a:xfrm flipH="1">
+            <a:off x="3079900" y="4826388"/>
+            <a:ext cx="1879283" cy="249339"/>
           </a:xfrm>
           <a:prstGeom prst="straightConnector1">
             <a:avLst/>
@@ -4100,8 +4460,8 @@
           <p:nvPr/>
         </p:nvSpPr>
         <p:spPr>
-          <a:xfrm rot="277058">
-            <a:off x="5231167" y="4637246"/>
+          <a:xfrm rot="21119689">
+            <a:off x="3122956" y="4678756"/>
             <a:ext cx="1517851" cy="338554"/>
           </a:xfrm>
           <a:prstGeom prst="rect">
@@ -4123,97 +4483,7 @@
                 <a:latin typeface="Times New Roman" panose="02020603050405020304" pitchFamily="18" charset="0"/>
                 <a:cs typeface="Times New Roman" panose="02020603050405020304" pitchFamily="18" charset="0"/>
               </a:rPr>
-              <a:t>6. EEG Data</a:t>
-            </a:r>
-            <a:endParaRPr lang="zh-CN" altLang="en-US" sz="1600" dirty="0">
-              <a:latin typeface="Times New Roman" panose="02020603050405020304" pitchFamily="18" charset="0"/>
-              <a:cs typeface="Times New Roman" panose="02020603050405020304" pitchFamily="18" charset="0"/>
-            </a:endParaRPr>
-          </a:p>
-        </p:txBody>
-      </p:sp>
-      <p:sp>
-        <p:nvSpPr>
-          <p:cNvPr id="41" name="文本框 62">
-            <a:extLst>
-              <a:ext uri="{FF2B5EF4-FFF2-40B4-BE49-F238E27FC236}">
-                <a16:creationId xmlns:a16="http://schemas.microsoft.com/office/drawing/2014/main" id="{3676B3E7-E5F0-47CB-BC52-0430FF14376E}"/>
-              </a:ext>
-            </a:extLst>
-          </p:cNvPr>
-          <p:cNvSpPr txBox="1"/>
-          <p:nvPr/>
-        </p:nvSpPr>
-        <p:spPr>
-          <a:xfrm rot="400253">
-            <a:off x="5283123" y="3716924"/>
-            <a:ext cx="1517851" cy="338554"/>
-          </a:xfrm>
-          <a:prstGeom prst="rect">
-            <a:avLst/>
-          </a:prstGeom>
-          <a:noFill/>
-          <a:ln>
-            <a:noFill/>
-          </a:ln>
-        </p:spPr>
-        <p:txBody>
-          <a:bodyPr wrap="none" rtlCol="0">
-            <a:spAutoFit/>
-          </a:bodyPr>
-          <a:lstStyle/>
-          <a:p>
-            <a:r>
-              <a:rPr lang="en-US" altLang="zh-CN" sz="1600" dirty="0">
-                <a:latin typeface="Times New Roman" panose="02020603050405020304" pitchFamily="18" charset="0"/>
-                <a:cs typeface="Times New Roman" panose="02020603050405020304" pitchFamily="18" charset="0"/>
-              </a:rPr>
-              <a:t>4. Access Token</a:t>
-            </a:r>
-            <a:endParaRPr lang="zh-CN" altLang="en-US" sz="1600" dirty="0">
-              <a:latin typeface="Times New Roman" panose="02020603050405020304" pitchFamily="18" charset="0"/>
-              <a:cs typeface="Times New Roman" panose="02020603050405020304" pitchFamily="18" charset="0"/>
-            </a:endParaRPr>
-          </a:p>
-        </p:txBody>
-      </p:sp>
-      <p:sp>
-        <p:nvSpPr>
-          <p:cNvPr id="45" name="文本框 62">
-            <a:extLst>
-              <a:ext uri="{FF2B5EF4-FFF2-40B4-BE49-F238E27FC236}">
-                <a16:creationId xmlns:a16="http://schemas.microsoft.com/office/drawing/2014/main" id="{A6FE5908-9BD2-43E0-A49F-0CAC37837052}"/>
-              </a:ext>
-            </a:extLst>
-          </p:cNvPr>
-          <p:cNvSpPr txBox="1"/>
-          <p:nvPr/>
-        </p:nvSpPr>
-        <p:spPr>
-          <a:xfrm rot="21247029">
-            <a:off x="3363598" y="4300406"/>
-            <a:ext cx="1517851" cy="338554"/>
-          </a:xfrm>
-          <a:prstGeom prst="rect">
-            <a:avLst/>
-          </a:prstGeom>
-          <a:noFill/>
-          <a:ln>
-            <a:noFill/>
-          </a:ln>
-        </p:spPr>
-        <p:txBody>
-          <a:bodyPr wrap="none" rtlCol="0">
-            <a:spAutoFit/>
-          </a:bodyPr>
-          <a:lstStyle/>
-          <a:p>
-            <a:r>
-              <a:rPr lang="en-US" altLang="zh-CN" sz="1600" dirty="0">
-                <a:latin typeface="Times New Roman" panose="02020603050405020304" pitchFamily="18" charset="0"/>
-                <a:cs typeface="Times New Roman" panose="02020603050405020304" pitchFamily="18" charset="0"/>
-              </a:rPr>
-              <a:t>5. Access Token</a:t>
+              <a:t>10. EEG Data</a:t>
             </a:r>
             <a:endParaRPr lang="zh-CN" altLang="en-US" sz="1600" dirty="0">
               <a:latin typeface="Times New Roman" panose="02020603050405020304" pitchFamily="18" charset="0"/>
@@ -10642,7 +10912,7 @@
           <a:graphicData uri="http://schemas.openxmlformats.org/presentationml/2006/ole">
             <mc:AlternateContent xmlns:mc="http://schemas.openxmlformats.org/markup-compatibility/2006">
               <mc:Choice xmlns:v="urn:schemas-microsoft-com:vml" Requires="v">
-                <p:oleObj spid="_x0000_s2450" name="公式" r:id="rId3" imgW="609600" imgH="431800" progId="Equation.3">
+                <p:oleObj spid="_x0000_s2226" name="公式" r:id="rId3" imgW="609600" imgH="431800" progId="Equation.3">
                   <p:embed/>
                 </p:oleObj>
               </mc:Choice>
@@ -10894,7 +11164,7 @@
           <a:graphicData uri="http://schemas.openxmlformats.org/presentationml/2006/ole">
             <mc:AlternateContent xmlns:mc="http://schemas.openxmlformats.org/markup-compatibility/2006">
               <mc:Choice xmlns:v="urn:schemas-microsoft-com:vml" Requires="v">
-                <p:oleObj spid="_x0000_s2451" name="公式" r:id="rId5" imgW="609600" imgH="431800" progId="Equation.3">
+                <p:oleObj spid="_x0000_s2227" name="公式" r:id="rId5" imgW="609600" imgH="431800" progId="Equation.3">
                   <p:embed/>
                 </p:oleObj>
               </mc:Choice>
@@ -10951,7 +11221,7 @@
           <a:graphicData uri="http://schemas.openxmlformats.org/presentationml/2006/ole">
             <mc:AlternateContent xmlns:mc="http://schemas.openxmlformats.org/markup-compatibility/2006">
               <mc:Choice xmlns:v="urn:schemas-microsoft-com:vml" Requires="v">
-                <p:oleObj spid="_x0000_s2452" name="公式" r:id="rId7" imgW="482600" imgH="177800" progId="Equation.3">
+                <p:oleObj spid="_x0000_s2228" name="公式" r:id="rId7" imgW="482600" imgH="177800" progId="Equation.3">
                   <p:embed/>
                 </p:oleObj>
               </mc:Choice>
@@ -11008,7 +11278,7 @@
           <a:graphicData uri="http://schemas.openxmlformats.org/presentationml/2006/ole">
             <mc:AlternateContent xmlns:mc="http://schemas.openxmlformats.org/markup-compatibility/2006">
               <mc:Choice xmlns:v="urn:schemas-microsoft-com:vml" Requires="v">
-                <p:oleObj spid="_x0000_s2453" name="公式" r:id="rId9" imgW="292100" imgH="177800" progId="Equation.3">
+                <p:oleObj spid="_x0000_s2229" name="公式" r:id="rId9" imgW="292100" imgH="177800" progId="Equation.3">
                   <p:embed/>
                 </p:oleObj>
               </mc:Choice>
@@ -11065,7 +11335,7 @@
           <a:graphicData uri="http://schemas.openxmlformats.org/presentationml/2006/ole">
             <mc:AlternateContent xmlns:mc="http://schemas.openxmlformats.org/markup-compatibility/2006">
               <mc:Choice xmlns:v="urn:schemas-microsoft-com:vml" Requires="v">
-                <p:oleObj spid="_x0000_s2454" name="公式" r:id="rId11" imgW="368300" imgH="177800" progId="Equation.3">
+                <p:oleObj spid="_x0000_s2230" name="公式" r:id="rId11" imgW="368300" imgH="177800" progId="Equation.3">
                   <p:embed/>
                 </p:oleObj>
               </mc:Choice>
@@ -11204,7 +11474,7 @@
           <a:graphicData uri="http://schemas.openxmlformats.org/presentationml/2006/ole">
             <mc:AlternateContent xmlns:mc="http://schemas.openxmlformats.org/markup-compatibility/2006">
               <mc:Choice xmlns:v="urn:schemas-microsoft-com:vml" Requires="v">
-                <p:oleObj spid="_x0000_s2455" name="公式" r:id="rId13" imgW="292100" imgH="177800" progId="Equation.3">
+                <p:oleObj spid="_x0000_s2231" name="公式" r:id="rId13" imgW="292100" imgH="177800" progId="Equation.3">
                   <p:embed/>
                 </p:oleObj>
               </mc:Choice>
@@ -11261,7 +11531,7 @@
           <a:graphicData uri="http://schemas.openxmlformats.org/presentationml/2006/ole">
             <mc:AlternateContent xmlns:mc="http://schemas.openxmlformats.org/markup-compatibility/2006">
               <mc:Choice xmlns:v="urn:schemas-microsoft-com:vml" Requires="v">
-                <p:oleObj spid="_x0000_s2456" name="公式" r:id="rId14" imgW="292100" imgH="177800" progId="Equation.3">
+                <p:oleObj spid="_x0000_s2232" name="公式" r:id="rId14" imgW="292100" imgH="177800" progId="Equation.3">
                   <p:embed/>
                 </p:oleObj>
               </mc:Choice>
@@ -11318,7 +11588,7 @@
           <a:graphicData uri="http://schemas.openxmlformats.org/presentationml/2006/ole">
             <mc:AlternateContent xmlns:mc="http://schemas.openxmlformats.org/markup-compatibility/2006">
               <mc:Choice xmlns:v="urn:schemas-microsoft-com:vml" Requires="v">
-                <p:oleObj spid="_x0000_s2457" name="公式" r:id="rId16" imgW="292100" imgH="177800" progId="Equation.3">
+                <p:oleObj spid="_x0000_s2233" name="公式" r:id="rId16" imgW="292100" imgH="177800" progId="Equation.3">
                   <p:embed/>
                 </p:oleObj>
               </mc:Choice>
@@ -11375,7 +11645,7 @@
           <a:graphicData uri="http://schemas.openxmlformats.org/presentationml/2006/ole">
             <mc:AlternateContent xmlns:mc="http://schemas.openxmlformats.org/markup-compatibility/2006">
               <mc:Choice xmlns:v="urn:schemas-microsoft-com:vml" Requires="v">
-                <p:oleObj spid="_x0000_s2458" name="公式" r:id="rId17" imgW="292100" imgH="177800" progId="Equation.3">
+                <p:oleObj spid="_x0000_s2234" name="公式" r:id="rId17" imgW="292100" imgH="177800" progId="Equation.3">
                   <p:embed/>
                 </p:oleObj>
               </mc:Choice>
@@ -11432,7 +11702,7 @@
           <a:graphicData uri="http://schemas.openxmlformats.org/presentationml/2006/ole">
             <mc:AlternateContent xmlns:mc="http://schemas.openxmlformats.org/markup-compatibility/2006">
               <mc:Choice xmlns:v="urn:schemas-microsoft-com:vml" Requires="v">
-                <p:oleObj spid="_x0000_s2459" name="公式" r:id="rId18" imgW="292100" imgH="177800" progId="Equation.3">
+                <p:oleObj spid="_x0000_s2235" name="公式" r:id="rId18" imgW="292100" imgH="177800" progId="Equation.3">
                   <p:embed/>
                 </p:oleObj>
               </mc:Choice>
@@ -11489,7 +11759,7 @@
           <a:graphicData uri="http://schemas.openxmlformats.org/presentationml/2006/ole">
             <mc:AlternateContent xmlns:mc="http://schemas.openxmlformats.org/markup-compatibility/2006">
               <mc:Choice xmlns:v="urn:schemas-microsoft-com:vml" Requires="v">
-                <p:oleObj spid="_x0000_s2460" name="公式" r:id="rId19" imgW="292100" imgH="177800" progId="Equation.3">
+                <p:oleObj spid="_x0000_s2236" name="公式" r:id="rId19" imgW="292100" imgH="177800" progId="Equation.3">
                   <p:embed/>
                 </p:oleObj>
               </mc:Choice>
@@ -12170,7 +12440,7 @@
           <a:graphicData uri="http://schemas.openxmlformats.org/presentationml/2006/ole">
             <mc:AlternateContent xmlns:mc="http://schemas.openxmlformats.org/markup-compatibility/2006">
               <mc:Choice xmlns:v="urn:schemas-microsoft-com:vml" Requires="v">
-                <p:oleObj spid="_x0000_s2461" name="公式" r:id="rId20" imgW="673100" imgH="241300" progId="Equation.3">
+                <p:oleObj spid="_x0000_s2237" name="公式" r:id="rId20" imgW="673100" imgH="241300" progId="Equation.3">
                   <p:embed/>
                 </p:oleObj>
               </mc:Choice>
@@ -12227,7 +12497,7 @@
           <a:graphicData uri="http://schemas.openxmlformats.org/presentationml/2006/ole">
             <mc:AlternateContent xmlns:mc="http://schemas.openxmlformats.org/markup-compatibility/2006">
               <mc:Choice xmlns:v="urn:schemas-microsoft-com:vml" Requires="v">
-                <p:oleObj spid="_x0000_s2462" name="公式" r:id="rId22" imgW="673100" imgH="241300" progId="Equation.3">
+                <p:oleObj spid="_x0000_s2238" name="公式" r:id="rId22" imgW="673100" imgH="241300" progId="Equation.3">
                   <p:embed/>
                 </p:oleObj>
               </mc:Choice>
@@ -15213,7 +15483,7 @@
           <a:graphicData uri="http://schemas.openxmlformats.org/presentationml/2006/ole">
             <mc:AlternateContent xmlns:mc="http://schemas.openxmlformats.org/markup-compatibility/2006">
               <mc:Choice xmlns:v="urn:schemas-microsoft-com:vml" Requires="v">
-                <p:oleObj spid="_x0000_s2463" name="公式" r:id="rId24" imgW="711200" imgH="241300" progId="Equation.3">
+                <p:oleObj spid="_x0000_s2239" name="公式" r:id="rId24" imgW="711200" imgH="241300" progId="Equation.3">
                   <p:embed/>
                 </p:oleObj>
               </mc:Choice>
@@ -15418,7 +15688,7 @@
           <a:noFill/>
           <a:extLst>
             <a:ext uri="{909E8E84-426E-40dd-AFC4-6F175D3DCCD1}">
-              <a14:hiddenFill xmlns:a14="http://schemas.microsoft.com/office/drawing/2010/main" xmlns="">
+              <a14:hiddenFill xmlns="" xmlns:a14="http://schemas.microsoft.com/office/drawing/2010/main">
                 <a:solidFill>
                   <a:srgbClr val="FFFFFF"/>
                 </a:solidFill>
@@ -16318,7 +16588,7 @@
           <a:noFill/>
           <a:extLst>
             <a:ext uri="{909E8E84-426E-40dd-AFC4-6F175D3DCCD1}">
-              <a14:hiddenFill xmlns:a14="http://schemas.microsoft.com/office/drawing/2010/main" xmlns="">
+              <a14:hiddenFill xmlns="" xmlns:a14="http://schemas.microsoft.com/office/drawing/2010/main">
                 <a:solidFill>
                   <a:srgbClr val="FFFFFF"/>
                 </a:solidFill>
@@ -16550,7 +16820,7 @@
           <a:noFill/>
           <a:extLst>
             <a:ext uri="{909E8E84-426E-40dd-AFC4-6F175D3DCCD1}">
-              <a14:hiddenFill xmlns:a14="http://schemas.microsoft.com/office/drawing/2010/main" xmlns="">
+              <a14:hiddenFill xmlns="" xmlns:a14="http://schemas.microsoft.com/office/drawing/2010/main">
                 <a:solidFill>
                   <a:srgbClr val="FFFFFF"/>
                 </a:solidFill>
@@ -17505,7 +17775,7 @@
           <a:noFill/>
           <a:extLst>
             <a:ext uri="{909E8E84-426E-40dd-AFC4-6F175D3DCCD1}">
-              <a14:hiddenFill xmlns:a14="http://schemas.microsoft.com/office/drawing/2010/main" xmlns="">
+              <a14:hiddenFill xmlns="" xmlns:a14="http://schemas.microsoft.com/office/drawing/2010/main">
                 <a:solidFill>
                   <a:srgbClr val="FFFFFF"/>
                 </a:solidFill>

--- a/images/image.pptx
+++ b/images/image.pptx
@@ -15,6 +15,7 @@
     <p:sldId id="262" r:id="rId9"/>
     <p:sldId id="263" r:id="rId10"/>
     <p:sldId id="265" r:id="rId11"/>
+    <p:sldId id="267" r:id="rId12"/>
   </p:sldIdLst>
   <p:sldSz cx="9144000" cy="6858000" type="screen4x3"/>
   <p:notesSz cx="6858000" cy="9144000"/>
@@ -132,6 +133,10 @@
 </p:presentation>
 </file>
 
+<file path=ppt/revisionInfo.xml><?xml version="1.0" encoding="utf-8"?>
+<p1510:revInfo xmlns:a="http://schemas.openxmlformats.org/drawingml/2006/main" xmlns:r="http://schemas.openxmlformats.org/officeDocument/2006/relationships" xmlns:p1510="http://schemas.microsoft.com/office/powerpoint/2015/10/main"/>
+</file>
+
 <file path=ppt/slideLayouts/slideLayout1.xml><?xml version="1.0" encoding="utf-8"?>
 <p:sldLayout xmlns:a="http://schemas.openxmlformats.org/drawingml/2006/main" xmlns:r="http://schemas.openxmlformats.org/officeDocument/2006/relationships" xmlns:p="http://schemas.openxmlformats.org/presentationml/2006/main" type="title" preserve="1">
   <p:cSld name="标题幻灯片">
@@ -311,7 +316,7 @@
           <a:p>
             <a:fld id="{773E3A52-2DD2-6749-B427-C9A1D0BB55DF}" type="datetimeFigureOut">
               <a:rPr kumimoji="1" lang="zh-CN" altLang="en-US" smtClean="0"/>
-              <a:t>2018/2/11</a:t>
+              <a:t>2018/3/3</a:t>
             </a:fld>
             <a:endParaRPr kumimoji="1" lang="zh-CN" altLang="en-US"/>
           </a:p>
@@ -479,7 +484,7 @@
           <a:p>
             <a:fld id="{773E3A52-2DD2-6749-B427-C9A1D0BB55DF}" type="datetimeFigureOut">
               <a:rPr kumimoji="1" lang="zh-CN" altLang="en-US" smtClean="0"/>
-              <a:t>2018/2/11</a:t>
+              <a:t>2018/3/3</a:t>
             </a:fld>
             <a:endParaRPr kumimoji="1" lang="zh-CN" altLang="en-US"/>
           </a:p>
@@ -657,7 +662,7 @@
           <a:p>
             <a:fld id="{773E3A52-2DD2-6749-B427-C9A1D0BB55DF}" type="datetimeFigureOut">
               <a:rPr kumimoji="1" lang="zh-CN" altLang="en-US" smtClean="0"/>
-              <a:t>2018/2/11</a:t>
+              <a:t>2018/3/3</a:t>
             </a:fld>
             <a:endParaRPr kumimoji="1" lang="zh-CN" altLang="en-US"/>
           </a:p>
@@ -825,7 +830,7 @@
           <a:p>
             <a:fld id="{773E3A52-2DD2-6749-B427-C9A1D0BB55DF}" type="datetimeFigureOut">
               <a:rPr kumimoji="1" lang="zh-CN" altLang="en-US" smtClean="0"/>
-              <a:t>2018/2/11</a:t>
+              <a:t>2018/3/3</a:t>
             </a:fld>
             <a:endParaRPr kumimoji="1" lang="zh-CN" altLang="en-US"/>
           </a:p>
@@ -1070,7 +1075,7 @@
           <a:p>
             <a:fld id="{773E3A52-2DD2-6749-B427-C9A1D0BB55DF}" type="datetimeFigureOut">
               <a:rPr kumimoji="1" lang="zh-CN" altLang="en-US" smtClean="0"/>
-              <a:t>2018/2/11</a:t>
+              <a:t>2018/3/3</a:t>
             </a:fld>
             <a:endParaRPr kumimoji="1" lang="zh-CN" altLang="en-US"/>
           </a:p>
@@ -1355,7 +1360,7 @@
           <a:p>
             <a:fld id="{773E3A52-2DD2-6749-B427-C9A1D0BB55DF}" type="datetimeFigureOut">
               <a:rPr kumimoji="1" lang="zh-CN" altLang="en-US" smtClean="0"/>
-              <a:t>2018/2/11</a:t>
+              <a:t>2018/3/3</a:t>
             </a:fld>
             <a:endParaRPr kumimoji="1" lang="zh-CN" altLang="en-US"/>
           </a:p>
@@ -1774,7 +1779,7 @@
           <a:p>
             <a:fld id="{773E3A52-2DD2-6749-B427-C9A1D0BB55DF}" type="datetimeFigureOut">
               <a:rPr kumimoji="1" lang="zh-CN" altLang="en-US" smtClean="0"/>
-              <a:t>2018/2/11</a:t>
+              <a:t>2018/3/3</a:t>
             </a:fld>
             <a:endParaRPr kumimoji="1" lang="zh-CN" altLang="en-US"/>
           </a:p>
@@ -1891,7 +1896,7 @@
           <a:p>
             <a:fld id="{773E3A52-2DD2-6749-B427-C9A1D0BB55DF}" type="datetimeFigureOut">
               <a:rPr kumimoji="1" lang="zh-CN" altLang="en-US" smtClean="0"/>
-              <a:t>2018/2/11</a:t>
+              <a:t>2018/3/3</a:t>
             </a:fld>
             <a:endParaRPr kumimoji="1" lang="zh-CN" altLang="en-US"/>
           </a:p>
@@ -1986,7 +1991,7 @@
           <a:p>
             <a:fld id="{773E3A52-2DD2-6749-B427-C9A1D0BB55DF}" type="datetimeFigureOut">
               <a:rPr kumimoji="1" lang="zh-CN" altLang="en-US" smtClean="0"/>
-              <a:t>2018/2/11</a:t>
+              <a:t>2018/3/3</a:t>
             </a:fld>
             <a:endParaRPr kumimoji="1" lang="zh-CN" altLang="en-US"/>
           </a:p>
@@ -2261,7 +2266,7 @@
           <a:p>
             <a:fld id="{773E3A52-2DD2-6749-B427-C9A1D0BB55DF}" type="datetimeFigureOut">
               <a:rPr kumimoji="1" lang="zh-CN" altLang="en-US" smtClean="0"/>
-              <a:t>2018/2/11</a:t>
+              <a:t>2018/3/3</a:t>
             </a:fld>
             <a:endParaRPr kumimoji="1" lang="zh-CN" altLang="en-US"/>
           </a:p>
@@ -2513,7 +2518,7 @@
           <a:p>
             <a:fld id="{773E3A52-2DD2-6749-B427-C9A1D0BB55DF}" type="datetimeFigureOut">
               <a:rPr kumimoji="1" lang="zh-CN" altLang="en-US" smtClean="0"/>
-              <a:t>2018/2/11</a:t>
+              <a:t>2018/3/3</a:t>
             </a:fld>
             <a:endParaRPr kumimoji="1" lang="zh-CN" altLang="en-US"/>
           </a:p>
@@ -2724,7 +2729,7 @@
           <a:p>
             <a:fld id="{773E3A52-2DD2-6749-B427-C9A1D0BB55DF}" type="datetimeFigureOut">
               <a:rPr kumimoji="1" lang="zh-CN" altLang="en-US" smtClean="0"/>
-              <a:t>2018/2/11</a:t>
+              <a:t>2018/3/3</a:t>
             </a:fld>
             <a:endParaRPr kumimoji="1" lang="zh-CN" altLang="en-US"/>
           </a:p>
@@ -4505,6 +4510,6881 @@
 </p:sld>
 </file>
 
+<file path=ppt/slides/slide11.xml><?xml version="1.0" encoding="utf-8"?>
+<p:sld xmlns:a="http://schemas.openxmlformats.org/drawingml/2006/main" xmlns:r="http://schemas.openxmlformats.org/officeDocument/2006/relationships" xmlns:p="http://schemas.openxmlformats.org/presentationml/2006/main">
+  <p:cSld>
+    <p:spTree>
+      <p:nvGrpSpPr>
+        <p:cNvPr id="1" name=""/>
+        <p:cNvGrpSpPr/>
+        <p:nvPr/>
+      </p:nvGrpSpPr>
+      <p:grpSpPr>
+        <a:xfrm>
+          <a:off x="0" y="0"/>
+          <a:ext cx="0" cy="0"/>
+          <a:chOff x="0" y="0"/>
+          <a:chExt cx="0" cy="0"/>
+        </a:xfrm>
+      </p:grpSpPr>
+      <p:sp>
+        <p:nvSpPr>
+          <p:cNvPr id="13" name="右箭头 12"/>
+          <p:cNvSpPr/>
+          <p:nvPr/>
+        </p:nvSpPr>
+        <p:spPr>
+          <a:xfrm>
+            <a:off x="-318465" y="3059299"/>
+            <a:ext cx="546100" cy="450850"/>
+          </a:xfrm>
+          <a:prstGeom prst="rightArrow">
+            <a:avLst/>
+          </a:prstGeom>
+        </p:spPr>
+        <p:style>
+          <a:lnRef idx="1">
+            <a:schemeClr val="accent1"/>
+          </a:lnRef>
+          <a:fillRef idx="3">
+            <a:schemeClr val="accent1"/>
+          </a:fillRef>
+          <a:effectRef idx="2">
+            <a:schemeClr val="accent1"/>
+          </a:effectRef>
+          <a:fontRef idx="minor">
+            <a:schemeClr val="lt1"/>
+          </a:fontRef>
+        </p:style>
+        <p:txBody>
+          <a:bodyPr rtlCol="0" anchor="ctr"/>
+          <a:lstStyle/>
+          <a:p>
+            <a:pPr algn="ctr"/>
+            <a:endParaRPr kumimoji="1" lang="zh-CN" altLang="en-US"/>
+          </a:p>
+        </p:txBody>
+      </p:sp>
+      <p:sp>
+        <p:nvSpPr>
+          <p:cNvPr id="28" name="椭圆 27"/>
+          <p:cNvSpPr/>
+          <p:nvPr/>
+        </p:nvSpPr>
+        <p:spPr>
+          <a:xfrm>
+            <a:off x="515351" y="670155"/>
+            <a:ext cx="273050" cy="273050"/>
+          </a:xfrm>
+          <a:prstGeom prst="ellipse">
+            <a:avLst/>
+          </a:prstGeom>
+          <a:solidFill>
+            <a:srgbClr val="FFFFFF"/>
+          </a:solidFill>
+          <a:ln w="28575" cmpd="sng">
+            <a:solidFill>
+              <a:srgbClr val="000000"/>
+            </a:solidFill>
+          </a:ln>
+          <a:effectLst/>
+        </p:spPr>
+        <p:style>
+          <a:lnRef idx="1">
+            <a:schemeClr val="accent1"/>
+          </a:lnRef>
+          <a:fillRef idx="3">
+            <a:schemeClr val="accent1"/>
+          </a:fillRef>
+          <a:effectRef idx="2">
+            <a:schemeClr val="accent1"/>
+          </a:effectRef>
+          <a:fontRef idx="minor">
+            <a:schemeClr val="lt1"/>
+          </a:fontRef>
+        </p:style>
+        <p:txBody>
+          <a:bodyPr rtlCol="0" anchor="ctr"/>
+          <a:lstStyle/>
+          <a:p>
+            <a:pPr algn="ctr"/>
+            <a:endParaRPr kumimoji="1" lang="zh-CN" altLang="en-US"/>
+          </a:p>
+        </p:txBody>
+      </p:sp>
+      <p:sp>
+        <p:nvSpPr>
+          <p:cNvPr id="29" name="椭圆 28"/>
+          <p:cNvSpPr/>
+          <p:nvPr/>
+        </p:nvSpPr>
+        <p:spPr>
+          <a:xfrm>
+            <a:off x="515351" y="1110951"/>
+            <a:ext cx="273050" cy="273050"/>
+          </a:xfrm>
+          <a:prstGeom prst="ellipse">
+            <a:avLst/>
+          </a:prstGeom>
+          <a:solidFill>
+            <a:srgbClr val="FFFFFF"/>
+          </a:solidFill>
+          <a:ln w="28575" cmpd="sng">
+            <a:solidFill>
+              <a:srgbClr val="000000"/>
+            </a:solidFill>
+          </a:ln>
+          <a:effectLst/>
+        </p:spPr>
+        <p:style>
+          <a:lnRef idx="1">
+            <a:schemeClr val="accent1"/>
+          </a:lnRef>
+          <a:fillRef idx="3">
+            <a:schemeClr val="accent1"/>
+          </a:fillRef>
+          <a:effectRef idx="2">
+            <a:schemeClr val="accent1"/>
+          </a:effectRef>
+          <a:fontRef idx="minor">
+            <a:schemeClr val="lt1"/>
+          </a:fontRef>
+        </p:style>
+        <p:txBody>
+          <a:bodyPr rtlCol="0" anchor="ctr"/>
+          <a:lstStyle/>
+          <a:p>
+            <a:pPr algn="ctr"/>
+            <a:endParaRPr kumimoji="1" lang="zh-CN" altLang="en-US"/>
+          </a:p>
+        </p:txBody>
+      </p:sp>
+      <p:sp>
+        <p:nvSpPr>
+          <p:cNvPr id="30" name="椭圆 29"/>
+          <p:cNvSpPr/>
+          <p:nvPr/>
+        </p:nvSpPr>
+        <p:spPr>
+          <a:xfrm>
+            <a:off x="515351" y="1551747"/>
+            <a:ext cx="273050" cy="273050"/>
+          </a:xfrm>
+          <a:prstGeom prst="ellipse">
+            <a:avLst/>
+          </a:prstGeom>
+          <a:solidFill>
+            <a:srgbClr val="FFFFFF"/>
+          </a:solidFill>
+          <a:ln w="28575" cmpd="sng">
+            <a:solidFill>
+              <a:srgbClr val="000000"/>
+            </a:solidFill>
+          </a:ln>
+          <a:effectLst/>
+        </p:spPr>
+        <p:style>
+          <a:lnRef idx="1">
+            <a:schemeClr val="accent1"/>
+          </a:lnRef>
+          <a:fillRef idx="3">
+            <a:schemeClr val="accent1"/>
+          </a:fillRef>
+          <a:effectRef idx="2">
+            <a:schemeClr val="accent1"/>
+          </a:effectRef>
+          <a:fontRef idx="minor">
+            <a:schemeClr val="lt1"/>
+          </a:fontRef>
+        </p:style>
+        <p:txBody>
+          <a:bodyPr rtlCol="0" anchor="ctr"/>
+          <a:lstStyle/>
+          <a:p>
+            <a:pPr algn="ctr"/>
+            <a:endParaRPr kumimoji="1" lang="zh-CN" altLang="en-US"/>
+          </a:p>
+        </p:txBody>
+      </p:sp>
+      <p:sp>
+        <p:nvSpPr>
+          <p:cNvPr id="31" name="椭圆 30"/>
+          <p:cNvSpPr/>
+          <p:nvPr/>
+        </p:nvSpPr>
+        <p:spPr>
+          <a:xfrm>
+            <a:off x="524856" y="2703372"/>
+            <a:ext cx="273050" cy="273050"/>
+          </a:xfrm>
+          <a:prstGeom prst="ellipse">
+            <a:avLst/>
+          </a:prstGeom>
+          <a:solidFill>
+            <a:srgbClr val="FFFFFF"/>
+          </a:solidFill>
+          <a:ln w="28575" cmpd="sng">
+            <a:solidFill>
+              <a:srgbClr val="000000"/>
+            </a:solidFill>
+          </a:ln>
+          <a:effectLst/>
+        </p:spPr>
+        <p:style>
+          <a:lnRef idx="1">
+            <a:schemeClr val="accent1"/>
+          </a:lnRef>
+          <a:fillRef idx="3">
+            <a:schemeClr val="accent1"/>
+          </a:fillRef>
+          <a:effectRef idx="2">
+            <a:schemeClr val="accent1"/>
+          </a:effectRef>
+          <a:fontRef idx="minor">
+            <a:schemeClr val="lt1"/>
+          </a:fontRef>
+        </p:style>
+        <p:txBody>
+          <a:bodyPr rtlCol="0" anchor="ctr"/>
+          <a:lstStyle/>
+          <a:p>
+            <a:pPr algn="ctr"/>
+            <a:endParaRPr kumimoji="1" lang="zh-CN" altLang="en-US"/>
+          </a:p>
+        </p:txBody>
+      </p:sp>
+      <p:sp>
+        <p:nvSpPr>
+          <p:cNvPr id="32" name="椭圆 31"/>
+          <p:cNvSpPr/>
+          <p:nvPr/>
+        </p:nvSpPr>
+        <p:spPr>
+          <a:xfrm>
+            <a:off x="610601" y="1992543"/>
+            <a:ext cx="79375" cy="82550"/>
+          </a:xfrm>
+          <a:prstGeom prst="ellipse">
+            <a:avLst/>
+          </a:prstGeom>
+          <a:solidFill>
+            <a:schemeClr val="tx1"/>
+          </a:solidFill>
+          <a:ln>
+            <a:solidFill>
+              <a:srgbClr val="000000"/>
+            </a:solidFill>
+          </a:ln>
+          <a:effectLst/>
+        </p:spPr>
+        <p:style>
+          <a:lnRef idx="1">
+            <a:schemeClr val="accent1"/>
+          </a:lnRef>
+          <a:fillRef idx="3">
+            <a:schemeClr val="accent1"/>
+          </a:fillRef>
+          <a:effectRef idx="2">
+            <a:schemeClr val="accent1"/>
+          </a:effectRef>
+          <a:fontRef idx="minor">
+            <a:schemeClr val="lt1"/>
+          </a:fontRef>
+        </p:style>
+        <p:txBody>
+          <a:bodyPr rtlCol="0" anchor="ctr"/>
+          <a:lstStyle/>
+          <a:p>
+            <a:pPr algn="ctr"/>
+            <a:endParaRPr kumimoji="1" lang="zh-CN" altLang="en-US"/>
+          </a:p>
+        </p:txBody>
+      </p:sp>
+      <p:sp>
+        <p:nvSpPr>
+          <p:cNvPr id="33" name="椭圆 32"/>
+          <p:cNvSpPr/>
+          <p:nvPr/>
+        </p:nvSpPr>
+        <p:spPr>
+          <a:xfrm>
+            <a:off x="610601" y="2493135"/>
+            <a:ext cx="79375" cy="82550"/>
+          </a:xfrm>
+          <a:prstGeom prst="ellipse">
+            <a:avLst/>
+          </a:prstGeom>
+          <a:solidFill>
+            <a:schemeClr val="tx1"/>
+          </a:solidFill>
+          <a:ln>
+            <a:solidFill>
+              <a:srgbClr val="000000"/>
+            </a:solidFill>
+          </a:ln>
+          <a:effectLst/>
+        </p:spPr>
+        <p:style>
+          <a:lnRef idx="1">
+            <a:schemeClr val="accent1"/>
+          </a:lnRef>
+          <a:fillRef idx="3">
+            <a:schemeClr val="accent1"/>
+          </a:fillRef>
+          <a:effectRef idx="2">
+            <a:schemeClr val="accent1"/>
+          </a:effectRef>
+          <a:fontRef idx="minor">
+            <a:schemeClr val="lt1"/>
+          </a:fontRef>
+        </p:style>
+        <p:txBody>
+          <a:bodyPr rtlCol="0" anchor="ctr"/>
+          <a:lstStyle/>
+          <a:p>
+            <a:pPr algn="ctr"/>
+            <a:endParaRPr kumimoji="1" lang="zh-CN" altLang="en-US"/>
+          </a:p>
+        </p:txBody>
+      </p:sp>
+      <p:sp>
+        <p:nvSpPr>
+          <p:cNvPr id="34" name="椭圆 33"/>
+          <p:cNvSpPr/>
+          <p:nvPr/>
+        </p:nvSpPr>
+        <p:spPr>
+          <a:xfrm>
+            <a:off x="610601" y="2242839"/>
+            <a:ext cx="79375" cy="82550"/>
+          </a:xfrm>
+          <a:prstGeom prst="ellipse">
+            <a:avLst/>
+          </a:prstGeom>
+          <a:solidFill>
+            <a:schemeClr val="tx1"/>
+          </a:solidFill>
+          <a:ln>
+            <a:solidFill>
+              <a:srgbClr val="000000"/>
+            </a:solidFill>
+          </a:ln>
+          <a:effectLst/>
+        </p:spPr>
+        <p:style>
+          <a:lnRef idx="1">
+            <a:schemeClr val="accent1"/>
+          </a:lnRef>
+          <a:fillRef idx="3">
+            <a:schemeClr val="accent1"/>
+          </a:fillRef>
+          <a:effectRef idx="2">
+            <a:schemeClr val="accent1"/>
+          </a:effectRef>
+          <a:fontRef idx="minor">
+            <a:schemeClr val="lt1"/>
+          </a:fontRef>
+        </p:style>
+        <p:txBody>
+          <a:bodyPr rtlCol="0" anchor="ctr"/>
+          <a:lstStyle/>
+          <a:p>
+            <a:pPr algn="ctr"/>
+            <a:endParaRPr kumimoji="1" lang="zh-CN" altLang="en-US"/>
+          </a:p>
+        </p:txBody>
+      </p:sp>
+      <p:sp>
+        <p:nvSpPr>
+          <p:cNvPr id="72" name="矩形 71"/>
+          <p:cNvSpPr/>
+          <p:nvPr/>
+        </p:nvSpPr>
+        <p:spPr>
+          <a:xfrm>
+            <a:off x="2074381" y="683498"/>
+            <a:ext cx="273050" cy="273050"/>
+          </a:xfrm>
+          <a:prstGeom prst="rect">
+            <a:avLst/>
+          </a:prstGeom>
+          <a:solidFill>
+            <a:srgbClr val="FFFFFF"/>
+          </a:solidFill>
+          <a:ln w="28575" cmpd="sng">
+            <a:solidFill>
+              <a:srgbClr val="000000"/>
+            </a:solidFill>
+          </a:ln>
+          <a:effectLst/>
+        </p:spPr>
+        <p:style>
+          <a:lnRef idx="1">
+            <a:schemeClr val="accent1"/>
+          </a:lnRef>
+          <a:fillRef idx="3">
+            <a:schemeClr val="accent1"/>
+          </a:fillRef>
+          <a:effectRef idx="2">
+            <a:schemeClr val="accent1"/>
+          </a:effectRef>
+          <a:fontRef idx="minor">
+            <a:schemeClr val="lt1"/>
+          </a:fontRef>
+        </p:style>
+        <p:txBody>
+          <a:bodyPr rtlCol="0" anchor="ctr"/>
+          <a:lstStyle/>
+          <a:p>
+            <a:pPr algn="ctr"/>
+            <a:endParaRPr kumimoji="1" lang="zh-CN" altLang="en-US"/>
+          </a:p>
+        </p:txBody>
+      </p:sp>
+      <p:sp>
+        <p:nvSpPr>
+          <p:cNvPr id="73" name="矩形 72"/>
+          <p:cNvSpPr/>
+          <p:nvPr/>
+        </p:nvSpPr>
+        <p:spPr>
+          <a:xfrm>
+            <a:off x="2079672" y="1119443"/>
+            <a:ext cx="273050" cy="273050"/>
+          </a:xfrm>
+          <a:prstGeom prst="rect">
+            <a:avLst/>
+          </a:prstGeom>
+          <a:solidFill>
+            <a:srgbClr val="FFFFFF"/>
+          </a:solidFill>
+          <a:ln w="28575" cmpd="sng">
+            <a:solidFill>
+              <a:srgbClr val="000000"/>
+            </a:solidFill>
+          </a:ln>
+          <a:effectLst/>
+        </p:spPr>
+        <p:style>
+          <a:lnRef idx="1">
+            <a:schemeClr val="accent1"/>
+          </a:lnRef>
+          <a:fillRef idx="3">
+            <a:schemeClr val="accent1"/>
+          </a:fillRef>
+          <a:effectRef idx="2">
+            <a:schemeClr val="accent1"/>
+          </a:effectRef>
+          <a:fontRef idx="minor">
+            <a:schemeClr val="lt1"/>
+          </a:fontRef>
+        </p:style>
+        <p:txBody>
+          <a:bodyPr rtlCol="0" anchor="ctr"/>
+          <a:lstStyle/>
+          <a:p>
+            <a:pPr algn="ctr"/>
+            <a:endParaRPr kumimoji="1" lang="zh-CN" altLang="en-US"/>
+          </a:p>
+        </p:txBody>
+      </p:sp>
+      <p:sp>
+        <p:nvSpPr>
+          <p:cNvPr id="74" name="矩形 73"/>
+          <p:cNvSpPr/>
+          <p:nvPr/>
+        </p:nvSpPr>
+        <p:spPr>
+          <a:xfrm>
+            <a:off x="2074381" y="1555388"/>
+            <a:ext cx="273050" cy="273050"/>
+          </a:xfrm>
+          <a:prstGeom prst="rect">
+            <a:avLst/>
+          </a:prstGeom>
+          <a:solidFill>
+            <a:srgbClr val="FFFFFF"/>
+          </a:solidFill>
+          <a:ln w="28575" cmpd="sng">
+            <a:solidFill>
+              <a:srgbClr val="000000"/>
+            </a:solidFill>
+          </a:ln>
+          <a:effectLst/>
+        </p:spPr>
+        <p:style>
+          <a:lnRef idx="1">
+            <a:schemeClr val="accent1"/>
+          </a:lnRef>
+          <a:fillRef idx="3">
+            <a:schemeClr val="accent1"/>
+          </a:fillRef>
+          <a:effectRef idx="2">
+            <a:schemeClr val="accent1"/>
+          </a:effectRef>
+          <a:fontRef idx="minor">
+            <a:schemeClr val="lt1"/>
+          </a:fontRef>
+        </p:style>
+        <p:txBody>
+          <a:bodyPr rtlCol="0" anchor="ctr"/>
+          <a:lstStyle/>
+          <a:p>
+            <a:pPr algn="ctr"/>
+            <a:endParaRPr kumimoji="1" lang="zh-CN" altLang="en-US"/>
+          </a:p>
+        </p:txBody>
+      </p:sp>
+      <p:sp>
+        <p:nvSpPr>
+          <p:cNvPr id="75" name="矩形 74"/>
+          <p:cNvSpPr/>
+          <p:nvPr/>
+        </p:nvSpPr>
+        <p:spPr>
+          <a:xfrm>
+            <a:off x="2094951" y="2698123"/>
+            <a:ext cx="273050" cy="273050"/>
+          </a:xfrm>
+          <a:prstGeom prst="rect">
+            <a:avLst/>
+          </a:prstGeom>
+          <a:solidFill>
+            <a:srgbClr val="FFFFFF"/>
+          </a:solidFill>
+          <a:ln w="28575" cmpd="sng">
+            <a:solidFill>
+              <a:srgbClr val="000000"/>
+            </a:solidFill>
+          </a:ln>
+          <a:effectLst/>
+        </p:spPr>
+        <p:style>
+          <a:lnRef idx="1">
+            <a:schemeClr val="accent1"/>
+          </a:lnRef>
+          <a:fillRef idx="3">
+            <a:schemeClr val="accent1"/>
+          </a:fillRef>
+          <a:effectRef idx="2">
+            <a:schemeClr val="accent1"/>
+          </a:effectRef>
+          <a:fontRef idx="minor">
+            <a:schemeClr val="lt1"/>
+          </a:fontRef>
+        </p:style>
+        <p:txBody>
+          <a:bodyPr rtlCol="0" anchor="ctr"/>
+          <a:lstStyle/>
+          <a:p>
+            <a:pPr algn="ctr"/>
+            <a:endParaRPr kumimoji="1" lang="zh-CN" altLang="en-US"/>
+          </a:p>
+        </p:txBody>
+      </p:sp>
+      <p:sp>
+        <p:nvSpPr>
+          <p:cNvPr id="76" name="椭圆 75"/>
+          <p:cNvSpPr/>
+          <p:nvPr/>
+        </p:nvSpPr>
+        <p:spPr>
+          <a:xfrm>
+            <a:off x="2174922" y="1991333"/>
+            <a:ext cx="79375" cy="82550"/>
+          </a:xfrm>
+          <a:prstGeom prst="ellipse">
+            <a:avLst/>
+          </a:prstGeom>
+          <a:solidFill>
+            <a:schemeClr val="tx1"/>
+          </a:solidFill>
+          <a:ln>
+            <a:solidFill>
+              <a:srgbClr val="000000"/>
+            </a:solidFill>
+          </a:ln>
+          <a:effectLst/>
+        </p:spPr>
+        <p:style>
+          <a:lnRef idx="1">
+            <a:schemeClr val="accent1"/>
+          </a:lnRef>
+          <a:fillRef idx="3">
+            <a:schemeClr val="accent1"/>
+          </a:fillRef>
+          <a:effectRef idx="2">
+            <a:schemeClr val="accent1"/>
+          </a:effectRef>
+          <a:fontRef idx="minor">
+            <a:schemeClr val="lt1"/>
+          </a:fontRef>
+        </p:style>
+        <p:txBody>
+          <a:bodyPr rtlCol="0" anchor="ctr"/>
+          <a:lstStyle/>
+          <a:p>
+            <a:pPr algn="ctr"/>
+            <a:endParaRPr kumimoji="1" lang="zh-CN" altLang="en-US"/>
+          </a:p>
+        </p:txBody>
+      </p:sp>
+      <p:sp>
+        <p:nvSpPr>
+          <p:cNvPr id="77" name="椭圆 76"/>
+          <p:cNvSpPr/>
+          <p:nvPr/>
+        </p:nvSpPr>
+        <p:spPr>
+          <a:xfrm>
+            <a:off x="2174922" y="2482223"/>
+            <a:ext cx="79375" cy="82550"/>
+          </a:xfrm>
+          <a:prstGeom prst="ellipse">
+            <a:avLst/>
+          </a:prstGeom>
+          <a:solidFill>
+            <a:schemeClr val="tx1"/>
+          </a:solidFill>
+          <a:ln>
+            <a:solidFill>
+              <a:srgbClr val="000000"/>
+            </a:solidFill>
+          </a:ln>
+          <a:effectLst/>
+        </p:spPr>
+        <p:style>
+          <a:lnRef idx="1">
+            <a:schemeClr val="accent1"/>
+          </a:lnRef>
+          <a:fillRef idx="3">
+            <a:schemeClr val="accent1"/>
+          </a:fillRef>
+          <a:effectRef idx="2">
+            <a:schemeClr val="accent1"/>
+          </a:effectRef>
+          <a:fontRef idx="minor">
+            <a:schemeClr val="lt1"/>
+          </a:fontRef>
+        </p:style>
+        <p:txBody>
+          <a:bodyPr rtlCol="0" anchor="ctr"/>
+          <a:lstStyle/>
+          <a:p>
+            <a:pPr algn="ctr"/>
+            <a:endParaRPr kumimoji="1" lang="zh-CN" altLang="en-US"/>
+          </a:p>
+        </p:txBody>
+      </p:sp>
+      <p:sp>
+        <p:nvSpPr>
+          <p:cNvPr id="78" name="椭圆 77"/>
+          <p:cNvSpPr/>
+          <p:nvPr/>
+        </p:nvSpPr>
+        <p:spPr>
+          <a:xfrm>
+            <a:off x="2174922" y="2236778"/>
+            <a:ext cx="79375" cy="82550"/>
+          </a:xfrm>
+          <a:prstGeom prst="ellipse">
+            <a:avLst/>
+          </a:prstGeom>
+          <a:solidFill>
+            <a:schemeClr val="tx1"/>
+          </a:solidFill>
+          <a:ln>
+            <a:solidFill>
+              <a:srgbClr val="000000"/>
+            </a:solidFill>
+          </a:ln>
+          <a:effectLst/>
+        </p:spPr>
+        <p:style>
+          <a:lnRef idx="1">
+            <a:schemeClr val="accent1"/>
+          </a:lnRef>
+          <a:fillRef idx="3">
+            <a:schemeClr val="accent1"/>
+          </a:fillRef>
+          <a:effectRef idx="2">
+            <a:schemeClr val="accent1"/>
+          </a:effectRef>
+          <a:fontRef idx="minor">
+            <a:schemeClr val="lt1"/>
+          </a:fontRef>
+        </p:style>
+        <p:txBody>
+          <a:bodyPr rtlCol="0" anchor="ctr"/>
+          <a:lstStyle/>
+          <a:p>
+            <a:pPr algn="ctr"/>
+            <a:endParaRPr kumimoji="1" lang="zh-CN" altLang="en-US"/>
+          </a:p>
+        </p:txBody>
+      </p:sp>
+      <p:cxnSp>
+        <p:nvCxnSpPr>
+          <p:cNvPr id="95" name="直线箭头连接符 94"/>
+          <p:cNvCxnSpPr>
+            <a:endCxn id="72" idx="1"/>
+          </p:cNvCxnSpPr>
+          <p:nvPr/>
+        </p:nvCxnSpPr>
+        <p:spPr>
+          <a:xfrm>
+            <a:off x="788401" y="806680"/>
+            <a:ext cx="1285980" cy="13343"/>
+          </a:xfrm>
+          <a:prstGeom prst="straightConnector1">
+            <a:avLst/>
+          </a:prstGeom>
+          <a:ln w="12700" cmpd="sng">
+            <a:solidFill>
+              <a:srgbClr val="000000"/>
+            </a:solidFill>
+            <a:headEnd type="none"/>
+            <a:tailEnd type="triangle"/>
+          </a:ln>
+          <a:effectLst/>
+        </p:spPr>
+        <p:style>
+          <a:lnRef idx="2">
+            <a:schemeClr val="accent1"/>
+          </a:lnRef>
+          <a:fillRef idx="0">
+            <a:schemeClr val="accent1"/>
+          </a:fillRef>
+          <a:effectRef idx="1">
+            <a:schemeClr val="accent1"/>
+          </a:effectRef>
+          <a:fontRef idx="minor">
+            <a:schemeClr val="tx1"/>
+          </a:fontRef>
+        </p:style>
+      </p:cxnSp>
+      <p:cxnSp>
+        <p:nvCxnSpPr>
+          <p:cNvPr id="96" name="直线箭头连接符 95"/>
+          <p:cNvCxnSpPr>
+            <a:endCxn id="73" idx="1"/>
+          </p:cNvCxnSpPr>
+          <p:nvPr/>
+        </p:nvCxnSpPr>
+        <p:spPr>
+          <a:xfrm>
+            <a:off x="788401" y="806680"/>
+            <a:ext cx="1291271" cy="449288"/>
+          </a:xfrm>
+          <a:prstGeom prst="straightConnector1">
+            <a:avLst/>
+          </a:prstGeom>
+          <a:ln w="12700" cmpd="sng">
+            <a:solidFill>
+              <a:srgbClr val="000000"/>
+            </a:solidFill>
+            <a:headEnd type="none"/>
+            <a:tailEnd type="triangle"/>
+          </a:ln>
+          <a:effectLst/>
+        </p:spPr>
+        <p:style>
+          <a:lnRef idx="2">
+            <a:schemeClr val="accent1"/>
+          </a:lnRef>
+          <a:fillRef idx="0">
+            <a:schemeClr val="accent1"/>
+          </a:fillRef>
+          <a:effectRef idx="1">
+            <a:schemeClr val="accent1"/>
+          </a:effectRef>
+          <a:fontRef idx="minor">
+            <a:schemeClr val="tx1"/>
+          </a:fontRef>
+        </p:style>
+      </p:cxnSp>
+      <p:cxnSp>
+        <p:nvCxnSpPr>
+          <p:cNvPr id="97" name="直线箭头连接符 96"/>
+          <p:cNvCxnSpPr>
+            <a:endCxn id="74" idx="1"/>
+          </p:cNvCxnSpPr>
+          <p:nvPr/>
+        </p:nvCxnSpPr>
+        <p:spPr>
+          <a:xfrm>
+            <a:off x="788401" y="806680"/>
+            <a:ext cx="1285980" cy="885233"/>
+          </a:xfrm>
+          <a:prstGeom prst="straightConnector1">
+            <a:avLst/>
+          </a:prstGeom>
+          <a:ln w="12700" cmpd="sng">
+            <a:solidFill>
+              <a:srgbClr val="000000"/>
+            </a:solidFill>
+            <a:headEnd type="none"/>
+            <a:tailEnd type="triangle"/>
+          </a:ln>
+          <a:effectLst/>
+        </p:spPr>
+        <p:style>
+          <a:lnRef idx="2">
+            <a:schemeClr val="accent1"/>
+          </a:lnRef>
+          <a:fillRef idx="0">
+            <a:schemeClr val="accent1"/>
+          </a:fillRef>
+          <a:effectRef idx="1">
+            <a:schemeClr val="accent1"/>
+          </a:effectRef>
+          <a:fontRef idx="minor">
+            <a:schemeClr val="tx1"/>
+          </a:fontRef>
+        </p:style>
+      </p:cxnSp>
+      <p:cxnSp>
+        <p:nvCxnSpPr>
+          <p:cNvPr id="98" name="直线箭头连接符 97"/>
+          <p:cNvCxnSpPr>
+            <a:cxnSpLocks/>
+          </p:cNvCxnSpPr>
+          <p:nvPr/>
+        </p:nvCxnSpPr>
+        <p:spPr>
+          <a:xfrm>
+            <a:off x="788401" y="806680"/>
+            <a:ext cx="1291271" cy="2057514"/>
+          </a:xfrm>
+          <a:prstGeom prst="straightConnector1">
+            <a:avLst/>
+          </a:prstGeom>
+          <a:ln w="12700" cmpd="sng">
+            <a:solidFill>
+              <a:srgbClr val="000000"/>
+            </a:solidFill>
+            <a:headEnd type="none"/>
+            <a:tailEnd type="triangle"/>
+          </a:ln>
+          <a:effectLst/>
+        </p:spPr>
+        <p:style>
+          <a:lnRef idx="2">
+            <a:schemeClr val="accent1"/>
+          </a:lnRef>
+          <a:fillRef idx="0">
+            <a:schemeClr val="accent1"/>
+          </a:fillRef>
+          <a:effectRef idx="1">
+            <a:schemeClr val="accent1"/>
+          </a:effectRef>
+          <a:fontRef idx="minor">
+            <a:schemeClr val="tx1"/>
+          </a:fontRef>
+        </p:style>
+      </p:cxnSp>
+      <p:cxnSp>
+        <p:nvCxnSpPr>
+          <p:cNvPr id="99" name="直线箭头连接符 98"/>
+          <p:cNvCxnSpPr>
+            <a:endCxn id="72" idx="1"/>
+          </p:cNvCxnSpPr>
+          <p:nvPr/>
+        </p:nvCxnSpPr>
+        <p:spPr>
+          <a:xfrm flipV="1">
+            <a:off x="788401" y="820023"/>
+            <a:ext cx="1285980" cy="427453"/>
+          </a:xfrm>
+          <a:prstGeom prst="straightConnector1">
+            <a:avLst/>
+          </a:prstGeom>
+          <a:ln w="12700" cmpd="sng">
+            <a:solidFill>
+              <a:srgbClr val="000000"/>
+            </a:solidFill>
+            <a:headEnd type="none"/>
+            <a:tailEnd type="triangle"/>
+          </a:ln>
+          <a:effectLst/>
+        </p:spPr>
+        <p:style>
+          <a:lnRef idx="2">
+            <a:schemeClr val="accent1"/>
+          </a:lnRef>
+          <a:fillRef idx="0">
+            <a:schemeClr val="accent1"/>
+          </a:fillRef>
+          <a:effectRef idx="1">
+            <a:schemeClr val="accent1"/>
+          </a:effectRef>
+          <a:fontRef idx="minor">
+            <a:schemeClr val="tx1"/>
+          </a:fontRef>
+        </p:style>
+      </p:cxnSp>
+      <p:cxnSp>
+        <p:nvCxnSpPr>
+          <p:cNvPr id="100" name="直线箭头连接符 99"/>
+          <p:cNvCxnSpPr/>
+          <p:nvPr/>
+        </p:nvCxnSpPr>
+        <p:spPr>
+          <a:xfrm>
+            <a:off x="788401" y="1247476"/>
+            <a:ext cx="1231280" cy="9463"/>
+          </a:xfrm>
+          <a:prstGeom prst="straightConnector1">
+            <a:avLst/>
+          </a:prstGeom>
+          <a:ln w="12700" cmpd="sng">
+            <a:solidFill>
+              <a:srgbClr val="000000"/>
+            </a:solidFill>
+            <a:headEnd type="none"/>
+            <a:tailEnd type="triangle"/>
+          </a:ln>
+          <a:effectLst/>
+        </p:spPr>
+        <p:style>
+          <a:lnRef idx="2">
+            <a:schemeClr val="accent1"/>
+          </a:lnRef>
+          <a:fillRef idx="0">
+            <a:schemeClr val="accent1"/>
+          </a:fillRef>
+          <a:effectRef idx="1">
+            <a:schemeClr val="accent1"/>
+          </a:effectRef>
+          <a:fontRef idx="minor">
+            <a:schemeClr val="tx1"/>
+          </a:fontRef>
+        </p:style>
+      </p:cxnSp>
+      <p:cxnSp>
+        <p:nvCxnSpPr>
+          <p:cNvPr id="101" name="直线箭头连接符 100"/>
+          <p:cNvCxnSpPr>
+            <a:endCxn id="74" idx="1"/>
+          </p:cNvCxnSpPr>
+          <p:nvPr/>
+        </p:nvCxnSpPr>
+        <p:spPr>
+          <a:xfrm>
+            <a:off x="788401" y="1247476"/>
+            <a:ext cx="1285980" cy="444437"/>
+          </a:xfrm>
+          <a:prstGeom prst="straightConnector1">
+            <a:avLst/>
+          </a:prstGeom>
+          <a:ln w="12700" cmpd="sng">
+            <a:solidFill>
+              <a:srgbClr val="000000"/>
+            </a:solidFill>
+            <a:headEnd type="none"/>
+            <a:tailEnd type="triangle"/>
+          </a:ln>
+          <a:effectLst/>
+        </p:spPr>
+        <p:style>
+          <a:lnRef idx="2">
+            <a:schemeClr val="accent1"/>
+          </a:lnRef>
+          <a:fillRef idx="0">
+            <a:schemeClr val="accent1"/>
+          </a:fillRef>
+          <a:effectRef idx="1">
+            <a:schemeClr val="accent1"/>
+          </a:effectRef>
+          <a:fontRef idx="minor">
+            <a:schemeClr val="tx1"/>
+          </a:fontRef>
+        </p:style>
+      </p:cxnSp>
+      <p:cxnSp>
+        <p:nvCxnSpPr>
+          <p:cNvPr id="102" name="直线箭头连接符 101"/>
+          <p:cNvCxnSpPr>
+            <a:cxnSpLocks/>
+          </p:cNvCxnSpPr>
+          <p:nvPr/>
+        </p:nvCxnSpPr>
+        <p:spPr>
+          <a:xfrm>
+            <a:off x="788401" y="1247476"/>
+            <a:ext cx="1291271" cy="1616718"/>
+          </a:xfrm>
+          <a:prstGeom prst="straightConnector1">
+            <a:avLst/>
+          </a:prstGeom>
+          <a:ln w="12700" cmpd="sng">
+            <a:solidFill>
+              <a:srgbClr val="000000"/>
+            </a:solidFill>
+            <a:headEnd type="none"/>
+            <a:tailEnd type="triangle"/>
+          </a:ln>
+          <a:effectLst/>
+        </p:spPr>
+        <p:style>
+          <a:lnRef idx="2">
+            <a:schemeClr val="accent1"/>
+          </a:lnRef>
+          <a:fillRef idx="0">
+            <a:schemeClr val="accent1"/>
+          </a:fillRef>
+          <a:effectRef idx="1">
+            <a:schemeClr val="accent1"/>
+          </a:effectRef>
+          <a:fontRef idx="minor">
+            <a:schemeClr val="tx1"/>
+          </a:fontRef>
+        </p:style>
+      </p:cxnSp>
+      <p:cxnSp>
+        <p:nvCxnSpPr>
+          <p:cNvPr id="103" name="直线箭头连接符 102"/>
+          <p:cNvCxnSpPr>
+            <a:endCxn id="72" idx="1"/>
+          </p:cNvCxnSpPr>
+          <p:nvPr/>
+        </p:nvCxnSpPr>
+        <p:spPr>
+          <a:xfrm flipV="1">
+            <a:off x="788401" y="820023"/>
+            <a:ext cx="1285980" cy="868249"/>
+          </a:xfrm>
+          <a:prstGeom prst="straightConnector1">
+            <a:avLst/>
+          </a:prstGeom>
+          <a:ln w="12700" cmpd="sng">
+            <a:solidFill>
+              <a:srgbClr val="000000"/>
+            </a:solidFill>
+            <a:headEnd type="none"/>
+            <a:tailEnd type="triangle"/>
+          </a:ln>
+          <a:effectLst/>
+        </p:spPr>
+        <p:style>
+          <a:lnRef idx="2">
+            <a:schemeClr val="accent1"/>
+          </a:lnRef>
+          <a:fillRef idx="0">
+            <a:schemeClr val="accent1"/>
+          </a:fillRef>
+          <a:effectRef idx="1">
+            <a:schemeClr val="accent1"/>
+          </a:effectRef>
+          <a:fontRef idx="minor">
+            <a:schemeClr val="tx1"/>
+          </a:fontRef>
+        </p:style>
+      </p:cxnSp>
+      <p:cxnSp>
+        <p:nvCxnSpPr>
+          <p:cNvPr id="104" name="直线箭头连接符 103"/>
+          <p:cNvCxnSpPr>
+            <a:endCxn id="73" idx="1"/>
+          </p:cNvCxnSpPr>
+          <p:nvPr/>
+        </p:nvCxnSpPr>
+        <p:spPr>
+          <a:xfrm flipV="1">
+            <a:off x="788401" y="1255968"/>
+            <a:ext cx="1291271" cy="432304"/>
+          </a:xfrm>
+          <a:prstGeom prst="straightConnector1">
+            <a:avLst/>
+          </a:prstGeom>
+          <a:ln w="12700" cmpd="sng">
+            <a:solidFill>
+              <a:srgbClr val="000000"/>
+            </a:solidFill>
+            <a:headEnd type="none"/>
+            <a:tailEnd type="triangle"/>
+          </a:ln>
+          <a:effectLst/>
+        </p:spPr>
+        <p:style>
+          <a:lnRef idx="2">
+            <a:schemeClr val="accent1"/>
+          </a:lnRef>
+          <a:fillRef idx="0">
+            <a:schemeClr val="accent1"/>
+          </a:fillRef>
+          <a:effectRef idx="1">
+            <a:schemeClr val="accent1"/>
+          </a:effectRef>
+          <a:fontRef idx="minor">
+            <a:schemeClr val="tx1"/>
+          </a:fontRef>
+        </p:style>
+      </p:cxnSp>
+      <p:cxnSp>
+        <p:nvCxnSpPr>
+          <p:cNvPr id="105" name="直线箭头连接符 104"/>
+          <p:cNvCxnSpPr>
+            <a:endCxn id="74" idx="1"/>
+          </p:cNvCxnSpPr>
+          <p:nvPr/>
+        </p:nvCxnSpPr>
+        <p:spPr>
+          <a:xfrm>
+            <a:off x="788401" y="1688272"/>
+            <a:ext cx="1285980" cy="3641"/>
+          </a:xfrm>
+          <a:prstGeom prst="straightConnector1">
+            <a:avLst/>
+          </a:prstGeom>
+          <a:ln w="12700" cmpd="sng">
+            <a:solidFill>
+              <a:srgbClr val="000000"/>
+            </a:solidFill>
+            <a:headEnd type="none"/>
+            <a:tailEnd type="triangle"/>
+          </a:ln>
+          <a:effectLst/>
+        </p:spPr>
+        <p:style>
+          <a:lnRef idx="2">
+            <a:schemeClr val="accent1"/>
+          </a:lnRef>
+          <a:fillRef idx="0">
+            <a:schemeClr val="accent1"/>
+          </a:fillRef>
+          <a:effectRef idx="1">
+            <a:schemeClr val="accent1"/>
+          </a:effectRef>
+          <a:fontRef idx="minor">
+            <a:schemeClr val="tx1"/>
+          </a:fontRef>
+        </p:style>
+      </p:cxnSp>
+      <p:cxnSp>
+        <p:nvCxnSpPr>
+          <p:cNvPr id="106" name="直线箭头连接符 105"/>
+          <p:cNvCxnSpPr>
+            <a:cxnSpLocks/>
+          </p:cNvCxnSpPr>
+          <p:nvPr/>
+        </p:nvCxnSpPr>
+        <p:spPr>
+          <a:xfrm>
+            <a:off x="788401" y="1688272"/>
+            <a:ext cx="1291271" cy="1175922"/>
+          </a:xfrm>
+          <a:prstGeom prst="straightConnector1">
+            <a:avLst/>
+          </a:prstGeom>
+          <a:ln w="12700" cmpd="sng">
+            <a:solidFill>
+              <a:srgbClr val="000000"/>
+            </a:solidFill>
+            <a:headEnd type="none"/>
+            <a:tailEnd type="triangle"/>
+          </a:ln>
+          <a:effectLst/>
+        </p:spPr>
+        <p:style>
+          <a:lnRef idx="2">
+            <a:schemeClr val="accent1"/>
+          </a:lnRef>
+          <a:fillRef idx="0">
+            <a:schemeClr val="accent1"/>
+          </a:fillRef>
+          <a:effectRef idx="1">
+            <a:schemeClr val="accent1"/>
+          </a:effectRef>
+          <a:fontRef idx="minor">
+            <a:schemeClr val="tx1"/>
+          </a:fontRef>
+        </p:style>
+      </p:cxnSp>
+      <p:cxnSp>
+        <p:nvCxnSpPr>
+          <p:cNvPr id="107" name="直线箭头连接符 106"/>
+          <p:cNvCxnSpPr>
+            <a:endCxn id="72" idx="1"/>
+          </p:cNvCxnSpPr>
+          <p:nvPr/>
+        </p:nvCxnSpPr>
+        <p:spPr>
+          <a:xfrm flipV="1">
+            <a:off x="788401" y="820023"/>
+            <a:ext cx="1285980" cy="2059933"/>
+          </a:xfrm>
+          <a:prstGeom prst="straightConnector1">
+            <a:avLst/>
+          </a:prstGeom>
+          <a:ln w="12700" cmpd="sng">
+            <a:solidFill>
+              <a:srgbClr val="000000"/>
+            </a:solidFill>
+            <a:headEnd type="none"/>
+            <a:tailEnd type="triangle"/>
+          </a:ln>
+          <a:effectLst/>
+        </p:spPr>
+        <p:style>
+          <a:lnRef idx="2">
+            <a:schemeClr val="accent1"/>
+          </a:lnRef>
+          <a:fillRef idx="0">
+            <a:schemeClr val="accent1"/>
+          </a:fillRef>
+          <a:effectRef idx="1">
+            <a:schemeClr val="accent1"/>
+          </a:effectRef>
+          <a:fontRef idx="minor">
+            <a:schemeClr val="tx1"/>
+          </a:fontRef>
+        </p:style>
+      </p:cxnSp>
+      <p:cxnSp>
+        <p:nvCxnSpPr>
+          <p:cNvPr id="108" name="直线箭头连接符 107"/>
+          <p:cNvCxnSpPr>
+            <a:endCxn id="73" idx="1"/>
+          </p:cNvCxnSpPr>
+          <p:nvPr/>
+        </p:nvCxnSpPr>
+        <p:spPr>
+          <a:xfrm flipV="1">
+            <a:off x="788401" y="1255968"/>
+            <a:ext cx="1291271" cy="1623988"/>
+          </a:xfrm>
+          <a:prstGeom prst="straightConnector1">
+            <a:avLst/>
+          </a:prstGeom>
+          <a:ln w="12700" cmpd="sng">
+            <a:solidFill>
+              <a:srgbClr val="000000"/>
+            </a:solidFill>
+            <a:headEnd type="none"/>
+            <a:tailEnd type="triangle"/>
+          </a:ln>
+          <a:effectLst/>
+        </p:spPr>
+        <p:style>
+          <a:lnRef idx="2">
+            <a:schemeClr val="accent1"/>
+          </a:lnRef>
+          <a:fillRef idx="0">
+            <a:schemeClr val="accent1"/>
+          </a:fillRef>
+          <a:effectRef idx="1">
+            <a:schemeClr val="accent1"/>
+          </a:effectRef>
+          <a:fontRef idx="minor">
+            <a:schemeClr val="tx1"/>
+          </a:fontRef>
+        </p:style>
+      </p:cxnSp>
+      <p:cxnSp>
+        <p:nvCxnSpPr>
+          <p:cNvPr id="109" name="直线箭头连接符 108"/>
+          <p:cNvCxnSpPr>
+            <a:endCxn id="74" idx="1"/>
+          </p:cNvCxnSpPr>
+          <p:nvPr/>
+        </p:nvCxnSpPr>
+        <p:spPr>
+          <a:xfrm flipV="1">
+            <a:off x="788401" y="1691913"/>
+            <a:ext cx="1285980" cy="1188043"/>
+          </a:xfrm>
+          <a:prstGeom prst="straightConnector1">
+            <a:avLst/>
+          </a:prstGeom>
+          <a:ln w="12700" cmpd="sng">
+            <a:solidFill>
+              <a:srgbClr val="000000"/>
+            </a:solidFill>
+            <a:headEnd type="none"/>
+            <a:tailEnd type="triangle"/>
+          </a:ln>
+          <a:effectLst/>
+        </p:spPr>
+        <p:style>
+          <a:lnRef idx="2">
+            <a:schemeClr val="accent1"/>
+          </a:lnRef>
+          <a:fillRef idx="0">
+            <a:schemeClr val="accent1"/>
+          </a:fillRef>
+          <a:effectRef idx="1">
+            <a:schemeClr val="accent1"/>
+          </a:effectRef>
+          <a:fontRef idx="minor">
+            <a:schemeClr val="tx1"/>
+          </a:fontRef>
+        </p:style>
+      </p:cxnSp>
+      <p:cxnSp>
+        <p:nvCxnSpPr>
+          <p:cNvPr id="110" name="直线箭头连接符 109"/>
+          <p:cNvCxnSpPr>
+            <a:cxnSpLocks/>
+          </p:cNvCxnSpPr>
+          <p:nvPr/>
+        </p:nvCxnSpPr>
+        <p:spPr>
+          <a:xfrm flipV="1">
+            <a:off x="788401" y="2864194"/>
+            <a:ext cx="1291271" cy="15761"/>
+          </a:xfrm>
+          <a:prstGeom prst="straightConnector1">
+            <a:avLst/>
+          </a:prstGeom>
+          <a:ln w="12700" cmpd="sng">
+            <a:solidFill>
+              <a:srgbClr val="000000"/>
+            </a:solidFill>
+            <a:headEnd type="none"/>
+            <a:tailEnd type="triangle"/>
+          </a:ln>
+          <a:effectLst/>
+        </p:spPr>
+        <p:style>
+          <a:lnRef idx="2">
+            <a:schemeClr val="accent1"/>
+          </a:lnRef>
+          <a:fillRef idx="0">
+            <a:schemeClr val="accent1"/>
+          </a:fillRef>
+          <a:effectRef idx="1">
+            <a:schemeClr val="accent1"/>
+          </a:effectRef>
+          <a:fontRef idx="minor">
+            <a:schemeClr val="tx1"/>
+          </a:fontRef>
+        </p:style>
+      </p:cxnSp>
+      <p:sp>
+        <p:nvSpPr>
+          <p:cNvPr id="134" name="椭圆 133"/>
+          <p:cNvSpPr/>
+          <p:nvPr/>
+        </p:nvSpPr>
+        <p:spPr>
+          <a:xfrm>
+            <a:off x="3754866" y="659074"/>
+            <a:ext cx="273050" cy="273050"/>
+          </a:xfrm>
+          <a:prstGeom prst="ellipse">
+            <a:avLst/>
+          </a:prstGeom>
+          <a:solidFill>
+            <a:srgbClr val="FFFFFF"/>
+          </a:solidFill>
+          <a:ln w="28575" cmpd="sng">
+            <a:solidFill>
+              <a:srgbClr val="000000"/>
+            </a:solidFill>
+          </a:ln>
+          <a:effectLst/>
+        </p:spPr>
+        <p:style>
+          <a:lnRef idx="1">
+            <a:schemeClr val="accent1"/>
+          </a:lnRef>
+          <a:fillRef idx="3">
+            <a:schemeClr val="accent1"/>
+          </a:fillRef>
+          <a:effectRef idx="2">
+            <a:schemeClr val="accent1"/>
+          </a:effectRef>
+          <a:fontRef idx="minor">
+            <a:schemeClr val="lt1"/>
+          </a:fontRef>
+        </p:style>
+        <p:txBody>
+          <a:bodyPr rtlCol="0" anchor="ctr"/>
+          <a:lstStyle/>
+          <a:p>
+            <a:pPr algn="ctr"/>
+            <a:endParaRPr kumimoji="1" lang="zh-CN" altLang="en-US"/>
+          </a:p>
+        </p:txBody>
+      </p:sp>
+      <p:sp>
+        <p:nvSpPr>
+          <p:cNvPr id="135" name="椭圆 134"/>
+          <p:cNvSpPr/>
+          <p:nvPr/>
+        </p:nvSpPr>
+        <p:spPr>
+          <a:xfrm>
+            <a:off x="3754866" y="1099870"/>
+            <a:ext cx="273050" cy="273050"/>
+          </a:xfrm>
+          <a:prstGeom prst="ellipse">
+            <a:avLst/>
+          </a:prstGeom>
+          <a:solidFill>
+            <a:srgbClr val="FFFFFF"/>
+          </a:solidFill>
+          <a:ln w="28575" cmpd="sng">
+            <a:solidFill>
+              <a:srgbClr val="000000"/>
+            </a:solidFill>
+          </a:ln>
+          <a:effectLst/>
+        </p:spPr>
+        <p:style>
+          <a:lnRef idx="1">
+            <a:schemeClr val="accent1"/>
+          </a:lnRef>
+          <a:fillRef idx="3">
+            <a:schemeClr val="accent1"/>
+          </a:fillRef>
+          <a:effectRef idx="2">
+            <a:schemeClr val="accent1"/>
+          </a:effectRef>
+          <a:fontRef idx="minor">
+            <a:schemeClr val="lt1"/>
+          </a:fontRef>
+        </p:style>
+        <p:txBody>
+          <a:bodyPr rtlCol="0" anchor="ctr"/>
+          <a:lstStyle/>
+          <a:p>
+            <a:pPr algn="ctr"/>
+            <a:endParaRPr kumimoji="1" lang="zh-CN" altLang="en-US"/>
+          </a:p>
+        </p:txBody>
+      </p:sp>
+      <p:sp>
+        <p:nvSpPr>
+          <p:cNvPr id="136" name="椭圆 135"/>
+          <p:cNvSpPr/>
+          <p:nvPr/>
+        </p:nvSpPr>
+        <p:spPr>
+          <a:xfrm>
+            <a:off x="3754866" y="1540666"/>
+            <a:ext cx="273050" cy="273050"/>
+          </a:xfrm>
+          <a:prstGeom prst="ellipse">
+            <a:avLst/>
+          </a:prstGeom>
+          <a:solidFill>
+            <a:srgbClr val="FFFFFF"/>
+          </a:solidFill>
+          <a:ln w="28575" cmpd="sng">
+            <a:solidFill>
+              <a:srgbClr val="000000"/>
+            </a:solidFill>
+          </a:ln>
+          <a:effectLst/>
+        </p:spPr>
+        <p:style>
+          <a:lnRef idx="1">
+            <a:schemeClr val="accent1"/>
+          </a:lnRef>
+          <a:fillRef idx="3">
+            <a:schemeClr val="accent1"/>
+          </a:fillRef>
+          <a:effectRef idx="2">
+            <a:schemeClr val="accent1"/>
+          </a:effectRef>
+          <a:fontRef idx="minor">
+            <a:schemeClr val="lt1"/>
+          </a:fontRef>
+        </p:style>
+        <p:txBody>
+          <a:bodyPr rtlCol="0" anchor="ctr"/>
+          <a:lstStyle/>
+          <a:p>
+            <a:pPr algn="ctr"/>
+            <a:endParaRPr kumimoji="1" lang="zh-CN" altLang="en-US"/>
+          </a:p>
+        </p:txBody>
+      </p:sp>
+      <p:sp>
+        <p:nvSpPr>
+          <p:cNvPr id="137" name="椭圆 136"/>
+          <p:cNvSpPr/>
+          <p:nvPr/>
+        </p:nvSpPr>
+        <p:spPr>
+          <a:xfrm>
+            <a:off x="3754866" y="2703372"/>
+            <a:ext cx="273050" cy="273050"/>
+          </a:xfrm>
+          <a:prstGeom prst="ellipse">
+            <a:avLst/>
+          </a:prstGeom>
+          <a:solidFill>
+            <a:srgbClr val="FFFFFF"/>
+          </a:solidFill>
+          <a:ln w="28575" cmpd="sng">
+            <a:solidFill>
+              <a:srgbClr val="000000"/>
+            </a:solidFill>
+          </a:ln>
+          <a:effectLst/>
+        </p:spPr>
+        <p:style>
+          <a:lnRef idx="1">
+            <a:schemeClr val="accent1"/>
+          </a:lnRef>
+          <a:fillRef idx="3">
+            <a:schemeClr val="accent1"/>
+          </a:fillRef>
+          <a:effectRef idx="2">
+            <a:schemeClr val="accent1"/>
+          </a:effectRef>
+          <a:fontRef idx="minor">
+            <a:schemeClr val="lt1"/>
+          </a:fontRef>
+        </p:style>
+        <p:txBody>
+          <a:bodyPr rtlCol="0" anchor="ctr"/>
+          <a:lstStyle/>
+          <a:p>
+            <a:pPr algn="ctr"/>
+            <a:endParaRPr kumimoji="1" lang="zh-CN" altLang="en-US"/>
+          </a:p>
+        </p:txBody>
+      </p:sp>
+      <p:sp>
+        <p:nvSpPr>
+          <p:cNvPr id="138" name="椭圆 137"/>
+          <p:cNvSpPr/>
+          <p:nvPr/>
+        </p:nvSpPr>
+        <p:spPr>
+          <a:xfrm>
+            <a:off x="3850116" y="1981462"/>
+            <a:ext cx="79375" cy="82550"/>
+          </a:xfrm>
+          <a:prstGeom prst="ellipse">
+            <a:avLst/>
+          </a:prstGeom>
+          <a:solidFill>
+            <a:schemeClr val="tx1"/>
+          </a:solidFill>
+          <a:ln>
+            <a:solidFill>
+              <a:srgbClr val="000000"/>
+            </a:solidFill>
+          </a:ln>
+          <a:effectLst/>
+        </p:spPr>
+        <p:style>
+          <a:lnRef idx="1">
+            <a:schemeClr val="accent1"/>
+          </a:lnRef>
+          <a:fillRef idx="3">
+            <a:schemeClr val="accent1"/>
+          </a:fillRef>
+          <a:effectRef idx="2">
+            <a:schemeClr val="accent1"/>
+          </a:effectRef>
+          <a:fontRef idx="minor">
+            <a:schemeClr val="lt1"/>
+          </a:fontRef>
+        </p:style>
+        <p:txBody>
+          <a:bodyPr rtlCol="0" anchor="ctr"/>
+          <a:lstStyle/>
+          <a:p>
+            <a:pPr algn="ctr"/>
+            <a:endParaRPr kumimoji="1" lang="zh-CN" altLang="en-US"/>
+          </a:p>
+        </p:txBody>
+      </p:sp>
+      <p:sp>
+        <p:nvSpPr>
+          <p:cNvPr id="139" name="椭圆 138"/>
+          <p:cNvSpPr/>
+          <p:nvPr/>
+        </p:nvSpPr>
+        <p:spPr>
+          <a:xfrm>
+            <a:off x="3850116" y="2482054"/>
+            <a:ext cx="79375" cy="82550"/>
+          </a:xfrm>
+          <a:prstGeom prst="ellipse">
+            <a:avLst/>
+          </a:prstGeom>
+          <a:solidFill>
+            <a:schemeClr val="tx1"/>
+          </a:solidFill>
+          <a:ln>
+            <a:solidFill>
+              <a:srgbClr val="000000"/>
+            </a:solidFill>
+          </a:ln>
+          <a:effectLst/>
+        </p:spPr>
+        <p:style>
+          <a:lnRef idx="1">
+            <a:schemeClr val="accent1"/>
+          </a:lnRef>
+          <a:fillRef idx="3">
+            <a:schemeClr val="accent1"/>
+          </a:fillRef>
+          <a:effectRef idx="2">
+            <a:schemeClr val="accent1"/>
+          </a:effectRef>
+          <a:fontRef idx="minor">
+            <a:schemeClr val="lt1"/>
+          </a:fontRef>
+        </p:style>
+        <p:txBody>
+          <a:bodyPr rtlCol="0" anchor="ctr"/>
+          <a:lstStyle/>
+          <a:p>
+            <a:pPr algn="ctr"/>
+            <a:endParaRPr kumimoji="1" lang="zh-CN" altLang="en-US"/>
+          </a:p>
+        </p:txBody>
+      </p:sp>
+      <p:sp>
+        <p:nvSpPr>
+          <p:cNvPr id="140" name="椭圆 139"/>
+          <p:cNvSpPr/>
+          <p:nvPr/>
+        </p:nvSpPr>
+        <p:spPr>
+          <a:xfrm>
+            <a:off x="3850116" y="2231758"/>
+            <a:ext cx="79375" cy="82550"/>
+          </a:xfrm>
+          <a:prstGeom prst="ellipse">
+            <a:avLst/>
+          </a:prstGeom>
+          <a:solidFill>
+            <a:schemeClr val="tx1"/>
+          </a:solidFill>
+          <a:ln>
+            <a:solidFill>
+              <a:srgbClr val="000000"/>
+            </a:solidFill>
+          </a:ln>
+          <a:effectLst/>
+        </p:spPr>
+        <p:style>
+          <a:lnRef idx="1">
+            <a:schemeClr val="accent1"/>
+          </a:lnRef>
+          <a:fillRef idx="3">
+            <a:schemeClr val="accent1"/>
+          </a:fillRef>
+          <a:effectRef idx="2">
+            <a:schemeClr val="accent1"/>
+          </a:effectRef>
+          <a:fontRef idx="minor">
+            <a:schemeClr val="lt1"/>
+          </a:fontRef>
+        </p:style>
+        <p:txBody>
+          <a:bodyPr rtlCol="0" anchor="ctr"/>
+          <a:lstStyle/>
+          <a:p>
+            <a:pPr algn="ctr"/>
+            <a:endParaRPr kumimoji="1" lang="zh-CN" altLang="en-US"/>
+          </a:p>
+        </p:txBody>
+      </p:sp>
+      <p:cxnSp>
+        <p:nvCxnSpPr>
+          <p:cNvPr id="141" name="直线箭头连接符 140"/>
+          <p:cNvCxnSpPr>
+            <a:cxnSpLocks/>
+            <a:endCxn id="134" idx="2"/>
+          </p:cNvCxnSpPr>
+          <p:nvPr/>
+        </p:nvCxnSpPr>
+        <p:spPr>
+          <a:xfrm flipV="1">
+            <a:off x="2370646" y="795599"/>
+            <a:ext cx="1384220" cy="27983"/>
+          </a:xfrm>
+          <a:prstGeom prst="straightConnector1">
+            <a:avLst/>
+          </a:prstGeom>
+          <a:ln w="12700" cmpd="sng">
+            <a:solidFill>
+              <a:srgbClr val="000000"/>
+            </a:solidFill>
+            <a:headEnd type="none"/>
+            <a:tailEnd type="triangle"/>
+          </a:ln>
+          <a:effectLst/>
+        </p:spPr>
+        <p:style>
+          <a:lnRef idx="2">
+            <a:schemeClr val="accent1"/>
+          </a:lnRef>
+          <a:fillRef idx="0">
+            <a:schemeClr val="accent1"/>
+          </a:fillRef>
+          <a:effectRef idx="1">
+            <a:schemeClr val="accent1"/>
+          </a:effectRef>
+          <a:fontRef idx="minor">
+            <a:schemeClr val="tx1"/>
+          </a:fontRef>
+        </p:style>
+      </p:cxnSp>
+      <p:cxnSp>
+        <p:nvCxnSpPr>
+          <p:cNvPr id="142" name="直线箭头连接符 141"/>
+          <p:cNvCxnSpPr>
+            <a:cxnSpLocks/>
+            <a:endCxn id="135" idx="2"/>
+          </p:cNvCxnSpPr>
+          <p:nvPr/>
+        </p:nvCxnSpPr>
+        <p:spPr>
+          <a:xfrm>
+            <a:off x="2370646" y="823582"/>
+            <a:ext cx="1384220" cy="412813"/>
+          </a:xfrm>
+          <a:prstGeom prst="straightConnector1">
+            <a:avLst/>
+          </a:prstGeom>
+          <a:ln w="12700" cmpd="sng">
+            <a:solidFill>
+              <a:srgbClr val="000000"/>
+            </a:solidFill>
+            <a:headEnd type="none"/>
+            <a:tailEnd type="triangle"/>
+          </a:ln>
+          <a:effectLst/>
+        </p:spPr>
+        <p:style>
+          <a:lnRef idx="2">
+            <a:schemeClr val="accent1"/>
+          </a:lnRef>
+          <a:fillRef idx="0">
+            <a:schemeClr val="accent1"/>
+          </a:fillRef>
+          <a:effectRef idx="1">
+            <a:schemeClr val="accent1"/>
+          </a:effectRef>
+          <a:fontRef idx="minor">
+            <a:schemeClr val="tx1"/>
+          </a:fontRef>
+        </p:style>
+      </p:cxnSp>
+      <p:cxnSp>
+        <p:nvCxnSpPr>
+          <p:cNvPr id="143" name="直线箭头连接符 142"/>
+          <p:cNvCxnSpPr>
+            <a:cxnSpLocks/>
+            <a:endCxn id="136" idx="2"/>
+          </p:cNvCxnSpPr>
+          <p:nvPr/>
+        </p:nvCxnSpPr>
+        <p:spPr>
+          <a:xfrm>
+            <a:off x="2370646" y="823582"/>
+            <a:ext cx="1384220" cy="853609"/>
+          </a:xfrm>
+          <a:prstGeom prst="straightConnector1">
+            <a:avLst/>
+          </a:prstGeom>
+          <a:ln w="12700" cmpd="sng">
+            <a:solidFill>
+              <a:srgbClr val="000000"/>
+            </a:solidFill>
+            <a:headEnd type="none"/>
+            <a:tailEnd type="triangle"/>
+          </a:ln>
+          <a:effectLst/>
+        </p:spPr>
+        <p:style>
+          <a:lnRef idx="2">
+            <a:schemeClr val="accent1"/>
+          </a:lnRef>
+          <a:fillRef idx="0">
+            <a:schemeClr val="accent1"/>
+          </a:fillRef>
+          <a:effectRef idx="1">
+            <a:schemeClr val="accent1"/>
+          </a:effectRef>
+          <a:fontRef idx="minor">
+            <a:schemeClr val="tx1"/>
+          </a:fontRef>
+        </p:style>
+      </p:cxnSp>
+      <p:cxnSp>
+        <p:nvCxnSpPr>
+          <p:cNvPr id="144" name="直线箭头连接符 143"/>
+          <p:cNvCxnSpPr>
+            <a:cxnSpLocks/>
+          </p:cNvCxnSpPr>
+          <p:nvPr/>
+        </p:nvCxnSpPr>
+        <p:spPr>
+          <a:xfrm>
+            <a:off x="2370646" y="823582"/>
+            <a:ext cx="1384220" cy="2045292"/>
+          </a:xfrm>
+          <a:prstGeom prst="straightConnector1">
+            <a:avLst/>
+          </a:prstGeom>
+          <a:ln w="12700" cmpd="sng">
+            <a:solidFill>
+              <a:srgbClr val="000000"/>
+            </a:solidFill>
+            <a:headEnd type="none"/>
+            <a:tailEnd type="triangle"/>
+          </a:ln>
+          <a:effectLst/>
+        </p:spPr>
+        <p:style>
+          <a:lnRef idx="2">
+            <a:schemeClr val="accent1"/>
+          </a:lnRef>
+          <a:fillRef idx="0">
+            <a:schemeClr val="accent1"/>
+          </a:fillRef>
+          <a:effectRef idx="1">
+            <a:schemeClr val="accent1"/>
+          </a:effectRef>
+          <a:fontRef idx="minor">
+            <a:schemeClr val="tx1"/>
+          </a:fontRef>
+        </p:style>
+      </p:cxnSp>
+      <p:cxnSp>
+        <p:nvCxnSpPr>
+          <p:cNvPr id="145" name="直线箭头连接符 144"/>
+          <p:cNvCxnSpPr>
+            <a:cxnSpLocks/>
+            <a:endCxn id="134" idx="2"/>
+          </p:cNvCxnSpPr>
+          <p:nvPr/>
+        </p:nvCxnSpPr>
+        <p:spPr>
+          <a:xfrm flipV="1">
+            <a:off x="2375937" y="795599"/>
+            <a:ext cx="1378929" cy="463928"/>
+          </a:xfrm>
+          <a:prstGeom prst="straightConnector1">
+            <a:avLst/>
+          </a:prstGeom>
+          <a:ln w="12700" cmpd="sng">
+            <a:solidFill>
+              <a:srgbClr val="000000"/>
+            </a:solidFill>
+            <a:headEnd type="none"/>
+            <a:tailEnd type="triangle"/>
+          </a:ln>
+          <a:effectLst/>
+        </p:spPr>
+        <p:style>
+          <a:lnRef idx="2">
+            <a:schemeClr val="accent1"/>
+          </a:lnRef>
+          <a:fillRef idx="0">
+            <a:schemeClr val="accent1"/>
+          </a:fillRef>
+          <a:effectRef idx="1">
+            <a:schemeClr val="accent1"/>
+          </a:effectRef>
+          <a:fontRef idx="minor">
+            <a:schemeClr val="tx1"/>
+          </a:fontRef>
+        </p:style>
+      </p:cxnSp>
+      <p:cxnSp>
+        <p:nvCxnSpPr>
+          <p:cNvPr id="146" name="直线箭头连接符 145"/>
+          <p:cNvCxnSpPr>
+            <a:cxnSpLocks/>
+            <a:endCxn id="135" idx="2"/>
+          </p:cNvCxnSpPr>
+          <p:nvPr/>
+        </p:nvCxnSpPr>
+        <p:spPr>
+          <a:xfrm flipV="1">
+            <a:off x="2375937" y="1236395"/>
+            <a:ext cx="1378929" cy="23132"/>
+          </a:xfrm>
+          <a:prstGeom prst="straightConnector1">
+            <a:avLst/>
+          </a:prstGeom>
+          <a:ln w="12700" cmpd="sng">
+            <a:solidFill>
+              <a:srgbClr val="000000"/>
+            </a:solidFill>
+            <a:headEnd type="none"/>
+            <a:tailEnd type="triangle"/>
+          </a:ln>
+          <a:effectLst/>
+        </p:spPr>
+        <p:style>
+          <a:lnRef idx="2">
+            <a:schemeClr val="accent1"/>
+          </a:lnRef>
+          <a:fillRef idx="0">
+            <a:schemeClr val="accent1"/>
+          </a:fillRef>
+          <a:effectRef idx="1">
+            <a:schemeClr val="accent1"/>
+          </a:effectRef>
+          <a:fontRef idx="minor">
+            <a:schemeClr val="tx1"/>
+          </a:fontRef>
+        </p:style>
+      </p:cxnSp>
+      <p:cxnSp>
+        <p:nvCxnSpPr>
+          <p:cNvPr id="147" name="直线箭头连接符 146"/>
+          <p:cNvCxnSpPr>
+            <a:cxnSpLocks/>
+            <a:endCxn id="136" idx="2"/>
+          </p:cNvCxnSpPr>
+          <p:nvPr/>
+        </p:nvCxnSpPr>
+        <p:spPr>
+          <a:xfrm>
+            <a:off x="2375937" y="1259527"/>
+            <a:ext cx="1378929" cy="417664"/>
+          </a:xfrm>
+          <a:prstGeom prst="straightConnector1">
+            <a:avLst/>
+          </a:prstGeom>
+          <a:ln w="12700" cmpd="sng">
+            <a:solidFill>
+              <a:srgbClr val="000000"/>
+            </a:solidFill>
+            <a:headEnd type="none"/>
+            <a:tailEnd type="triangle"/>
+          </a:ln>
+          <a:effectLst/>
+        </p:spPr>
+        <p:style>
+          <a:lnRef idx="2">
+            <a:schemeClr val="accent1"/>
+          </a:lnRef>
+          <a:fillRef idx="0">
+            <a:schemeClr val="accent1"/>
+          </a:fillRef>
+          <a:effectRef idx="1">
+            <a:schemeClr val="accent1"/>
+          </a:effectRef>
+          <a:fontRef idx="minor">
+            <a:schemeClr val="tx1"/>
+          </a:fontRef>
+        </p:style>
+      </p:cxnSp>
+      <p:cxnSp>
+        <p:nvCxnSpPr>
+          <p:cNvPr id="148" name="直线箭头连接符 147"/>
+          <p:cNvCxnSpPr>
+            <a:cxnSpLocks/>
+          </p:cNvCxnSpPr>
+          <p:nvPr/>
+        </p:nvCxnSpPr>
+        <p:spPr>
+          <a:xfrm>
+            <a:off x="2375937" y="1259527"/>
+            <a:ext cx="1378929" cy="1609347"/>
+          </a:xfrm>
+          <a:prstGeom prst="straightConnector1">
+            <a:avLst/>
+          </a:prstGeom>
+          <a:ln w="12700" cmpd="sng">
+            <a:solidFill>
+              <a:srgbClr val="000000"/>
+            </a:solidFill>
+            <a:headEnd type="none"/>
+            <a:tailEnd type="triangle"/>
+          </a:ln>
+          <a:effectLst/>
+        </p:spPr>
+        <p:style>
+          <a:lnRef idx="2">
+            <a:schemeClr val="accent1"/>
+          </a:lnRef>
+          <a:fillRef idx="0">
+            <a:schemeClr val="accent1"/>
+          </a:fillRef>
+          <a:effectRef idx="1">
+            <a:schemeClr val="accent1"/>
+          </a:effectRef>
+          <a:fontRef idx="minor">
+            <a:schemeClr val="tx1"/>
+          </a:fontRef>
+        </p:style>
+      </p:cxnSp>
+      <p:cxnSp>
+        <p:nvCxnSpPr>
+          <p:cNvPr id="149" name="直线箭头连接符 148"/>
+          <p:cNvCxnSpPr>
+            <a:cxnSpLocks/>
+            <a:endCxn id="134" idx="2"/>
+          </p:cNvCxnSpPr>
+          <p:nvPr/>
+        </p:nvCxnSpPr>
+        <p:spPr>
+          <a:xfrm flipV="1">
+            <a:off x="2370646" y="795599"/>
+            <a:ext cx="1384220" cy="899873"/>
+          </a:xfrm>
+          <a:prstGeom prst="straightConnector1">
+            <a:avLst/>
+          </a:prstGeom>
+          <a:ln w="12700" cmpd="sng">
+            <a:solidFill>
+              <a:srgbClr val="000000"/>
+            </a:solidFill>
+            <a:headEnd type="none"/>
+            <a:tailEnd type="triangle"/>
+          </a:ln>
+          <a:effectLst/>
+        </p:spPr>
+        <p:style>
+          <a:lnRef idx="2">
+            <a:schemeClr val="accent1"/>
+          </a:lnRef>
+          <a:fillRef idx="0">
+            <a:schemeClr val="accent1"/>
+          </a:fillRef>
+          <a:effectRef idx="1">
+            <a:schemeClr val="accent1"/>
+          </a:effectRef>
+          <a:fontRef idx="minor">
+            <a:schemeClr val="tx1"/>
+          </a:fontRef>
+        </p:style>
+      </p:cxnSp>
+      <p:cxnSp>
+        <p:nvCxnSpPr>
+          <p:cNvPr id="150" name="直线箭头连接符 149"/>
+          <p:cNvCxnSpPr>
+            <a:cxnSpLocks/>
+            <a:endCxn id="135" idx="2"/>
+          </p:cNvCxnSpPr>
+          <p:nvPr/>
+        </p:nvCxnSpPr>
+        <p:spPr>
+          <a:xfrm flipV="1">
+            <a:off x="2370646" y="1236395"/>
+            <a:ext cx="1384220" cy="459077"/>
+          </a:xfrm>
+          <a:prstGeom prst="straightConnector1">
+            <a:avLst/>
+          </a:prstGeom>
+          <a:ln w="12700" cmpd="sng">
+            <a:solidFill>
+              <a:srgbClr val="000000"/>
+            </a:solidFill>
+            <a:headEnd type="none"/>
+            <a:tailEnd type="triangle"/>
+          </a:ln>
+          <a:effectLst/>
+        </p:spPr>
+        <p:style>
+          <a:lnRef idx="2">
+            <a:schemeClr val="accent1"/>
+          </a:lnRef>
+          <a:fillRef idx="0">
+            <a:schemeClr val="accent1"/>
+          </a:fillRef>
+          <a:effectRef idx="1">
+            <a:schemeClr val="accent1"/>
+          </a:effectRef>
+          <a:fontRef idx="minor">
+            <a:schemeClr val="tx1"/>
+          </a:fontRef>
+        </p:style>
+      </p:cxnSp>
+      <p:cxnSp>
+        <p:nvCxnSpPr>
+          <p:cNvPr id="151" name="直线箭头连接符 150"/>
+          <p:cNvCxnSpPr>
+            <a:cxnSpLocks/>
+            <a:endCxn id="136" idx="2"/>
+          </p:cNvCxnSpPr>
+          <p:nvPr/>
+        </p:nvCxnSpPr>
+        <p:spPr>
+          <a:xfrm flipV="1">
+            <a:off x="2370646" y="1677191"/>
+            <a:ext cx="1384220" cy="18281"/>
+          </a:xfrm>
+          <a:prstGeom prst="straightConnector1">
+            <a:avLst/>
+          </a:prstGeom>
+          <a:ln w="12700" cmpd="sng">
+            <a:solidFill>
+              <a:srgbClr val="000000"/>
+            </a:solidFill>
+            <a:headEnd type="none"/>
+            <a:tailEnd type="triangle"/>
+          </a:ln>
+          <a:effectLst/>
+        </p:spPr>
+        <p:style>
+          <a:lnRef idx="2">
+            <a:schemeClr val="accent1"/>
+          </a:lnRef>
+          <a:fillRef idx="0">
+            <a:schemeClr val="accent1"/>
+          </a:fillRef>
+          <a:effectRef idx="1">
+            <a:schemeClr val="accent1"/>
+          </a:effectRef>
+          <a:fontRef idx="minor">
+            <a:schemeClr val="tx1"/>
+          </a:fontRef>
+        </p:style>
+      </p:cxnSp>
+      <p:cxnSp>
+        <p:nvCxnSpPr>
+          <p:cNvPr id="152" name="直线箭头连接符 151"/>
+          <p:cNvCxnSpPr>
+            <a:cxnSpLocks/>
+          </p:cNvCxnSpPr>
+          <p:nvPr/>
+        </p:nvCxnSpPr>
+        <p:spPr>
+          <a:xfrm>
+            <a:off x="2370646" y="1695472"/>
+            <a:ext cx="1384220" cy="1173402"/>
+          </a:xfrm>
+          <a:prstGeom prst="straightConnector1">
+            <a:avLst/>
+          </a:prstGeom>
+          <a:ln w="12700" cmpd="sng">
+            <a:solidFill>
+              <a:srgbClr val="000000"/>
+            </a:solidFill>
+            <a:headEnd type="none"/>
+            <a:tailEnd type="triangle"/>
+          </a:ln>
+          <a:effectLst/>
+        </p:spPr>
+        <p:style>
+          <a:lnRef idx="2">
+            <a:schemeClr val="accent1"/>
+          </a:lnRef>
+          <a:fillRef idx="0">
+            <a:schemeClr val="accent1"/>
+          </a:fillRef>
+          <a:effectRef idx="1">
+            <a:schemeClr val="accent1"/>
+          </a:effectRef>
+          <a:fontRef idx="minor">
+            <a:schemeClr val="tx1"/>
+          </a:fontRef>
+        </p:style>
+      </p:cxnSp>
+      <p:cxnSp>
+        <p:nvCxnSpPr>
+          <p:cNvPr id="153" name="直线箭头连接符 152"/>
+          <p:cNvCxnSpPr>
+            <a:cxnSpLocks/>
+            <a:endCxn id="134" idx="2"/>
+          </p:cNvCxnSpPr>
+          <p:nvPr/>
+        </p:nvCxnSpPr>
+        <p:spPr>
+          <a:xfrm flipV="1">
+            <a:off x="2375937" y="795599"/>
+            <a:ext cx="1378929" cy="2072154"/>
+          </a:xfrm>
+          <a:prstGeom prst="straightConnector1">
+            <a:avLst/>
+          </a:prstGeom>
+          <a:ln w="12700" cmpd="sng">
+            <a:solidFill>
+              <a:srgbClr val="000000"/>
+            </a:solidFill>
+            <a:headEnd type="none"/>
+            <a:tailEnd type="triangle"/>
+          </a:ln>
+          <a:effectLst/>
+        </p:spPr>
+        <p:style>
+          <a:lnRef idx="2">
+            <a:schemeClr val="accent1"/>
+          </a:lnRef>
+          <a:fillRef idx="0">
+            <a:schemeClr val="accent1"/>
+          </a:fillRef>
+          <a:effectRef idx="1">
+            <a:schemeClr val="accent1"/>
+          </a:effectRef>
+          <a:fontRef idx="minor">
+            <a:schemeClr val="tx1"/>
+          </a:fontRef>
+        </p:style>
+      </p:cxnSp>
+      <p:cxnSp>
+        <p:nvCxnSpPr>
+          <p:cNvPr id="154" name="直线箭头连接符 153"/>
+          <p:cNvCxnSpPr>
+            <a:cxnSpLocks/>
+            <a:endCxn id="135" idx="2"/>
+          </p:cNvCxnSpPr>
+          <p:nvPr/>
+        </p:nvCxnSpPr>
+        <p:spPr>
+          <a:xfrm flipV="1">
+            <a:off x="2375937" y="1236395"/>
+            <a:ext cx="1378929" cy="1631358"/>
+          </a:xfrm>
+          <a:prstGeom prst="straightConnector1">
+            <a:avLst/>
+          </a:prstGeom>
+          <a:ln w="12700" cmpd="sng">
+            <a:solidFill>
+              <a:srgbClr val="000000"/>
+            </a:solidFill>
+            <a:headEnd type="none"/>
+            <a:tailEnd type="triangle"/>
+          </a:ln>
+          <a:effectLst/>
+        </p:spPr>
+        <p:style>
+          <a:lnRef idx="2">
+            <a:schemeClr val="accent1"/>
+          </a:lnRef>
+          <a:fillRef idx="0">
+            <a:schemeClr val="accent1"/>
+          </a:fillRef>
+          <a:effectRef idx="1">
+            <a:schemeClr val="accent1"/>
+          </a:effectRef>
+          <a:fontRef idx="minor">
+            <a:schemeClr val="tx1"/>
+          </a:fontRef>
+        </p:style>
+      </p:cxnSp>
+      <p:cxnSp>
+        <p:nvCxnSpPr>
+          <p:cNvPr id="155" name="直线箭头连接符 154"/>
+          <p:cNvCxnSpPr>
+            <a:cxnSpLocks/>
+            <a:endCxn id="136" idx="2"/>
+          </p:cNvCxnSpPr>
+          <p:nvPr/>
+        </p:nvCxnSpPr>
+        <p:spPr>
+          <a:xfrm flipV="1">
+            <a:off x="2375937" y="1677191"/>
+            <a:ext cx="1378929" cy="1190562"/>
+          </a:xfrm>
+          <a:prstGeom prst="straightConnector1">
+            <a:avLst/>
+          </a:prstGeom>
+          <a:ln w="12700" cmpd="sng">
+            <a:solidFill>
+              <a:srgbClr val="000000"/>
+            </a:solidFill>
+            <a:headEnd type="none"/>
+            <a:tailEnd type="triangle"/>
+          </a:ln>
+          <a:effectLst/>
+        </p:spPr>
+        <p:style>
+          <a:lnRef idx="2">
+            <a:schemeClr val="accent1"/>
+          </a:lnRef>
+          <a:fillRef idx="0">
+            <a:schemeClr val="accent1"/>
+          </a:fillRef>
+          <a:effectRef idx="1">
+            <a:schemeClr val="accent1"/>
+          </a:effectRef>
+          <a:fontRef idx="minor">
+            <a:schemeClr val="tx1"/>
+          </a:fontRef>
+        </p:style>
+      </p:cxnSp>
+      <p:cxnSp>
+        <p:nvCxnSpPr>
+          <p:cNvPr id="156" name="直线箭头连接符 155"/>
+          <p:cNvCxnSpPr>
+            <a:cxnSpLocks/>
+          </p:cNvCxnSpPr>
+          <p:nvPr/>
+        </p:nvCxnSpPr>
+        <p:spPr>
+          <a:xfrm>
+            <a:off x="2375937" y="2867753"/>
+            <a:ext cx="1378929" cy="1121"/>
+          </a:xfrm>
+          <a:prstGeom prst="straightConnector1">
+            <a:avLst/>
+          </a:prstGeom>
+          <a:ln w="12700" cmpd="sng">
+            <a:solidFill>
+              <a:srgbClr val="000000"/>
+            </a:solidFill>
+            <a:headEnd type="none"/>
+            <a:tailEnd type="triangle"/>
+          </a:ln>
+          <a:effectLst/>
+        </p:spPr>
+        <p:style>
+          <a:lnRef idx="2">
+            <a:schemeClr val="accent1"/>
+          </a:lnRef>
+          <a:fillRef idx="0">
+            <a:schemeClr val="accent1"/>
+          </a:fillRef>
+          <a:effectRef idx="1">
+            <a:schemeClr val="accent1"/>
+          </a:effectRef>
+          <a:fontRef idx="minor">
+            <a:schemeClr val="tx1"/>
+          </a:fontRef>
+        </p:style>
+      </p:cxnSp>
+      <p:sp>
+        <p:nvSpPr>
+          <p:cNvPr id="157" name="矩形 156"/>
+          <p:cNvSpPr/>
+          <p:nvPr/>
+        </p:nvSpPr>
+        <p:spPr>
+          <a:xfrm>
+            <a:off x="248149" y="224939"/>
+            <a:ext cx="4026502" cy="2904503"/>
+          </a:xfrm>
+          <a:prstGeom prst="rect">
+            <a:avLst/>
+          </a:prstGeom>
+          <a:noFill/>
+          <a:ln w="28575" cmpd="sng">
+            <a:solidFill>
+              <a:srgbClr val="000000"/>
+            </a:solidFill>
+            <a:prstDash val="dash"/>
+          </a:ln>
+          <a:effectLst/>
+        </p:spPr>
+        <p:style>
+          <a:lnRef idx="1">
+            <a:schemeClr val="accent1"/>
+          </a:lnRef>
+          <a:fillRef idx="3">
+            <a:schemeClr val="accent1"/>
+          </a:fillRef>
+          <a:effectRef idx="2">
+            <a:schemeClr val="accent1"/>
+          </a:effectRef>
+          <a:fontRef idx="minor">
+            <a:schemeClr val="lt1"/>
+          </a:fontRef>
+        </p:style>
+        <p:txBody>
+          <a:bodyPr rtlCol="0" anchor="ctr"/>
+          <a:lstStyle/>
+          <a:p>
+            <a:pPr algn="ctr"/>
+            <a:endParaRPr kumimoji="1" lang="zh-CN" altLang="en-US"/>
+          </a:p>
+        </p:txBody>
+      </p:sp>
+      <p:sp>
+        <p:nvSpPr>
+          <p:cNvPr id="164" name="文本框 163"/>
+          <p:cNvSpPr txBox="1"/>
+          <p:nvPr/>
+        </p:nvSpPr>
+        <p:spPr>
+          <a:xfrm>
+            <a:off x="1364892" y="275430"/>
+            <a:ext cx="1733167" cy="400110"/>
+          </a:xfrm>
+          <a:prstGeom prst="rect">
+            <a:avLst/>
+          </a:prstGeom>
+          <a:noFill/>
+        </p:spPr>
+        <p:txBody>
+          <a:bodyPr wrap="none" rtlCol="0">
+            <a:spAutoFit/>
+          </a:bodyPr>
+          <a:lstStyle/>
+          <a:p>
+            <a:r>
+              <a:rPr kumimoji="1" lang="zh-CN" altLang="en-US" sz="2000" b="1" dirty="0">
+                <a:latin typeface="Times New Roman"/>
+                <a:cs typeface="Times New Roman"/>
+              </a:rPr>
+              <a:t>循环神经网络</a:t>
+            </a:r>
+          </a:p>
+        </p:txBody>
+      </p:sp>
+      <p:sp>
+        <p:nvSpPr>
+          <p:cNvPr id="165" name="矩形 164"/>
+          <p:cNvSpPr/>
+          <p:nvPr/>
+        </p:nvSpPr>
+        <p:spPr>
+          <a:xfrm>
+            <a:off x="611970" y="3592340"/>
+            <a:ext cx="273050" cy="2692400"/>
+          </a:xfrm>
+          <a:prstGeom prst="rect">
+            <a:avLst/>
+          </a:prstGeom>
+          <a:solidFill>
+            <a:srgbClr val="FFFFFF"/>
+          </a:solidFill>
+          <a:ln w="28575" cmpd="sng">
+            <a:solidFill>
+              <a:srgbClr val="000000"/>
+            </a:solidFill>
+          </a:ln>
+          <a:effectLst/>
+        </p:spPr>
+        <p:style>
+          <a:lnRef idx="1">
+            <a:schemeClr val="accent1"/>
+          </a:lnRef>
+          <a:fillRef idx="3">
+            <a:schemeClr val="accent1"/>
+          </a:fillRef>
+          <a:effectRef idx="2">
+            <a:schemeClr val="accent1"/>
+          </a:effectRef>
+          <a:fontRef idx="minor">
+            <a:schemeClr val="lt1"/>
+          </a:fontRef>
+        </p:style>
+        <p:txBody>
+          <a:bodyPr rtlCol="0" anchor="ctr"/>
+          <a:lstStyle/>
+          <a:p>
+            <a:pPr algn="ctr"/>
+            <a:endParaRPr kumimoji="1" lang="zh-CN" altLang="en-US"/>
+          </a:p>
+        </p:txBody>
+      </p:sp>
+      <p:sp>
+        <p:nvSpPr>
+          <p:cNvPr id="166" name="矩形 165"/>
+          <p:cNvSpPr/>
+          <p:nvPr/>
+        </p:nvSpPr>
+        <p:spPr>
+          <a:xfrm>
+            <a:off x="611970" y="3897140"/>
+            <a:ext cx="273050" cy="266700"/>
+          </a:xfrm>
+          <a:prstGeom prst="rect">
+            <a:avLst/>
+          </a:prstGeom>
+          <a:ln w="19050" cmpd="sng">
+            <a:solidFill>
+              <a:srgbClr val="000000"/>
+            </a:solidFill>
+          </a:ln>
+          <a:effectLst/>
+        </p:spPr>
+        <p:style>
+          <a:lnRef idx="1">
+            <a:schemeClr val="accent1"/>
+          </a:lnRef>
+          <a:fillRef idx="3">
+            <a:schemeClr val="accent1"/>
+          </a:fillRef>
+          <a:effectRef idx="2">
+            <a:schemeClr val="accent1"/>
+          </a:effectRef>
+          <a:fontRef idx="minor">
+            <a:schemeClr val="lt1"/>
+          </a:fontRef>
+        </p:style>
+        <p:txBody>
+          <a:bodyPr rtlCol="0" anchor="ctr"/>
+          <a:lstStyle/>
+          <a:p>
+            <a:pPr algn="ctr"/>
+            <a:endParaRPr kumimoji="1" lang="zh-CN" altLang="en-US"/>
+          </a:p>
+        </p:txBody>
+      </p:sp>
+      <p:sp>
+        <p:nvSpPr>
+          <p:cNvPr id="178" name="矩形 177"/>
+          <p:cNvSpPr/>
+          <p:nvPr/>
+        </p:nvSpPr>
+        <p:spPr>
+          <a:xfrm>
+            <a:off x="1735447" y="4063004"/>
+            <a:ext cx="273050" cy="1358900"/>
+          </a:xfrm>
+          <a:prstGeom prst="rect">
+            <a:avLst/>
+          </a:prstGeom>
+          <a:solidFill>
+            <a:srgbClr val="FFFFFF"/>
+          </a:solidFill>
+          <a:ln w="28575" cmpd="sng">
+            <a:solidFill>
+              <a:srgbClr val="000000"/>
+            </a:solidFill>
+          </a:ln>
+          <a:effectLst/>
+        </p:spPr>
+        <p:style>
+          <a:lnRef idx="1">
+            <a:schemeClr val="accent1"/>
+          </a:lnRef>
+          <a:fillRef idx="3">
+            <a:schemeClr val="accent1"/>
+          </a:fillRef>
+          <a:effectRef idx="2">
+            <a:schemeClr val="accent1"/>
+          </a:effectRef>
+          <a:fontRef idx="minor">
+            <a:schemeClr val="lt1"/>
+          </a:fontRef>
+        </p:style>
+        <p:txBody>
+          <a:bodyPr rtlCol="0" anchor="ctr"/>
+          <a:lstStyle/>
+          <a:p>
+            <a:pPr algn="ctr"/>
+            <a:endParaRPr kumimoji="1" lang="zh-CN" altLang="en-US"/>
+          </a:p>
+        </p:txBody>
+      </p:sp>
+      <p:sp>
+        <p:nvSpPr>
+          <p:cNvPr id="180" name="矩形 179"/>
+          <p:cNvSpPr/>
+          <p:nvPr/>
+        </p:nvSpPr>
+        <p:spPr>
+          <a:xfrm>
+            <a:off x="2096386" y="4379847"/>
+            <a:ext cx="273050" cy="1358900"/>
+          </a:xfrm>
+          <a:prstGeom prst="rect">
+            <a:avLst/>
+          </a:prstGeom>
+          <a:solidFill>
+            <a:srgbClr val="FFFFFF"/>
+          </a:solidFill>
+          <a:ln w="28575" cmpd="sng">
+            <a:solidFill>
+              <a:srgbClr val="000000"/>
+            </a:solidFill>
+          </a:ln>
+          <a:effectLst/>
+        </p:spPr>
+        <p:style>
+          <a:lnRef idx="1">
+            <a:schemeClr val="accent1"/>
+          </a:lnRef>
+          <a:fillRef idx="3">
+            <a:schemeClr val="accent1"/>
+          </a:fillRef>
+          <a:effectRef idx="2">
+            <a:schemeClr val="accent1"/>
+          </a:effectRef>
+          <a:fontRef idx="minor">
+            <a:schemeClr val="lt1"/>
+          </a:fontRef>
+        </p:style>
+        <p:txBody>
+          <a:bodyPr rtlCol="0" anchor="ctr"/>
+          <a:lstStyle/>
+          <a:p>
+            <a:pPr algn="ctr"/>
+            <a:endParaRPr kumimoji="1" lang="zh-CN" altLang="en-US"/>
+          </a:p>
+        </p:txBody>
+      </p:sp>
+      <p:sp>
+        <p:nvSpPr>
+          <p:cNvPr id="181" name="矩形 180"/>
+          <p:cNvSpPr/>
+          <p:nvPr/>
+        </p:nvSpPr>
+        <p:spPr>
+          <a:xfrm>
+            <a:off x="2242436" y="4614797"/>
+            <a:ext cx="273050" cy="1358900"/>
+          </a:xfrm>
+          <a:prstGeom prst="rect">
+            <a:avLst/>
+          </a:prstGeom>
+          <a:solidFill>
+            <a:srgbClr val="FFFFFF"/>
+          </a:solidFill>
+          <a:ln w="28575" cmpd="sng">
+            <a:solidFill>
+              <a:srgbClr val="000000"/>
+            </a:solidFill>
+          </a:ln>
+          <a:effectLst/>
+        </p:spPr>
+        <p:style>
+          <a:lnRef idx="1">
+            <a:schemeClr val="accent1"/>
+          </a:lnRef>
+          <a:fillRef idx="3">
+            <a:schemeClr val="accent1"/>
+          </a:fillRef>
+          <a:effectRef idx="2">
+            <a:schemeClr val="accent1"/>
+          </a:effectRef>
+          <a:fontRef idx="minor">
+            <a:schemeClr val="lt1"/>
+          </a:fontRef>
+        </p:style>
+        <p:txBody>
+          <a:bodyPr rtlCol="0" anchor="ctr"/>
+          <a:lstStyle/>
+          <a:p>
+            <a:pPr algn="ctr"/>
+            <a:endParaRPr kumimoji="1" lang="zh-CN" altLang="en-US"/>
+          </a:p>
+        </p:txBody>
+      </p:sp>
+      <p:sp>
+        <p:nvSpPr>
+          <p:cNvPr id="182" name="矩形 181"/>
+          <p:cNvSpPr/>
+          <p:nvPr/>
+        </p:nvSpPr>
+        <p:spPr>
+          <a:xfrm>
+            <a:off x="2242435" y="4906897"/>
+            <a:ext cx="273051" cy="146050"/>
+          </a:xfrm>
+          <a:prstGeom prst="rect">
+            <a:avLst/>
+          </a:prstGeom>
+          <a:ln w="19050" cmpd="sng">
+            <a:solidFill>
+              <a:srgbClr val="000000"/>
+            </a:solidFill>
+          </a:ln>
+          <a:effectLst/>
+        </p:spPr>
+        <p:style>
+          <a:lnRef idx="1">
+            <a:schemeClr val="accent1"/>
+          </a:lnRef>
+          <a:fillRef idx="3">
+            <a:schemeClr val="accent1"/>
+          </a:fillRef>
+          <a:effectRef idx="2">
+            <a:schemeClr val="accent1"/>
+          </a:effectRef>
+          <a:fontRef idx="minor">
+            <a:schemeClr val="lt1"/>
+          </a:fontRef>
+        </p:style>
+        <p:txBody>
+          <a:bodyPr rtlCol="0" anchor="ctr"/>
+          <a:lstStyle/>
+          <a:p>
+            <a:pPr algn="ctr"/>
+            <a:endParaRPr kumimoji="1" lang="zh-CN" altLang="en-US"/>
+          </a:p>
+        </p:txBody>
+      </p:sp>
+      <p:sp>
+        <p:nvSpPr>
+          <p:cNvPr id="190" name="椭圆 189"/>
+          <p:cNvSpPr/>
+          <p:nvPr/>
+        </p:nvSpPr>
+        <p:spPr>
+          <a:xfrm>
+            <a:off x="3759340" y="4001885"/>
+            <a:ext cx="273050" cy="273050"/>
+          </a:xfrm>
+          <a:prstGeom prst="ellipse">
+            <a:avLst/>
+          </a:prstGeom>
+          <a:solidFill>
+            <a:srgbClr val="FFFFFF"/>
+          </a:solidFill>
+          <a:ln w="28575" cmpd="sng">
+            <a:solidFill>
+              <a:srgbClr val="000000"/>
+            </a:solidFill>
+          </a:ln>
+          <a:effectLst/>
+        </p:spPr>
+        <p:style>
+          <a:lnRef idx="1">
+            <a:schemeClr val="accent1"/>
+          </a:lnRef>
+          <a:fillRef idx="3">
+            <a:schemeClr val="accent1"/>
+          </a:fillRef>
+          <a:effectRef idx="2">
+            <a:schemeClr val="accent1"/>
+          </a:effectRef>
+          <a:fontRef idx="minor">
+            <a:schemeClr val="lt1"/>
+          </a:fontRef>
+        </p:style>
+        <p:txBody>
+          <a:bodyPr rtlCol="0" anchor="ctr"/>
+          <a:lstStyle/>
+          <a:p>
+            <a:pPr algn="ctr"/>
+            <a:endParaRPr kumimoji="1" lang="zh-CN" altLang="en-US"/>
+          </a:p>
+        </p:txBody>
+      </p:sp>
+      <p:sp>
+        <p:nvSpPr>
+          <p:cNvPr id="191" name="椭圆 190"/>
+          <p:cNvSpPr/>
+          <p:nvPr/>
+        </p:nvSpPr>
+        <p:spPr>
+          <a:xfrm>
+            <a:off x="3759340" y="4442681"/>
+            <a:ext cx="273050" cy="273050"/>
+          </a:xfrm>
+          <a:prstGeom prst="ellipse">
+            <a:avLst/>
+          </a:prstGeom>
+          <a:solidFill>
+            <a:srgbClr val="FFFFFF"/>
+          </a:solidFill>
+          <a:ln w="28575" cmpd="sng">
+            <a:solidFill>
+              <a:srgbClr val="000000"/>
+            </a:solidFill>
+          </a:ln>
+          <a:effectLst/>
+        </p:spPr>
+        <p:style>
+          <a:lnRef idx="1">
+            <a:schemeClr val="accent1"/>
+          </a:lnRef>
+          <a:fillRef idx="3">
+            <a:schemeClr val="accent1"/>
+          </a:fillRef>
+          <a:effectRef idx="2">
+            <a:schemeClr val="accent1"/>
+          </a:effectRef>
+          <a:fontRef idx="minor">
+            <a:schemeClr val="lt1"/>
+          </a:fontRef>
+        </p:style>
+        <p:txBody>
+          <a:bodyPr rtlCol="0" anchor="ctr"/>
+          <a:lstStyle/>
+          <a:p>
+            <a:pPr algn="ctr"/>
+            <a:endParaRPr kumimoji="1" lang="zh-CN" altLang="en-US"/>
+          </a:p>
+        </p:txBody>
+      </p:sp>
+      <p:sp>
+        <p:nvSpPr>
+          <p:cNvPr id="193" name="椭圆 192"/>
+          <p:cNvSpPr/>
+          <p:nvPr/>
+        </p:nvSpPr>
+        <p:spPr>
+          <a:xfrm>
+            <a:off x="3766255" y="5753434"/>
+            <a:ext cx="273050" cy="273050"/>
+          </a:xfrm>
+          <a:prstGeom prst="ellipse">
+            <a:avLst/>
+          </a:prstGeom>
+          <a:solidFill>
+            <a:srgbClr val="FFFFFF"/>
+          </a:solidFill>
+          <a:ln w="28575" cmpd="sng">
+            <a:solidFill>
+              <a:srgbClr val="000000"/>
+            </a:solidFill>
+          </a:ln>
+          <a:effectLst/>
+        </p:spPr>
+        <p:style>
+          <a:lnRef idx="1">
+            <a:schemeClr val="accent1"/>
+          </a:lnRef>
+          <a:fillRef idx="3">
+            <a:schemeClr val="accent1"/>
+          </a:fillRef>
+          <a:effectRef idx="2">
+            <a:schemeClr val="accent1"/>
+          </a:effectRef>
+          <a:fontRef idx="minor">
+            <a:schemeClr val="lt1"/>
+          </a:fontRef>
+        </p:style>
+        <p:txBody>
+          <a:bodyPr rtlCol="0" anchor="ctr"/>
+          <a:lstStyle/>
+          <a:p>
+            <a:pPr algn="ctr"/>
+            <a:endParaRPr kumimoji="1" lang="zh-CN" altLang="en-US"/>
+          </a:p>
+        </p:txBody>
+      </p:sp>
+      <p:sp>
+        <p:nvSpPr>
+          <p:cNvPr id="194" name="椭圆 193"/>
+          <p:cNvSpPr/>
+          <p:nvPr/>
+        </p:nvSpPr>
+        <p:spPr>
+          <a:xfrm>
+            <a:off x="3863093" y="4904824"/>
+            <a:ext cx="79375" cy="82550"/>
+          </a:xfrm>
+          <a:prstGeom prst="ellipse">
+            <a:avLst/>
+          </a:prstGeom>
+          <a:solidFill>
+            <a:schemeClr val="tx1"/>
+          </a:solidFill>
+          <a:ln>
+            <a:solidFill>
+              <a:srgbClr val="000000"/>
+            </a:solidFill>
+          </a:ln>
+          <a:effectLst/>
+        </p:spPr>
+        <p:style>
+          <a:lnRef idx="1">
+            <a:schemeClr val="accent1"/>
+          </a:lnRef>
+          <a:fillRef idx="3">
+            <a:schemeClr val="accent1"/>
+          </a:fillRef>
+          <a:effectRef idx="2">
+            <a:schemeClr val="accent1"/>
+          </a:effectRef>
+          <a:fontRef idx="minor">
+            <a:schemeClr val="lt1"/>
+          </a:fontRef>
+        </p:style>
+        <p:txBody>
+          <a:bodyPr rtlCol="0" anchor="ctr"/>
+          <a:lstStyle/>
+          <a:p>
+            <a:pPr algn="ctr"/>
+            <a:endParaRPr kumimoji="1" lang="zh-CN" altLang="en-US"/>
+          </a:p>
+        </p:txBody>
+      </p:sp>
+      <p:sp>
+        <p:nvSpPr>
+          <p:cNvPr id="195" name="椭圆 194"/>
+          <p:cNvSpPr/>
+          <p:nvPr/>
+        </p:nvSpPr>
+        <p:spPr>
+          <a:xfrm>
+            <a:off x="3863092" y="5481791"/>
+            <a:ext cx="79375" cy="82550"/>
+          </a:xfrm>
+          <a:prstGeom prst="ellipse">
+            <a:avLst/>
+          </a:prstGeom>
+          <a:solidFill>
+            <a:schemeClr val="tx1"/>
+          </a:solidFill>
+          <a:ln>
+            <a:solidFill>
+              <a:srgbClr val="000000"/>
+            </a:solidFill>
+          </a:ln>
+          <a:effectLst/>
+        </p:spPr>
+        <p:style>
+          <a:lnRef idx="1">
+            <a:schemeClr val="accent1"/>
+          </a:lnRef>
+          <a:fillRef idx="3">
+            <a:schemeClr val="accent1"/>
+          </a:fillRef>
+          <a:effectRef idx="2">
+            <a:schemeClr val="accent1"/>
+          </a:effectRef>
+          <a:fontRef idx="minor">
+            <a:schemeClr val="lt1"/>
+          </a:fontRef>
+        </p:style>
+        <p:txBody>
+          <a:bodyPr rtlCol="0" anchor="ctr"/>
+          <a:lstStyle/>
+          <a:p>
+            <a:pPr algn="ctr"/>
+            <a:endParaRPr kumimoji="1" lang="zh-CN" altLang="en-US"/>
+          </a:p>
+        </p:txBody>
+      </p:sp>
+      <p:sp>
+        <p:nvSpPr>
+          <p:cNvPr id="196" name="椭圆 195"/>
+          <p:cNvSpPr/>
+          <p:nvPr/>
+        </p:nvSpPr>
+        <p:spPr>
+          <a:xfrm>
+            <a:off x="3860384" y="5200965"/>
+            <a:ext cx="79375" cy="82550"/>
+          </a:xfrm>
+          <a:prstGeom prst="ellipse">
+            <a:avLst/>
+          </a:prstGeom>
+          <a:solidFill>
+            <a:schemeClr val="tx1"/>
+          </a:solidFill>
+          <a:ln>
+            <a:solidFill>
+              <a:srgbClr val="000000"/>
+            </a:solidFill>
+          </a:ln>
+          <a:effectLst/>
+        </p:spPr>
+        <p:style>
+          <a:lnRef idx="1">
+            <a:schemeClr val="accent1"/>
+          </a:lnRef>
+          <a:fillRef idx="3">
+            <a:schemeClr val="accent1"/>
+          </a:fillRef>
+          <a:effectRef idx="2">
+            <a:schemeClr val="accent1"/>
+          </a:effectRef>
+          <a:fontRef idx="minor">
+            <a:schemeClr val="lt1"/>
+          </a:fontRef>
+        </p:style>
+        <p:txBody>
+          <a:bodyPr rtlCol="0" anchor="ctr"/>
+          <a:lstStyle/>
+          <a:p>
+            <a:pPr algn="ctr"/>
+            <a:endParaRPr kumimoji="1" lang="zh-CN" altLang="en-US"/>
+          </a:p>
+        </p:txBody>
+      </p:sp>
+      <p:cxnSp>
+        <p:nvCxnSpPr>
+          <p:cNvPr id="200" name="直线箭头连接符 199"/>
+          <p:cNvCxnSpPr>
+            <a:cxnSpLocks/>
+            <a:stCxn id="166" idx="3"/>
+            <a:endCxn id="254" idx="1"/>
+          </p:cNvCxnSpPr>
+          <p:nvPr/>
+        </p:nvCxnSpPr>
+        <p:spPr>
+          <a:xfrm>
+            <a:off x="885020" y="4030490"/>
+            <a:ext cx="850426" cy="377924"/>
+          </a:xfrm>
+          <a:prstGeom prst="straightConnector1">
+            <a:avLst/>
+          </a:prstGeom>
+          <a:ln w="28575" cmpd="sng">
+            <a:solidFill>
+              <a:srgbClr val="000000"/>
+            </a:solidFill>
+            <a:prstDash val="dash"/>
+            <a:headEnd type="none"/>
+            <a:tailEnd type="triangle"/>
+          </a:ln>
+          <a:effectLst/>
+        </p:spPr>
+        <p:style>
+          <a:lnRef idx="2">
+            <a:schemeClr val="accent1"/>
+          </a:lnRef>
+          <a:fillRef idx="0">
+            <a:schemeClr val="accent1"/>
+          </a:fillRef>
+          <a:effectRef idx="1">
+            <a:schemeClr val="accent1"/>
+          </a:effectRef>
+          <a:fontRef idx="minor">
+            <a:schemeClr val="tx1"/>
+          </a:fontRef>
+        </p:style>
+      </p:cxnSp>
+      <p:cxnSp>
+        <p:nvCxnSpPr>
+          <p:cNvPr id="203" name="直线连接符 202"/>
+          <p:cNvCxnSpPr>
+            <a:cxnSpLocks/>
+            <a:stCxn id="178" idx="0"/>
+            <a:endCxn id="190" idx="0"/>
+          </p:cNvCxnSpPr>
+          <p:nvPr/>
+        </p:nvCxnSpPr>
+        <p:spPr>
+          <a:xfrm flipV="1">
+            <a:off x="1871972" y="4001885"/>
+            <a:ext cx="2023893" cy="61119"/>
+          </a:xfrm>
+          <a:prstGeom prst="line">
+            <a:avLst/>
+          </a:prstGeom>
+          <a:ln w="28575" cmpd="sng">
+            <a:solidFill>
+              <a:srgbClr val="000000"/>
+            </a:solidFill>
+            <a:prstDash val="dash"/>
+          </a:ln>
+          <a:effectLst/>
+        </p:spPr>
+        <p:style>
+          <a:lnRef idx="2">
+            <a:schemeClr val="accent1"/>
+          </a:lnRef>
+          <a:fillRef idx="0">
+            <a:schemeClr val="accent1"/>
+          </a:fillRef>
+          <a:effectRef idx="1">
+            <a:schemeClr val="accent1"/>
+          </a:effectRef>
+          <a:fontRef idx="minor">
+            <a:schemeClr val="tx1"/>
+          </a:fontRef>
+        </p:style>
+      </p:cxnSp>
+      <p:cxnSp>
+        <p:nvCxnSpPr>
+          <p:cNvPr id="205" name="直线连接符 204"/>
+          <p:cNvCxnSpPr>
+            <a:stCxn id="181" idx="2"/>
+            <a:endCxn id="193" idx="4"/>
+          </p:cNvCxnSpPr>
+          <p:nvPr/>
+        </p:nvCxnSpPr>
+        <p:spPr>
+          <a:xfrm>
+            <a:off x="2378961" y="5973697"/>
+            <a:ext cx="1523819" cy="52787"/>
+          </a:xfrm>
+          <a:prstGeom prst="line">
+            <a:avLst/>
+          </a:prstGeom>
+          <a:ln w="28575" cmpd="sng">
+            <a:solidFill>
+              <a:srgbClr val="000000"/>
+            </a:solidFill>
+            <a:prstDash val="dash"/>
+          </a:ln>
+          <a:effectLst/>
+        </p:spPr>
+        <p:style>
+          <a:lnRef idx="2">
+            <a:schemeClr val="accent1"/>
+          </a:lnRef>
+          <a:fillRef idx="0">
+            <a:schemeClr val="accent1"/>
+          </a:fillRef>
+          <a:effectRef idx="1">
+            <a:schemeClr val="accent1"/>
+          </a:effectRef>
+          <a:fontRef idx="minor">
+            <a:schemeClr val="tx1"/>
+          </a:fontRef>
+        </p:style>
+      </p:cxnSp>
+      <p:sp>
+        <p:nvSpPr>
+          <p:cNvPr id="229" name="矩形 228"/>
+          <p:cNvSpPr/>
+          <p:nvPr/>
+        </p:nvSpPr>
+        <p:spPr>
+          <a:xfrm>
+            <a:off x="266423" y="3399583"/>
+            <a:ext cx="4026502" cy="3096468"/>
+          </a:xfrm>
+          <a:prstGeom prst="rect">
+            <a:avLst/>
+          </a:prstGeom>
+          <a:noFill/>
+          <a:ln w="28575" cmpd="sng">
+            <a:solidFill>
+              <a:srgbClr val="000000"/>
+            </a:solidFill>
+            <a:prstDash val="dash"/>
+          </a:ln>
+          <a:effectLst/>
+        </p:spPr>
+        <p:style>
+          <a:lnRef idx="1">
+            <a:schemeClr val="accent1"/>
+          </a:lnRef>
+          <a:fillRef idx="3">
+            <a:schemeClr val="accent1"/>
+          </a:fillRef>
+          <a:effectRef idx="2">
+            <a:schemeClr val="accent1"/>
+          </a:effectRef>
+          <a:fontRef idx="minor">
+            <a:schemeClr val="lt1"/>
+          </a:fontRef>
+        </p:style>
+        <p:txBody>
+          <a:bodyPr rtlCol="0" anchor="ctr"/>
+          <a:lstStyle/>
+          <a:p>
+            <a:pPr algn="ctr"/>
+            <a:endParaRPr kumimoji="1" lang="zh-CN" altLang="en-US"/>
+          </a:p>
+        </p:txBody>
+      </p:sp>
+      <p:sp>
+        <p:nvSpPr>
+          <p:cNvPr id="304" name="文本框 303"/>
+          <p:cNvSpPr txBox="1"/>
+          <p:nvPr/>
+        </p:nvSpPr>
+        <p:spPr>
+          <a:xfrm>
+            <a:off x="2932769" y="-412695"/>
+            <a:ext cx="3278462" cy="461665"/>
+          </a:xfrm>
+          <a:prstGeom prst="rect">
+            <a:avLst/>
+          </a:prstGeom>
+          <a:noFill/>
+        </p:spPr>
+        <p:txBody>
+          <a:bodyPr wrap="none" rtlCol="0">
+            <a:spAutoFit/>
+          </a:bodyPr>
+          <a:lstStyle/>
+          <a:p>
+            <a:r>
+              <a:rPr kumimoji="1" lang="zh-CN" altLang="en-US" sz="2400" b="1" dirty="0">
+                <a:latin typeface="Times New Roman"/>
+                <a:cs typeface="Times New Roman"/>
+              </a:rPr>
+              <a:t>循环卷积神经网络结构</a:t>
+            </a:r>
+          </a:p>
+        </p:txBody>
+      </p:sp>
+      <p:sp>
+        <p:nvSpPr>
+          <p:cNvPr id="305" name="矩形 304"/>
+          <p:cNvSpPr/>
+          <p:nvPr/>
+        </p:nvSpPr>
+        <p:spPr>
+          <a:xfrm>
+            <a:off x="4898328" y="826931"/>
+            <a:ext cx="3197900" cy="5217712"/>
+          </a:xfrm>
+          <a:prstGeom prst="rect">
+            <a:avLst/>
+          </a:prstGeom>
+          <a:noFill/>
+          <a:ln w="28575" cmpd="sng">
+            <a:solidFill>
+              <a:srgbClr val="000000"/>
+            </a:solidFill>
+          </a:ln>
+          <a:effectLst/>
+        </p:spPr>
+        <p:style>
+          <a:lnRef idx="1">
+            <a:schemeClr val="accent1"/>
+          </a:lnRef>
+          <a:fillRef idx="3">
+            <a:schemeClr val="accent1"/>
+          </a:fillRef>
+          <a:effectRef idx="2">
+            <a:schemeClr val="accent1"/>
+          </a:effectRef>
+          <a:fontRef idx="minor">
+            <a:schemeClr val="lt1"/>
+          </a:fontRef>
+        </p:style>
+        <p:txBody>
+          <a:bodyPr rtlCol="0" anchor="ctr"/>
+          <a:lstStyle/>
+          <a:p>
+            <a:pPr algn="ctr"/>
+            <a:endParaRPr kumimoji="1" lang="zh-CN" altLang="en-US"/>
+          </a:p>
+        </p:txBody>
+      </p:sp>
+      <p:sp>
+        <p:nvSpPr>
+          <p:cNvPr id="306" name="椭圆 305"/>
+          <p:cNvSpPr/>
+          <p:nvPr/>
+        </p:nvSpPr>
+        <p:spPr>
+          <a:xfrm>
+            <a:off x="5419255" y="971430"/>
+            <a:ext cx="273050" cy="273050"/>
+          </a:xfrm>
+          <a:prstGeom prst="ellipse">
+            <a:avLst/>
+          </a:prstGeom>
+          <a:noFill/>
+          <a:ln w="28575" cmpd="sng">
+            <a:solidFill>
+              <a:srgbClr val="000000"/>
+            </a:solidFill>
+          </a:ln>
+          <a:effectLst/>
+        </p:spPr>
+        <p:style>
+          <a:lnRef idx="1">
+            <a:schemeClr val="accent1"/>
+          </a:lnRef>
+          <a:fillRef idx="3">
+            <a:schemeClr val="accent1"/>
+          </a:fillRef>
+          <a:effectRef idx="2">
+            <a:schemeClr val="accent1"/>
+          </a:effectRef>
+          <a:fontRef idx="minor">
+            <a:schemeClr val="lt1"/>
+          </a:fontRef>
+        </p:style>
+        <p:txBody>
+          <a:bodyPr rtlCol="0" anchor="ctr"/>
+          <a:lstStyle/>
+          <a:p>
+            <a:pPr algn="ctr"/>
+            <a:endParaRPr kumimoji="1" lang="zh-CN" altLang="en-US"/>
+          </a:p>
+        </p:txBody>
+      </p:sp>
+      <p:sp>
+        <p:nvSpPr>
+          <p:cNvPr id="307" name="椭圆 306"/>
+          <p:cNvSpPr/>
+          <p:nvPr/>
+        </p:nvSpPr>
+        <p:spPr>
+          <a:xfrm>
+            <a:off x="5419255" y="1609064"/>
+            <a:ext cx="273050" cy="273050"/>
+          </a:xfrm>
+          <a:prstGeom prst="ellipse">
+            <a:avLst/>
+          </a:prstGeom>
+          <a:noFill/>
+          <a:ln w="28575" cmpd="sng">
+            <a:solidFill>
+              <a:srgbClr val="000000"/>
+            </a:solidFill>
+          </a:ln>
+          <a:effectLst/>
+        </p:spPr>
+        <p:style>
+          <a:lnRef idx="1">
+            <a:schemeClr val="accent1"/>
+          </a:lnRef>
+          <a:fillRef idx="3">
+            <a:schemeClr val="accent1"/>
+          </a:fillRef>
+          <a:effectRef idx="2">
+            <a:schemeClr val="accent1"/>
+          </a:effectRef>
+          <a:fontRef idx="minor">
+            <a:schemeClr val="lt1"/>
+          </a:fontRef>
+        </p:style>
+        <p:txBody>
+          <a:bodyPr rtlCol="0" anchor="ctr"/>
+          <a:lstStyle/>
+          <a:p>
+            <a:pPr algn="ctr"/>
+            <a:endParaRPr kumimoji="1" lang="zh-CN" altLang="en-US"/>
+          </a:p>
+        </p:txBody>
+      </p:sp>
+      <p:sp>
+        <p:nvSpPr>
+          <p:cNvPr id="313" name="椭圆 312"/>
+          <p:cNvSpPr/>
+          <p:nvPr/>
+        </p:nvSpPr>
+        <p:spPr>
+          <a:xfrm>
+            <a:off x="5419255" y="2246698"/>
+            <a:ext cx="273050" cy="273050"/>
+          </a:xfrm>
+          <a:prstGeom prst="ellipse">
+            <a:avLst/>
+          </a:prstGeom>
+          <a:noFill/>
+          <a:ln w="28575" cmpd="sng">
+            <a:solidFill>
+              <a:srgbClr val="000000"/>
+            </a:solidFill>
+          </a:ln>
+          <a:effectLst/>
+        </p:spPr>
+        <p:style>
+          <a:lnRef idx="1">
+            <a:schemeClr val="accent1"/>
+          </a:lnRef>
+          <a:fillRef idx="3">
+            <a:schemeClr val="accent1"/>
+          </a:fillRef>
+          <a:effectRef idx="2">
+            <a:schemeClr val="accent1"/>
+          </a:effectRef>
+          <a:fontRef idx="minor">
+            <a:schemeClr val="lt1"/>
+          </a:fontRef>
+        </p:style>
+        <p:txBody>
+          <a:bodyPr rtlCol="0" anchor="ctr"/>
+          <a:lstStyle/>
+          <a:p>
+            <a:pPr algn="ctr"/>
+            <a:endParaRPr kumimoji="1" lang="zh-CN" altLang="en-US"/>
+          </a:p>
+        </p:txBody>
+      </p:sp>
+      <p:sp>
+        <p:nvSpPr>
+          <p:cNvPr id="314" name="椭圆 313"/>
+          <p:cNvSpPr/>
+          <p:nvPr/>
+        </p:nvSpPr>
+        <p:spPr>
+          <a:xfrm>
+            <a:off x="5419255" y="2884332"/>
+            <a:ext cx="273050" cy="273050"/>
+          </a:xfrm>
+          <a:prstGeom prst="ellipse">
+            <a:avLst/>
+          </a:prstGeom>
+          <a:noFill/>
+          <a:ln w="28575" cmpd="sng">
+            <a:solidFill>
+              <a:srgbClr val="000000"/>
+            </a:solidFill>
+          </a:ln>
+          <a:effectLst/>
+        </p:spPr>
+        <p:style>
+          <a:lnRef idx="1">
+            <a:schemeClr val="accent1"/>
+          </a:lnRef>
+          <a:fillRef idx="3">
+            <a:schemeClr val="accent1"/>
+          </a:fillRef>
+          <a:effectRef idx="2">
+            <a:schemeClr val="accent1"/>
+          </a:effectRef>
+          <a:fontRef idx="minor">
+            <a:schemeClr val="lt1"/>
+          </a:fontRef>
+        </p:style>
+        <p:txBody>
+          <a:bodyPr rtlCol="0" anchor="ctr"/>
+          <a:lstStyle/>
+          <a:p>
+            <a:pPr algn="ctr"/>
+            <a:endParaRPr kumimoji="1" lang="zh-CN" altLang="en-US"/>
+          </a:p>
+        </p:txBody>
+      </p:sp>
+      <p:sp>
+        <p:nvSpPr>
+          <p:cNvPr id="315" name="椭圆 314"/>
+          <p:cNvSpPr/>
+          <p:nvPr/>
+        </p:nvSpPr>
+        <p:spPr>
+          <a:xfrm>
+            <a:off x="5419255" y="3521966"/>
+            <a:ext cx="273050" cy="273050"/>
+          </a:xfrm>
+          <a:prstGeom prst="ellipse">
+            <a:avLst/>
+          </a:prstGeom>
+          <a:noFill/>
+          <a:ln w="28575" cmpd="sng">
+            <a:solidFill>
+              <a:srgbClr val="000000"/>
+            </a:solidFill>
+          </a:ln>
+          <a:effectLst/>
+        </p:spPr>
+        <p:style>
+          <a:lnRef idx="1">
+            <a:schemeClr val="accent1"/>
+          </a:lnRef>
+          <a:fillRef idx="3">
+            <a:schemeClr val="accent1"/>
+          </a:fillRef>
+          <a:effectRef idx="2">
+            <a:schemeClr val="accent1"/>
+          </a:effectRef>
+          <a:fontRef idx="minor">
+            <a:schemeClr val="lt1"/>
+          </a:fontRef>
+        </p:style>
+        <p:txBody>
+          <a:bodyPr rtlCol="0" anchor="ctr"/>
+          <a:lstStyle/>
+          <a:p>
+            <a:pPr algn="ctr"/>
+            <a:endParaRPr kumimoji="1" lang="zh-CN" altLang="en-US"/>
+          </a:p>
+        </p:txBody>
+      </p:sp>
+      <p:sp>
+        <p:nvSpPr>
+          <p:cNvPr id="316" name="椭圆 315"/>
+          <p:cNvSpPr/>
+          <p:nvPr/>
+        </p:nvSpPr>
+        <p:spPr>
+          <a:xfrm>
+            <a:off x="5419255" y="5500999"/>
+            <a:ext cx="273050" cy="273050"/>
+          </a:xfrm>
+          <a:prstGeom prst="ellipse">
+            <a:avLst/>
+          </a:prstGeom>
+          <a:noFill/>
+          <a:ln w="28575" cmpd="sng">
+            <a:solidFill>
+              <a:srgbClr val="000000"/>
+            </a:solidFill>
+          </a:ln>
+          <a:effectLst/>
+        </p:spPr>
+        <p:style>
+          <a:lnRef idx="1">
+            <a:schemeClr val="accent1"/>
+          </a:lnRef>
+          <a:fillRef idx="3">
+            <a:schemeClr val="accent1"/>
+          </a:fillRef>
+          <a:effectRef idx="2">
+            <a:schemeClr val="accent1"/>
+          </a:effectRef>
+          <a:fontRef idx="minor">
+            <a:schemeClr val="lt1"/>
+          </a:fontRef>
+        </p:style>
+        <p:txBody>
+          <a:bodyPr rtlCol="0" anchor="ctr"/>
+          <a:lstStyle/>
+          <a:p>
+            <a:pPr algn="ctr"/>
+            <a:endParaRPr kumimoji="1" lang="zh-CN" altLang="en-US"/>
+          </a:p>
+        </p:txBody>
+      </p:sp>
+      <p:sp>
+        <p:nvSpPr>
+          <p:cNvPr id="317" name="椭圆 316"/>
+          <p:cNvSpPr/>
+          <p:nvPr/>
+        </p:nvSpPr>
+        <p:spPr>
+          <a:xfrm>
+            <a:off x="5514505" y="4159600"/>
+            <a:ext cx="79375" cy="82550"/>
+          </a:xfrm>
+          <a:prstGeom prst="ellipse">
+            <a:avLst/>
+          </a:prstGeom>
+          <a:solidFill>
+            <a:schemeClr val="tx1"/>
+          </a:solidFill>
+          <a:ln>
+            <a:solidFill>
+              <a:srgbClr val="000000"/>
+            </a:solidFill>
+          </a:ln>
+          <a:effectLst/>
+        </p:spPr>
+        <p:style>
+          <a:lnRef idx="1">
+            <a:schemeClr val="accent1"/>
+          </a:lnRef>
+          <a:fillRef idx="3">
+            <a:schemeClr val="accent1"/>
+          </a:fillRef>
+          <a:effectRef idx="2">
+            <a:schemeClr val="accent1"/>
+          </a:effectRef>
+          <a:fontRef idx="minor">
+            <a:schemeClr val="lt1"/>
+          </a:fontRef>
+        </p:style>
+        <p:txBody>
+          <a:bodyPr rtlCol="0" anchor="ctr"/>
+          <a:lstStyle/>
+          <a:p>
+            <a:pPr algn="ctr"/>
+            <a:endParaRPr kumimoji="1" lang="zh-CN" altLang="en-US"/>
+          </a:p>
+        </p:txBody>
+      </p:sp>
+      <p:sp>
+        <p:nvSpPr>
+          <p:cNvPr id="318" name="椭圆 317"/>
+          <p:cNvSpPr/>
+          <p:nvPr/>
+        </p:nvSpPr>
+        <p:spPr>
+          <a:xfrm>
+            <a:off x="5514505" y="5053868"/>
+            <a:ext cx="79375" cy="82550"/>
+          </a:xfrm>
+          <a:prstGeom prst="ellipse">
+            <a:avLst/>
+          </a:prstGeom>
+          <a:solidFill>
+            <a:schemeClr val="tx1"/>
+          </a:solidFill>
+          <a:ln>
+            <a:solidFill>
+              <a:srgbClr val="000000"/>
+            </a:solidFill>
+          </a:ln>
+          <a:effectLst/>
+        </p:spPr>
+        <p:style>
+          <a:lnRef idx="1">
+            <a:schemeClr val="accent1"/>
+          </a:lnRef>
+          <a:fillRef idx="3">
+            <a:schemeClr val="accent1"/>
+          </a:fillRef>
+          <a:effectRef idx="2">
+            <a:schemeClr val="accent1"/>
+          </a:effectRef>
+          <a:fontRef idx="minor">
+            <a:schemeClr val="lt1"/>
+          </a:fontRef>
+        </p:style>
+        <p:txBody>
+          <a:bodyPr rtlCol="0" anchor="ctr"/>
+          <a:lstStyle/>
+          <a:p>
+            <a:pPr algn="ctr"/>
+            <a:endParaRPr kumimoji="1" lang="zh-CN" altLang="en-US"/>
+          </a:p>
+        </p:txBody>
+      </p:sp>
+      <p:sp>
+        <p:nvSpPr>
+          <p:cNvPr id="319" name="椭圆 318"/>
+          <p:cNvSpPr/>
+          <p:nvPr/>
+        </p:nvSpPr>
+        <p:spPr>
+          <a:xfrm>
+            <a:off x="5514505" y="4606734"/>
+            <a:ext cx="79375" cy="82550"/>
+          </a:xfrm>
+          <a:prstGeom prst="ellipse">
+            <a:avLst/>
+          </a:prstGeom>
+          <a:solidFill>
+            <a:schemeClr val="tx1"/>
+          </a:solidFill>
+          <a:ln>
+            <a:solidFill>
+              <a:srgbClr val="000000"/>
+            </a:solidFill>
+          </a:ln>
+          <a:effectLst/>
+        </p:spPr>
+        <p:style>
+          <a:lnRef idx="1">
+            <a:schemeClr val="accent1"/>
+          </a:lnRef>
+          <a:fillRef idx="3">
+            <a:schemeClr val="accent1"/>
+          </a:fillRef>
+          <a:effectRef idx="2">
+            <a:schemeClr val="accent1"/>
+          </a:effectRef>
+          <a:fontRef idx="minor">
+            <a:schemeClr val="lt1"/>
+          </a:fontRef>
+        </p:style>
+        <p:txBody>
+          <a:bodyPr rtlCol="0" anchor="ctr"/>
+          <a:lstStyle/>
+          <a:p>
+            <a:pPr algn="ctr"/>
+            <a:endParaRPr kumimoji="1" lang="zh-CN" altLang="en-US"/>
+          </a:p>
+        </p:txBody>
+      </p:sp>
+      <p:sp>
+        <p:nvSpPr>
+          <p:cNvPr id="422" name="椭圆 421"/>
+          <p:cNvSpPr/>
+          <p:nvPr/>
+        </p:nvSpPr>
+        <p:spPr>
+          <a:xfrm>
+            <a:off x="6378712" y="1990067"/>
+            <a:ext cx="273050" cy="273050"/>
+          </a:xfrm>
+          <a:prstGeom prst="ellipse">
+            <a:avLst/>
+          </a:prstGeom>
+          <a:solidFill>
+            <a:srgbClr val="FFFFFF"/>
+          </a:solidFill>
+          <a:ln w="28575" cmpd="sng">
+            <a:solidFill>
+              <a:srgbClr val="000000"/>
+            </a:solidFill>
+          </a:ln>
+          <a:effectLst/>
+        </p:spPr>
+        <p:style>
+          <a:lnRef idx="1">
+            <a:schemeClr val="accent1"/>
+          </a:lnRef>
+          <a:fillRef idx="3">
+            <a:schemeClr val="accent1"/>
+          </a:fillRef>
+          <a:effectRef idx="2">
+            <a:schemeClr val="accent1"/>
+          </a:effectRef>
+          <a:fontRef idx="minor">
+            <a:schemeClr val="lt1"/>
+          </a:fontRef>
+        </p:style>
+        <p:txBody>
+          <a:bodyPr rtlCol="0" anchor="ctr"/>
+          <a:lstStyle/>
+          <a:p>
+            <a:pPr algn="ctr"/>
+            <a:endParaRPr kumimoji="1" lang="zh-CN" altLang="en-US"/>
+          </a:p>
+        </p:txBody>
+      </p:sp>
+      <p:sp>
+        <p:nvSpPr>
+          <p:cNvPr id="423" name="椭圆 422"/>
+          <p:cNvSpPr/>
+          <p:nvPr/>
+        </p:nvSpPr>
+        <p:spPr>
+          <a:xfrm>
+            <a:off x="6378712" y="2627701"/>
+            <a:ext cx="273050" cy="273050"/>
+          </a:xfrm>
+          <a:prstGeom prst="ellipse">
+            <a:avLst/>
+          </a:prstGeom>
+          <a:solidFill>
+            <a:srgbClr val="FFFFFF"/>
+          </a:solidFill>
+          <a:ln w="28575" cmpd="sng">
+            <a:solidFill>
+              <a:srgbClr val="000000"/>
+            </a:solidFill>
+          </a:ln>
+          <a:effectLst/>
+        </p:spPr>
+        <p:style>
+          <a:lnRef idx="1">
+            <a:schemeClr val="accent1"/>
+          </a:lnRef>
+          <a:fillRef idx="3">
+            <a:schemeClr val="accent1"/>
+          </a:fillRef>
+          <a:effectRef idx="2">
+            <a:schemeClr val="accent1"/>
+          </a:effectRef>
+          <a:fontRef idx="minor">
+            <a:schemeClr val="lt1"/>
+          </a:fontRef>
+        </p:style>
+        <p:txBody>
+          <a:bodyPr rtlCol="0" anchor="ctr"/>
+          <a:lstStyle/>
+          <a:p>
+            <a:pPr algn="ctr"/>
+            <a:endParaRPr kumimoji="1" lang="zh-CN" altLang="en-US"/>
+          </a:p>
+        </p:txBody>
+      </p:sp>
+      <p:sp>
+        <p:nvSpPr>
+          <p:cNvPr id="424" name="椭圆 423"/>
+          <p:cNvSpPr/>
+          <p:nvPr/>
+        </p:nvSpPr>
+        <p:spPr>
+          <a:xfrm>
+            <a:off x="6378712" y="4606734"/>
+            <a:ext cx="273050" cy="273050"/>
+          </a:xfrm>
+          <a:prstGeom prst="ellipse">
+            <a:avLst/>
+          </a:prstGeom>
+          <a:solidFill>
+            <a:srgbClr val="FFFFFF"/>
+          </a:solidFill>
+          <a:ln w="28575" cmpd="sng">
+            <a:solidFill>
+              <a:srgbClr val="000000"/>
+            </a:solidFill>
+          </a:ln>
+          <a:effectLst/>
+        </p:spPr>
+        <p:style>
+          <a:lnRef idx="1">
+            <a:schemeClr val="accent1"/>
+          </a:lnRef>
+          <a:fillRef idx="3">
+            <a:schemeClr val="accent1"/>
+          </a:fillRef>
+          <a:effectRef idx="2">
+            <a:schemeClr val="accent1"/>
+          </a:effectRef>
+          <a:fontRef idx="minor">
+            <a:schemeClr val="lt1"/>
+          </a:fontRef>
+        </p:style>
+        <p:txBody>
+          <a:bodyPr rtlCol="0" anchor="ctr"/>
+          <a:lstStyle/>
+          <a:p>
+            <a:pPr algn="ctr"/>
+            <a:endParaRPr kumimoji="1" lang="zh-CN" altLang="en-US"/>
+          </a:p>
+        </p:txBody>
+      </p:sp>
+      <p:sp>
+        <p:nvSpPr>
+          <p:cNvPr id="425" name="椭圆 424"/>
+          <p:cNvSpPr/>
+          <p:nvPr/>
+        </p:nvSpPr>
+        <p:spPr>
+          <a:xfrm>
+            <a:off x="6473962" y="3265335"/>
+            <a:ext cx="79375" cy="82550"/>
+          </a:xfrm>
+          <a:prstGeom prst="ellipse">
+            <a:avLst/>
+          </a:prstGeom>
+          <a:solidFill>
+            <a:schemeClr val="tx1"/>
+          </a:solidFill>
+          <a:ln w="9525" cmpd="sng">
+            <a:solidFill>
+              <a:srgbClr val="000000"/>
+            </a:solidFill>
+            <a:headEnd type="none"/>
+            <a:tailEnd type="triangle"/>
+          </a:ln>
+          <a:effectLst/>
+        </p:spPr>
+        <p:style>
+          <a:lnRef idx="1">
+            <a:schemeClr val="accent1"/>
+          </a:lnRef>
+          <a:fillRef idx="3">
+            <a:schemeClr val="accent1"/>
+          </a:fillRef>
+          <a:effectRef idx="2">
+            <a:schemeClr val="accent1"/>
+          </a:effectRef>
+          <a:fontRef idx="minor">
+            <a:schemeClr val="lt1"/>
+          </a:fontRef>
+        </p:style>
+        <p:txBody>
+          <a:bodyPr rtlCol="0" anchor="ctr"/>
+          <a:lstStyle/>
+          <a:p>
+            <a:pPr algn="ctr"/>
+            <a:endParaRPr kumimoji="1" lang="zh-CN" altLang="en-US"/>
+          </a:p>
+        </p:txBody>
+      </p:sp>
+      <p:sp>
+        <p:nvSpPr>
+          <p:cNvPr id="426" name="椭圆 425"/>
+          <p:cNvSpPr/>
+          <p:nvPr/>
+        </p:nvSpPr>
+        <p:spPr>
+          <a:xfrm>
+            <a:off x="6473962" y="4159603"/>
+            <a:ext cx="79375" cy="82550"/>
+          </a:xfrm>
+          <a:prstGeom prst="ellipse">
+            <a:avLst/>
+          </a:prstGeom>
+          <a:solidFill>
+            <a:schemeClr val="tx1"/>
+          </a:solidFill>
+          <a:ln w="9525" cmpd="sng">
+            <a:solidFill>
+              <a:srgbClr val="000000"/>
+            </a:solidFill>
+            <a:headEnd type="none"/>
+            <a:tailEnd type="triangle"/>
+          </a:ln>
+          <a:effectLst/>
+        </p:spPr>
+        <p:style>
+          <a:lnRef idx="1">
+            <a:schemeClr val="accent1"/>
+          </a:lnRef>
+          <a:fillRef idx="3">
+            <a:schemeClr val="accent1"/>
+          </a:fillRef>
+          <a:effectRef idx="2">
+            <a:schemeClr val="accent1"/>
+          </a:effectRef>
+          <a:fontRef idx="minor">
+            <a:schemeClr val="lt1"/>
+          </a:fontRef>
+        </p:style>
+        <p:txBody>
+          <a:bodyPr rtlCol="0" anchor="ctr"/>
+          <a:lstStyle/>
+          <a:p>
+            <a:pPr algn="ctr"/>
+            <a:endParaRPr kumimoji="1" lang="zh-CN" altLang="en-US"/>
+          </a:p>
+        </p:txBody>
+      </p:sp>
+      <p:sp>
+        <p:nvSpPr>
+          <p:cNvPr id="427" name="椭圆 426"/>
+          <p:cNvSpPr/>
+          <p:nvPr/>
+        </p:nvSpPr>
+        <p:spPr>
+          <a:xfrm>
+            <a:off x="6473962" y="3712469"/>
+            <a:ext cx="79375" cy="82550"/>
+          </a:xfrm>
+          <a:prstGeom prst="ellipse">
+            <a:avLst/>
+          </a:prstGeom>
+          <a:solidFill>
+            <a:schemeClr val="tx1"/>
+          </a:solidFill>
+          <a:ln w="9525" cmpd="sng">
+            <a:solidFill>
+              <a:srgbClr val="000000"/>
+            </a:solidFill>
+            <a:headEnd type="none"/>
+            <a:tailEnd type="triangle"/>
+          </a:ln>
+          <a:effectLst/>
+        </p:spPr>
+        <p:style>
+          <a:lnRef idx="1">
+            <a:schemeClr val="accent1"/>
+          </a:lnRef>
+          <a:fillRef idx="3">
+            <a:schemeClr val="accent1"/>
+          </a:fillRef>
+          <a:effectRef idx="2">
+            <a:schemeClr val="accent1"/>
+          </a:effectRef>
+          <a:fontRef idx="minor">
+            <a:schemeClr val="lt1"/>
+          </a:fontRef>
+        </p:style>
+        <p:txBody>
+          <a:bodyPr rtlCol="0" anchor="ctr"/>
+          <a:lstStyle/>
+          <a:p>
+            <a:pPr algn="ctr"/>
+            <a:endParaRPr kumimoji="1" lang="zh-CN" altLang="en-US"/>
+          </a:p>
+        </p:txBody>
+      </p:sp>
+      <p:cxnSp>
+        <p:nvCxnSpPr>
+          <p:cNvPr id="429" name="直线箭头连接符 428"/>
+          <p:cNvCxnSpPr>
+            <a:cxnSpLocks/>
+            <a:stCxn id="306" idx="6"/>
+            <a:endCxn id="422" idx="2"/>
+          </p:cNvCxnSpPr>
+          <p:nvPr/>
+        </p:nvCxnSpPr>
+        <p:spPr>
+          <a:xfrm>
+            <a:off x="5692305" y="1107955"/>
+            <a:ext cx="686407" cy="1018637"/>
+          </a:xfrm>
+          <a:prstGeom prst="straightConnector1">
+            <a:avLst/>
+          </a:prstGeom>
+          <a:ln w="9525" cmpd="sng">
+            <a:solidFill>
+              <a:srgbClr val="000000"/>
+            </a:solidFill>
+            <a:headEnd type="none"/>
+            <a:tailEnd type="triangle"/>
+          </a:ln>
+          <a:effectLst/>
+        </p:spPr>
+        <p:style>
+          <a:lnRef idx="2">
+            <a:schemeClr val="accent1"/>
+          </a:lnRef>
+          <a:fillRef idx="0">
+            <a:schemeClr val="accent1"/>
+          </a:fillRef>
+          <a:effectRef idx="1">
+            <a:schemeClr val="accent1"/>
+          </a:effectRef>
+          <a:fontRef idx="minor">
+            <a:schemeClr val="tx1"/>
+          </a:fontRef>
+        </p:style>
+      </p:cxnSp>
+      <p:cxnSp>
+        <p:nvCxnSpPr>
+          <p:cNvPr id="431" name="直线箭头连接符 430"/>
+          <p:cNvCxnSpPr>
+            <a:cxnSpLocks/>
+            <a:stCxn id="306" idx="6"/>
+            <a:endCxn id="423" idx="2"/>
+          </p:cNvCxnSpPr>
+          <p:nvPr/>
+        </p:nvCxnSpPr>
+        <p:spPr>
+          <a:xfrm>
+            <a:off x="5692305" y="1107955"/>
+            <a:ext cx="686407" cy="1656271"/>
+          </a:xfrm>
+          <a:prstGeom prst="straightConnector1">
+            <a:avLst/>
+          </a:prstGeom>
+          <a:ln w="9525" cmpd="sng">
+            <a:solidFill>
+              <a:srgbClr val="000000"/>
+            </a:solidFill>
+            <a:headEnd type="none"/>
+            <a:tailEnd type="triangle"/>
+          </a:ln>
+          <a:effectLst/>
+        </p:spPr>
+        <p:style>
+          <a:lnRef idx="2">
+            <a:schemeClr val="accent1"/>
+          </a:lnRef>
+          <a:fillRef idx="0">
+            <a:schemeClr val="accent1"/>
+          </a:fillRef>
+          <a:effectRef idx="1">
+            <a:schemeClr val="accent1"/>
+          </a:effectRef>
+          <a:fontRef idx="minor">
+            <a:schemeClr val="tx1"/>
+          </a:fontRef>
+        </p:style>
+      </p:cxnSp>
+      <p:cxnSp>
+        <p:nvCxnSpPr>
+          <p:cNvPr id="433" name="直线箭头连接符 432"/>
+          <p:cNvCxnSpPr>
+            <a:cxnSpLocks/>
+            <a:stCxn id="306" idx="6"/>
+            <a:endCxn id="424" idx="2"/>
+          </p:cNvCxnSpPr>
+          <p:nvPr/>
+        </p:nvCxnSpPr>
+        <p:spPr>
+          <a:xfrm>
+            <a:off x="5692305" y="1107955"/>
+            <a:ext cx="686407" cy="3635304"/>
+          </a:xfrm>
+          <a:prstGeom prst="straightConnector1">
+            <a:avLst/>
+          </a:prstGeom>
+          <a:ln w="9525" cmpd="sng">
+            <a:solidFill>
+              <a:srgbClr val="000000"/>
+            </a:solidFill>
+            <a:headEnd type="none"/>
+            <a:tailEnd type="triangle"/>
+          </a:ln>
+          <a:effectLst/>
+        </p:spPr>
+        <p:style>
+          <a:lnRef idx="2">
+            <a:schemeClr val="accent1"/>
+          </a:lnRef>
+          <a:fillRef idx="0">
+            <a:schemeClr val="accent1"/>
+          </a:fillRef>
+          <a:effectRef idx="1">
+            <a:schemeClr val="accent1"/>
+          </a:effectRef>
+          <a:fontRef idx="minor">
+            <a:schemeClr val="tx1"/>
+          </a:fontRef>
+        </p:style>
+      </p:cxnSp>
+      <p:cxnSp>
+        <p:nvCxnSpPr>
+          <p:cNvPr id="435" name="直线箭头连接符 434"/>
+          <p:cNvCxnSpPr>
+            <a:cxnSpLocks/>
+            <a:stCxn id="307" idx="6"/>
+            <a:endCxn id="422" idx="2"/>
+          </p:cNvCxnSpPr>
+          <p:nvPr/>
+        </p:nvCxnSpPr>
+        <p:spPr>
+          <a:xfrm>
+            <a:off x="5692305" y="1745589"/>
+            <a:ext cx="686407" cy="381003"/>
+          </a:xfrm>
+          <a:prstGeom prst="straightConnector1">
+            <a:avLst/>
+          </a:prstGeom>
+          <a:ln w="9525" cmpd="sng">
+            <a:solidFill>
+              <a:srgbClr val="000000"/>
+            </a:solidFill>
+            <a:headEnd type="none"/>
+            <a:tailEnd type="triangle"/>
+          </a:ln>
+          <a:effectLst/>
+        </p:spPr>
+        <p:style>
+          <a:lnRef idx="2">
+            <a:schemeClr val="accent1"/>
+          </a:lnRef>
+          <a:fillRef idx="0">
+            <a:schemeClr val="accent1"/>
+          </a:fillRef>
+          <a:effectRef idx="1">
+            <a:schemeClr val="accent1"/>
+          </a:effectRef>
+          <a:fontRef idx="minor">
+            <a:schemeClr val="tx1"/>
+          </a:fontRef>
+        </p:style>
+      </p:cxnSp>
+      <p:cxnSp>
+        <p:nvCxnSpPr>
+          <p:cNvPr id="437" name="直线箭头连接符 436"/>
+          <p:cNvCxnSpPr>
+            <a:cxnSpLocks/>
+            <a:stCxn id="307" idx="6"/>
+            <a:endCxn id="423" idx="2"/>
+          </p:cNvCxnSpPr>
+          <p:nvPr/>
+        </p:nvCxnSpPr>
+        <p:spPr>
+          <a:xfrm>
+            <a:off x="5692305" y="1745589"/>
+            <a:ext cx="686407" cy="1018637"/>
+          </a:xfrm>
+          <a:prstGeom prst="straightConnector1">
+            <a:avLst/>
+          </a:prstGeom>
+          <a:ln w="9525" cmpd="sng">
+            <a:solidFill>
+              <a:srgbClr val="000000"/>
+            </a:solidFill>
+            <a:headEnd type="none"/>
+            <a:tailEnd type="triangle"/>
+          </a:ln>
+          <a:effectLst/>
+        </p:spPr>
+        <p:style>
+          <a:lnRef idx="2">
+            <a:schemeClr val="accent1"/>
+          </a:lnRef>
+          <a:fillRef idx="0">
+            <a:schemeClr val="accent1"/>
+          </a:fillRef>
+          <a:effectRef idx="1">
+            <a:schemeClr val="accent1"/>
+          </a:effectRef>
+          <a:fontRef idx="minor">
+            <a:schemeClr val="tx1"/>
+          </a:fontRef>
+        </p:style>
+      </p:cxnSp>
+      <p:cxnSp>
+        <p:nvCxnSpPr>
+          <p:cNvPr id="439" name="直线箭头连接符 438"/>
+          <p:cNvCxnSpPr>
+            <a:cxnSpLocks/>
+            <a:stCxn id="307" idx="6"/>
+            <a:endCxn id="424" idx="2"/>
+          </p:cNvCxnSpPr>
+          <p:nvPr/>
+        </p:nvCxnSpPr>
+        <p:spPr>
+          <a:xfrm>
+            <a:off x="5692305" y="1745589"/>
+            <a:ext cx="686407" cy="2997670"/>
+          </a:xfrm>
+          <a:prstGeom prst="straightConnector1">
+            <a:avLst/>
+          </a:prstGeom>
+          <a:ln w="9525" cmpd="sng">
+            <a:solidFill>
+              <a:srgbClr val="000000"/>
+            </a:solidFill>
+            <a:headEnd type="none"/>
+            <a:tailEnd type="triangle"/>
+          </a:ln>
+          <a:effectLst/>
+        </p:spPr>
+        <p:style>
+          <a:lnRef idx="2">
+            <a:schemeClr val="accent1"/>
+          </a:lnRef>
+          <a:fillRef idx="0">
+            <a:schemeClr val="accent1"/>
+          </a:fillRef>
+          <a:effectRef idx="1">
+            <a:schemeClr val="accent1"/>
+          </a:effectRef>
+          <a:fontRef idx="minor">
+            <a:schemeClr val="tx1"/>
+          </a:fontRef>
+        </p:style>
+      </p:cxnSp>
+      <p:cxnSp>
+        <p:nvCxnSpPr>
+          <p:cNvPr id="441" name="直线箭头连接符 440"/>
+          <p:cNvCxnSpPr>
+            <a:cxnSpLocks/>
+            <a:stCxn id="313" idx="6"/>
+            <a:endCxn id="423" idx="2"/>
+          </p:cNvCxnSpPr>
+          <p:nvPr/>
+        </p:nvCxnSpPr>
+        <p:spPr>
+          <a:xfrm>
+            <a:off x="5692305" y="2383223"/>
+            <a:ext cx="686407" cy="381003"/>
+          </a:xfrm>
+          <a:prstGeom prst="straightConnector1">
+            <a:avLst/>
+          </a:prstGeom>
+          <a:ln w="9525" cmpd="sng">
+            <a:solidFill>
+              <a:srgbClr val="000000"/>
+            </a:solidFill>
+            <a:headEnd type="none"/>
+            <a:tailEnd type="triangle"/>
+          </a:ln>
+          <a:effectLst/>
+        </p:spPr>
+        <p:style>
+          <a:lnRef idx="2">
+            <a:schemeClr val="accent1"/>
+          </a:lnRef>
+          <a:fillRef idx="0">
+            <a:schemeClr val="accent1"/>
+          </a:fillRef>
+          <a:effectRef idx="1">
+            <a:schemeClr val="accent1"/>
+          </a:effectRef>
+          <a:fontRef idx="minor">
+            <a:schemeClr val="tx1"/>
+          </a:fontRef>
+        </p:style>
+      </p:cxnSp>
+      <p:cxnSp>
+        <p:nvCxnSpPr>
+          <p:cNvPr id="443" name="直线箭头连接符 442"/>
+          <p:cNvCxnSpPr>
+            <a:cxnSpLocks/>
+            <a:stCxn id="313" idx="6"/>
+            <a:endCxn id="422" idx="2"/>
+          </p:cNvCxnSpPr>
+          <p:nvPr/>
+        </p:nvCxnSpPr>
+        <p:spPr>
+          <a:xfrm flipV="1">
+            <a:off x="5692305" y="2126592"/>
+            <a:ext cx="686407" cy="256631"/>
+          </a:xfrm>
+          <a:prstGeom prst="straightConnector1">
+            <a:avLst/>
+          </a:prstGeom>
+          <a:ln w="9525" cmpd="sng">
+            <a:solidFill>
+              <a:srgbClr val="000000"/>
+            </a:solidFill>
+            <a:headEnd type="none"/>
+            <a:tailEnd type="triangle"/>
+          </a:ln>
+          <a:effectLst/>
+        </p:spPr>
+        <p:style>
+          <a:lnRef idx="2">
+            <a:schemeClr val="accent1"/>
+          </a:lnRef>
+          <a:fillRef idx="0">
+            <a:schemeClr val="accent1"/>
+          </a:fillRef>
+          <a:effectRef idx="1">
+            <a:schemeClr val="accent1"/>
+          </a:effectRef>
+          <a:fontRef idx="minor">
+            <a:schemeClr val="tx1"/>
+          </a:fontRef>
+        </p:style>
+      </p:cxnSp>
+      <p:cxnSp>
+        <p:nvCxnSpPr>
+          <p:cNvPr id="445" name="直线箭头连接符 444"/>
+          <p:cNvCxnSpPr>
+            <a:cxnSpLocks/>
+            <a:stCxn id="313" idx="6"/>
+            <a:endCxn id="424" idx="2"/>
+          </p:cNvCxnSpPr>
+          <p:nvPr/>
+        </p:nvCxnSpPr>
+        <p:spPr>
+          <a:xfrm>
+            <a:off x="5692305" y="2383223"/>
+            <a:ext cx="686407" cy="2360036"/>
+          </a:xfrm>
+          <a:prstGeom prst="straightConnector1">
+            <a:avLst/>
+          </a:prstGeom>
+          <a:ln w="9525" cmpd="sng">
+            <a:solidFill>
+              <a:srgbClr val="000000"/>
+            </a:solidFill>
+            <a:headEnd type="none"/>
+            <a:tailEnd type="triangle"/>
+          </a:ln>
+          <a:effectLst/>
+        </p:spPr>
+        <p:style>
+          <a:lnRef idx="2">
+            <a:schemeClr val="accent1"/>
+          </a:lnRef>
+          <a:fillRef idx="0">
+            <a:schemeClr val="accent1"/>
+          </a:fillRef>
+          <a:effectRef idx="1">
+            <a:schemeClr val="accent1"/>
+          </a:effectRef>
+          <a:fontRef idx="minor">
+            <a:schemeClr val="tx1"/>
+          </a:fontRef>
+        </p:style>
+      </p:cxnSp>
+      <p:cxnSp>
+        <p:nvCxnSpPr>
+          <p:cNvPr id="447" name="直线箭头连接符 446"/>
+          <p:cNvCxnSpPr>
+            <a:cxnSpLocks/>
+            <a:stCxn id="314" idx="6"/>
+            <a:endCxn id="422" idx="2"/>
+          </p:cNvCxnSpPr>
+          <p:nvPr/>
+        </p:nvCxnSpPr>
+        <p:spPr>
+          <a:xfrm flipV="1">
+            <a:off x="5692305" y="2126592"/>
+            <a:ext cx="686407" cy="894265"/>
+          </a:xfrm>
+          <a:prstGeom prst="straightConnector1">
+            <a:avLst/>
+          </a:prstGeom>
+          <a:ln w="9525" cmpd="sng">
+            <a:solidFill>
+              <a:srgbClr val="000000"/>
+            </a:solidFill>
+            <a:headEnd type="none"/>
+            <a:tailEnd type="triangle"/>
+          </a:ln>
+          <a:effectLst/>
+        </p:spPr>
+        <p:style>
+          <a:lnRef idx="2">
+            <a:schemeClr val="accent1"/>
+          </a:lnRef>
+          <a:fillRef idx="0">
+            <a:schemeClr val="accent1"/>
+          </a:fillRef>
+          <a:effectRef idx="1">
+            <a:schemeClr val="accent1"/>
+          </a:effectRef>
+          <a:fontRef idx="minor">
+            <a:schemeClr val="tx1"/>
+          </a:fontRef>
+        </p:style>
+      </p:cxnSp>
+      <p:cxnSp>
+        <p:nvCxnSpPr>
+          <p:cNvPr id="449" name="直线箭头连接符 448"/>
+          <p:cNvCxnSpPr>
+            <a:cxnSpLocks/>
+            <a:stCxn id="314" idx="6"/>
+            <a:endCxn id="423" idx="2"/>
+          </p:cNvCxnSpPr>
+          <p:nvPr/>
+        </p:nvCxnSpPr>
+        <p:spPr>
+          <a:xfrm flipV="1">
+            <a:off x="5692305" y="2764226"/>
+            <a:ext cx="686407" cy="256631"/>
+          </a:xfrm>
+          <a:prstGeom prst="straightConnector1">
+            <a:avLst/>
+          </a:prstGeom>
+          <a:ln w="9525" cmpd="sng">
+            <a:solidFill>
+              <a:srgbClr val="000000"/>
+            </a:solidFill>
+            <a:headEnd type="none"/>
+            <a:tailEnd type="triangle"/>
+          </a:ln>
+          <a:effectLst/>
+        </p:spPr>
+        <p:style>
+          <a:lnRef idx="2">
+            <a:schemeClr val="accent1"/>
+          </a:lnRef>
+          <a:fillRef idx="0">
+            <a:schemeClr val="accent1"/>
+          </a:fillRef>
+          <a:effectRef idx="1">
+            <a:schemeClr val="accent1"/>
+          </a:effectRef>
+          <a:fontRef idx="minor">
+            <a:schemeClr val="tx1"/>
+          </a:fontRef>
+        </p:style>
+      </p:cxnSp>
+      <p:cxnSp>
+        <p:nvCxnSpPr>
+          <p:cNvPr id="451" name="直线箭头连接符 450"/>
+          <p:cNvCxnSpPr>
+            <a:cxnSpLocks/>
+            <a:stCxn id="314" idx="6"/>
+            <a:endCxn id="424" idx="2"/>
+          </p:cNvCxnSpPr>
+          <p:nvPr/>
+        </p:nvCxnSpPr>
+        <p:spPr>
+          <a:xfrm>
+            <a:off x="5692305" y="3020857"/>
+            <a:ext cx="686407" cy="1722402"/>
+          </a:xfrm>
+          <a:prstGeom prst="straightConnector1">
+            <a:avLst/>
+          </a:prstGeom>
+          <a:ln w="9525" cmpd="sng">
+            <a:solidFill>
+              <a:srgbClr val="000000"/>
+            </a:solidFill>
+            <a:headEnd type="none"/>
+            <a:tailEnd type="triangle"/>
+          </a:ln>
+          <a:effectLst/>
+        </p:spPr>
+        <p:style>
+          <a:lnRef idx="2">
+            <a:schemeClr val="accent1"/>
+          </a:lnRef>
+          <a:fillRef idx="0">
+            <a:schemeClr val="accent1"/>
+          </a:fillRef>
+          <a:effectRef idx="1">
+            <a:schemeClr val="accent1"/>
+          </a:effectRef>
+          <a:fontRef idx="minor">
+            <a:schemeClr val="tx1"/>
+          </a:fontRef>
+        </p:style>
+      </p:cxnSp>
+      <p:cxnSp>
+        <p:nvCxnSpPr>
+          <p:cNvPr id="453" name="直线箭头连接符 452"/>
+          <p:cNvCxnSpPr>
+            <a:cxnSpLocks/>
+            <a:stCxn id="315" idx="6"/>
+            <a:endCxn id="422" idx="2"/>
+          </p:cNvCxnSpPr>
+          <p:nvPr/>
+        </p:nvCxnSpPr>
+        <p:spPr>
+          <a:xfrm flipV="1">
+            <a:off x="5692305" y="2126592"/>
+            <a:ext cx="686407" cy="1531899"/>
+          </a:xfrm>
+          <a:prstGeom prst="straightConnector1">
+            <a:avLst/>
+          </a:prstGeom>
+          <a:ln w="9525" cmpd="sng">
+            <a:solidFill>
+              <a:srgbClr val="000000"/>
+            </a:solidFill>
+            <a:headEnd type="none"/>
+            <a:tailEnd type="triangle"/>
+          </a:ln>
+          <a:effectLst/>
+        </p:spPr>
+        <p:style>
+          <a:lnRef idx="2">
+            <a:schemeClr val="accent1"/>
+          </a:lnRef>
+          <a:fillRef idx="0">
+            <a:schemeClr val="accent1"/>
+          </a:fillRef>
+          <a:effectRef idx="1">
+            <a:schemeClr val="accent1"/>
+          </a:effectRef>
+          <a:fontRef idx="minor">
+            <a:schemeClr val="tx1"/>
+          </a:fontRef>
+        </p:style>
+      </p:cxnSp>
+      <p:cxnSp>
+        <p:nvCxnSpPr>
+          <p:cNvPr id="455" name="直线箭头连接符 454"/>
+          <p:cNvCxnSpPr>
+            <a:cxnSpLocks/>
+            <a:stCxn id="315" idx="6"/>
+            <a:endCxn id="423" idx="2"/>
+          </p:cNvCxnSpPr>
+          <p:nvPr/>
+        </p:nvCxnSpPr>
+        <p:spPr>
+          <a:xfrm flipV="1">
+            <a:off x="5692305" y="2764226"/>
+            <a:ext cx="686407" cy="894265"/>
+          </a:xfrm>
+          <a:prstGeom prst="straightConnector1">
+            <a:avLst/>
+          </a:prstGeom>
+          <a:ln w="9525" cmpd="sng">
+            <a:solidFill>
+              <a:srgbClr val="000000"/>
+            </a:solidFill>
+            <a:headEnd type="none"/>
+            <a:tailEnd type="triangle"/>
+          </a:ln>
+          <a:effectLst/>
+        </p:spPr>
+        <p:style>
+          <a:lnRef idx="2">
+            <a:schemeClr val="accent1"/>
+          </a:lnRef>
+          <a:fillRef idx="0">
+            <a:schemeClr val="accent1"/>
+          </a:fillRef>
+          <a:effectRef idx="1">
+            <a:schemeClr val="accent1"/>
+          </a:effectRef>
+          <a:fontRef idx="minor">
+            <a:schemeClr val="tx1"/>
+          </a:fontRef>
+        </p:style>
+      </p:cxnSp>
+      <p:cxnSp>
+        <p:nvCxnSpPr>
+          <p:cNvPr id="457" name="直线箭头连接符 456"/>
+          <p:cNvCxnSpPr>
+            <a:cxnSpLocks/>
+            <a:stCxn id="315" idx="6"/>
+            <a:endCxn id="424" idx="2"/>
+          </p:cNvCxnSpPr>
+          <p:nvPr/>
+        </p:nvCxnSpPr>
+        <p:spPr>
+          <a:xfrm>
+            <a:off x="5692305" y="3658491"/>
+            <a:ext cx="686407" cy="1084768"/>
+          </a:xfrm>
+          <a:prstGeom prst="straightConnector1">
+            <a:avLst/>
+          </a:prstGeom>
+          <a:ln w="9525" cmpd="sng">
+            <a:solidFill>
+              <a:srgbClr val="000000"/>
+            </a:solidFill>
+            <a:headEnd type="none"/>
+            <a:tailEnd type="triangle"/>
+          </a:ln>
+          <a:effectLst/>
+        </p:spPr>
+        <p:style>
+          <a:lnRef idx="2">
+            <a:schemeClr val="accent1"/>
+          </a:lnRef>
+          <a:fillRef idx="0">
+            <a:schemeClr val="accent1"/>
+          </a:fillRef>
+          <a:effectRef idx="1">
+            <a:schemeClr val="accent1"/>
+          </a:effectRef>
+          <a:fontRef idx="minor">
+            <a:schemeClr val="tx1"/>
+          </a:fontRef>
+        </p:style>
+      </p:cxnSp>
+      <p:cxnSp>
+        <p:nvCxnSpPr>
+          <p:cNvPr id="459" name="直线箭头连接符 458"/>
+          <p:cNvCxnSpPr>
+            <a:cxnSpLocks/>
+            <a:endCxn id="422" idx="2"/>
+          </p:cNvCxnSpPr>
+          <p:nvPr/>
+        </p:nvCxnSpPr>
+        <p:spPr>
+          <a:xfrm flipV="1">
+            <a:off x="5575221" y="2126592"/>
+            <a:ext cx="803491" cy="3414110"/>
+          </a:xfrm>
+          <a:prstGeom prst="straightConnector1">
+            <a:avLst/>
+          </a:prstGeom>
+          <a:ln w="9525" cmpd="sng">
+            <a:solidFill>
+              <a:srgbClr val="000000"/>
+            </a:solidFill>
+            <a:headEnd type="none"/>
+            <a:tailEnd type="triangle"/>
+          </a:ln>
+          <a:effectLst/>
+        </p:spPr>
+        <p:style>
+          <a:lnRef idx="2">
+            <a:schemeClr val="accent1"/>
+          </a:lnRef>
+          <a:fillRef idx="0">
+            <a:schemeClr val="accent1"/>
+          </a:fillRef>
+          <a:effectRef idx="1">
+            <a:schemeClr val="accent1"/>
+          </a:effectRef>
+          <a:fontRef idx="minor">
+            <a:schemeClr val="tx1"/>
+          </a:fontRef>
+        </p:style>
+      </p:cxnSp>
+      <p:cxnSp>
+        <p:nvCxnSpPr>
+          <p:cNvPr id="461" name="直线箭头连接符 460"/>
+          <p:cNvCxnSpPr>
+            <a:cxnSpLocks/>
+            <a:endCxn id="423" idx="2"/>
+          </p:cNvCxnSpPr>
+          <p:nvPr/>
+        </p:nvCxnSpPr>
+        <p:spPr>
+          <a:xfrm flipV="1">
+            <a:off x="5575221" y="2764226"/>
+            <a:ext cx="803491" cy="2776476"/>
+          </a:xfrm>
+          <a:prstGeom prst="straightConnector1">
+            <a:avLst/>
+          </a:prstGeom>
+          <a:ln w="9525" cmpd="sng">
+            <a:solidFill>
+              <a:srgbClr val="000000"/>
+            </a:solidFill>
+            <a:headEnd type="none"/>
+            <a:tailEnd type="triangle"/>
+          </a:ln>
+          <a:effectLst/>
+        </p:spPr>
+        <p:style>
+          <a:lnRef idx="2">
+            <a:schemeClr val="accent1"/>
+          </a:lnRef>
+          <a:fillRef idx="0">
+            <a:schemeClr val="accent1"/>
+          </a:fillRef>
+          <a:effectRef idx="1">
+            <a:schemeClr val="accent1"/>
+          </a:effectRef>
+          <a:fontRef idx="minor">
+            <a:schemeClr val="tx1"/>
+          </a:fontRef>
+        </p:style>
+      </p:cxnSp>
+      <p:cxnSp>
+        <p:nvCxnSpPr>
+          <p:cNvPr id="464" name="直线箭头连接符 463"/>
+          <p:cNvCxnSpPr>
+            <a:cxnSpLocks/>
+            <a:endCxn id="424" idx="2"/>
+          </p:cNvCxnSpPr>
+          <p:nvPr/>
+        </p:nvCxnSpPr>
+        <p:spPr>
+          <a:xfrm flipV="1">
+            <a:off x="5575221" y="4743259"/>
+            <a:ext cx="803491" cy="797443"/>
+          </a:xfrm>
+          <a:prstGeom prst="straightConnector1">
+            <a:avLst/>
+          </a:prstGeom>
+          <a:ln w="9525" cmpd="sng">
+            <a:solidFill>
+              <a:srgbClr val="000000"/>
+            </a:solidFill>
+            <a:headEnd type="none"/>
+            <a:tailEnd type="triangle"/>
+          </a:ln>
+          <a:effectLst/>
+        </p:spPr>
+        <p:style>
+          <a:lnRef idx="2">
+            <a:schemeClr val="accent1"/>
+          </a:lnRef>
+          <a:fillRef idx="0">
+            <a:schemeClr val="accent1"/>
+          </a:fillRef>
+          <a:effectRef idx="1">
+            <a:schemeClr val="accent1"/>
+          </a:effectRef>
+          <a:fontRef idx="minor">
+            <a:schemeClr val="tx1"/>
+          </a:fontRef>
+        </p:style>
+      </p:cxnSp>
+      <p:sp>
+        <p:nvSpPr>
+          <p:cNvPr id="251" name="椭圆 250">
+            <a:extLst>
+              <a:ext uri="{FF2B5EF4-FFF2-40B4-BE49-F238E27FC236}">
+                <a16:creationId xmlns:a16="http://schemas.microsoft.com/office/drawing/2014/main" id="{EE7EDF26-D337-4BE1-8CFA-CDEB7F5372C3}"/>
+              </a:ext>
+            </a:extLst>
+          </p:cNvPr>
+          <p:cNvSpPr/>
+          <p:nvPr/>
+        </p:nvSpPr>
+        <p:spPr>
+          <a:xfrm>
+            <a:off x="1841233" y="5446368"/>
+            <a:ext cx="79375" cy="82550"/>
+          </a:xfrm>
+          <a:prstGeom prst="ellipse">
+            <a:avLst/>
+          </a:prstGeom>
+          <a:solidFill>
+            <a:schemeClr val="tx1"/>
+          </a:solidFill>
+          <a:ln>
+            <a:solidFill>
+              <a:srgbClr val="000000"/>
+            </a:solidFill>
+          </a:ln>
+          <a:effectLst/>
+        </p:spPr>
+        <p:style>
+          <a:lnRef idx="1">
+            <a:schemeClr val="accent1"/>
+          </a:lnRef>
+          <a:fillRef idx="3">
+            <a:schemeClr val="accent1"/>
+          </a:fillRef>
+          <a:effectRef idx="2">
+            <a:schemeClr val="accent1"/>
+          </a:effectRef>
+          <a:fontRef idx="minor">
+            <a:schemeClr val="lt1"/>
+          </a:fontRef>
+        </p:style>
+        <p:txBody>
+          <a:bodyPr rtlCol="0" anchor="ctr"/>
+          <a:lstStyle/>
+          <a:p>
+            <a:pPr algn="ctr"/>
+            <a:endParaRPr kumimoji="1" lang="zh-CN" altLang="en-US"/>
+          </a:p>
+        </p:txBody>
+      </p:sp>
+      <p:sp>
+        <p:nvSpPr>
+          <p:cNvPr id="252" name="椭圆 251">
+            <a:extLst>
+              <a:ext uri="{FF2B5EF4-FFF2-40B4-BE49-F238E27FC236}">
+                <a16:creationId xmlns:a16="http://schemas.microsoft.com/office/drawing/2014/main" id="{A6734ACE-74B5-4343-9FF5-22C566C4C64D}"/>
+              </a:ext>
+            </a:extLst>
+          </p:cNvPr>
+          <p:cNvSpPr/>
+          <p:nvPr/>
+        </p:nvSpPr>
+        <p:spPr>
+          <a:xfrm>
+            <a:off x="1959268" y="5560023"/>
+            <a:ext cx="79375" cy="82550"/>
+          </a:xfrm>
+          <a:prstGeom prst="ellipse">
+            <a:avLst/>
+          </a:prstGeom>
+          <a:solidFill>
+            <a:schemeClr val="tx1"/>
+          </a:solidFill>
+          <a:ln>
+            <a:solidFill>
+              <a:srgbClr val="000000"/>
+            </a:solidFill>
+          </a:ln>
+          <a:effectLst/>
+        </p:spPr>
+        <p:style>
+          <a:lnRef idx="1">
+            <a:schemeClr val="accent1"/>
+          </a:lnRef>
+          <a:fillRef idx="3">
+            <a:schemeClr val="accent1"/>
+          </a:fillRef>
+          <a:effectRef idx="2">
+            <a:schemeClr val="accent1"/>
+          </a:effectRef>
+          <a:fontRef idx="minor">
+            <a:schemeClr val="lt1"/>
+          </a:fontRef>
+        </p:style>
+        <p:txBody>
+          <a:bodyPr rtlCol="0" anchor="ctr"/>
+          <a:lstStyle/>
+          <a:p>
+            <a:pPr algn="ctr"/>
+            <a:endParaRPr kumimoji="1" lang="zh-CN" altLang="en-US"/>
+          </a:p>
+        </p:txBody>
+      </p:sp>
+      <p:sp>
+        <p:nvSpPr>
+          <p:cNvPr id="254" name="矩形 253">
+            <a:extLst>
+              <a:ext uri="{FF2B5EF4-FFF2-40B4-BE49-F238E27FC236}">
+                <a16:creationId xmlns:a16="http://schemas.microsoft.com/office/drawing/2014/main" id="{A454004E-1AEA-479D-B9FC-22140E00FBD2}"/>
+              </a:ext>
+            </a:extLst>
+          </p:cNvPr>
+          <p:cNvSpPr/>
+          <p:nvPr/>
+        </p:nvSpPr>
+        <p:spPr>
+          <a:xfrm>
+            <a:off x="1735446" y="4335389"/>
+            <a:ext cx="273051" cy="146050"/>
+          </a:xfrm>
+          <a:prstGeom prst="rect">
+            <a:avLst/>
+          </a:prstGeom>
+          <a:ln w="19050" cmpd="sng">
+            <a:solidFill>
+              <a:srgbClr val="000000"/>
+            </a:solidFill>
+          </a:ln>
+          <a:effectLst/>
+        </p:spPr>
+        <p:style>
+          <a:lnRef idx="1">
+            <a:schemeClr val="accent1"/>
+          </a:lnRef>
+          <a:fillRef idx="3">
+            <a:schemeClr val="accent1"/>
+          </a:fillRef>
+          <a:effectRef idx="2">
+            <a:schemeClr val="accent1"/>
+          </a:effectRef>
+          <a:fontRef idx="minor">
+            <a:schemeClr val="lt1"/>
+          </a:fontRef>
+        </p:style>
+        <p:txBody>
+          <a:bodyPr rtlCol="0" anchor="ctr"/>
+          <a:lstStyle/>
+          <a:p>
+            <a:pPr algn="ctr"/>
+            <a:endParaRPr kumimoji="1" lang="zh-CN" altLang="en-US"/>
+          </a:p>
+        </p:txBody>
+      </p:sp>
+      <p:sp>
+        <p:nvSpPr>
+          <p:cNvPr id="308" name="右箭头 12">
+            <a:extLst>
+              <a:ext uri="{FF2B5EF4-FFF2-40B4-BE49-F238E27FC236}">
+                <a16:creationId xmlns:a16="http://schemas.microsoft.com/office/drawing/2014/main" id="{EBB172B2-5985-4DE2-99AC-DA264563F593}"/>
+              </a:ext>
+            </a:extLst>
+          </p:cNvPr>
+          <p:cNvSpPr/>
+          <p:nvPr/>
+        </p:nvSpPr>
+        <p:spPr>
+          <a:xfrm>
+            <a:off x="4322576" y="3032065"/>
+            <a:ext cx="546100" cy="450850"/>
+          </a:xfrm>
+          <a:prstGeom prst="rightArrow">
+            <a:avLst/>
+          </a:prstGeom>
+        </p:spPr>
+        <p:style>
+          <a:lnRef idx="1">
+            <a:schemeClr val="accent1"/>
+          </a:lnRef>
+          <a:fillRef idx="3">
+            <a:schemeClr val="accent1"/>
+          </a:fillRef>
+          <a:effectRef idx="2">
+            <a:schemeClr val="accent1"/>
+          </a:effectRef>
+          <a:fontRef idx="minor">
+            <a:schemeClr val="lt1"/>
+          </a:fontRef>
+        </p:style>
+        <p:txBody>
+          <a:bodyPr rtlCol="0" anchor="ctr"/>
+          <a:lstStyle/>
+          <a:p>
+            <a:pPr algn="ctr"/>
+            <a:endParaRPr kumimoji="1" lang="zh-CN" altLang="en-US"/>
+          </a:p>
+        </p:txBody>
+      </p:sp>
+      <p:sp>
+        <p:nvSpPr>
+          <p:cNvPr id="375" name="椭圆 374">
+            <a:extLst>
+              <a:ext uri="{FF2B5EF4-FFF2-40B4-BE49-F238E27FC236}">
+                <a16:creationId xmlns:a16="http://schemas.microsoft.com/office/drawing/2014/main" id="{E9648532-D0CE-4AC7-AE50-910DFC03B0F4}"/>
+              </a:ext>
+            </a:extLst>
+          </p:cNvPr>
+          <p:cNvSpPr/>
+          <p:nvPr/>
+        </p:nvSpPr>
+        <p:spPr>
+          <a:xfrm>
+            <a:off x="7301155" y="976479"/>
+            <a:ext cx="273050" cy="273050"/>
+          </a:xfrm>
+          <a:prstGeom prst="ellipse">
+            <a:avLst/>
+          </a:prstGeom>
+          <a:solidFill>
+            <a:srgbClr val="FFFFFF"/>
+          </a:solidFill>
+          <a:ln w="28575" cmpd="sng">
+            <a:solidFill>
+              <a:srgbClr val="000000"/>
+            </a:solidFill>
+          </a:ln>
+          <a:effectLst/>
+        </p:spPr>
+        <p:style>
+          <a:lnRef idx="1">
+            <a:schemeClr val="accent1"/>
+          </a:lnRef>
+          <a:fillRef idx="3">
+            <a:schemeClr val="accent1"/>
+          </a:fillRef>
+          <a:effectRef idx="2">
+            <a:schemeClr val="accent1"/>
+          </a:effectRef>
+          <a:fontRef idx="minor">
+            <a:schemeClr val="lt1"/>
+          </a:fontRef>
+        </p:style>
+        <p:txBody>
+          <a:bodyPr rtlCol="0" anchor="ctr"/>
+          <a:lstStyle/>
+          <a:p>
+            <a:pPr algn="ctr"/>
+            <a:endParaRPr kumimoji="1" lang="zh-CN" altLang="en-US"/>
+          </a:p>
+        </p:txBody>
+      </p:sp>
+      <p:sp>
+        <p:nvSpPr>
+          <p:cNvPr id="377" name="椭圆 376">
+            <a:extLst>
+              <a:ext uri="{FF2B5EF4-FFF2-40B4-BE49-F238E27FC236}">
+                <a16:creationId xmlns:a16="http://schemas.microsoft.com/office/drawing/2014/main" id="{3DA0CFA0-C653-4682-BB02-07485EFDDA61}"/>
+              </a:ext>
+            </a:extLst>
+          </p:cNvPr>
+          <p:cNvSpPr/>
+          <p:nvPr/>
+        </p:nvSpPr>
+        <p:spPr>
+          <a:xfrm>
+            <a:off x="7301155" y="1614113"/>
+            <a:ext cx="273050" cy="273050"/>
+          </a:xfrm>
+          <a:prstGeom prst="ellipse">
+            <a:avLst/>
+          </a:prstGeom>
+          <a:solidFill>
+            <a:srgbClr val="FFFFFF"/>
+          </a:solidFill>
+          <a:ln w="28575" cmpd="sng">
+            <a:solidFill>
+              <a:srgbClr val="000000"/>
+            </a:solidFill>
+          </a:ln>
+          <a:effectLst/>
+        </p:spPr>
+        <p:style>
+          <a:lnRef idx="1">
+            <a:schemeClr val="accent1"/>
+          </a:lnRef>
+          <a:fillRef idx="3">
+            <a:schemeClr val="accent1"/>
+          </a:fillRef>
+          <a:effectRef idx="2">
+            <a:schemeClr val="accent1"/>
+          </a:effectRef>
+          <a:fontRef idx="minor">
+            <a:schemeClr val="lt1"/>
+          </a:fontRef>
+        </p:style>
+        <p:txBody>
+          <a:bodyPr rtlCol="0" anchor="ctr"/>
+          <a:lstStyle/>
+          <a:p>
+            <a:pPr algn="ctr"/>
+            <a:endParaRPr kumimoji="1" lang="zh-CN" altLang="en-US"/>
+          </a:p>
+        </p:txBody>
+      </p:sp>
+      <p:sp>
+        <p:nvSpPr>
+          <p:cNvPr id="379" name="椭圆 378">
+            <a:extLst>
+              <a:ext uri="{FF2B5EF4-FFF2-40B4-BE49-F238E27FC236}">
+                <a16:creationId xmlns:a16="http://schemas.microsoft.com/office/drawing/2014/main" id="{4266123A-7A8B-4585-B379-62B94B36AE6C}"/>
+              </a:ext>
+            </a:extLst>
+          </p:cNvPr>
+          <p:cNvSpPr/>
+          <p:nvPr/>
+        </p:nvSpPr>
+        <p:spPr>
+          <a:xfrm>
+            <a:off x="7301155" y="2251747"/>
+            <a:ext cx="273050" cy="273050"/>
+          </a:xfrm>
+          <a:prstGeom prst="ellipse">
+            <a:avLst/>
+          </a:prstGeom>
+          <a:solidFill>
+            <a:srgbClr val="FFFFFF"/>
+          </a:solidFill>
+          <a:ln w="28575" cmpd="sng">
+            <a:solidFill>
+              <a:srgbClr val="000000"/>
+            </a:solidFill>
+          </a:ln>
+          <a:effectLst/>
+        </p:spPr>
+        <p:style>
+          <a:lnRef idx="1">
+            <a:schemeClr val="accent1"/>
+          </a:lnRef>
+          <a:fillRef idx="3">
+            <a:schemeClr val="accent1"/>
+          </a:fillRef>
+          <a:effectRef idx="2">
+            <a:schemeClr val="accent1"/>
+          </a:effectRef>
+          <a:fontRef idx="minor">
+            <a:schemeClr val="lt1"/>
+          </a:fontRef>
+        </p:style>
+        <p:txBody>
+          <a:bodyPr rtlCol="0" anchor="ctr"/>
+          <a:lstStyle/>
+          <a:p>
+            <a:pPr algn="ctr"/>
+            <a:endParaRPr kumimoji="1" lang="zh-CN" altLang="en-US"/>
+          </a:p>
+        </p:txBody>
+      </p:sp>
+      <p:sp>
+        <p:nvSpPr>
+          <p:cNvPr id="381" name="椭圆 380">
+            <a:extLst>
+              <a:ext uri="{FF2B5EF4-FFF2-40B4-BE49-F238E27FC236}">
+                <a16:creationId xmlns:a16="http://schemas.microsoft.com/office/drawing/2014/main" id="{17CC4592-00F2-4FB8-8A1E-3C6CAEA04671}"/>
+              </a:ext>
+            </a:extLst>
+          </p:cNvPr>
+          <p:cNvSpPr/>
+          <p:nvPr/>
+        </p:nvSpPr>
+        <p:spPr>
+          <a:xfrm>
+            <a:off x="7301155" y="2889381"/>
+            <a:ext cx="273050" cy="273050"/>
+          </a:xfrm>
+          <a:prstGeom prst="ellipse">
+            <a:avLst/>
+          </a:prstGeom>
+          <a:solidFill>
+            <a:srgbClr val="FFFFFF"/>
+          </a:solidFill>
+          <a:ln w="28575" cmpd="sng">
+            <a:solidFill>
+              <a:srgbClr val="000000"/>
+            </a:solidFill>
+          </a:ln>
+          <a:effectLst/>
+        </p:spPr>
+        <p:style>
+          <a:lnRef idx="1">
+            <a:schemeClr val="accent1"/>
+          </a:lnRef>
+          <a:fillRef idx="3">
+            <a:schemeClr val="accent1"/>
+          </a:fillRef>
+          <a:effectRef idx="2">
+            <a:schemeClr val="accent1"/>
+          </a:effectRef>
+          <a:fontRef idx="minor">
+            <a:schemeClr val="lt1"/>
+          </a:fontRef>
+        </p:style>
+        <p:txBody>
+          <a:bodyPr rtlCol="0" anchor="ctr"/>
+          <a:lstStyle/>
+          <a:p>
+            <a:pPr algn="ctr"/>
+            <a:endParaRPr kumimoji="1" lang="zh-CN" altLang="en-US"/>
+          </a:p>
+        </p:txBody>
+      </p:sp>
+      <p:sp>
+        <p:nvSpPr>
+          <p:cNvPr id="383" name="椭圆 382">
+            <a:extLst>
+              <a:ext uri="{FF2B5EF4-FFF2-40B4-BE49-F238E27FC236}">
+                <a16:creationId xmlns:a16="http://schemas.microsoft.com/office/drawing/2014/main" id="{A2C58B17-4EE2-4EAD-B4E7-E9F21F730027}"/>
+              </a:ext>
+            </a:extLst>
+          </p:cNvPr>
+          <p:cNvSpPr/>
+          <p:nvPr/>
+        </p:nvSpPr>
+        <p:spPr>
+          <a:xfrm>
+            <a:off x="7301155" y="3527015"/>
+            <a:ext cx="273050" cy="273050"/>
+          </a:xfrm>
+          <a:prstGeom prst="ellipse">
+            <a:avLst/>
+          </a:prstGeom>
+          <a:solidFill>
+            <a:srgbClr val="FFFFFF"/>
+          </a:solidFill>
+          <a:ln w="28575" cmpd="sng">
+            <a:solidFill>
+              <a:srgbClr val="000000"/>
+            </a:solidFill>
+          </a:ln>
+          <a:effectLst/>
+        </p:spPr>
+        <p:style>
+          <a:lnRef idx="1">
+            <a:schemeClr val="accent1"/>
+          </a:lnRef>
+          <a:fillRef idx="3">
+            <a:schemeClr val="accent1"/>
+          </a:fillRef>
+          <a:effectRef idx="2">
+            <a:schemeClr val="accent1"/>
+          </a:effectRef>
+          <a:fontRef idx="minor">
+            <a:schemeClr val="lt1"/>
+          </a:fontRef>
+        </p:style>
+        <p:txBody>
+          <a:bodyPr rtlCol="0" anchor="ctr"/>
+          <a:lstStyle/>
+          <a:p>
+            <a:pPr algn="ctr"/>
+            <a:endParaRPr kumimoji="1" lang="zh-CN" altLang="en-US"/>
+          </a:p>
+        </p:txBody>
+      </p:sp>
+      <p:sp>
+        <p:nvSpPr>
+          <p:cNvPr id="385" name="椭圆 384">
+            <a:extLst>
+              <a:ext uri="{FF2B5EF4-FFF2-40B4-BE49-F238E27FC236}">
+                <a16:creationId xmlns:a16="http://schemas.microsoft.com/office/drawing/2014/main" id="{54A7E4B4-6178-403B-9C5F-CA0693BE9171}"/>
+              </a:ext>
+            </a:extLst>
+          </p:cNvPr>
+          <p:cNvSpPr/>
+          <p:nvPr/>
+        </p:nvSpPr>
+        <p:spPr>
+          <a:xfrm>
+            <a:off x="7301155" y="5506048"/>
+            <a:ext cx="273050" cy="273050"/>
+          </a:xfrm>
+          <a:prstGeom prst="ellipse">
+            <a:avLst/>
+          </a:prstGeom>
+          <a:solidFill>
+            <a:srgbClr val="FFFFFF"/>
+          </a:solidFill>
+          <a:ln w="28575" cmpd="sng">
+            <a:solidFill>
+              <a:srgbClr val="000000"/>
+            </a:solidFill>
+          </a:ln>
+          <a:effectLst/>
+        </p:spPr>
+        <p:style>
+          <a:lnRef idx="1">
+            <a:schemeClr val="accent1"/>
+          </a:lnRef>
+          <a:fillRef idx="3">
+            <a:schemeClr val="accent1"/>
+          </a:fillRef>
+          <a:effectRef idx="2">
+            <a:schemeClr val="accent1"/>
+          </a:effectRef>
+          <a:fontRef idx="minor">
+            <a:schemeClr val="lt1"/>
+          </a:fontRef>
+        </p:style>
+        <p:txBody>
+          <a:bodyPr rtlCol="0" anchor="ctr"/>
+          <a:lstStyle/>
+          <a:p>
+            <a:pPr algn="ctr"/>
+            <a:endParaRPr kumimoji="1" lang="zh-CN" altLang="en-US"/>
+          </a:p>
+        </p:txBody>
+      </p:sp>
+      <p:sp>
+        <p:nvSpPr>
+          <p:cNvPr id="387" name="椭圆 386">
+            <a:extLst>
+              <a:ext uri="{FF2B5EF4-FFF2-40B4-BE49-F238E27FC236}">
+                <a16:creationId xmlns:a16="http://schemas.microsoft.com/office/drawing/2014/main" id="{4D2766AC-AE5B-4526-B91C-EECE054155C2}"/>
+              </a:ext>
+            </a:extLst>
+          </p:cNvPr>
+          <p:cNvSpPr/>
+          <p:nvPr/>
+        </p:nvSpPr>
+        <p:spPr>
+          <a:xfrm>
+            <a:off x="7396405" y="4164649"/>
+            <a:ext cx="79375" cy="82550"/>
+          </a:xfrm>
+          <a:prstGeom prst="ellipse">
+            <a:avLst/>
+          </a:prstGeom>
+          <a:solidFill>
+            <a:schemeClr val="tx1"/>
+          </a:solidFill>
+          <a:ln w="9525" cmpd="sng">
+            <a:solidFill>
+              <a:srgbClr val="000000"/>
+            </a:solidFill>
+            <a:headEnd type="none"/>
+            <a:tailEnd type="triangle"/>
+          </a:ln>
+          <a:effectLst/>
+        </p:spPr>
+        <p:style>
+          <a:lnRef idx="1">
+            <a:schemeClr val="accent1"/>
+          </a:lnRef>
+          <a:fillRef idx="3">
+            <a:schemeClr val="accent1"/>
+          </a:fillRef>
+          <a:effectRef idx="2">
+            <a:schemeClr val="accent1"/>
+          </a:effectRef>
+          <a:fontRef idx="minor">
+            <a:schemeClr val="lt1"/>
+          </a:fontRef>
+        </p:style>
+        <p:txBody>
+          <a:bodyPr rtlCol="0" anchor="ctr"/>
+          <a:lstStyle/>
+          <a:p>
+            <a:pPr algn="ctr"/>
+            <a:endParaRPr kumimoji="1" lang="zh-CN" altLang="en-US"/>
+          </a:p>
+        </p:txBody>
+      </p:sp>
+      <p:sp>
+        <p:nvSpPr>
+          <p:cNvPr id="389" name="椭圆 388">
+            <a:extLst>
+              <a:ext uri="{FF2B5EF4-FFF2-40B4-BE49-F238E27FC236}">
+                <a16:creationId xmlns:a16="http://schemas.microsoft.com/office/drawing/2014/main" id="{8B4552DD-8FC5-430C-8604-A1078275334D}"/>
+              </a:ext>
+            </a:extLst>
+          </p:cNvPr>
+          <p:cNvSpPr/>
+          <p:nvPr/>
+        </p:nvSpPr>
+        <p:spPr>
+          <a:xfrm>
+            <a:off x="7396405" y="5058917"/>
+            <a:ext cx="79375" cy="82550"/>
+          </a:xfrm>
+          <a:prstGeom prst="ellipse">
+            <a:avLst/>
+          </a:prstGeom>
+          <a:solidFill>
+            <a:schemeClr val="tx1"/>
+          </a:solidFill>
+          <a:ln w="9525" cmpd="sng">
+            <a:solidFill>
+              <a:srgbClr val="000000"/>
+            </a:solidFill>
+            <a:headEnd type="none"/>
+            <a:tailEnd type="triangle"/>
+          </a:ln>
+          <a:effectLst/>
+        </p:spPr>
+        <p:style>
+          <a:lnRef idx="1">
+            <a:schemeClr val="accent1"/>
+          </a:lnRef>
+          <a:fillRef idx="3">
+            <a:schemeClr val="accent1"/>
+          </a:fillRef>
+          <a:effectRef idx="2">
+            <a:schemeClr val="accent1"/>
+          </a:effectRef>
+          <a:fontRef idx="minor">
+            <a:schemeClr val="lt1"/>
+          </a:fontRef>
+        </p:style>
+        <p:txBody>
+          <a:bodyPr rtlCol="0" anchor="ctr"/>
+          <a:lstStyle/>
+          <a:p>
+            <a:pPr algn="ctr"/>
+            <a:endParaRPr kumimoji="1" lang="zh-CN" altLang="en-US"/>
+          </a:p>
+        </p:txBody>
+      </p:sp>
+      <p:sp>
+        <p:nvSpPr>
+          <p:cNvPr id="391" name="椭圆 390">
+            <a:extLst>
+              <a:ext uri="{FF2B5EF4-FFF2-40B4-BE49-F238E27FC236}">
+                <a16:creationId xmlns:a16="http://schemas.microsoft.com/office/drawing/2014/main" id="{0AAFE54F-DA02-45EB-BCCB-5881E64B0165}"/>
+              </a:ext>
+            </a:extLst>
+          </p:cNvPr>
+          <p:cNvSpPr/>
+          <p:nvPr/>
+        </p:nvSpPr>
+        <p:spPr>
+          <a:xfrm>
+            <a:off x="7396405" y="4611783"/>
+            <a:ext cx="79375" cy="82550"/>
+          </a:xfrm>
+          <a:prstGeom prst="ellipse">
+            <a:avLst/>
+          </a:prstGeom>
+          <a:solidFill>
+            <a:schemeClr val="tx1"/>
+          </a:solidFill>
+          <a:ln w="9525" cmpd="sng">
+            <a:solidFill>
+              <a:srgbClr val="000000"/>
+            </a:solidFill>
+            <a:headEnd type="none"/>
+            <a:tailEnd type="triangle"/>
+          </a:ln>
+          <a:effectLst/>
+        </p:spPr>
+        <p:style>
+          <a:lnRef idx="1">
+            <a:schemeClr val="accent1"/>
+          </a:lnRef>
+          <a:fillRef idx="3">
+            <a:schemeClr val="accent1"/>
+          </a:fillRef>
+          <a:effectRef idx="2">
+            <a:schemeClr val="accent1"/>
+          </a:effectRef>
+          <a:fontRef idx="minor">
+            <a:schemeClr val="lt1"/>
+          </a:fontRef>
+        </p:style>
+        <p:txBody>
+          <a:bodyPr rtlCol="0" anchor="ctr"/>
+          <a:lstStyle/>
+          <a:p>
+            <a:pPr algn="ctr"/>
+            <a:endParaRPr kumimoji="1" lang="zh-CN" altLang="en-US"/>
+          </a:p>
+        </p:txBody>
+      </p:sp>
+      <p:cxnSp>
+        <p:nvCxnSpPr>
+          <p:cNvPr id="393" name="直线箭头连接符 428">
+            <a:extLst>
+              <a:ext uri="{FF2B5EF4-FFF2-40B4-BE49-F238E27FC236}">
+                <a16:creationId xmlns:a16="http://schemas.microsoft.com/office/drawing/2014/main" id="{2981C7C3-E0C2-47FA-AAF7-E853FFF55259}"/>
+              </a:ext>
+            </a:extLst>
+          </p:cNvPr>
+          <p:cNvCxnSpPr>
+            <a:cxnSpLocks/>
+            <a:stCxn id="422" idx="6"/>
+            <a:endCxn id="375" idx="2"/>
+          </p:cNvCxnSpPr>
+          <p:nvPr/>
+        </p:nvCxnSpPr>
+        <p:spPr>
+          <a:xfrm flipV="1">
+            <a:off x="6651762" y="1113004"/>
+            <a:ext cx="649393" cy="1013588"/>
+          </a:xfrm>
+          <a:prstGeom prst="straightConnector1">
+            <a:avLst/>
+          </a:prstGeom>
+          <a:ln w="9525" cmpd="sng">
+            <a:solidFill>
+              <a:srgbClr val="000000"/>
+            </a:solidFill>
+            <a:headEnd type="none"/>
+            <a:tailEnd type="triangle"/>
+          </a:ln>
+          <a:effectLst/>
+        </p:spPr>
+        <p:style>
+          <a:lnRef idx="2">
+            <a:schemeClr val="accent1"/>
+          </a:lnRef>
+          <a:fillRef idx="0">
+            <a:schemeClr val="accent1"/>
+          </a:fillRef>
+          <a:effectRef idx="1">
+            <a:schemeClr val="accent1"/>
+          </a:effectRef>
+          <a:fontRef idx="minor">
+            <a:schemeClr val="tx1"/>
+          </a:fontRef>
+        </p:style>
+      </p:cxnSp>
+      <p:cxnSp>
+        <p:nvCxnSpPr>
+          <p:cNvPr id="395" name="直线箭头连接符 428">
+            <a:extLst>
+              <a:ext uri="{FF2B5EF4-FFF2-40B4-BE49-F238E27FC236}">
+                <a16:creationId xmlns:a16="http://schemas.microsoft.com/office/drawing/2014/main" id="{B30D3EE3-569F-482F-A900-545B7B23C45F}"/>
+              </a:ext>
+            </a:extLst>
+          </p:cNvPr>
+          <p:cNvCxnSpPr>
+            <a:cxnSpLocks/>
+            <a:stCxn id="422" idx="6"/>
+            <a:endCxn id="377" idx="2"/>
+          </p:cNvCxnSpPr>
+          <p:nvPr/>
+        </p:nvCxnSpPr>
+        <p:spPr>
+          <a:xfrm flipV="1">
+            <a:off x="6651762" y="1750638"/>
+            <a:ext cx="649393" cy="375954"/>
+          </a:xfrm>
+          <a:prstGeom prst="straightConnector1">
+            <a:avLst/>
+          </a:prstGeom>
+          <a:ln w="9525" cmpd="sng">
+            <a:solidFill>
+              <a:srgbClr val="000000"/>
+            </a:solidFill>
+            <a:headEnd type="none"/>
+            <a:tailEnd type="triangle"/>
+          </a:ln>
+          <a:effectLst/>
+        </p:spPr>
+        <p:style>
+          <a:lnRef idx="2">
+            <a:schemeClr val="accent1"/>
+          </a:lnRef>
+          <a:fillRef idx="0">
+            <a:schemeClr val="accent1"/>
+          </a:fillRef>
+          <a:effectRef idx="1">
+            <a:schemeClr val="accent1"/>
+          </a:effectRef>
+          <a:fontRef idx="minor">
+            <a:schemeClr val="tx1"/>
+          </a:fontRef>
+        </p:style>
+      </p:cxnSp>
+      <p:cxnSp>
+        <p:nvCxnSpPr>
+          <p:cNvPr id="397" name="直线箭头连接符 428">
+            <a:extLst>
+              <a:ext uri="{FF2B5EF4-FFF2-40B4-BE49-F238E27FC236}">
+                <a16:creationId xmlns:a16="http://schemas.microsoft.com/office/drawing/2014/main" id="{D970883D-B962-4035-996D-35BC376B2648}"/>
+              </a:ext>
+            </a:extLst>
+          </p:cNvPr>
+          <p:cNvCxnSpPr>
+            <a:cxnSpLocks/>
+            <a:stCxn id="422" idx="6"/>
+            <a:endCxn id="379" idx="2"/>
+          </p:cNvCxnSpPr>
+          <p:nvPr/>
+        </p:nvCxnSpPr>
+        <p:spPr>
+          <a:xfrm>
+            <a:off x="6651762" y="2126592"/>
+            <a:ext cx="649393" cy="261680"/>
+          </a:xfrm>
+          <a:prstGeom prst="straightConnector1">
+            <a:avLst/>
+          </a:prstGeom>
+          <a:ln w="9525" cmpd="sng">
+            <a:solidFill>
+              <a:srgbClr val="000000"/>
+            </a:solidFill>
+            <a:headEnd type="none"/>
+            <a:tailEnd type="triangle"/>
+          </a:ln>
+          <a:effectLst/>
+        </p:spPr>
+        <p:style>
+          <a:lnRef idx="2">
+            <a:schemeClr val="accent1"/>
+          </a:lnRef>
+          <a:fillRef idx="0">
+            <a:schemeClr val="accent1"/>
+          </a:fillRef>
+          <a:effectRef idx="1">
+            <a:schemeClr val="accent1"/>
+          </a:effectRef>
+          <a:fontRef idx="minor">
+            <a:schemeClr val="tx1"/>
+          </a:fontRef>
+        </p:style>
+      </p:cxnSp>
+      <p:cxnSp>
+        <p:nvCxnSpPr>
+          <p:cNvPr id="399" name="直线箭头连接符 428">
+            <a:extLst>
+              <a:ext uri="{FF2B5EF4-FFF2-40B4-BE49-F238E27FC236}">
+                <a16:creationId xmlns:a16="http://schemas.microsoft.com/office/drawing/2014/main" id="{7C025AC1-68BB-4F0D-AD68-2557ED896CB2}"/>
+              </a:ext>
+            </a:extLst>
+          </p:cNvPr>
+          <p:cNvCxnSpPr>
+            <a:cxnSpLocks/>
+            <a:stCxn id="422" idx="6"/>
+            <a:endCxn id="381" idx="2"/>
+          </p:cNvCxnSpPr>
+          <p:nvPr/>
+        </p:nvCxnSpPr>
+        <p:spPr>
+          <a:xfrm>
+            <a:off x="6651762" y="2126592"/>
+            <a:ext cx="649393" cy="899314"/>
+          </a:xfrm>
+          <a:prstGeom prst="straightConnector1">
+            <a:avLst/>
+          </a:prstGeom>
+          <a:ln w="9525" cmpd="sng">
+            <a:solidFill>
+              <a:srgbClr val="000000"/>
+            </a:solidFill>
+            <a:headEnd type="none"/>
+            <a:tailEnd type="triangle"/>
+          </a:ln>
+          <a:effectLst/>
+        </p:spPr>
+        <p:style>
+          <a:lnRef idx="2">
+            <a:schemeClr val="accent1"/>
+          </a:lnRef>
+          <a:fillRef idx="0">
+            <a:schemeClr val="accent1"/>
+          </a:fillRef>
+          <a:effectRef idx="1">
+            <a:schemeClr val="accent1"/>
+          </a:effectRef>
+          <a:fontRef idx="minor">
+            <a:schemeClr val="tx1"/>
+          </a:fontRef>
+        </p:style>
+      </p:cxnSp>
+      <p:cxnSp>
+        <p:nvCxnSpPr>
+          <p:cNvPr id="401" name="直线箭头连接符 428">
+            <a:extLst>
+              <a:ext uri="{FF2B5EF4-FFF2-40B4-BE49-F238E27FC236}">
+                <a16:creationId xmlns:a16="http://schemas.microsoft.com/office/drawing/2014/main" id="{830A9DBC-E836-4E87-A6F1-A5B73E9CE318}"/>
+              </a:ext>
+            </a:extLst>
+          </p:cNvPr>
+          <p:cNvCxnSpPr>
+            <a:cxnSpLocks/>
+            <a:stCxn id="422" idx="6"/>
+            <a:endCxn id="383" idx="2"/>
+          </p:cNvCxnSpPr>
+          <p:nvPr/>
+        </p:nvCxnSpPr>
+        <p:spPr>
+          <a:xfrm>
+            <a:off x="6651762" y="2126592"/>
+            <a:ext cx="649393" cy="1536948"/>
+          </a:xfrm>
+          <a:prstGeom prst="straightConnector1">
+            <a:avLst/>
+          </a:prstGeom>
+          <a:ln w="9525" cmpd="sng">
+            <a:solidFill>
+              <a:srgbClr val="000000"/>
+            </a:solidFill>
+            <a:headEnd type="none"/>
+            <a:tailEnd type="triangle"/>
+          </a:ln>
+          <a:effectLst/>
+        </p:spPr>
+        <p:style>
+          <a:lnRef idx="2">
+            <a:schemeClr val="accent1"/>
+          </a:lnRef>
+          <a:fillRef idx="0">
+            <a:schemeClr val="accent1"/>
+          </a:fillRef>
+          <a:effectRef idx="1">
+            <a:schemeClr val="accent1"/>
+          </a:effectRef>
+          <a:fontRef idx="minor">
+            <a:schemeClr val="tx1"/>
+          </a:fontRef>
+        </p:style>
+      </p:cxnSp>
+      <p:cxnSp>
+        <p:nvCxnSpPr>
+          <p:cNvPr id="403" name="直线箭头连接符 428">
+            <a:extLst>
+              <a:ext uri="{FF2B5EF4-FFF2-40B4-BE49-F238E27FC236}">
+                <a16:creationId xmlns:a16="http://schemas.microsoft.com/office/drawing/2014/main" id="{EEB2F228-76A8-4085-BEC9-2BB2B59B8ED1}"/>
+              </a:ext>
+            </a:extLst>
+          </p:cNvPr>
+          <p:cNvCxnSpPr>
+            <a:cxnSpLocks/>
+            <a:stCxn id="422" idx="6"/>
+            <a:endCxn id="385" idx="2"/>
+          </p:cNvCxnSpPr>
+          <p:nvPr/>
+        </p:nvCxnSpPr>
+        <p:spPr>
+          <a:xfrm>
+            <a:off x="6651762" y="2126592"/>
+            <a:ext cx="649393" cy="3515981"/>
+          </a:xfrm>
+          <a:prstGeom prst="straightConnector1">
+            <a:avLst/>
+          </a:prstGeom>
+          <a:ln w="9525" cmpd="sng">
+            <a:solidFill>
+              <a:srgbClr val="000000"/>
+            </a:solidFill>
+            <a:headEnd type="none"/>
+            <a:tailEnd type="triangle"/>
+          </a:ln>
+          <a:effectLst/>
+        </p:spPr>
+        <p:style>
+          <a:lnRef idx="2">
+            <a:schemeClr val="accent1"/>
+          </a:lnRef>
+          <a:fillRef idx="0">
+            <a:schemeClr val="accent1"/>
+          </a:fillRef>
+          <a:effectRef idx="1">
+            <a:schemeClr val="accent1"/>
+          </a:effectRef>
+          <a:fontRef idx="minor">
+            <a:schemeClr val="tx1"/>
+          </a:fontRef>
+        </p:style>
+      </p:cxnSp>
+      <p:cxnSp>
+        <p:nvCxnSpPr>
+          <p:cNvPr id="405" name="直线箭头连接符 428">
+            <a:extLst>
+              <a:ext uri="{FF2B5EF4-FFF2-40B4-BE49-F238E27FC236}">
+                <a16:creationId xmlns:a16="http://schemas.microsoft.com/office/drawing/2014/main" id="{CFD829F0-79BF-4A5B-B39A-20AEAD201140}"/>
+              </a:ext>
+            </a:extLst>
+          </p:cNvPr>
+          <p:cNvCxnSpPr>
+            <a:cxnSpLocks/>
+            <a:stCxn id="423" idx="6"/>
+            <a:endCxn id="375" idx="2"/>
+          </p:cNvCxnSpPr>
+          <p:nvPr/>
+        </p:nvCxnSpPr>
+        <p:spPr>
+          <a:xfrm flipV="1">
+            <a:off x="6651762" y="1113004"/>
+            <a:ext cx="649393" cy="1651222"/>
+          </a:xfrm>
+          <a:prstGeom prst="straightConnector1">
+            <a:avLst/>
+          </a:prstGeom>
+          <a:ln w="9525" cmpd="sng">
+            <a:solidFill>
+              <a:srgbClr val="000000"/>
+            </a:solidFill>
+            <a:headEnd type="none"/>
+            <a:tailEnd type="triangle"/>
+          </a:ln>
+          <a:effectLst/>
+        </p:spPr>
+        <p:style>
+          <a:lnRef idx="2">
+            <a:schemeClr val="accent1"/>
+          </a:lnRef>
+          <a:fillRef idx="0">
+            <a:schemeClr val="accent1"/>
+          </a:fillRef>
+          <a:effectRef idx="1">
+            <a:schemeClr val="accent1"/>
+          </a:effectRef>
+          <a:fontRef idx="minor">
+            <a:schemeClr val="tx1"/>
+          </a:fontRef>
+        </p:style>
+      </p:cxnSp>
+      <p:cxnSp>
+        <p:nvCxnSpPr>
+          <p:cNvPr id="407" name="直线箭头连接符 428">
+            <a:extLst>
+              <a:ext uri="{FF2B5EF4-FFF2-40B4-BE49-F238E27FC236}">
+                <a16:creationId xmlns:a16="http://schemas.microsoft.com/office/drawing/2014/main" id="{AE804C51-2480-4627-8248-C3919594B827}"/>
+              </a:ext>
+            </a:extLst>
+          </p:cNvPr>
+          <p:cNvCxnSpPr>
+            <a:cxnSpLocks/>
+            <a:stCxn id="423" idx="6"/>
+            <a:endCxn id="377" idx="2"/>
+          </p:cNvCxnSpPr>
+          <p:nvPr/>
+        </p:nvCxnSpPr>
+        <p:spPr>
+          <a:xfrm flipV="1">
+            <a:off x="6651762" y="1750638"/>
+            <a:ext cx="649393" cy="1013588"/>
+          </a:xfrm>
+          <a:prstGeom prst="straightConnector1">
+            <a:avLst/>
+          </a:prstGeom>
+          <a:ln w="9525" cmpd="sng">
+            <a:solidFill>
+              <a:srgbClr val="000000"/>
+            </a:solidFill>
+            <a:headEnd type="none"/>
+            <a:tailEnd type="triangle"/>
+          </a:ln>
+          <a:effectLst/>
+        </p:spPr>
+        <p:style>
+          <a:lnRef idx="2">
+            <a:schemeClr val="accent1"/>
+          </a:lnRef>
+          <a:fillRef idx="0">
+            <a:schemeClr val="accent1"/>
+          </a:fillRef>
+          <a:effectRef idx="1">
+            <a:schemeClr val="accent1"/>
+          </a:effectRef>
+          <a:fontRef idx="minor">
+            <a:schemeClr val="tx1"/>
+          </a:fontRef>
+        </p:style>
+      </p:cxnSp>
+      <p:cxnSp>
+        <p:nvCxnSpPr>
+          <p:cNvPr id="409" name="直线箭头连接符 428">
+            <a:extLst>
+              <a:ext uri="{FF2B5EF4-FFF2-40B4-BE49-F238E27FC236}">
+                <a16:creationId xmlns:a16="http://schemas.microsoft.com/office/drawing/2014/main" id="{E2E13D27-A970-46CF-8534-2187616F9E15}"/>
+              </a:ext>
+            </a:extLst>
+          </p:cNvPr>
+          <p:cNvCxnSpPr>
+            <a:cxnSpLocks/>
+            <a:stCxn id="423" idx="6"/>
+            <a:endCxn id="379" idx="2"/>
+          </p:cNvCxnSpPr>
+          <p:nvPr/>
+        </p:nvCxnSpPr>
+        <p:spPr>
+          <a:xfrm flipV="1">
+            <a:off x="6651762" y="2388272"/>
+            <a:ext cx="649393" cy="375954"/>
+          </a:xfrm>
+          <a:prstGeom prst="straightConnector1">
+            <a:avLst/>
+          </a:prstGeom>
+          <a:ln w="9525" cmpd="sng">
+            <a:solidFill>
+              <a:srgbClr val="000000"/>
+            </a:solidFill>
+            <a:headEnd type="none"/>
+            <a:tailEnd type="triangle"/>
+          </a:ln>
+          <a:effectLst/>
+        </p:spPr>
+        <p:style>
+          <a:lnRef idx="2">
+            <a:schemeClr val="accent1"/>
+          </a:lnRef>
+          <a:fillRef idx="0">
+            <a:schemeClr val="accent1"/>
+          </a:fillRef>
+          <a:effectRef idx="1">
+            <a:schemeClr val="accent1"/>
+          </a:effectRef>
+          <a:fontRef idx="minor">
+            <a:schemeClr val="tx1"/>
+          </a:fontRef>
+        </p:style>
+      </p:cxnSp>
+      <p:cxnSp>
+        <p:nvCxnSpPr>
+          <p:cNvPr id="413" name="直线箭头连接符 428">
+            <a:extLst>
+              <a:ext uri="{FF2B5EF4-FFF2-40B4-BE49-F238E27FC236}">
+                <a16:creationId xmlns:a16="http://schemas.microsoft.com/office/drawing/2014/main" id="{4B0EE129-0D47-4328-8D67-BBDE580BBADC}"/>
+              </a:ext>
+            </a:extLst>
+          </p:cNvPr>
+          <p:cNvCxnSpPr>
+            <a:cxnSpLocks/>
+            <a:stCxn id="423" idx="6"/>
+            <a:endCxn id="381" idx="2"/>
+          </p:cNvCxnSpPr>
+          <p:nvPr/>
+        </p:nvCxnSpPr>
+        <p:spPr>
+          <a:xfrm>
+            <a:off x="6651762" y="2764226"/>
+            <a:ext cx="649393" cy="261680"/>
+          </a:xfrm>
+          <a:prstGeom prst="straightConnector1">
+            <a:avLst/>
+          </a:prstGeom>
+          <a:ln w="9525" cmpd="sng">
+            <a:solidFill>
+              <a:srgbClr val="000000"/>
+            </a:solidFill>
+            <a:headEnd type="none"/>
+            <a:tailEnd type="triangle"/>
+          </a:ln>
+          <a:effectLst/>
+        </p:spPr>
+        <p:style>
+          <a:lnRef idx="2">
+            <a:schemeClr val="accent1"/>
+          </a:lnRef>
+          <a:fillRef idx="0">
+            <a:schemeClr val="accent1"/>
+          </a:fillRef>
+          <a:effectRef idx="1">
+            <a:schemeClr val="accent1"/>
+          </a:effectRef>
+          <a:fontRef idx="minor">
+            <a:schemeClr val="tx1"/>
+          </a:fontRef>
+        </p:style>
+      </p:cxnSp>
+      <p:cxnSp>
+        <p:nvCxnSpPr>
+          <p:cNvPr id="416" name="直线箭头连接符 428">
+            <a:extLst>
+              <a:ext uri="{FF2B5EF4-FFF2-40B4-BE49-F238E27FC236}">
+                <a16:creationId xmlns:a16="http://schemas.microsoft.com/office/drawing/2014/main" id="{C1D3FD61-E328-417B-998A-8A2D7091ACB6}"/>
+              </a:ext>
+            </a:extLst>
+          </p:cNvPr>
+          <p:cNvCxnSpPr>
+            <a:cxnSpLocks/>
+            <a:stCxn id="423" idx="6"/>
+            <a:endCxn id="383" idx="2"/>
+          </p:cNvCxnSpPr>
+          <p:nvPr/>
+        </p:nvCxnSpPr>
+        <p:spPr>
+          <a:xfrm>
+            <a:off x="6651762" y="2764226"/>
+            <a:ext cx="649393" cy="899314"/>
+          </a:xfrm>
+          <a:prstGeom prst="straightConnector1">
+            <a:avLst/>
+          </a:prstGeom>
+          <a:ln w="9525" cmpd="sng">
+            <a:solidFill>
+              <a:srgbClr val="000000"/>
+            </a:solidFill>
+            <a:headEnd type="none"/>
+            <a:tailEnd type="triangle"/>
+          </a:ln>
+          <a:effectLst/>
+        </p:spPr>
+        <p:style>
+          <a:lnRef idx="2">
+            <a:schemeClr val="accent1"/>
+          </a:lnRef>
+          <a:fillRef idx="0">
+            <a:schemeClr val="accent1"/>
+          </a:fillRef>
+          <a:effectRef idx="1">
+            <a:schemeClr val="accent1"/>
+          </a:effectRef>
+          <a:fontRef idx="minor">
+            <a:schemeClr val="tx1"/>
+          </a:fontRef>
+        </p:style>
+      </p:cxnSp>
+      <p:cxnSp>
+        <p:nvCxnSpPr>
+          <p:cNvPr id="418" name="直线箭头连接符 428">
+            <a:extLst>
+              <a:ext uri="{FF2B5EF4-FFF2-40B4-BE49-F238E27FC236}">
+                <a16:creationId xmlns:a16="http://schemas.microsoft.com/office/drawing/2014/main" id="{90ED289F-3D78-4494-BE73-134B08D66697}"/>
+              </a:ext>
+            </a:extLst>
+          </p:cNvPr>
+          <p:cNvCxnSpPr>
+            <a:cxnSpLocks/>
+            <a:stCxn id="423" idx="6"/>
+            <a:endCxn id="385" idx="2"/>
+          </p:cNvCxnSpPr>
+          <p:nvPr/>
+        </p:nvCxnSpPr>
+        <p:spPr>
+          <a:xfrm>
+            <a:off x="6651762" y="2764226"/>
+            <a:ext cx="649393" cy="2878347"/>
+          </a:xfrm>
+          <a:prstGeom prst="straightConnector1">
+            <a:avLst/>
+          </a:prstGeom>
+          <a:ln w="9525" cmpd="sng">
+            <a:solidFill>
+              <a:srgbClr val="000000"/>
+            </a:solidFill>
+            <a:headEnd type="none"/>
+            <a:tailEnd type="triangle"/>
+          </a:ln>
+          <a:effectLst/>
+        </p:spPr>
+        <p:style>
+          <a:lnRef idx="2">
+            <a:schemeClr val="accent1"/>
+          </a:lnRef>
+          <a:fillRef idx="0">
+            <a:schemeClr val="accent1"/>
+          </a:fillRef>
+          <a:effectRef idx="1">
+            <a:schemeClr val="accent1"/>
+          </a:effectRef>
+          <a:fontRef idx="minor">
+            <a:schemeClr val="tx1"/>
+          </a:fontRef>
+        </p:style>
+      </p:cxnSp>
+      <p:cxnSp>
+        <p:nvCxnSpPr>
+          <p:cNvPr id="428" name="直线箭头连接符 428">
+            <a:extLst>
+              <a:ext uri="{FF2B5EF4-FFF2-40B4-BE49-F238E27FC236}">
+                <a16:creationId xmlns:a16="http://schemas.microsoft.com/office/drawing/2014/main" id="{68E003F8-AD79-47D2-A142-6B80B1D070B2}"/>
+              </a:ext>
+            </a:extLst>
+          </p:cNvPr>
+          <p:cNvCxnSpPr>
+            <a:cxnSpLocks/>
+            <a:stCxn id="424" idx="6"/>
+            <a:endCxn id="375" idx="2"/>
+          </p:cNvCxnSpPr>
+          <p:nvPr/>
+        </p:nvCxnSpPr>
+        <p:spPr>
+          <a:xfrm flipV="1">
+            <a:off x="6651762" y="1113004"/>
+            <a:ext cx="649393" cy="3630255"/>
+          </a:xfrm>
+          <a:prstGeom prst="straightConnector1">
+            <a:avLst/>
+          </a:prstGeom>
+          <a:ln w="9525" cmpd="sng">
+            <a:solidFill>
+              <a:srgbClr val="000000"/>
+            </a:solidFill>
+            <a:headEnd type="none"/>
+            <a:tailEnd type="triangle"/>
+          </a:ln>
+          <a:effectLst/>
+        </p:spPr>
+        <p:style>
+          <a:lnRef idx="2">
+            <a:schemeClr val="accent1"/>
+          </a:lnRef>
+          <a:fillRef idx="0">
+            <a:schemeClr val="accent1"/>
+          </a:fillRef>
+          <a:effectRef idx="1">
+            <a:schemeClr val="accent1"/>
+          </a:effectRef>
+          <a:fontRef idx="minor">
+            <a:schemeClr val="tx1"/>
+          </a:fontRef>
+        </p:style>
+      </p:cxnSp>
+      <p:cxnSp>
+        <p:nvCxnSpPr>
+          <p:cNvPr id="430" name="直线箭头连接符 428">
+            <a:extLst>
+              <a:ext uri="{FF2B5EF4-FFF2-40B4-BE49-F238E27FC236}">
+                <a16:creationId xmlns:a16="http://schemas.microsoft.com/office/drawing/2014/main" id="{CBBB5019-2808-4FAA-BA67-24C8A8AF6C57}"/>
+              </a:ext>
+            </a:extLst>
+          </p:cNvPr>
+          <p:cNvCxnSpPr>
+            <a:cxnSpLocks/>
+            <a:stCxn id="424" idx="6"/>
+            <a:endCxn id="377" idx="2"/>
+          </p:cNvCxnSpPr>
+          <p:nvPr/>
+        </p:nvCxnSpPr>
+        <p:spPr>
+          <a:xfrm flipV="1">
+            <a:off x="6651762" y="1750638"/>
+            <a:ext cx="649393" cy="2992621"/>
+          </a:xfrm>
+          <a:prstGeom prst="straightConnector1">
+            <a:avLst/>
+          </a:prstGeom>
+          <a:ln w="9525" cmpd="sng">
+            <a:solidFill>
+              <a:srgbClr val="000000"/>
+            </a:solidFill>
+            <a:headEnd type="none"/>
+            <a:tailEnd type="triangle"/>
+          </a:ln>
+          <a:effectLst/>
+        </p:spPr>
+        <p:style>
+          <a:lnRef idx="2">
+            <a:schemeClr val="accent1"/>
+          </a:lnRef>
+          <a:fillRef idx="0">
+            <a:schemeClr val="accent1"/>
+          </a:fillRef>
+          <a:effectRef idx="1">
+            <a:schemeClr val="accent1"/>
+          </a:effectRef>
+          <a:fontRef idx="minor">
+            <a:schemeClr val="tx1"/>
+          </a:fontRef>
+        </p:style>
+      </p:cxnSp>
+      <p:cxnSp>
+        <p:nvCxnSpPr>
+          <p:cNvPr id="432" name="直线箭头连接符 428">
+            <a:extLst>
+              <a:ext uri="{FF2B5EF4-FFF2-40B4-BE49-F238E27FC236}">
+                <a16:creationId xmlns:a16="http://schemas.microsoft.com/office/drawing/2014/main" id="{C04691AE-5314-4CA9-82B8-D56FADF32873}"/>
+              </a:ext>
+            </a:extLst>
+          </p:cNvPr>
+          <p:cNvCxnSpPr>
+            <a:cxnSpLocks/>
+            <a:stCxn id="424" idx="6"/>
+            <a:endCxn id="379" idx="2"/>
+          </p:cNvCxnSpPr>
+          <p:nvPr/>
+        </p:nvCxnSpPr>
+        <p:spPr>
+          <a:xfrm flipV="1">
+            <a:off x="6651762" y="2388272"/>
+            <a:ext cx="649393" cy="2354987"/>
+          </a:xfrm>
+          <a:prstGeom prst="straightConnector1">
+            <a:avLst/>
+          </a:prstGeom>
+          <a:ln w="9525" cmpd="sng">
+            <a:solidFill>
+              <a:srgbClr val="000000"/>
+            </a:solidFill>
+            <a:headEnd type="none"/>
+            <a:tailEnd type="triangle"/>
+          </a:ln>
+          <a:effectLst/>
+        </p:spPr>
+        <p:style>
+          <a:lnRef idx="2">
+            <a:schemeClr val="accent1"/>
+          </a:lnRef>
+          <a:fillRef idx="0">
+            <a:schemeClr val="accent1"/>
+          </a:fillRef>
+          <a:effectRef idx="1">
+            <a:schemeClr val="accent1"/>
+          </a:effectRef>
+          <a:fontRef idx="minor">
+            <a:schemeClr val="tx1"/>
+          </a:fontRef>
+        </p:style>
+      </p:cxnSp>
+      <p:cxnSp>
+        <p:nvCxnSpPr>
+          <p:cNvPr id="434" name="直线箭头连接符 428">
+            <a:extLst>
+              <a:ext uri="{FF2B5EF4-FFF2-40B4-BE49-F238E27FC236}">
+                <a16:creationId xmlns:a16="http://schemas.microsoft.com/office/drawing/2014/main" id="{335A17EC-2D45-4524-BA6B-00B02D457B17}"/>
+              </a:ext>
+            </a:extLst>
+          </p:cNvPr>
+          <p:cNvCxnSpPr>
+            <a:cxnSpLocks/>
+            <a:stCxn id="424" idx="6"/>
+            <a:endCxn id="381" idx="2"/>
+          </p:cNvCxnSpPr>
+          <p:nvPr/>
+        </p:nvCxnSpPr>
+        <p:spPr>
+          <a:xfrm flipV="1">
+            <a:off x="6651762" y="3025906"/>
+            <a:ext cx="649393" cy="1717353"/>
+          </a:xfrm>
+          <a:prstGeom prst="straightConnector1">
+            <a:avLst/>
+          </a:prstGeom>
+          <a:ln w="9525" cmpd="sng">
+            <a:solidFill>
+              <a:srgbClr val="000000"/>
+            </a:solidFill>
+            <a:headEnd type="none"/>
+            <a:tailEnd type="triangle"/>
+          </a:ln>
+          <a:effectLst/>
+        </p:spPr>
+        <p:style>
+          <a:lnRef idx="2">
+            <a:schemeClr val="accent1"/>
+          </a:lnRef>
+          <a:fillRef idx="0">
+            <a:schemeClr val="accent1"/>
+          </a:fillRef>
+          <a:effectRef idx="1">
+            <a:schemeClr val="accent1"/>
+          </a:effectRef>
+          <a:fontRef idx="minor">
+            <a:schemeClr val="tx1"/>
+          </a:fontRef>
+        </p:style>
+      </p:cxnSp>
+      <p:cxnSp>
+        <p:nvCxnSpPr>
+          <p:cNvPr id="436" name="直线箭头连接符 428">
+            <a:extLst>
+              <a:ext uri="{FF2B5EF4-FFF2-40B4-BE49-F238E27FC236}">
+                <a16:creationId xmlns:a16="http://schemas.microsoft.com/office/drawing/2014/main" id="{9902FB3F-49A8-438C-9E6F-69C764F16A80}"/>
+              </a:ext>
+            </a:extLst>
+          </p:cNvPr>
+          <p:cNvCxnSpPr>
+            <a:cxnSpLocks/>
+            <a:stCxn id="424" idx="6"/>
+            <a:endCxn id="383" idx="2"/>
+          </p:cNvCxnSpPr>
+          <p:nvPr/>
+        </p:nvCxnSpPr>
+        <p:spPr>
+          <a:xfrm flipV="1">
+            <a:off x="6651762" y="3663540"/>
+            <a:ext cx="649393" cy="1079719"/>
+          </a:xfrm>
+          <a:prstGeom prst="straightConnector1">
+            <a:avLst/>
+          </a:prstGeom>
+          <a:ln w="9525" cmpd="sng">
+            <a:solidFill>
+              <a:srgbClr val="000000"/>
+            </a:solidFill>
+            <a:headEnd type="none"/>
+            <a:tailEnd type="triangle"/>
+          </a:ln>
+          <a:effectLst/>
+        </p:spPr>
+        <p:style>
+          <a:lnRef idx="2">
+            <a:schemeClr val="accent1"/>
+          </a:lnRef>
+          <a:fillRef idx="0">
+            <a:schemeClr val="accent1"/>
+          </a:fillRef>
+          <a:effectRef idx="1">
+            <a:schemeClr val="accent1"/>
+          </a:effectRef>
+          <a:fontRef idx="minor">
+            <a:schemeClr val="tx1"/>
+          </a:fontRef>
+        </p:style>
+      </p:cxnSp>
+      <p:cxnSp>
+        <p:nvCxnSpPr>
+          <p:cNvPr id="438" name="直线箭头连接符 428">
+            <a:extLst>
+              <a:ext uri="{FF2B5EF4-FFF2-40B4-BE49-F238E27FC236}">
+                <a16:creationId xmlns:a16="http://schemas.microsoft.com/office/drawing/2014/main" id="{9D68DFA0-13C1-459A-8AFE-95F78A5F22F6}"/>
+              </a:ext>
+            </a:extLst>
+          </p:cNvPr>
+          <p:cNvCxnSpPr>
+            <a:cxnSpLocks/>
+            <a:stCxn id="424" idx="6"/>
+            <a:endCxn id="385" idx="2"/>
+          </p:cNvCxnSpPr>
+          <p:nvPr/>
+        </p:nvCxnSpPr>
+        <p:spPr>
+          <a:xfrm>
+            <a:off x="6651762" y="4743259"/>
+            <a:ext cx="649393" cy="899314"/>
+          </a:xfrm>
+          <a:prstGeom prst="straightConnector1">
+            <a:avLst/>
+          </a:prstGeom>
+          <a:ln w="9525" cmpd="sng">
+            <a:solidFill>
+              <a:srgbClr val="000000"/>
+            </a:solidFill>
+            <a:headEnd type="none"/>
+            <a:tailEnd type="triangle"/>
+          </a:ln>
+          <a:effectLst/>
+        </p:spPr>
+        <p:style>
+          <a:lnRef idx="2">
+            <a:schemeClr val="accent1"/>
+          </a:lnRef>
+          <a:fillRef idx="0">
+            <a:schemeClr val="accent1"/>
+          </a:fillRef>
+          <a:effectRef idx="1">
+            <a:schemeClr val="accent1"/>
+          </a:effectRef>
+          <a:fontRef idx="minor">
+            <a:schemeClr val="tx1"/>
+          </a:fontRef>
+        </p:style>
+      </p:cxnSp>
+      <p:sp>
+        <p:nvSpPr>
+          <p:cNvPr id="355" name="文本框 354">
+            <a:extLst>
+              <a:ext uri="{FF2B5EF4-FFF2-40B4-BE49-F238E27FC236}">
+                <a16:creationId xmlns:a16="http://schemas.microsoft.com/office/drawing/2014/main" id="{20F7B674-4CF3-4949-BCCA-B93EA4B47C78}"/>
+              </a:ext>
+            </a:extLst>
+          </p:cNvPr>
+          <p:cNvSpPr txBox="1"/>
+          <p:nvPr/>
+        </p:nvSpPr>
+        <p:spPr>
+          <a:xfrm>
+            <a:off x="4895082" y="2567059"/>
+            <a:ext cx="492443" cy="1358705"/>
+          </a:xfrm>
+          <a:prstGeom prst="rect">
+            <a:avLst/>
+          </a:prstGeom>
+          <a:noFill/>
+        </p:spPr>
+        <p:txBody>
+          <a:bodyPr vert="eaVert" wrap="none" rtlCol="0">
+            <a:spAutoFit/>
+          </a:bodyPr>
+          <a:lstStyle/>
+          <a:p>
+            <a:r>
+              <a:rPr lang="zh-CN" altLang="en-US" sz="2000" b="1" dirty="0">
+                <a:latin typeface="Times New Roman" panose="02020603050405020304" pitchFamily="18" charset="0"/>
+                <a:cs typeface="Times New Roman" panose="02020603050405020304" pitchFamily="18" charset="0"/>
+              </a:rPr>
+              <a:t>自动编码器</a:t>
+            </a:r>
+          </a:p>
+        </p:txBody>
+      </p:sp>
+      <p:sp>
+        <p:nvSpPr>
+          <p:cNvPr id="444" name="文本框 443">
+            <a:extLst>
+              <a:ext uri="{FF2B5EF4-FFF2-40B4-BE49-F238E27FC236}">
+                <a16:creationId xmlns:a16="http://schemas.microsoft.com/office/drawing/2014/main" id="{CF487A10-1E6F-47A3-AAA6-17FA8B7D2EFA}"/>
+              </a:ext>
+            </a:extLst>
+          </p:cNvPr>
+          <p:cNvSpPr txBox="1"/>
+          <p:nvPr/>
+        </p:nvSpPr>
+        <p:spPr>
+          <a:xfrm>
+            <a:off x="7680542" y="2575685"/>
+            <a:ext cx="492443" cy="1358705"/>
+          </a:xfrm>
+          <a:prstGeom prst="rect">
+            <a:avLst/>
+          </a:prstGeom>
+          <a:noFill/>
+        </p:spPr>
+        <p:txBody>
+          <a:bodyPr vert="eaVert" wrap="none" rtlCol="0">
+            <a:spAutoFit/>
+          </a:bodyPr>
+          <a:lstStyle/>
+          <a:p>
+            <a:r>
+              <a:rPr lang="zh-CN" altLang="en-US" sz="2000" b="1" dirty="0">
+                <a:latin typeface="Times New Roman" panose="02020603050405020304" pitchFamily="18" charset="0"/>
+                <a:cs typeface="Times New Roman" panose="02020603050405020304" pitchFamily="18" charset="0"/>
+              </a:rPr>
+              <a:t>自动解码器</a:t>
+            </a:r>
+          </a:p>
+        </p:txBody>
+      </p:sp>
+      <p:sp>
+        <p:nvSpPr>
+          <p:cNvPr id="446" name="文本框 445">
+            <a:extLst>
+              <a:ext uri="{FF2B5EF4-FFF2-40B4-BE49-F238E27FC236}">
+                <a16:creationId xmlns:a16="http://schemas.microsoft.com/office/drawing/2014/main" id="{6FFD3CFB-4FD6-4F0C-8F1A-B00533017FAB}"/>
+              </a:ext>
+            </a:extLst>
+          </p:cNvPr>
+          <p:cNvSpPr txBox="1"/>
+          <p:nvPr/>
+        </p:nvSpPr>
+        <p:spPr>
+          <a:xfrm>
+            <a:off x="1347025" y="3523663"/>
+            <a:ext cx="1733167" cy="400110"/>
+          </a:xfrm>
+          <a:prstGeom prst="rect">
+            <a:avLst/>
+          </a:prstGeom>
+          <a:noFill/>
+        </p:spPr>
+        <p:txBody>
+          <a:bodyPr wrap="none" rtlCol="0">
+            <a:spAutoFit/>
+          </a:bodyPr>
+          <a:lstStyle/>
+          <a:p>
+            <a:r>
+              <a:rPr kumimoji="1" lang="zh-CN" altLang="en-US" sz="2000" b="1" dirty="0">
+                <a:latin typeface="Times New Roman"/>
+                <a:cs typeface="Times New Roman"/>
+              </a:rPr>
+              <a:t>卷积神经网络</a:t>
+            </a:r>
+          </a:p>
+        </p:txBody>
+      </p:sp>
+      <p:pic>
+        <p:nvPicPr>
+          <p:cNvPr id="484" name="图片 483" descr="屏幕剪辑">
+            <a:extLst>
+              <a:ext uri="{FF2B5EF4-FFF2-40B4-BE49-F238E27FC236}">
+                <a16:creationId xmlns:a16="http://schemas.microsoft.com/office/drawing/2014/main" id="{73FAB102-305F-4C99-9467-6CF84EA31E4C}"/>
+              </a:ext>
+            </a:extLst>
+          </p:cNvPr>
+          <p:cNvPicPr>
+            <a:picLocks noChangeAspect="1"/>
+          </p:cNvPicPr>
+          <p:nvPr/>
+        </p:nvPicPr>
+        <p:blipFill>
+          <a:blip r:embed="rId2"/>
+          <a:stretch>
+            <a:fillRect/>
+          </a:stretch>
+        </p:blipFill>
+        <p:spPr>
+          <a:xfrm>
+            <a:off x="-2223483" y="1509101"/>
+            <a:ext cx="1027391" cy="719670"/>
+          </a:xfrm>
+          <a:prstGeom prst="rect">
+            <a:avLst/>
+          </a:prstGeom>
+        </p:spPr>
+      </p:pic>
+      <p:sp>
+        <p:nvSpPr>
+          <p:cNvPr id="485" name="矩形 484">
+            <a:extLst>
+              <a:ext uri="{FF2B5EF4-FFF2-40B4-BE49-F238E27FC236}">
+                <a16:creationId xmlns:a16="http://schemas.microsoft.com/office/drawing/2014/main" id="{6ED685C5-3E92-4B0D-857D-DAC582849CEB}"/>
+              </a:ext>
+            </a:extLst>
+          </p:cNvPr>
+          <p:cNvSpPr/>
+          <p:nvPr/>
+        </p:nvSpPr>
+        <p:spPr>
+          <a:xfrm>
+            <a:off x="-3033736" y="684096"/>
+            <a:ext cx="2647950" cy="1660659"/>
+          </a:xfrm>
+          <a:prstGeom prst="rect">
+            <a:avLst/>
+          </a:prstGeom>
+          <a:noFill/>
+          <a:ln>
+            <a:solidFill>
+              <a:schemeClr val="tx1"/>
+            </a:solidFill>
+          </a:ln>
+        </p:spPr>
+        <p:style>
+          <a:lnRef idx="1">
+            <a:schemeClr val="accent1"/>
+          </a:lnRef>
+          <a:fillRef idx="3">
+            <a:schemeClr val="accent1"/>
+          </a:fillRef>
+          <a:effectRef idx="2">
+            <a:schemeClr val="accent1"/>
+          </a:effectRef>
+          <a:fontRef idx="minor">
+            <a:schemeClr val="lt1"/>
+          </a:fontRef>
+        </p:style>
+        <p:txBody>
+          <a:bodyPr rtlCol="0" anchor="ctr"/>
+          <a:lstStyle/>
+          <a:p>
+            <a:pPr algn="ctr"/>
+            <a:r>
+              <a:rPr lang="zh-CN" altLang="en-US" dirty="0">
+                <a:solidFill>
+                  <a:schemeClr val="tx1"/>
+                </a:solidFill>
+              </a:rPr>
+              <a:t>物联网设备固件</a:t>
+            </a:r>
+            <a:endParaRPr lang="en-US" altLang="zh-CN" dirty="0">
+              <a:solidFill>
+                <a:schemeClr val="tx1"/>
+              </a:solidFill>
+            </a:endParaRPr>
+          </a:p>
+          <a:p>
+            <a:pPr algn="ctr"/>
+            <a:r>
+              <a:rPr lang="zh-CN" altLang="en-US" dirty="0">
+                <a:solidFill>
+                  <a:schemeClr val="tx1"/>
+                </a:solidFill>
+              </a:rPr>
+              <a:t>控制流图及数据流图</a:t>
+            </a:r>
+            <a:endParaRPr lang="en-US" altLang="zh-CN" dirty="0">
+              <a:solidFill>
+                <a:schemeClr val="tx1"/>
+              </a:solidFill>
+            </a:endParaRPr>
+          </a:p>
+          <a:p>
+            <a:pPr algn="ctr"/>
+            <a:r>
+              <a:rPr lang="zh-CN" altLang="en-US" dirty="0">
+                <a:solidFill>
+                  <a:schemeClr val="tx1"/>
+                </a:solidFill>
+              </a:rPr>
+              <a:t>的邻接矩阵</a:t>
+            </a:r>
+            <a:endParaRPr lang="en-US" altLang="zh-CN" dirty="0">
+              <a:solidFill>
+                <a:schemeClr val="tx1"/>
+              </a:solidFill>
+            </a:endParaRPr>
+          </a:p>
+          <a:p>
+            <a:pPr algn="ctr"/>
+            <a:endParaRPr lang="en-US" altLang="zh-CN" dirty="0">
+              <a:solidFill>
+                <a:schemeClr val="tx1"/>
+              </a:solidFill>
+            </a:endParaRPr>
+          </a:p>
+          <a:p>
+            <a:pPr algn="ctr"/>
+            <a:endParaRPr lang="en-US" altLang="zh-CN" dirty="0">
+              <a:solidFill>
+                <a:schemeClr val="tx1"/>
+              </a:solidFill>
+            </a:endParaRPr>
+          </a:p>
+          <a:p>
+            <a:pPr algn="ctr"/>
+            <a:endParaRPr lang="zh-CN" altLang="en-US" dirty="0">
+              <a:solidFill>
+                <a:schemeClr val="tx1"/>
+              </a:solidFill>
+            </a:endParaRPr>
+          </a:p>
+        </p:txBody>
+      </p:sp>
+      <p:pic>
+        <p:nvPicPr>
+          <p:cNvPr id="486" name="图片 485" descr="屏幕剪辑">
+            <a:extLst>
+              <a:ext uri="{FF2B5EF4-FFF2-40B4-BE49-F238E27FC236}">
+                <a16:creationId xmlns:a16="http://schemas.microsoft.com/office/drawing/2014/main" id="{8DC91953-344A-4D09-97BC-98EDE5293FF8}"/>
+              </a:ext>
+            </a:extLst>
+          </p:cNvPr>
+          <p:cNvPicPr>
+            <a:picLocks noChangeAspect="1"/>
+          </p:cNvPicPr>
+          <p:nvPr/>
+        </p:nvPicPr>
+        <p:blipFill>
+          <a:blip r:embed="rId2"/>
+          <a:stretch>
+            <a:fillRect/>
+          </a:stretch>
+        </p:blipFill>
+        <p:spPr>
+          <a:xfrm>
+            <a:off x="-2223483" y="4997729"/>
+            <a:ext cx="1027391" cy="719670"/>
+          </a:xfrm>
+          <a:prstGeom prst="rect">
+            <a:avLst/>
+          </a:prstGeom>
+        </p:spPr>
+      </p:pic>
+      <p:sp>
+        <p:nvSpPr>
+          <p:cNvPr id="487" name="矩形 486">
+            <a:extLst>
+              <a:ext uri="{FF2B5EF4-FFF2-40B4-BE49-F238E27FC236}">
+                <a16:creationId xmlns:a16="http://schemas.microsoft.com/office/drawing/2014/main" id="{9AC60CAB-24A5-4093-A034-41939DE0D849}"/>
+              </a:ext>
+            </a:extLst>
+          </p:cNvPr>
+          <p:cNvSpPr/>
+          <p:nvPr/>
+        </p:nvSpPr>
+        <p:spPr>
+          <a:xfrm>
+            <a:off x="-3033736" y="4172724"/>
+            <a:ext cx="2647950" cy="1660659"/>
+          </a:xfrm>
+          <a:prstGeom prst="rect">
+            <a:avLst/>
+          </a:prstGeom>
+          <a:noFill/>
+          <a:ln>
+            <a:solidFill>
+              <a:schemeClr val="tx1"/>
+            </a:solidFill>
+          </a:ln>
+        </p:spPr>
+        <p:style>
+          <a:lnRef idx="1">
+            <a:schemeClr val="accent1"/>
+          </a:lnRef>
+          <a:fillRef idx="3">
+            <a:schemeClr val="accent1"/>
+          </a:fillRef>
+          <a:effectRef idx="2">
+            <a:schemeClr val="accent1"/>
+          </a:effectRef>
+          <a:fontRef idx="minor">
+            <a:schemeClr val="lt1"/>
+          </a:fontRef>
+        </p:style>
+        <p:txBody>
+          <a:bodyPr rtlCol="0" anchor="ctr"/>
+          <a:lstStyle/>
+          <a:p>
+            <a:pPr algn="ctr"/>
+            <a:r>
+              <a:rPr lang="zh-CN" altLang="en-US" dirty="0">
+                <a:solidFill>
+                  <a:schemeClr val="tx1"/>
+                </a:solidFill>
+              </a:rPr>
+              <a:t>针对物联网恶意攻击</a:t>
+            </a:r>
+            <a:endParaRPr lang="en-US" altLang="zh-CN" dirty="0">
+              <a:solidFill>
+                <a:schemeClr val="tx1"/>
+              </a:solidFill>
+            </a:endParaRPr>
+          </a:p>
+          <a:p>
+            <a:pPr algn="ctr"/>
+            <a:r>
+              <a:rPr lang="zh-CN" altLang="en-US" dirty="0">
+                <a:solidFill>
+                  <a:schemeClr val="tx1"/>
+                </a:solidFill>
+              </a:rPr>
+              <a:t>控制流图及数据流图</a:t>
+            </a:r>
+            <a:endParaRPr lang="en-US" altLang="zh-CN" dirty="0">
+              <a:solidFill>
+                <a:schemeClr val="tx1"/>
+              </a:solidFill>
+            </a:endParaRPr>
+          </a:p>
+          <a:p>
+            <a:pPr algn="ctr"/>
+            <a:r>
+              <a:rPr lang="zh-CN" altLang="en-US" dirty="0">
+                <a:solidFill>
+                  <a:schemeClr val="tx1"/>
+                </a:solidFill>
+              </a:rPr>
+              <a:t>的邻接矩阵</a:t>
+            </a:r>
+            <a:endParaRPr lang="en-US" altLang="zh-CN" dirty="0">
+              <a:solidFill>
+                <a:schemeClr val="tx1"/>
+              </a:solidFill>
+            </a:endParaRPr>
+          </a:p>
+          <a:p>
+            <a:pPr algn="ctr"/>
+            <a:endParaRPr lang="en-US" altLang="zh-CN" dirty="0">
+              <a:solidFill>
+                <a:schemeClr val="tx1"/>
+              </a:solidFill>
+            </a:endParaRPr>
+          </a:p>
+          <a:p>
+            <a:pPr algn="ctr"/>
+            <a:endParaRPr lang="en-US" altLang="zh-CN" dirty="0">
+              <a:solidFill>
+                <a:schemeClr val="tx1"/>
+              </a:solidFill>
+            </a:endParaRPr>
+          </a:p>
+          <a:p>
+            <a:pPr algn="ctr"/>
+            <a:endParaRPr lang="zh-CN" altLang="en-US" dirty="0">
+              <a:solidFill>
+                <a:schemeClr val="tx1"/>
+              </a:solidFill>
+            </a:endParaRPr>
+          </a:p>
+        </p:txBody>
+      </p:sp>
+      <p:sp>
+        <p:nvSpPr>
+          <p:cNvPr id="488" name="文本框 487">
+            <a:extLst>
+              <a:ext uri="{FF2B5EF4-FFF2-40B4-BE49-F238E27FC236}">
+                <a16:creationId xmlns:a16="http://schemas.microsoft.com/office/drawing/2014/main" id="{824DF871-D8A9-45A7-8018-8433B01B36A3}"/>
+              </a:ext>
+            </a:extLst>
+          </p:cNvPr>
+          <p:cNvSpPr txBox="1"/>
+          <p:nvPr/>
+        </p:nvSpPr>
+        <p:spPr>
+          <a:xfrm>
+            <a:off x="-2429951" y="-412062"/>
+            <a:ext cx="1422184" cy="461665"/>
+          </a:xfrm>
+          <a:prstGeom prst="rect">
+            <a:avLst/>
+          </a:prstGeom>
+          <a:noFill/>
+        </p:spPr>
+        <p:txBody>
+          <a:bodyPr wrap="none" rtlCol="0">
+            <a:spAutoFit/>
+          </a:bodyPr>
+          <a:lstStyle/>
+          <a:p>
+            <a:r>
+              <a:rPr kumimoji="1" lang="zh-CN" altLang="en-US" sz="2400" b="1" dirty="0">
+                <a:latin typeface="Times New Roman"/>
+                <a:cs typeface="Times New Roman"/>
+              </a:rPr>
+              <a:t>输入数据</a:t>
+            </a:r>
+          </a:p>
+        </p:txBody>
+      </p:sp>
+      <p:sp>
+        <p:nvSpPr>
+          <p:cNvPr id="489" name="右箭头 12">
+            <a:extLst>
+              <a:ext uri="{FF2B5EF4-FFF2-40B4-BE49-F238E27FC236}">
+                <a16:creationId xmlns:a16="http://schemas.microsoft.com/office/drawing/2014/main" id="{21750497-93A0-4CBE-827B-D39DC34368A9}"/>
+              </a:ext>
+            </a:extLst>
+          </p:cNvPr>
+          <p:cNvSpPr/>
+          <p:nvPr/>
+        </p:nvSpPr>
+        <p:spPr>
+          <a:xfrm>
+            <a:off x="8234707" y="3059299"/>
+            <a:ext cx="546100" cy="450850"/>
+          </a:xfrm>
+          <a:prstGeom prst="rightArrow">
+            <a:avLst/>
+          </a:prstGeom>
+        </p:spPr>
+        <p:style>
+          <a:lnRef idx="1">
+            <a:schemeClr val="accent1"/>
+          </a:lnRef>
+          <a:fillRef idx="3">
+            <a:schemeClr val="accent1"/>
+          </a:fillRef>
+          <a:effectRef idx="2">
+            <a:schemeClr val="accent1"/>
+          </a:effectRef>
+          <a:fontRef idx="minor">
+            <a:schemeClr val="lt1"/>
+          </a:fontRef>
+        </p:style>
+        <p:txBody>
+          <a:bodyPr rtlCol="0" anchor="ctr"/>
+          <a:lstStyle/>
+          <a:p>
+            <a:pPr algn="ctr"/>
+            <a:endParaRPr kumimoji="1" lang="zh-CN" altLang="en-US"/>
+          </a:p>
+        </p:txBody>
+      </p:sp>
+      <p:sp>
+        <p:nvSpPr>
+          <p:cNvPr id="490" name="矩形 489">
+            <a:extLst>
+              <a:ext uri="{FF2B5EF4-FFF2-40B4-BE49-F238E27FC236}">
+                <a16:creationId xmlns:a16="http://schemas.microsoft.com/office/drawing/2014/main" id="{217FB4FD-D465-41F5-A12B-B51D07C15AC1}"/>
+              </a:ext>
+            </a:extLst>
+          </p:cNvPr>
+          <p:cNvSpPr/>
+          <p:nvPr/>
+        </p:nvSpPr>
+        <p:spPr>
+          <a:xfrm>
+            <a:off x="8910005" y="1384001"/>
+            <a:ext cx="2647950" cy="631195"/>
+          </a:xfrm>
+          <a:prstGeom prst="rect">
+            <a:avLst/>
+          </a:prstGeom>
+          <a:noFill/>
+          <a:ln>
+            <a:solidFill>
+              <a:schemeClr val="tx1"/>
+            </a:solidFill>
+          </a:ln>
+        </p:spPr>
+        <p:style>
+          <a:lnRef idx="1">
+            <a:schemeClr val="accent1"/>
+          </a:lnRef>
+          <a:fillRef idx="3">
+            <a:schemeClr val="accent1"/>
+          </a:fillRef>
+          <a:effectRef idx="2">
+            <a:schemeClr val="accent1"/>
+          </a:effectRef>
+          <a:fontRef idx="minor">
+            <a:schemeClr val="lt1"/>
+          </a:fontRef>
+        </p:style>
+        <p:txBody>
+          <a:bodyPr rtlCol="0" anchor="ctr"/>
+          <a:lstStyle/>
+          <a:p>
+            <a:pPr algn="ctr"/>
+            <a:r>
+              <a:rPr lang="zh-CN" altLang="en-US" dirty="0">
+                <a:solidFill>
+                  <a:schemeClr val="tx1"/>
+                </a:solidFill>
+              </a:rPr>
+              <a:t>物联网设备固件</a:t>
+            </a:r>
+            <a:endParaRPr lang="en-US" altLang="zh-CN" dirty="0">
+              <a:solidFill>
+                <a:schemeClr val="tx1"/>
+              </a:solidFill>
+            </a:endParaRPr>
+          </a:p>
+          <a:p>
+            <a:pPr algn="ctr"/>
+            <a:r>
+              <a:rPr lang="zh-CN" altLang="en-US" dirty="0">
+                <a:solidFill>
+                  <a:schemeClr val="tx1"/>
+                </a:solidFill>
+              </a:rPr>
+              <a:t>漏洞分类</a:t>
+            </a:r>
+            <a:endParaRPr lang="en-US" altLang="zh-CN" dirty="0">
+              <a:solidFill>
+                <a:schemeClr val="tx1"/>
+              </a:solidFill>
+            </a:endParaRPr>
+          </a:p>
+        </p:txBody>
+      </p:sp>
+      <p:sp>
+        <p:nvSpPr>
+          <p:cNvPr id="491" name="矩形 490">
+            <a:extLst>
+              <a:ext uri="{FF2B5EF4-FFF2-40B4-BE49-F238E27FC236}">
+                <a16:creationId xmlns:a16="http://schemas.microsoft.com/office/drawing/2014/main" id="{FCA84822-E987-4A87-9196-25F6F1F40344}"/>
+              </a:ext>
+            </a:extLst>
+          </p:cNvPr>
+          <p:cNvSpPr/>
+          <p:nvPr/>
+        </p:nvSpPr>
+        <p:spPr>
+          <a:xfrm>
+            <a:off x="8910005" y="4349094"/>
+            <a:ext cx="2647950" cy="631195"/>
+          </a:xfrm>
+          <a:prstGeom prst="rect">
+            <a:avLst/>
+          </a:prstGeom>
+          <a:noFill/>
+          <a:ln>
+            <a:solidFill>
+              <a:schemeClr val="tx1"/>
+            </a:solidFill>
+          </a:ln>
+        </p:spPr>
+        <p:style>
+          <a:lnRef idx="1">
+            <a:schemeClr val="accent1"/>
+          </a:lnRef>
+          <a:fillRef idx="3">
+            <a:schemeClr val="accent1"/>
+          </a:fillRef>
+          <a:effectRef idx="2">
+            <a:schemeClr val="accent1"/>
+          </a:effectRef>
+          <a:fontRef idx="minor">
+            <a:schemeClr val="lt1"/>
+          </a:fontRef>
+        </p:style>
+        <p:txBody>
+          <a:bodyPr rtlCol="0" anchor="ctr"/>
+          <a:lstStyle/>
+          <a:p>
+            <a:pPr algn="ctr"/>
+            <a:r>
+              <a:rPr lang="zh-CN" altLang="en-US" dirty="0">
+                <a:solidFill>
+                  <a:schemeClr val="tx1"/>
+                </a:solidFill>
+              </a:rPr>
+              <a:t>针对物联网的</a:t>
+            </a:r>
+            <a:endParaRPr lang="en-US" altLang="zh-CN" dirty="0">
+              <a:solidFill>
+                <a:schemeClr val="tx1"/>
+              </a:solidFill>
+            </a:endParaRPr>
+          </a:p>
+          <a:p>
+            <a:pPr algn="ctr"/>
+            <a:r>
+              <a:rPr lang="zh-CN" altLang="en-US" dirty="0">
+                <a:solidFill>
+                  <a:schemeClr val="tx1"/>
+                </a:solidFill>
+              </a:rPr>
+              <a:t>恶意攻击分类</a:t>
+            </a:r>
+            <a:endParaRPr lang="en-US" altLang="zh-CN" dirty="0">
+              <a:solidFill>
+                <a:schemeClr val="tx1"/>
+              </a:solidFill>
+            </a:endParaRPr>
+          </a:p>
+        </p:txBody>
+      </p:sp>
+    </p:spTree>
+    <p:extLst>
+      <p:ext uri="{BB962C8B-B14F-4D97-AF65-F5344CB8AC3E}">
+        <p14:creationId xmlns:p14="http://schemas.microsoft.com/office/powerpoint/2010/main" val="2462240331"/>
+      </p:ext>
+    </p:extLst>
+  </p:cSld>
+  <p:clrMapOvr>
+    <a:masterClrMapping/>
+  </p:clrMapOvr>
+</p:sld>
+</file>
+
 <file path=ppt/slides/slide2.xml><?xml version="1.0" encoding="utf-8"?>
 <p:sld xmlns:a="http://schemas.openxmlformats.org/drawingml/2006/main" xmlns:r="http://schemas.openxmlformats.org/officeDocument/2006/relationships" xmlns:p="http://schemas.openxmlformats.org/presentationml/2006/main">
   <p:cSld>
@@ -10912,7 +17792,7 @@
           <a:graphicData uri="http://schemas.openxmlformats.org/presentationml/2006/ole">
             <mc:AlternateContent xmlns:mc="http://schemas.openxmlformats.org/markup-compatibility/2006">
               <mc:Choice xmlns:v="urn:schemas-microsoft-com:vml" Requires="v">
-                <p:oleObj spid="_x0000_s2226" name="公式" r:id="rId3" imgW="609600" imgH="431800" progId="Equation.3">
+                <p:oleObj spid="_x0000_s2688" name="公式" r:id="rId3" imgW="609600" imgH="431800" progId="Equation.3">
                   <p:embed/>
                 </p:oleObj>
               </mc:Choice>
@@ -11164,7 +18044,7 @@
           <a:graphicData uri="http://schemas.openxmlformats.org/presentationml/2006/ole">
             <mc:AlternateContent xmlns:mc="http://schemas.openxmlformats.org/markup-compatibility/2006">
               <mc:Choice xmlns:v="urn:schemas-microsoft-com:vml" Requires="v">
-                <p:oleObj spid="_x0000_s2227" name="公式" r:id="rId5" imgW="609600" imgH="431800" progId="Equation.3">
+                <p:oleObj spid="_x0000_s2689" name="公式" r:id="rId5" imgW="609600" imgH="431800" progId="Equation.3">
                   <p:embed/>
                 </p:oleObj>
               </mc:Choice>
@@ -11221,7 +18101,7 @@
           <a:graphicData uri="http://schemas.openxmlformats.org/presentationml/2006/ole">
             <mc:AlternateContent xmlns:mc="http://schemas.openxmlformats.org/markup-compatibility/2006">
               <mc:Choice xmlns:v="urn:schemas-microsoft-com:vml" Requires="v">
-                <p:oleObj spid="_x0000_s2228" name="公式" r:id="rId7" imgW="482600" imgH="177800" progId="Equation.3">
+                <p:oleObj spid="_x0000_s2690" name="公式" r:id="rId7" imgW="482600" imgH="177800" progId="Equation.3">
                   <p:embed/>
                 </p:oleObj>
               </mc:Choice>
@@ -11278,7 +18158,7 @@
           <a:graphicData uri="http://schemas.openxmlformats.org/presentationml/2006/ole">
             <mc:AlternateContent xmlns:mc="http://schemas.openxmlformats.org/markup-compatibility/2006">
               <mc:Choice xmlns:v="urn:schemas-microsoft-com:vml" Requires="v">
-                <p:oleObj spid="_x0000_s2229" name="公式" r:id="rId9" imgW="292100" imgH="177800" progId="Equation.3">
+                <p:oleObj spid="_x0000_s2691" name="公式" r:id="rId9" imgW="292100" imgH="177800" progId="Equation.3">
                   <p:embed/>
                 </p:oleObj>
               </mc:Choice>
@@ -11335,7 +18215,7 @@
           <a:graphicData uri="http://schemas.openxmlformats.org/presentationml/2006/ole">
             <mc:AlternateContent xmlns:mc="http://schemas.openxmlformats.org/markup-compatibility/2006">
               <mc:Choice xmlns:v="urn:schemas-microsoft-com:vml" Requires="v">
-                <p:oleObj spid="_x0000_s2230" name="公式" r:id="rId11" imgW="368300" imgH="177800" progId="Equation.3">
+                <p:oleObj spid="_x0000_s2692" name="公式" r:id="rId11" imgW="368300" imgH="177800" progId="Equation.3">
                   <p:embed/>
                 </p:oleObj>
               </mc:Choice>
@@ -11474,7 +18354,7 @@
           <a:graphicData uri="http://schemas.openxmlformats.org/presentationml/2006/ole">
             <mc:AlternateContent xmlns:mc="http://schemas.openxmlformats.org/markup-compatibility/2006">
               <mc:Choice xmlns:v="urn:schemas-microsoft-com:vml" Requires="v">
-                <p:oleObj spid="_x0000_s2231" name="公式" r:id="rId13" imgW="292100" imgH="177800" progId="Equation.3">
+                <p:oleObj spid="_x0000_s2693" name="公式" r:id="rId13" imgW="292100" imgH="177800" progId="Equation.3">
                   <p:embed/>
                 </p:oleObj>
               </mc:Choice>
@@ -11531,7 +18411,7 @@
           <a:graphicData uri="http://schemas.openxmlformats.org/presentationml/2006/ole">
             <mc:AlternateContent xmlns:mc="http://schemas.openxmlformats.org/markup-compatibility/2006">
               <mc:Choice xmlns:v="urn:schemas-microsoft-com:vml" Requires="v">
-                <p:oleObj spid="_x0000_s2232" name="公式" r:id="rId14" imgW="292100" imgH="177800" progId="Equation.3">
+                <p:oleObj spid="_x0000_s2694" name="公式" r:id="rId14" imgW="292100" imgH="177800" progId="Equation.3">
                   <p:embed/>
                 </p:oleObj>
               </mc:Choice>
@@ -11588,7 +18468,7 @@
           <a:graphicData uri="http://schemas.openxmlformats.org/presentationml/2006/ole">
             <mc:AlternateContent xmlns:mc="http://schemas.openxmlformats.org/markup-compatibility/2006">
               <mc:Choice xmlns:v="urn:schemas-microsoft-com:vml" Requires="v">
-                <p:oleObj spid="_x0000_s2233" name="公式" r:id="rId16" imgW="292100" imgH="177800" progId="Equation.3">
+                <p:oleObj spid="_x0000_s2695" name="公式" r:id="rId16" imgW="292100" imgH="177800" progId="Equation.3">
                   <p:embed/>
                 </p:oleObj>
               </mc:Choice>
@@ -11645,7 +18525,7 @@
           <a:graphicData uri="http://schemas.openxmlformats.org/presentationml/2006/ole">
             <mc:AlternateContent xmlns:mc="http://schemas.openxmlformats.org/markup-compatibility/2006">
               <mc:Choice xmlns:v="urn:schemas-microsoft-com:vml" Requires="v">
-                <p:oleObj spid="_x0000_s2234" name="公式" r:id="rId17" imgW="292100" imgH="177800" progId="Equation.3">
+                <p:oleObj spid="_x0000_s2696" name="公式" r:id="rId17" imgW="292100" imgH="177800" progId="Equation.3">
                   <p:embed/>
                 </p:oleObj>
               </mc:Choice>
@@ -11702,7 +18582,7 @@
           <a:graphicData uri="http://schemas.openxmlformats.org/presentationml/2006/ole">
             <mc:AlternateContent xmlns:mc="http://schemas.openxmlformats.org/markup-compatibility/2006">
               <mc:Choice xmlns:v="urn:schemas-microsoft-com:vml" Requires="v">
-                <p:oleObj spid="_x0000_s2235" name="公式" r:id="rId18" imgW="292100" imgH="177800" progId="Equation.3">
+                <p:oleObj spid="_x0000_s2697" name="公式" r:id="rId18" imgW="292100" imgH="177800" progId="Equation.3">
                   <p:embed/>
                 </p:oleObj>
               </mc:Choice>
@@ -11759,7 +18639,7 @@
           <a:graphicData uri="http://schemas.openxmlformats.org/presentationml/2006/ole">
             <mc:AlternateContent xmlns:mc="http://schemas.openxmlformats.org/markup-compatibility/2006">
               <mc:Choice xmlns:v="urn:schemas-microsoft-com:vml" Requires="v">
-                <p:oleObj spid="_x0000_s2236" name="公式" r:id="rId19" imgW="292100" imgH="177800" progId="Equation.3">
+                <p:oleObj spid="_x0000_s2698" name="公式" r:id="rId19" imgW="292100" imgH="177800" progId="Equation.3">
                   <p:embed/>
                 </p:oleObj>
               </mc:Choice>
@@ -12440,7 +19320,7 @@
           <a:graphicData uri="http://schemas.openxmlformats.org/presentationml/2006/ole">
             <mc:AlternateContent xmlns:mc="http://schemas.openxmlformats.org/markup-compatibility/2006">
               <mc:Choice xmlns:v="urn:schemas-microsoft-com:vml" Requires="v">
-                <p:oleObj spid="_x0000_s2237" name="公式" r:id="rId20" imgW="673100" imgH="241300" progId="Equation.3">
+                <p:oleObj spid="_x0000_s2699" name="公式" r:id="rId20" imgW="673100" imgH="241300" progId="Equation.3">
                   <p:embed/>
                 </p:oleObj>
               </mc:Choice>
@@ -12497,7 +19377,7 @@
           <a:graphicData uri="http://schemas.openxmlformats.org/presentationml/2006/ole">
             <mc:AlternateContent xmlns:mc="http://schemas.openxmlformats.org/markup-compatibility/2006">
               <mc:Choice xmlns:v="urn:schemas-microsoft-com:vml" Requires="v">
-                <p:oleObj spid="_x0000_s2238" name="公式" r:id="rId22" imgW="673100" imgH="241300" progId="Equation.3">
+                <p:oleObj spid="_x0000_s2700" name="公式" r:id="rId22" imgW="673100" imgH="241300" progId="Equation.3">
                   <p:embed/>
                 </p:oleObj>
               </mc:Choice>
@@ -15483,7 +22363,7 @@
           <a:graphicData uri="http://schemas.openxmlformats.org/presentationml/2006/ole">
             <mc:AlternateContent xmlns:mc="http://schemas.openxmlformats.org/markup-compatibility/2006">
               <mc:Choice xmlns:v="urn:schemas-microsoft-com:vml" Requires="v">
-                <p:oleObj spid="_x0000_s2239" name="公式" r:id="rId24" imgW="711200" imgH="241300" progId="Equation.3">
+                <p:oleObj spid="_x0000_s2701" name="公式" r:id="rId24" imgW="711200" imgH="241300" progId="Equation.3">
                   <p:embed/>
                 </p:oleObj>
               </mc:Choice>
@@ -15688,7 +22568,7 @@
           <a:noFill/>
           <a:extLst>
             <a:ext uri="{909E8E84-426E-40dd-AFC4-6F175D3DCCD1}">
-              <a14:hiddenFill xmlns="" xmlns:a14="http://schemas.microsoft.com/office/drawing/2010/main">
+              <a14:hiddenFill xmlns:a14="http://schemas.microsoft.com/office/drawing/2010/main" xmlns="">
                 <a:solidFill>
                   <a:srgbClr val="FFFFFF"/>
                 </a:solidFill>
@@ -16588,7 +23468,7 @@
           <a:noFill/>
           <a:extLst>
             <a:ext uri="{909E8E84-426E-40dd-AFC4-6F175D3DCCD1}">
-              <a14:hiddenFill xmlns="" xmlns:a14="http://schemas.microsoft.com/office/drawing/2010/main">
+              <a14:hiddenFill xmlns:a14="http://schemas.microsoft.com/office/drawing/2010/main" xmlns="">
                 <a:solidFill>
                   <a:srgbClr val="FFFFFF"/>
                 </a:solidFill>
@@ -16820,7 +23700,7 @@
           <a:noFill/>
           <a:extLst>
             <a:ext uri="{909E8E84-426E-40dd-AFC4-6F175D3DCCD1}">
-              <a14:hiddenFill xmlns="" xmlns:a14="http://schemas.microsoft.com/office/drawing/2010/main">
+              <a14:hiddenFill xmlns:a14="http://schemas.microsoft.com/office/drawing/2010/main" xmlns="">
                 <a:solidFill>
                   <a:srgbClr val="FFFFFF"/>
                 </a:solidFill>
@@ -17775,7 +24655,7 @@
           <a:noFill/>
           <a:extLst>
             <a:ext uri="{909E8E84-426E-40dd-AFC4-6F175D3DCCD1}">
-              <a14:hiddenFill xmlns="" xmlns:a14="http://schemas.microsoft.com/office/drawing/2010/main">
+              <a14:hiddenFill xmlns:a14="http://schemas.microsoft.com/office/drawing/2010/main" xmlns="">
                 <a:solidFill>
                   <a:srgbClr val="FFFFFF"/>
                 </a:solidFill>

--- a/images/image.pptx
+++ b/images/image.pptx
@@ -10889,7 +10889,7 @@
             <a:avLst/>
           </a:prstGeom>
           <a:noFill/>
-          <a:ln>
+          <a:ln w="38100">
             <a:solidFill>
               <a:schemeClr val="tx1"/>
             </a:solidFill>
@@ -10915,49 +10915,61 @@
           <a:p>
             <a:pPr algn="ctr"/>
             <a:r>
-              <a:rPr lang="zh-CN" altLang="en-US" dirty="0">
+              <a:rPr lang="zh-CN" altLang="en-US" b="1" dirty="0">
                 <a:solidFill>
                   <a:schemeClr val="tx1"/>
                 </a:solidFill>
+                <a:latin typeface="Times New Roman" panose="02020603050405020304" pitchFamily="18" charset="0"/>
+                <a:cs typeface="Times New Roman" panose="02020603050405020304" pitchFamily="18" charset="0"/>
               </a:rPr>
               <a:t>物联网设备固件</a:t>
             </a:r>
-            <a:endParaRPr lang="en-US" altLang="zh-CN" dirty="0">
+            <a:endParaRPr lang="en-US" altLang="zh-CN" b="1" dirty="0">
               <a:solidFill>
                 <a:schemeClr val="tx1"/>
               </a:solidFill>
+              <a:latin typeface="Times New Roman" panose="02020603050405020304" pitchFamily="18" charset="0"/>
+              <a:cs typeface="Times New Roman" panose="02020603050405020304" pitchFamily="18" charset="0"/>
             </a:endParaRPr>
           </a:p>
           <a:p>
             <a:pPr algn="ctr"/>
             <a:r>
-              <a:rPr lang="zh-CN" altLang="en-US" dirty="0">
+              <a:rPr lang="zh-CN" altLang="en-US" b="1" dirty="0">
                 <a:solidFill>
                   <a:schemeClr val="tx1"/>
                 </a:solidFill>
+                <a:latin typeface="Times New Roman" panose="02020603050405020304" pitchFamily="18" charset="0"/>
+                <a:cs typeface="Times New Roman" panose="02020603050405020304" pitchFamily="18" charset="0"/>
               </a:rPr>
               <a:t>控制流图及数据流图</a:t>
             </a:r>
-            <a:endParaRPr lang="en-US" altLang="zh-CN" dirty="0">
+            <a:endParaRPr lang="en-US" altLang="zh-CN" b="1" dirty="0">
               <a:solidFill>
                 <a:schemeClr val="tx1"/>
               </a:solidFill>
+              <a:latin typeface="Times New Roman" panose="02020603050405020304" pitchFamily="18" charset="0"/>
+              <a:cs typeface="Times New Roman" panose="02020603050405020304" pitchFamily="18" charset="0"/>
             </a:endParaRPr>
           </a:p>
           <a:p>
             <a:pPr algn="ctr"/>
             <a:r>
-              <a:rPr lang="zh-CN" altLang="en-US" dirty="0">
+              <a:rPr lang="zh-CN" altLang="en-US" b="1" dirty="0">
                 <a:solidFill>
                   <a:schemeClr val="tx1"/>
                 </a:solidFill>
+                <a:latin typeface="Times New Roman" panose="02020603050405020304" pitchFamily="18" charset="0"/>
+                <a:cs typeface="Times New Roman" panose="02020603050405020304" pitchFamily="18" charset="0"/>
               </a:rPr>
               <a:t>的邻接矩阵</a:t>
             </a:r>
-            <a:endParaRPr lang="en-US" altLang="zh-CN" dirty="0">
+            <a:endParaRPr lang="en-US" altLang="zh-CN" b="1" dirty="0">
               <a:solidFill>
                 <a:schemeClr val="tx1"/>
               </a:solidFill>
+              <a:latin typeface="Times New Roman" panose="02020603050405020304" pitchFamily="18" charset="0"/>
+              <a:cs typeface="Times New Roman" panose="02020603050405020304" pitchFamily="18" charset="0"/>
             </a:endParaRPr>
           </a:p>
           <a:p>
@@ -11037,7 +11049,7 @@
             <a:avLst/>
           </a:prstGeom>
           <a:noFill/>
-          <a:ln>
+          <a:ln w="38100">
             <a:solidFill>
               <a:schemeClr val="tx1"/>
             </a:solidFill>
@@ -11063,14 +11075,14 @@
           <a:p>
             <a:pPr algn="ctr"/>
             <a:r>
-              <a:rPr lang="zh-CN" altLang="en-US" dirty="0">
+              <a:rPr lang="zh-CN" altLang="en-US" b="1" dirty="0">
                 <a:solidFill>
                   <a:schemeClr val="tx1"/>
                 </a:solidFill>
               </a:rPr>
               <a:t>针对物联网恶意攻击</a:t>
             </a:r>
-            <a:endParaRPr lang="en-US" altLang="zh-CN" dirty="0">
+            <a:endParaRPr lang="en-US" altLang="zh-CN" b="1" dirty="0">
               <a:solidFill>
                 <a:schemeClr val="tx1"/>
               </a:solidFill>
@@ -11079,14 +11091,14 @@
           <a:p>
             <a:pPr algn="ctr"/>
             <a:r>
-              <a:rPr lang="zh-CN" altLang="en-US" dirty="0">
+              <a:rPr lang="zh-CN" altLang="en-US" b="1" dirty="0">
                 <a:solidFill>
                   <a:schemeClr val="tx1"/>
                 </a:solidFill>
               </a:rPr>
               <a:t>控制流图及数据流图</a:t>
             </a:r>
-            <a:endParaRPr lang="en-US" altLang="zh-CN" dirty="0">
+            <a:endParaRPr lang="en-US" altLang="zh-CN" b="1" dirty="0">
               <a:solidFill>
                 <a:schemeClr val="tx1"/>
               </a:solidFill>
@@ -11095,14 +11107,14 @@
           <a:p>
             <a:pPr algn="ctr"/>
             <a:r>
-              <a:rPr lang="zh-CN" altLang="en-US" dirty="0">
+              <a:rPr lang="zh-CN" altLang="en-US" b="1" dirty="0">
                 <a:solidFill>
                   <a:schemeClr val="tx1"/>
                 </a:solidFill>
               </a:rPr>
               <a:t>的邻接矩阵</a:t>
             </a:r>
-            <a:endParaRPr lang="en-US" altLang="zh-CN" dirty="0">
+            <a:endParaRPr lang="en-US" altLang="zh-CN" b="1" dirty="0">
               <a:solidFill>
                 <a:schemeClr val="tx1"/>
               </a:solidFill>
@@ -11237,7 +11249,7 @@
             <a:avLst/>
           </a:prstGeom>
           <a:noFill/>
-          <a:ln>
+          <a:ln w="38100">
             <a:solidFill>
               <a:schemeClr val="tx1"/>
             </a:solidFill>
@@ -11263,14 +11275,14 @@
           <a:p>
             <a:pPr algn="ctr"/>
             <a:r>
-              <a:rPr lang="zh-CN" altLang="en-US" dirty="0">
+              <a:rPr lang="zh-CN" altLang="en-US" b="1" dirty="0">
                 <a:solidFill>
                   <a:schemeClr val="tx1"/>
                 </a:solidFill>
               </a:rPr>
               <a:t>物联网设备固件</a:t>
             </a:r>
-            <a:endParaRPr lang="en-US" altLang="zh-CN" dirty="0">
+            <a:endParaRPr lang="en-US" altLang="zh-CN" b="1" dirty="0">
               <a:solidFill>
                 <a:schemeClr val="tx1"/>
               </a:solidFill>
@@ -11279,14 +11291,14 @@
           <a:p>
             <a:pPr algn="ctr"/>
             <a:r>
-              <a:rPr lang="zh-CN" altLang="en-US" dirty="0">
+              <a:rPr lang="zh-CN" altLang="en-US" b="1" dirty="0">
                 <a:solidFill>
                   <a:schemeClr val="tx1"/>
                 </a:solidFill>
               </a:rPr>
               <a:t>漏洞分类</a:t>
             </a:r>
-            <a:endParaRPr lang="en-US" altLang="zh-CN" dirty="0">
+            <a:endParaRPr lang="en-US" altLang="zh-CN" b="1" dirty="0">
               <a:solidFill>
                 <a:schemeClr val="tx1"/>
               </a:solidFill>
@@ -11315,7 +11327,7 @@
             <a:avLst/>
           </a:prstGeom>
           <a:noFill/>
-          <a:ln>
+          <a:ln w="38100">
             <a:solidFill>
               <a:schemeClr val="tx1"/>
             </a:solidFill>
@@ -11341,14 +11353,14 @@
           <a:p>
             <a:pPr algn="ctr"/>
             <a:r>
-              <a:rPr lang="zh-CN" altLang="en-US" dirty="0">
+              <a:rPr lang="zh-CN" altLang="en-US" b="1" dirty="0">
                 <a:solidFill>
                   <a:schemeClr val="tx1"/>
                 </a:solidFill>
               </a:rPr>
               <a:t>针对物联网的</a:t>
             </a:r>
-            <a:endParaRPr lang="en-US" altLang="zh-CN" dirty="0">
+            <a:endParaRPr lang="en-US" altLang="zh-CN" b="1" dirty="0">
               <a:solidFill>
                 <a:schemeClr val="tx1"/>
               </a:solidFill>
@@ -11357,14 +11369,14 @@
           <a:p>
             <a:pPr algn="ctr"/>
             <a:r>
-              <a:rPr lang="zh-CN" altLang="en-US" dirty="0">
+              <a:rPr lang="zh-CN" altLang="en-US" b="1" dirty="0">
                 <a:solidFill>
                   <a:schemeClr val="tx1"/>
                 </a:solidFill>
               </a:rPr>
               <a:t>恶意攻击分类</a:t>
             </a:r>
-            <a:endParaRPr lang="en-US" altLang="zh-CN" dirty="0">
+            <a:endParaRPr lang="en-US" altLang="zh-CN" b="1" dirty="0">
               <a:solidFill>
                 <a:schemeClr val="tx1"/>
               </a:solidFill>
@@ -17792,7 +17804,7 @@
           <a:graphicData uri="http://schemas.openxmlformats.org/presentationml/2006/ole">
             <mc:AlternateContent xmlns:mc="http://schemas.openxmlformats.org/markup-compatibility/2006">
               <mc:Choice xmlns:v="urn:schemas-microsoft-com:vml" Requires="v">
-                <p:oleObj spid="_x0000_s2688" name="公式" r:id="rId3" imgW="609600" imgH="431800" progId="Equation.3">
+                <p:oleObj spid="_x0000_s2702" name="公式" r:id="rId3" imgW="609600" imgH="431800" progId="Equation.3">
                   <p:embed/>
                 </p:oleObj>
               </mc:Choice>
@@ -18044,7 +18056,7 @@
           <a:graphicData uri="http://schemas.openxmlformats.org/presentationml/2006/ole">
             <mc:AlternateContent xmlns:mc="http://schemas.openxmlformats.org/markup-compatibility/2006">
               <mc:Choice xmlns:v="urn:schemas-microsoft-com:vml" Requires="v">
-                <p:oleObj spid="_x0000_s2689" name="公式" r:id="rId5" imgW="609600" imgH="431800" progId="Equation.3">
+                <p:oleObj spid="_x0000_s2703" name="公式" r:id="rId5" imgW="609600" imgH="431800" progId="Equation.3">
                   <p:embed/>
                 </p:oleObj>
               </mc:Choice>
@@ -18101,7 +18113,7 @@
           <a:graphicData uri="http://schemas.openxmlformats.org/presentationml/2006/ole">
             <mc:AlternateContent xmlns:mc="http://schemas.openxmlformats.org/markup-compatibility/2006">
               <mc:Choice xmlns:v="urn:schemas-microsoft-com:vml" Requires="v">
-                <p:oleObj spid="_x0000_s2690" name="公式" r:id="rId7" imgW="482600" imgH="177800" progId="Equation.3">
+                <p:oleObj spid="_x0000_s2704" name="公式" r:id="rId7" imgW="482600" imgH="177800" progId="Equation.3">
                   <p:embed/>
                 </p:oleObj>
               </mc:Choice>
@@ -18158,7 +18170,7 @@
           <a:graphicData uri="http://schemas.openxmlformats.org/presentationml/2006/ole">
             <mc:AlternateContent xmlns:mc="http://schemas.openxmlformats.org/markup-compatibility/2006">
               <mc:Choice xmlns:v="urn:schemas-microsoft-com:vml" Requires="v">
-                <p:oleObj spid="_x0000_s2691" name="公式" r:id="rId9" imgW="292100" imgH="177800" progId="Equation.3">
+                <p:oleObj spid="_x0000_s2705" name="公式" r:id="rId9" imgW="292100" imgH="177800" progId="Equation.3">
                   <p:embed/>
                 </p:oleObj>
               </mc:Choice>
@@ -18215,7 +18227,7 @@
           <a:graphicData uri="http://schemas.openxmlformats.org/presentationml/2006/ole">
             <mc:AlternateContent xmlns:mc="http://schemas.openxmlformats.org/markup-compatibility/2006">
               <mc:Choice xmlns:v="urn:schemas-microsoft-com:vml" Requires="v">
-                <p:oleObj spid="_x0000_s2692" name="公式" r:id="rId11" imgW="368300" imgH="177800" progId="Equation.3">
+                <p:oleObj spid="_x0000_s2706" name="公式" r:id="rId11" imgW="368300" imgH="177800" progId="Equation.3">
                   <p:embed/>
                 </p:oleObj>
               </mc:Choice>
@@ -18354,7 +18366,7 @@
           <a:graphicData uri="http://schemas.openxmlformats.org/presentationml/2006/ole">
             <mc:AlternateContent xmlns:mc="http://schemas.openxmlformats.org/markup-compatibility/2006">
               <mc:Choice xmlns:v="urn:schemas-microsoft-com:vml" Requires="v">
-                <p:oleObj spid="_x0000_s2693" name="公式" r:id="rId13" imgW="292100" imgH="177800" progId="Equation.3">
+                <p:oleObj spid="_x0000_s2707" name="公式" r:id="rId13" imgW="292100" imgH="177800" progId="Equation.3">
                   <p:embed/>
                 </p:oleObj>
               </mc:Choice>
@@ -18411,7 +18423,7 @@
           <a:graphicData uri="http://schemas.openxmlformats.org/presentationml/2006/ole">
             <mc:AlternateContent xmlns:mc="http://schemas.openxmlformats.org/markup-compatibility/2006">
               <mc:Choice xmlns:v="urn:schemas-microsoft-com:vml" Requires="v">
-                <p:oleObj spid="_x0000_s2694" name="公式" r:id="rId14" imgW="292100" imgH="177800" progId="Equation.3">
+                <p:oleObj spid="_x0000_s2708" name="公式" r:id="rId14" imgW="292100" imgH="177800" progId="Equation.3">
                   <p:embed/>
                 </p:oleObj>
               </mc:Choice>
@@ -18468,7 +18480,7 @@
           <a:graphicData uri="http://schemas.openxmlformats.org/presentationml/2006/ole">
             <mc:AlternateContent xmlns:mc="http://schemas.openxmlformats.org/markup-compatibility/2006">
               <mc:Choice xmlns:v="urn:schemas-microsoft-com:vml" Requires="v">
-                <p:oleObj spid="_x0000_s2695" name="公式" r:id="rId16" imgW="292100" imgH="177800" progId="Equation.3">
+                <p:oleObj spid="_x0000_s2709" name="公式" r:id="rId16" imgW="292100" imgH="177800" progId="Equation.3">
                   <p:embed/>
                 </p:oleObj>
               </mc:Choice>
@@ -18525,7 +18537,7 @@
           <a:graphicData uri="http://schemas.openxmlformats.org/presentationml/2006/ole">
             <mc:AlternateContent xmlns:mc="http://schemas.openxmlformats.org/markup-compatibility/2006">
               <mc:Choice xmlns:v="urn:schemas-microsoft-com:vml" Requires="v">
-                <p:oleObj spid="_x0000_s2696" name="公式" r:id="rId17" imgW="292100" imgH="177800" progId="Equation.3">
+                <p:oleObj spid="_x0000_s2710" name="公式" r:id="rId17" imgW="292100" imgH="177800" progId="Equation.3">
                   <p:embed/>
                 </p:oleObj>
               </mc:Choice>
@@ -18582,7 +18594,7 @@
           <a:graphicData uri="http://schemas.openxmlformats.org/presentationml/2006/ole">
             <mc:AlternateContent xmlns:mc="http://schemas.openxmlformats.org/markup-compatibility/2006">
               <mc:Choice xmlns:v="urn:schemas-microsoft-com:vml" Requires="v">
-                <p:oleObj spid="_x0000_s2697" name="公式" r:id="rId18" imgW="292100" imgH="177800" progId="Equation.3">
+                <p:oleObj spid="_x0000_s2711" name="公式" r:id="rId18" imgW="292100" imgH="177800" progId="Equation.3">
                   <p:embed/>
                 </p:oleObj>
               </mc:Choice>
@@ -18639,7 +18651,7 @@
           <a:graphicData uri="http://schemas.openxmlformats.org/presentationml/2006/ole">
             <mc:AlternateContent xmlns:mc="http://schemas.openxmlformats.org/markup-compatibility/2006">
               <mc:Choice xmlns:v="urn:schemas-microsoft-com:vml" Requires="v">
-                <p:oleObj spid="_x0000_s2698" name="公式" r:id="rId19" imgW="292100" imgH="177800" progId="Equation.3">
+                <p:oleObj spid="_x0000_s2712" name="公式" r:id="rId19" imgW="292100" imgH="177800" progId="Equation.3">
                   <p:embed/>
                 </p:oleObj>
               </mc:Choice>
@@ -19320,7 +19332,7 @@
           <a:graphicData uri="http://schemas.openxmlformats.org/presentationml/2006/ole">
             <mc:AlternateContent xmlns:mc="http://schemas.openxmlformats.org/markup-compatibility/2006">
               <mc:Choice xmlns:v="urn:schemas-microsoft-com:vml" Requires="v">
-                <p:oleObj spid="_x0000_s2699" name="公式" r:id="rId20" imgW="673100" imgH="241300" progId="Equation.3">
+                <p:oleObj spid="_x0000_s2713" name="公式" r:id="rId20" imgW="673100" imgH="241300" progId="Equation.3">
                   <p:embed/>
                 </p:oleObj>
               </mc:Choice>
@@ -19377,7 +19389,7 @@
           <a:graphicData uri="http://schemas.openxmlformats.org/presentationml/2006/ole">
             <mc:AlternateContent xmlns:mc="http://schemas.openxmlformats.org/markup-compatibility/2006">
               <mc:Choice xmlns:v="urn:schemas-microsoft-com:vml" Requires="v">
-                <p:oleObj spid="_x0000_s2700" name="公式" r:id="rId22" imgW="673100" imgH="241300" progId="Equation.3">
+                <p:oleObj spid="_x0000_s2714" name="公式" r:id="rId22" imgW="673100" imgH="241300" progId="Equation.3">
                   <p:embed/>
                 </p:oleObj>
               </mc:Choice>
@@ -22363,7 +22375,7 @@
           <a:graphicData uri="http://schemas.openxmlformats.org/presentationml/2006/ole">
             <mc:AlternateContent xmlns:mc="http://schemas.openxmlformats.org/markup-compatibility/2006">
               <mc:Choice xmlns:v="urn:schemas-microsoft-com:vml" Requires="v">
-                <p:oleObj spid="_x0000_s2701" name="公式" r:id="rId24" imgW="711200" imgH="241300" progId="Equation.3">
+                <p:oleObj spid="_x0000_s2715" name="公式" r:id="rId24" imgW="711200" imgH="241300" progId="Equation.3">
                   <p:embed/>
                 </p:oleObj>
               </mc:Choice>
@@ -22568,7 +22580,7 @@
           <a:noFill/>
           <a:extLst>
             <a:ext uri="{909E8E84-426E-40dd-AFC4-6F175D3DCCD1}">
-              <a14:hiddenFill xmlns:a14="http://schemas.microsoft.com/office/drawing/2010/main" xmlns="">
+              <a14:hiddenFill xmlns="" xmlns:a14="http://schemas.microsoft.com/office/drawing/2010/main">
                 <a:solidFill>
                   <a:srgbClr val="FFFFFF"/>
                 </a:solidFill>
@@ -23468,7 +23480,7 @@
           <a:noFill/>
           <a:extLst>
             <a:ext uri="{909E8E84-426E-40dd-AFC4-6F175D3DCCD1}">
-              <a14:hiddenFill xmlns:a14="http://schemas.microsoft.com/office/drawing/2010/main" xmlns="">
+              <a14:hiddenFill xmlns="" xmlns:a14="http://schemas.microsoft.com/office/drawing/2010/main">
                 <a:solidFill>
                   <a:srgbClr val="FFFFFF"/>
                 </a:solidFill>
@@ -23700,7 +23712,7 @@
           <a:noFill/>
           <a:extLst>
             <a:ext uri="{909E8E84-426E-40dd-AFC4-6F175D3DCCD1}">
-              <a14:hiddenFill xmlns:a14="http://schemas.microsoft.com/office/drawing/2010/main" xmlns="">
+              <a14:hiddenFill xmlns="" xmlns:a14="http://schemas.microsoft.com/office/drawing/2010/main">
                 <a:solidFill>
                   <a:srgbClr val="FFFFFF"/>
                 </a:solidFill>
@@ -24655,7 +24667,7 @@
           <a:noFill/>
           <a:extLst>
             <a:ext uri="{909E8E84-426E-40dd-AFC4-6F175D3DCCD1}">
-              <a14:hiddenFill xmlns:a14="http://schemas.microsoft.com/office/drawing/2010/main" xmlns="">
+              <a14:hiddenFill xmlns="" xmlns:a14="http://schemas.microsoft.com/office/drawing/2010/main">
                 <a:solidFill>
                   <a:srgbClr val="FFFFFF"/>
                 </a:solidFill>
